--- a/Documentation/Presentation.pptx
+++ b/Documentation/Presentation.pptx
@@ -28,6 +28,7 @@
     <p:sldId id="277" r:id="rId22"/>
     <p:sldId id="273" r:id="rId23"/>
     <p:sldId id="278" r:id="rId24"/>
+    <p:sldId id="279" r:id="rId25"/>
   </p:sldIdLst>
   <p:sldSz cx="12192000" cy="6858000"/>
   <p:notesSz cx="6858000" cy="9144000"/>
@@ -188,7 +189,7 @@
           <a:noFill/>
           <a:extLst>
             <a:ext uri="{909E8E84-426E-40dd-AFC4-6F175D3DCCD1}">
-              <a14:hiddenFill xmlns="" xmlns:a14="http://schemas.microsoft.com/office/drawing/2010/main">
+              <a14:hiddenFill xmlns:a14="http://schemas.microsoft.com/office/drawing/2010/main" xmlns="">
                 <a:solidFill>
                   <a:srgbClr val="FFFFFF"/>
                 </a:solidFill>
@@ -248,7 +249,7 @@
             </a:ln>
             <a:extLst>
               <a:ext uri="{91240B29-F687-4f45-9708-019B960494DF}">
-                <a14:hiddenLine xmlns="" xmlns:a14="http://schemas.microsoft.com/office/drawing/2010/main" w="9525">
+                <a14:hiddenLine xmlns:a14="http://schemas.microsoft.com/office/drawing/2010/main" xmlns="" w="9525">
                   <a:solidFill>
                     <a:srgbClr val="000000"/>
                   </a:solidFill>
@@ -338,7 +339,7 @@
             </a:ln>
             <a:extLst>
               <a:ext uri="{91240B29-F687-4f45-9708-019B960494DF}">
-                <a14:hiddenLine xmlns="" xmlns:a14="http://schemas.microsoft.com/office/drawing/2010/main" w="9525">
+                <a14:hiddenLine xmlns:a14="http://schemas.microsoft.com/office/drawing/2010/main" xmlns="" w="9525">
                   <a:solidFill>
                     <a:srgbClr val="000000"/>
                   </a:solidFill>
@@ -428,7 +429,7 @@
             </a:ln>
             <a:extLst>
               <a:ext uri="{91240B29-F687-4f45-9708-019B960494DF}">
-                <a14:hiddenLine xmlns="" xmlns:a14="http://schemas.microsoft.com/office/drawing/2010/main" w="9525">
+                <a14:hiddenLine xmlns:a14="http://schemas.microsoft.com/office/drawing/2010/main" xmlns="" w="9525">
                   <a:solidFill>
                     <a:srgbClr val="000000"/>
                   </a:solidFill>
@@ -462,7 +463,7 @@
             </a:ln>
             <a:extLst>
               <a:ext uri="{91240B29-F687-4f45-9708-019B960494DF}">
-                <a14:hiddenLine xmlns="" xmlns:a14="http://schemas.microsoft.com/office/drawing/2010/main" w="9525">
+                <a14:hiddenLine xmlns:a14="http://schemas.microsoft.com/office/drawing/2010/main" xmlns="" w="9525">
                   <a:solidFill>
                     <a:srgbClr val="000000"/>
                   </a:solidFill>
@@ -552,7 +553,7 @@
             </a:ln>
             <a:extLst>
               <a:ext uri="{91240B29-F687-4f45-9708-019B960494DF}">
-                <a14:hiddenLine xmlns="" xmlns:a14="http://schemas.microsoft.com/office/drawing/2010/main" w="9525">
+                <a14:hiddenLine xmlns:a14="http://schemas.microsoft.com/office/drawing/2010/main" xmlns="" w="9525">
                   <a:solidFill>
                     <a:srgbClr val="000000"/>
                   </a:solidFill>
@@ -614,7 +615,7 @@
             </a:ln>
             <a:extLst>
               <a:ext uri="{91240B29-F687-4f45-9708-019B960494DF}">
-                <a14:hiddenLine xmlns="" xmlns:a14="http://schemas.microsoft.com/office/drawing/2010/main" w="9525">
+                <a14:hiddenLine xmlns:a14="http://schemas.microsoft.com/office/drawing/2010/main" xmlns="" w="9525">
                   <a:solidFill>
                     <a:srgbClr val="000000"/>
                   </a:solidFill>
@@ -676,7 +677,7 @@
             </a:ln>
             <a:extLst>
               <a:ext uri="{91240B29-F687-4f45-9708-019B960494DF}">
-                <a14:hiddenLine xmlns="" xmlns:a14="http://schemas.microsoft.com/office/drawing/2010/main" w="9525">
+                <a14:hiddenLine xmlns:a14="http://schemas.microsoft.com/office/drawing/2010/main" xmlns="" w="9525">
                   <a:solidFill>
                     <a:srgbClr val="000000"/>
                   </a:solidFill>
@@ -766,7 +767,7 @@
             </a:ln>
             <a:extLst>
               <a:ext uri="{91240B29-F687-4f45-9708-019B960494DF}">
-                <a14:hiddenLine xmlns="" xmlns:a14="http://schemas.microsoft.com/office/drawing/2010/main" w="9525">
+                <a14:hiddenLine xmlns:a14="http://schemas.microsoft.com/office/drawing/2010/main" xmlns="" w="9525">
                   <a:solidFill>
                     <a:srgbClr val="000000"/>
                   </a:solidFill>
@@ -828,7 +829,7 @@
             </a:ln>
             <a:extLst>
               <a:ext uri="{91240B29-F687-4f45-9708-019B960494DF}">
-                <a14:hiddenLine xmlns="" xmlns:a14="http://schemas.microsoft.com/office/drawing/2010/main" w="9525">
+                <a14:hiddenLine xmlns:a14="http://schemas.microsoft.com/office/drawing/2010/main" xmlns="" w="9525">
                   <a:solidFill>
                     <a:srgbClr val="000000"/>
                   </a:solidFill>
@@ -890,7 +891,7 @@
             </a:ln>
             <a:extLst>
               <a:ext uri="{91240B29-F687-4f45-9708-019B960494DF}">
-                <a14:hiddenLine xmlns="" xmlns:a14="http://schemas.microsoft.com/office/drawing/2010/main" w="9525">
+                <a14:hiddenLine xmlns:a14="http://schemas.microsoft.com/office/drawing/2010/main" xmlns="" w="9525">
                   <a:solidFill>
                     <a:srgbClr val="000000"/>
                   </a:solidFill>
@@ -980,7 +981,7 @@
             </a:ln>
             <a:extLst>
               <a:ext uri="{91240B29-F687-4f45-9708-019B960494DF}">
-                <a14:hiddenLine xmlns="" xmlns:a14="http://schemas.microsoft.com/office/drawing/2010/main" w="9525">
+                <a14:hiddenLine xmlns:a14="http://schemas.microsoft.com/office/drawing/2010/main" xmlns="" w="9525">
                   <a:solidFill>
                     <a:srgbClr val="000000"/>
                   </a:solidFill>
@@ -1070,7 +1071,7 @@
             </a:ln>
             <a:extLst>
               <a:ext uri="{91240B29-F687-4f45-9708-019B960494DF}">
-                <a14:hiddenLine xmlns="" xmlns:a14="http://schemas.microsoft.com/office/drawing/2010/main" w="9525">
+                <a14:hiddenLine xmlns:a14="http://schemas.microsoft.com/office/drawing/2010/main" xmlns="" w="9525">
                   <a:solidFill>
                     <a:srgbClr val="000000"/>
                   </a:solidFill>
@@ -1132,7 +1133,7 @@
             </a:ln>
             <a:extLst>
               <a:ext uri="{91240B29-F687-4f45-9708-019B960494DF}">
-                <a14:hiddenLine xmlns="" xmlns:a14="http://schemas.microsoft.com/office/drawing/2010/main" w="9525">
+                <a14:hiddenLine xmlns:a14="http://schemas.microsoft.com/office/drawing/2010/main" xmlns="" w="9525">
                   <a:solidFill>
                     <a:srgbClr val="000000"/>
                   </a:solidFill>
@@ -1242,7 +1243,7 @@
             </a:ln>
             <a:extLst>
               <a:ext uri="{91240B29-F687-4f45-9708-019B960494DF}">
-                <a14:hiddenLine xmlns="" xmlns:a14="http://schemas.microsoft.com/office/drawing/2010/main" w="9525">
+                <a14:hiddenLine xmlns:a14="http://schemas.microsoft.com/office/drawing/2010/main" xmlns="" w="9525">
                   <a:solidFill>
                     <a:srgbClr val="000000"/>
                   </a:solidFill>
@@ -1304,7 +1305,7 @@
             </a:ln>
             <a:extLst>
               <a:ext uri="{91240B29-F687-4f45-9708-019B960494DF}">
-                <a14:hiddenLine xmlns="" xmlns:a14="http://schemas.microsoft.com/office/drawing/2010/main" w="9525">
+                <a14:hiddenLine xmlns:a14="http://schemas.microsoft.com/office/drawing/2010/main" xmlns="" w="9525">
                   <a:solidFill>
                     <a:srgbClr val="000000"/>
                   </a:solidFill>
@@ -1394,7 +1395,7 @@
             </a:ln>
             <a:extLst>
               <a:ext uri="{91240B29-F687-4f45-9708-019B960494DF}">
-                <a14:hiddenLine xmlns="" xmlns:a14="http://schemas.microsoft.com/office/drawing/2010/main" w="9525">
+                <a14:hiddenLine xmlns:a14="http://schemas.microsoft.com/office/drawing/2010/main" xmlns="" w="9525">
                   <a:solidFill>
                     <a:srgbClr val="000000"/>
                   </a:solidFill>
@@ -1484,7 +1485,7 @@
             </a:ln>
             <a:extLst>
               <a:ext uri="{91240B29-F687-4f45-9708-019B960494DF}">
-                <a14:hiddenLine xmlns="" xmlns:a14="http://schemas.microsoft.com/office/drawing/2010/main" w="9525">
+                <a14:hiddenLine xmlns:a14="http://schemas.microsoft.com/office/drawing/2010/main" xmlns="" w="9525">
                   <a:solidFill>
                     <a:srgbClr val="000000"/>
                   </a:solidFill>
@@ -1546,7 +1547,7 @@
             </a:ln>
             <a:extLst>
               <a:ext uri="{91240B29-F687-4f45-9708-019B960494DF}">
-                <a14:hiddenLine xmlns="" xmlns:a14="http://schemas.microsoft.com/office/drawing/2010/main" w="9525">
+                <a14:hiddenLine xmlns:a14="http://schemas.microsoft.com/office/drawing/2010/main" xmlns="" w="9525">
                   <a:solidFill>
                     <a:srgbClr val="000000"/>
                   </a:solidFill>
@@ -1636,7 +1637,7 @@
             </a:ln>
             <a:extLst>
               <a:ext uri="{91240B29-F687-4f45-9708-019B960494DF}">
-                <a14:hiddenLine xmlns="" xmlns:a14="http://schemas.microsoft.com/office/drawing/2010/main" w="9525">
+                <a14:hiddenLine xmlns:a14="http://schemas.microsoft.com/office/drawing/2010/main" xmlns="" w="9525">
                   <a:solidFill>
                     <a:srgbClr val="000000"/>
                   </a:solidFill>
@@ -1726,7 +1727,7 @@
             </a:ln>
             <a:extLst>
               <a:ext uri="{91240B29-F687-4f45-9708-019B960494DF}">
-                <a14:hiddenLine xmlns="" xmlns:a14="http://schemas.microsoft.com/office/drawing/2010/main" w="9525">
+                <a14:hiddenLine xmlns:a14="http://schemas.microsoft.com/office/drawing/2010/main" xmlns="" w="9525">
                   <a:solidFill>
                     <a:srgbClr val="000000"/>
                   </a:solidFill>
@@ -1782,7 +1783,7 @@
             </a:ln>
             <a:extLst>
               <a:ext uri="{91240B29-F687-4f45-9708-019B960494DF}">
-                <a14:hiddenLine xmlns="" xmlns:a14="http://schemas.microsoft.com/office/drawing/2010/main" w="9525">
+                <a14:hiddenLine xmlns:a14="http://schemas.microsoft.com/office/drawing/2010/main" xmlns="" w="9525">
                   <a:solidFill>
                     <a:srgbClr val="000000"/>
                   </a:solidFill>
@@ -1872,7 +1873,7 @@
             </a:ln>
             <a:extLst>
               <a:ext uri="{91240B29-F687-4f45-9708-019B960494DF}">
-                <a14:hiddenLine xmlns="" xmlns:a14="http://schemas.microsoft.com/office/drawing/2010/main" w="9525">
+                <a14:hiddenLine xmlns:a14="http://schemas.microsoft.com/office/drawing/2010/main" xmlns="" w="9525">
                   <a:solidFill>
                     <a:srgbClr val="000000"/>
                   </a:solidFill>
@@ -1928,7 +1929,7 @@
             </a:ln>
             <a:extLst>
               <a:ext uri="{91240B29-F687-4f45-9708-019B960494DF}">
-                <a14:hiddenLine xmlns="" xmlns:a14="http://schemas.microsoft.com/office/drawing/2010/main" w="9525">
+                <a14:hiddenLine xmlns:a14="http://schemas.microsoft.com/office/drawing/2010/main" xmlns="" w="9525">
                   <a:solidFill>
                     <a:srgbClr val="000000"/>
                   </a:solidFill>
@@ -2018,7 +2019,7 @@
             </a:ln>
             <a:extLst>
               <a:ext uri="{91240B29-F687-4f45-9708-019B960494DF}">
-                <a14:hiddenLine xmlns="" xmlns:a14="http://schemas.microsoft.com/office/drawing/2010/main" w="9525">
+                <a14:hiddenLine xmlns:a14="http://schemas.microsoft.com/office/drawing/2010/main" xmlns="" w="9525">
                   <a:solidFill>
                     <a:srgbClr val="000000"/>
                   </a:solidFill>
@@ -2086,7 +2087,7 @@
             </a:ln>
             <a:extLst>
               <a:ext uri="{91240B29-F687-4f45-9708-019B960494DF}">
-                <a14:hiddenLine xmlns="" xmlns:a14="http://schemas.microsoft.com/office/drawing/2010/main" w="9525">
+                <a14:hiddenLine xmlns:a14="http://schemas.microsoft.com/office/drawing/2010/main" xmlns="" w="9525">
                   <a:solidFill>
                     <a:srgbClr val="000000"/>
                   </a:solidFill>
@@ -2176,7 +2177,7 @@
             </a:ln>
             <a:extLst>
               <a:ext uri="{91240B29-F687-4f45-9708-019B960494DF}">
-                <a14:hiddenLine xmlns="" xmlns:a14="http://schemas.microsoft.com/office/drawing/2010/main" w="9525">
+                <a14:hiddenLine xmlns:a14="http://schemas.microsoft.com/office/drawing/2010/main" xmlns="" w="9525">
                   <a:solidFill>
                     <a:srgbClr val="000000"/>
                   </a:solidFill>
@@ -2244,7 +2245,7 @@
             </a:ln>
             <a:extLst>
               <a:ext uri="{91240B29-F687-4f45-9708-019B960494DF}">
-                <a14:hiddenLine xmlns="" xmlns:a14="http://schemas.microsoft.com/office/drawing/2010/main" w="9525">
+                <a14:hiddenLine xmlns:a14="http://schemas.microsoft.com/office/drawing/2010/main" xmlns="" w="9525">
                   <a:solidFill>
                     <a:srgbClr val="000000"/>
                   </a:solidFill>
@@ -2334,7 +2335,7 @@
             </a:ln>
             <a:extLst>
               <a:ext uri="{91240B29-F687-4f45-9708-019B960494DF}">
-                <a14:hiddenLine xmlns="" xmlns:a14="http://schemas.microsoft.com/office/drawing/2010/main" w="9525">
+                <a14:hiddenLine xmlns:a14="http://schemas.microsoft.com/office/drawing/2010/main" xmlns="" w="9525">
                   <a:solidFill>
                     <a:srgbClr val="000000"/>
                   </a:solidFill>
@@ -2368,7 +2369,7 @@
             </a:ln>
             <a:extLst>
               <a:ext uri="{91240B29-F687-4f45-9708-019B960494DF}">
-                <a14:hiddenLine xmlns="" xmlns:a14="http://schemas.microsoft.com/office/drawing/2010/main" w="9525">
+                <a14:hiddenLine xmlns:a14="http://schemas.microsoft.com/office/drawing/2010/main" xmlns="" w="9525">
                   <a:solidFill>
                     <a:srgbClr val="000000"/>
                   </a:solidFill>
@@ -2458,7 +2459,7 @@
             </a:ln>
             <a:extLst>
               <a:ext uri="{91240B29-F687-4f45-9708-019B960494DF}">
-                <a14:hiddenLine xmlns="" xmlns:a14="http://schemas.microsoft.com/office/drawing/2010/main" w="9525">
+                <a14:hiddenLine xmlns:a14="http://schemas.microsoft.com/office/drawing/2010/main" xmlns="" w="9525">
                   <a:solidFill>
                     <a:srgbClr val="000000"/>
                   </a:solidFill>
@@ -2520,7 +2521,7 @@
             </a:ln>
             <a:extLst>
               <a:ext uri="{91240B29-F687-4f45-9708-019B960494DF}">
-                <a14:hiddenLine xmlns="" xmlns:a14="http://schemas.microsoft.com/office/drawing/2010/main" w="9525">
+                <a14:hiddenLine xmlns:a14="http://schemas.microsoft.com/office/drawing/2010/main" xmlns="" w="9525">
                   <a:solidFill>
                     <a:srgbClr val="000000"/>
                   </a:solidFill>
@@ -2582,7 +2583,7 @@
             </a:ln>
             <a:extLst>
               <a:ext uri="{91240B29-F687-4f45-9708-019B960494DF}">
-                <a14:hiddenLine xmlns="" xmlns:a14="http://schemas.microsoft.com/office/drawing/2010/main" w="9525">
+                <a14:hiddenLine xmlns:a14="http://schemas.microsoft.com/office/drawing/2010/main" xmlns="" w="9525">
                   <a:solidFill>
                     <a:srgbClr val="000000"/>
                   </a:solidFill>
@@ -2672,7 +2673,7 @@
             </a:ln>
             <a:extLst>
               <a:ext uri="{91240B29-F687-4f45-9708-019B960494DF}">
-                <a14:hiddenLine xmlns="" xmlns:a14="http://schemas.microsoft.com/office/drawing/2010/main" w="9525">
+                <a14:hiddenLine xmlns:a14="http://schemas.microsoft.com/office/drawing/2010/main" xmlns="" w="9525">
                   <a:solidFill>
                     <a:srgbClr val="000000"/>
                   </a:solidFill>
@@ -2740,7 +2741,7 @@
             </a:ln>
             <a:extLst>
               <a:ext uri="{91240B29-F687-4f45-9708-019B960494DF}">
-                <a14:hiddenLine xmlns="" xmlns:a14="http://schemas.microsoft.com/office/drawing/2010/main" w="9525">
+                <a14:hiddenLine xmlns:a14="http://schemas.microsoft.com/office/drawing/2010/main" xmlns="" w="9525">
                   <a:solidFill>
                     <a:srgbClr val="000000"/>
                   </a:solidFill>
@@ -2802,7 +2803,7 @@
             </a:ln>
             <a:extLst>
               <a:ext uri="{91240B29-F687-4f45-9708-019B960494DF}">
-                <a14:hiddenLine xmlns="" xmlns:a14="http://schemas.microsoft.com/office/drawing/2010/main" w="9525">
+                <a14:hiddenLine xmlns:a14="http://schemas.microsoft.com/office/drawing/2010/main" xmlns="" w="9525">
                   <a:solidFill>
                     <a:srgbClr val="000000"/>
                   </a:solidFill>
@@ -2892,7 +2893,7 @@
             </a:ln>
             <a:extLst>
               <a:ext uri="{91240B29-F687-4f45-9708-019B960494DF}">
-                <a14:hiddenLine xmlns="" xmlns:a14="http://schemas.microsoft.com/office/drawing/2010/main" w="9525">
+                <a14:hiddenLine xmlns:a14="http://schemas.microsoft.com/office/drawing/2010/main" xmlns="" w="9525">
                   <a:solidFill>
                     <a:srgbClr val="000000"/>
                   </a:solidFill>
@@ -2954,7 +2955,7 @@
             </a:ln>
             <a:extLst>
               <a:ext uri="{91240B29-F687-4f45-9708-019B960494DF}">
-                <a14:hiddenLine xmlns="" xmlns:a14="http://schemas.microsoft.com/office/drawing/2010/main" w="9525">
+                <a14:hiddenLine xmlns:a14="http://schemas.microsoft.com/office/drawing/2010/main" xmlns="" w="9525">
                   <a:solidFill>
                     <a:srgbClr val="000000"/>
                   </a:solidFill>
@@ -3044,7 +3045,7 @@
             </a:ln>
             <a:extLst>
               <a:ext uri="{91240B29-F687-4f45-9708-019B960494DF}">
-                <a14:hiddenLine xmlns="" xmlns:a14="http://schemas.microsoft.com/office/drawing/2010/main" w="9525">
+                <a14:hiddenLine xmlns:a14="http://schemas.microsoft.com/office/drawing/2010/main" xmlns="" w="9525">
                   <a:solidFill>
                     <a:srgbClr val="000000"/>
                   </a:solidFill>
@@ -3106,7 +3107,7 @@
             </a:ln>
             <a:extLst>
               <a:ext uri="{91240B29-F687-4f45-9708-019B960494DF}">
-                <a14:hiddenLine xmlns="" xmlns:a14="http://schemas.microsoft.com/office/drawing/2010/main" w="9525">
+                <a14:hiddenLine xmlns:a14="http://schemas.microsoft.com/office/drawing/2010/main" xmlns="" w="9525">
                   <a:solidFill>
                     <a:srgbClr val="000000"/>
                   </a:solidFill>
@@ -3196,7 +3197,7 @@
             </a:ln>
             <a:extLst>
               <a:ext uri="{91240B29-F687-4f45-9708-019B960494DF}">
-                <a14:hiddenLine xmlns="" xmlns:a14="http://schemas.microsoft.com/office/drawing/2010/main" w="9525">
+                <a14:hiddenLine xmlns:a14="http://schemas.microsoft.com/office/drawing/2010/main" xmlns="" w="9525">
                   <a:solidFill>
                     <a:srgbClr val="000000"/>
                   </a:solidFill>
@@ -3230,7 +3231,7 @@
             </a:ln>
             <a:extLst>
               <a:ext uri="{91240B29-F687-4f45-9708-019B960494DF}">
-                <a14:hiddenLine xmlns="" xmlns:a14="http://schemas.microsoft.com/office/drawing/2010/main" w="9525">
+                <a14:hiddenLine xmlns:a14="http://schemas.microsoft.com/office/drawing/2010/main" xmlns="" w="9525">
                   <a:solidFill>
                     <a:srgbClr val="000000"/>
                   </a:solidFill>
@@ -3295,7 +3296,7 @@
             </a:ln>
             <a:extLst>
               <a:ext uri="{91240B29-F687-4f45-9708-019B960494DF}">
-                <a14:hiddenLine xmlns="" xmlns:a14="http://schemas.microsoft.com/office/drawing/2010/main" w="9525">
+                <a14:hiddenLine xmlns:a14="http://schemas.microsoft.com/office/drawing/2010/main" xmlns="" w="9525">
                   <a:solidFill>
                     <a:srgbClr val="000000"/>
                   </a:solidFill>
@@ -3385,7 +3386,7 @@
             </a:ln>
             <a:extLst>
               <a:ext uri="{91240B29-F687-4f45-9708-019B960494DF}">
-                <a14:hiddenLine xmlns="" xmlns:a14="http://schemas.microsoft.com/office/drawing/2010/main" w="9525">
+                <a14:hiddenLine xmlns:a14="http://schemas.microsoft.com/office/drawing/2010/main" xmlns="" w="9525">
                   <a:solidFill>
                     <a:srgbClr val="000000"/>
                   </a:solidFill>
@@ -3447,7 +3448,7 @@
             </a:ln>
             <a:extLst>
               <a:ext uri="{91240B29-F687-4f45-9708-019B960494DF}">
-                <a14:hiddenLine xmlns="" xmlns:a14="http://schemas.microsoft.com/office/drawing/2010/main" w="9525">
+                <a14:hiddenLine xmlns:a14="http://schemas.microsoft.com/office/drawing/2010/main" xmlns="" w="9525">
                   <a:solidFill>
                     <a:srgbClr val="000000"/>
                   </a:solidFill>
@@ -3537,7 +3538,7 @@
             </a:ln>
             <a:extLst>
               <a:ext uri="{91240B29-F687-4f45-9708-019B960494DF}">
-                <a14:hiddenLine xmlns="" xmlns:a14="http://schemas.microsoft.com/office/drawing/2010/main" w="9525">
+                <a14:hiddenLine xmlns:a14="http://schemas.microsoft.com/office/drawing/2010/main" xmlns="" w="9525">
                   <a:solidFill>
                     <a:srgbClr val="000000"/>
                   </a:solidFill>
@@ -3627,7 +3628,7 @@
             </a:ln>
             <a:extLst>
               <a:ext uri="{91240B29-F687-4f45-9708-019B960494DF}">
-                <a14:hiddenLine xmlns="" xmlns:a14="http://schemas.microsoft.com/office/drawing/2010/main" w="9525">
+                <a14:hiddenLine xmlns:a14="http://schemas.microsoft.com/office/drawing/2010/main" xmlns="" w="9525">
                   <a:solidFill>
                     <a:srgbClr val="000000"/>
                   </a:solidFill>
@@ -3692,7 +3693,7 @@
             </a:ln>
             <a:extLst>
               <a:ext uri="{91240B29-F687-4f45-9708-019B960494DF}">
-                <a14:hiddenLine xmlns="" xmlns:a14="http://schemas.microsoft.com/office/drawing/2010/main" w="9525">
+                <a14:hiddenLine xmlns:a14="http://schemas.microsoft.com/office/drawing/2010/main" xmlns="" w="9525">
                   <a:solidFill>
                     <a:srgbClr val="000000"/>
                   </a:solidFill>
@@ -3754,7 +3755,7 @@
             </a:ln>
             <a:extLst>
               <a:ext uri="{91240B29-F687-4f45-9708-019B960494DF}">
-                <a14:hiddenLine xmlns="" xmlns:a14="http://schemas.microsoft.com/office/drawing/2010/main" w="9525">
+                <a14:hiddenLine xmlns:a14="http://schemas.microsoft.com/office/drawing/2010/main" xmlns="" w="9525">
                   <a:solidFill>
                     <a:srgbClr val="000000"/>
                   </a:solidFill>
@@ -3844,7 +3845,7 @@
             </a:ln>
             <a:extLst>
               <a:ext uri="{91240B29-F687-4f45-9708-019B960494DF}">
-                <a14:hiddenLine xmlns="" xmlns:a14="http://schemas.microsoft.com/office/drawing/2010/main" w="9525">
+                <a14:hiddenLine xmlns:a14="http://schemas.microsoft.com/office/drawing/2010/main" xmlns="" w="9525">
                   <a:solidFill>
                     <a:srgbClr val="000000"/>
                   </a:solidFill>
@@ -3934,7 +3935,7 @@
             </a:ln>
             <a:extLst>
               <a:ext uri="{91240B29-F687-4f45-9708-019B960494DF}">
-                <a14:hiddenLine xmlns="" xmlns:a14="http://schemas.microsoft.com/office/drawing/2010/main" w="9525">
+                <a14:hiddenLine xmlns:a14="http://schemas.microsoft.com/office/drawing/2010/main" xmlns="" w="9525">
                   <a:solidFill>
                     <a:srgbClr val="000000"/>
                   </a:solidFill>
@@ -3996,7 +3997,7 @@
             </a:ln>
             <a:extLst>
               <a:ext uri="{91240B29-F687-4f45-9708-019B960494DF}">
-                <a14:hiddenLine xmlns="" xmlns:a14="http://schemas.microsoft.com/office/drawing/2010/main" w="9525">
+                <a14:hiddenLine xmlns:a14="http://schemas.microsoft.com/office/drawing/2010/main" xmlns="" w="9525">
                   <a:solidFill>
                     <a:srgbClr val="000000"/>
                   </a:solidFill>
@@ -4116,7 +4117,7 @@
             </a:ln>
             <a:extLst>
               <a:ext uri="{91240B29-F687-4f45-9708-019B960494DF}">
-                <a14:hiddenLine xmlns="" xmlns:a14="http://schemas.microsoft.com/office/drawing/2010/main" w="9525">
+                <a14:hiddenLine xmlns:a14="http://schemas.microsoft.com/office/drawing/2010/main" xmlns="" w="9525">
                   <a:solidFill>
                     <a:srgbClr val="000000"/>
                   </a:solidFill>
@@ -4184,7 +4185,7 @@
             </a:ln>
             <a:extLst>
               <a:ext uri="{91240B29-F687-4f45-9708-019B960494DF}">
-                <a14:hiddenLine xmlns="" xmlns:a14="http://schemas.microsoft.com/office/drawing/2010/main" w="9525">
+                <a14:hiddenLine xmlns:a14="http://schemas.microsoft.com/office/drawing/2010/main" xmlns="" w="9525">
                   <a:solidFill>
                     <a:srgbClr val="000000"/>
                   </a:solidFill>
@@ -4274,7 +4275,7 @@
             </a:ln>
             <a:extLst>
               <a:ext uri="{91240B29-F687-4f45-9708-019B960494DF}">
-                <a14:hiddenLine xmlns="" xmlns:a14="http://schemas.microsoft.com/office/drawing/2010/main" w="9525">
+                <a14:hiddenLine xmlns:a14="http://schemas.microsoft.com/office/drawing/2010/main" xmlns="" w="9525">
                   <a:solidFill>
                     <a:srgbClr val="000000"/>
                   </a:solidFill>
@@ -9081,7 +9082,7 @@
           <a:noFill/>
           <a:extLst>
             <a:ext uri="{909E8E84-426E-40dd-AFC4-6F175D3DCCD1}">
-              <a14:hiddenFill xmlns="" xmlns:a14="http://schemas.microsoft.com/office/drawing/2010/main">
+              <a14:hiddenFill xmlns:a14="http://schemas.microsoft.com/office/drawing/2010/main" xmlns="">
                 <a:solidFill>
                   <a:srgbClr val="FFFFFF"/>
                 </a:solidFill>
@@ -9155,7 +9156,7 @@
               </a:ln>
               <a:extLst>
                 <a:ext uri="{91240B29-F687-4f45-9708-019B960494DF}">
-                  <a14:hiddenLine xmlns="" xmlns:a14="http://schemas.microsoft.com/office/drawing/2010/main" w="9525">
+                  <a14:hiddenLine xmlns:a14="http://schemas.microsoft.com/office/drawing/2010/main" xmlns="" w="9525">
                     <a:solidFill>
                       <a:srgbClr val="000000"/>
                     </a:solidFill>
@@ -9245,7 +9246,7 @@
               </a:ln>
               <a:extLst>
                 <a:ext uri="{91240B29-F687-4f45-9708-019B960494DF}">
-                  <a14:hiddenLine xmlns="" xmlns:a14="http://schemas.microsoft.com/office/drawing/2010/main" w="9525">
+                  <a14:hiddenLine xmlns:a14="http://schemas.microsoft.com/office/drawing/2010/main" xmlns="" w="9525">
                     <a:solidFill>
                       <a:srgbClr val="000000"/>
                     </a:solidFill>
@@ -9335,7 +9336,7 @@
               </a:ln>
               <a:extLst>
                 <a:ext uri="{91240B29-F687-4f45-9708-019B960494DF}">
-                  <a14:hiddenLine xmlns="" xmlns:a14="http://schemas.microsoft.com/office/drawing/2010/main" w="9525">
+                  <a14:hiddenLine xmlns:a14="http://schemas.microsoft.com/office/drawing/2010/main" xmlns="" w="9525">
                     <a:solidFill>
                       <a:srgbClr val="000000"/>
                     </a:solidFill>
@@ -9397,7 +9398,7 @@
               </a:ln>
               <a:extLst>
                 <a:ext uri="{91240B29-F687-4f45-9708-019B960494DF}">
-                  <a14:hiddenLine xmlns="" xmlns:a14="http://schemas.microsoft.com/office/drawing/2010/main" w="9525">
+                  <a14:hiddenLine xmlns:a14="http://schemas.microsoft.com/office/drawing/2010/main" xmlns="" w="9525">
                     <a:solidFill>
                       <a:srgbClr val="000000"/>
                     </a:solidFill>
@@ -9487,7 +9488,7 @@
               </a:ln>
               <a:extLst>
                 <a:ext uri="{91240B29-F687-4f45-9708-019B960494DF}">
-                  <a14:hiddenLine xmlns="" xmlns:a14="http://schemas.microsoft.com/office/drawing/2010/main" w="9525">
+                  <a14:hiddenLine xmlns:a14="http://schemas.microsoft.com/office/drawing/2010/main" xmlns="" w="9525">
                     <a:solidFill>
                       <a:srgbClr val="000000"/>
                     </a:solidFill>
@@ -9549,7 +9550,7 @@
               </a:ln>
               <a:extLst>
                 <a:ext uri="{91240B29-F687-4f45-9708-019B960494DF}">
-                  <a14:hiddenLine xmlns="" xmlns:a14="http://schemas.microsoft.com/office/drawing/2010/main" w="9525">
+                  <a14:hiddenLine xmlns:a14="http://schemas.microsoft.com/office/drawing/2010/main" xmlns="" w="9525">
                     <a:solidFill>
                       <a:srgbClr val="000000"/>
                     </a:solidFill>
@@ -9611,7 +9612,7 @@
               </a:ln>
               <a:extLst>
                 <a:ext uri="{91240B29-F687-4f45-9708-019B960494DF}">
-                  <a14:hiddenLine xmlns="" xmlns:a14="http://schemas.microsoft.com/office/drawing/2010/main" w="9525">
+                  <a14:hiddenLine xmlns:a14="http://schemas.microsoft.com/office/drawing/2010/main" xmlns="" w="9525">
                     <a:solidFill>
                       <a:srgbClr val="000000"/>
                     </a:solidFill>
@@ -9701,7 +9702,7 @@
               </a:ln>
               <a:extLst>
                 <a:ext uri="{91240B29-F687-4f45-9708-019B960494DF}">
-                  <a14:hiddenLine xmlns="" xmlns:a14="http://schemas.microsoft.com/office/drawing/2010/main" w="9525">
+                  <a14:hiddenLine xmlns:a14="http://schemas.microsoft.com/office/drawing/2010/main" xmlns="" w="9525">
                     <a:solidFill>
                       <a:srgbClr val="000000"/>
                     </a:solidFill>
@@ -9791,7 +9792,7 @@
               </a:ln>
               <a:extLst>
                 <a:ext uri="{91240B29-F687-4f45-9708-019B960494DF}">
-                  <a14:hiddenLine xmlns="" xmlns:a14="http://schemas.microsoft.com/office/drawing/2010/main" w="9525">
+                  <a14:hiddenLine xmlns:a14="http://schemas.microsoft.com/office/drawing/2010/main" xmlns="" w="9525">
                     <a:solidFill>
                       <a:srgbClr val="000000"/>
                     </a:solidFill>
@@ -9853,7 +9854,7 @@
               </a:ln>
               <a:extLst>
                 <a:ext uri="{91240B29-F687-4f45-9708-019B960494DF}">
-                  <a14:hiddenLine xmlns="" xmlns:a14="http://schemas.microsoft.com/office/drawing/2010/main" w="9525">
+                  <a14:hiddenLine xmlns:a14="http://schemas.microsoft.com/office/drawing/2010/main" xmlns="" w="9525">
                     <a:solidFill>
                       <a:srgbClr val="000000"/>
                     </a:solidFill>
@@ -9963,7 +9964,7 @@
               </a:ln>
               <a:extLst>
                 <a:ext uri="{91240B29-F687-4f45-9708-019B960494DF}">
-                  <a14:hiddenLine xmlns="" xmlns:a14="http://schemas.microsoft.com/office/drawing/2010/main" w="9525">
+                  <a14:hiddenLine xmlns:a14="http://schemas.microsoft.com/office/drawing/2010/main" xmlns="" w="9525">
                     <a:solidFill>
                       <a:srgbClr val="000000"/>
                     </a:solidFill>
@@ -10047,7 +10048,7 @@
               </a:ln>
               <a:extLst>
                 <a:ext uri="{91240B29-F687-4f45-9708-019B960494DF}">
-                  <a14:hiddenLine xmlns="" xmlns:a14="http://schemas.microsoft.com/office/drawing/2010/main" w="9525">
+                  <a14:hiddenLine xmlns:a14="http://schemas.microsoft.com/office/drawing/2010/main" xmlns="" w="9525">
                     <a:solidFill>
                       <a:srgbClr val="000000"/>
                     </a:solidFill>
@@ -10109,7 +10110,7 @@
               </a:ln>
               <a:extLst>
                 <a:ext uri="{91240B29-F687-4f45-9708-019B960494DF}">
-                  <a14:hiddenLine xmlns="" xmlns:a14="http://schemas.microsoft.com/office/drawing/2010/main" w="9525">
+                  <a14:hiddenLine xmlns:a14="http://schemas.microsoft.com/office/drawing/2010/main" xmlns="" w="9525">
                     <a:solidFill>
                       <a:srgbClr val="000000"/>
                     </a:solidFill>
@@ -10171,7 +10172,7 @@
               </a:ln>
               <a:extLst>
                 <a:ext uri="{91240B29-F687-4f45-9708-019B960494DF}">
-                  <a14:hiddenLine xmlns="" xmlns:a14="http://schemas.microsoft.com/office/drawing/2010/main" w="9525">
+                  <a14:hiddenLine xmlns:a14="http://schemas.microsoft.com/office/drawing/2010/main" xmlns="" w="9525">
                     <a:solidFill>
                       <a:srgbClr val="000000"/>
                     </a:solidFill>
@@ -10261,7 +10262,7 @@
               </a:ln>
               <a:extLst>
                 <a:ext uri="{91240B29-F687-4f45-9708-019B960494DF}">
-                  <a14:hiddenLine xmlns="" xmlns:a14="http://schemas.microsoft.com/office/drawing/2010/main" w="9525">
+                  <a14:hiddenLine xmlns:a14="http://schemas.microsoft.com/office/drawing/2010/main" xmlns="" w="9525">
                     <a:solidFill>
                       <a:srgbClr val="000000"/>
                     </a:solidFill>
@@ -10295,7 +10296,7 @@
               </a:ln>
               <a:extLst>
                 <a:ext uri="{91240B29-F687-4f45-9708-019B960494DF}">
-                  <a14:hiddenLine xmlns="" xmlns:a14="http://schemas.microsoft.com/office/drawing/2010/main" w="9525">
+                  <a14:hiddenLine xmlns:a14="http://schemas.microsoft.com/office/drawing/2010/main" xmlns="" w="9525">
                     <a:solidFill>
                       <a:srgbClr val="000000"/>
                     </a:solidFill>
@@ -10360,7 +10361,7 @@
               </a:ln>
               <a:extLst>
                 <a:ext uri="{91240B29-F687-4f45-9708-019B960494DF}">
-                  <a14:hiddenLine xmlns="" xmlns:a14="http://schemas.microsoft.com/office/drawing/2010/main" w="9525">
+                  <a14:hiddenLine xmlns:a14="http://schemas.microsoft.com/office/drawing/2010/main" xmlns="" w="9525">
                     <a:solidFill>
                       <a:srgbClr val="000000"/>
                     </a:solidFill>
@@ -10450,7 +10451,7 @@
               </a:ln>
               <a:extLst>
                 <a:ext uri="{91240B29-F687-4f45-9708-019B960494DF}">
-                  <a14:hiddenLine xmlns="" xmlns:a14="http://schemas.microsoft.com/office/drawing/2010/main" w="9525">
+                  <a14:hiddenLine xmlns:a14="http://schemas.microsoft.com/office/drawing/2010/main" xmlns="" w="9525">
                     <a:solidFill>
                       <a:srgbClr val="000000"/>
                     </a:solidFill>
@@ -10512,7 +10513,7 @@
               </a:ln>
               <a:extLst>
                 <a:ext uri="{91240B29-F687-4f45-9708-019B960494DF}">
-                  <a14:hiddenLine xmlns="" xmlns:a14="http://schemas.microsoft.com/office/drawing/2010/main" w="9525">
+                  <a14:hiddenLine xmlns:a14="http://schemas.microsoft.com/office/drawing/2010/main" xmlns="" w="9525">
                     <a:solidFill>
                       <a:srgbClr val="000000"/>
                     </a:solidFill>
@@ -10602,7 +10603,7 @@
               </a:ln>
               <a:extLst>
                 <a:ext uri="{91240B29-F687-4f45-9708-019B960494DF}">
-                  <a14:hiddenLine xmlns="" xmlns:a14="http://schemas.microsoft.com/office/drawing/2010/main" w="9525">
+                  <a14:hiddenLine xmlns:a14="http://schemas.microsoft.com/office/drawing/2010/main" xmlns="" w="9525">
                     <a:solidFill>
                       <a:srgbClr val="000000"/>
                     </a:solidFill>
@@ -10667,7 +10668,7 @@
               </a:ln>
               <a:extLst>
                 <a:ext uri="{91240B29-F687-4f45-9708-019B960494DF}">
-                  <a14:hiddenLine xmlns="" xmlns:a14="http://schemas.microsoft.com/office/drawing/2010/main" w="9525">
+                  <a14:hiddenLine xmlns:a14="http://schemas.microsoft.com/office/drawing/2010/main" xmlns="" w="9525">
                     <a:solidFill>
                       <a:srgbClr val="000000"/>
                     </a:solidFill>
@@ -10729,7 +10730,7 @@
               </a:ln>
               <a:extLst>
                 <a:ext uri="{91240B29-F687-4f45-9708-019B960494DF}">
-                  <a14:hiddenLine xmlns="" xmlns:a14="http://schemas.microsoft.com/office/drawing/2010/main" w="9525">
+                  <a14:hiddenLine xmlns:a14="http://schemas.microsoft.com/office/drawing/2010/main" xmlns="" w="9525">
                     <a:solidFill>
                       <a:srgbClr val="000000"/>
                     </a:solidFill>
@@ -10819,7 +10820,7 @@
               </a:ln>
               <a:extLst>
                 <a:ext uri="{91240B29-F687-4f45-9708-019B960494DF}">
-                  <a14:hiddenLine xmlns="" xmlns:a14="http://schemas.microsoft.com/office/drawing/2010/main" w="9525">
+                  <a14:hiddenLine xmlns:a14="http://schemas.microsoft.com/office/drawing/2010/main" xmlns="" w="9525">
                     <a:solidFill>
                       <a:srgbClr val="000000"/>
                     </a:solidFill>
@@ -10909,7 +10910,7 @@
               </a:ln>
               <a:extLst>
                 <a:ext uri="{91240B29-F687-4f45-9708-019B960494DF}">
-                  <a14:hiddenLine xmlns="" xmlns:a14="http://schemas.microsoft.com/office/drawing/2010/main" w="9525">
+                  <a14:hiddenLine xmlns:a14="http://schemas.microsoft.com/office/drawing/2010/main" xmlns="" w="9525">
                     <a:solidFill>
                       <a:srgbClr val="000000"/>
                     </a:solidFill>
@@ -10974,7 +10975,7 @@
               </a:ln>
               <a:extLst>
                 <a:ext uri="{91240B29-F687-4f45-9708-019B960494DF}">
-                  <a14:hiddenLine xmlns="" xmlns:a14="http://schemas.microsoft.com/office/drawing/2010/main" w="9525">
+                  <a14:hiddenLine xmlns:a14="http://schemas.microsoft.com/office/drawing/2010/main" xmlns="" w="9525">
                     <a:solidFill>
                       <a:srgbClr val="000000"/>
                     </a:solidFill>
@@ -11094,7 +11095,7 @@
               </a:ln>
               <a:extLst>
                 <a:ext uri="{91240B29-F687-4f45-9708-019B960494DF}">
-                  <a14:hiddenLine xmlns="" xmlns:a14="http://schemas.microsoft.com/office/drawing/2010/main" w="9525">
+                  <a14:hiddenLine xmlns:a14="http://schemas.microsoft.com/office/drawing/2010/main" xmlns="" w="9525">
                     <a:solidFill>
                       <a:srgbClr val="000000"/>
                     </a:solidFill>
@@ -11192,7 +11193,7 @@
               </a:ln>
               <a:extLst>
                 <a:ext uri="{91240B29-F687-4f45-9708-019B960494DF}">
-                  <a14:hiddenLine xmlns="" xmlns:a14="http://schemas.microsoft.com/office/drawing/2010/main" w="9525">
+                  <a14:hiddenLine xmlns:a14="http://schemas.microsoft.com/office/drawing/2010/main" xmlns="" w="9525">
                     <a:solidFill>
                       <a:srgbClr val="000000"/>
                     </a:solidFill>
@@ -11307,7 +11308,7 @@
               </a:ln>
               <a:extLst>
                 <a:ext uri="{91240B29-F687-4f45-9708-019B960494DF}">
-                  <a14:hiddenLine xmlns="" xmlns:a14="http://schemas.microsoft.com/office/drawing/2010/main" w="9525">
+                  <a14:hiddenLine xmlns:a14="http://schemas.microsoft.com/office/drawing/2010/main" xmlns="" w="9525">
                     <a:solidFill>
                       <a:srgbClr val="000000"/>
                     </a:solidFill>
@@ -11397,7 +11398,7 @@
               </a:ln>
               <a:extLst>
                 <a:ext uri="{91240B29-F687-4f45-9708-019B960494DF}">
-                  <a14:hiddenLine xmlns="" xmlns:a14="http://schemas.microsoft.com/office/drawing/2010/main" w="9525">
+                  <a14:hiddenLine xmlns:a14="http://schemas.microsoft.com/office/drawing/2010/main" xmlns="" w="9525">
                     <a:solidFill>
                       <a:srgbClr val="000000"/>
                     </a:solidFill>
@@ -11462,7 +11463,7 @@
               </a:ln>
               <a:extLst>
                 <a:ext uri="{91240B29-F687-4f45-9708-019B960494DF}">
-                  <a14:hiddenLine xmlns="" xmlns:a14="http://schemas.microsoft.com/office/drawing/2010/main" w="9525">
+                  <a14:hiddenLine xmlns:a14="http://schemas.microsoft.com/office/drawing/2010/main" xmlns="" w="9525">
                     <a:solidFill>
                       <a:srgbClr val="000000"/>
                     </a:solidFill>
@@ -11552,7 +11553,7 @@
               </a:ln>
               <a:extLst>
                 <a:ext uri="{91240B29-F687-4f45-9708-019B960494DF}">
-                  <a14:hiddenLine xmlns="" xmlns:a14="http://schemas.microsoft.com/office/drawing/2010/main" w="9525">
+                  <a14:hiddenLine xmlns:a14="http://schemas.microsoft.com/office/drawing/2010/main" xmlns="" w="9525">
                     <a:solidFill>
                       <a:srgbClr val="000000"/>
                     </a:solidFill>
@@ -11620,7 +11621,7 @@
               </a:ln>
               <a:extLst>
                 <a:ext uri="{91240B29-F687-4f45-9708-019B960494DF}">
-                  <a14:hiddenLine xmlns="" xmlns:a14="http://schemas.microsoft.com/office/drawing/2010/main" w="9525">
+                  <a14:hiddenLine xmlns:a14="http://schemas.microsoft.com/office/drawing/2010/main" xmlns="" w="9525">
                     <a:solidFill>
                       <a:srgbClr val="000000"/>
                     </a:solidFill>
@@ -11710,7 +11711,7 @@
               </a:ln>
               <a:extLst>
                 <a:ext uri="{91240B29-F687-4f45-9708-019B960494DF}">
-                  <a14:hiddenLine xmlns="" xmlns:a14="http://schemas.microsoft.com/office/drawing/2010/main" w="9525">
+                  <a14:hiddenLine xmlns:a14="http://schemas.microsoft.com/office/drawing/2010/main" xmlns="" w="9525">
                     <a:solidFill>
                       <a:srgbClr val="000000"/>
                     </a:solidFill>
@@ -11778,7 +11779,7 @@
               </a:ln>
               <a:extLst>
                 <a:ext uri="{91240B29-F687-4f45-9708-019B960494DF}">
-                  <a14:hiddenLine xmlns="" xmlns:a14="http://schemas.microsoft.com/office/drawing/2010/main" w="9525">
+                  <a14:hiddenLine xmlns:a14="http://schemas.microsoft.com/office/drawing/2010/main" xmlns="" w="9525">
                     <a:solidFill>
                       <a:srgbClr val="000000"/>
                     </a:solidFill>
@@ -11868,7 +11869,7 @@
               </a:ln>
               <a:extLst>
                 <a:ext uri="{91240B29-F687-4f45-9708-019B960494DF}">
-                  <a14:hiddenLine xmlns="" xmlns:a14="http://schemas.microsoft.com/office/drawing/2010/main" w="9525">
+                  <a14:hiddenLine xmlns:a14="http://schemas.microsoft.com/office/drawing/2010/main" xmlns="" w="9525">
                     <a:solidFill>
                       <a:srgbClr val="000000"/>
                     </a:solidFill>
@@ -11902,7 +11903,7 @@
               </a:ln>
               <a:extLst>
                 <a:ext uri="{91240B29-F687-4f45-9708-019B960494DF}">
-                  <a14:hiddenLine xmlns="" xmlns:a14="http://schemas.microsoft.com/office/drawing/2010/main" w="9525">
+                  <a14:hiddenLine xmlns:a14="http://schemas.microsoft.com/office/drawing/2010/main" xmlns="" w="9525">
                     <a:solidFill>
                       <a:srgbClr val="000000"/>
                     </a:solidFill>
@@ -14180,7 +14181,9 @@
         </p:nvSpPr>
         <p:spPr/>
         <p:txBody>
-          <a:bodyPr/>
+          <a:bodyPr>
+            <a:normAutofit lnSpcReduction="10000"/>
+          </a:bodyPr>
           <a:lstStyle/>
           <a:p>
             <a:pPr marL="0" indent="0">
@@ -14521,6 +14524,120 @@
     <p:extLst>
       <p:ext uri="{BB962C8B-B14F-4D97-AF65-F5344CB8AC3E}">
         <p14:creationId xmlns:p14="http://schemas.microsoft.com/office/powerpoint/2010/main" val="919671310"/>
+      </p:ext>
+    </p:extLst>
+  </p:cSld>
+  <p:clrMapOvr>
+    <a:masterClrMapping/>
+  </p:clrMapOvr>
+</p:sld>
+</file>
+
+<file path=ppt/slides/slide24.xml><?xml version="1.0" encoding="utf-8"?>
+<p:sld xmlns:a="http://schemas.openxmlformats.org/drawingml/2006/main" xmlns:r="http://schemas.openxmlformats.org/officeDocument/2006/relationships" xmlns:p="http://schemas.openxmlformats.org/presentationml/2006/main">
+  <p:cSld>
+    <p:spTree>
+      <p:nvGrpSpPr>
+        <p:cNvPr id="1" name=""/>
+        <p:cNvGrpSpPr/>
+        <p:nvPr/>
+      </p:nvGrpSpPr>
+      <p:grpSpPr>
+        <a:xfrm>
+          <a:off x="0" y="0"/>
+          <a:ext cx="0" cy="0"/>
+          <a:chOff x="0" y="0"/>
+          <a:chExt cx="0" cy="0"/>
+        </a:xfrm>
+      </p:grpSpPr>
+      <p:sp>
+        <p:nvSpPr>
+          <p:cNvPr id="2" name="Title 1">
+            <a:extLst>
+              <a:ext uri="{FF2B5EF4-FFF2-40B4-BE49-F238E27FC236}">
+                <a16:creationId xmlns:a16="http://schemas.microsoft.com/office/drawing/2014/main" id="{F3803F2D-DAF2-45A6-A9E5-9C8445154E8F}"/>
+              </a:ext>
+            </a:extLst>
+          </p:cNvPr>
+          <p:cNvSpPr>
+            <a:spLocks noGrp="1"/>
+          </p:cNvSpPr>
+          <p:nvPr>
+            <p:ph type="title"/>
+          </p:nvPr>
+        </p:nvSpPr>
+        <p:spPr/>
+        <p:txBody>
+          <a:bodyPr/>
+          <a:lstStyle/>
+          <a:p>
+            <a:pPr algn="ctr"/>
+            <a:r>
+              <a:rPr lang="en-US" dirty="0"/>
+              <a:t>Bibliography</a:t>
+            </a:r>
+          </a:p>
+        </p:txBody>
+      </p:sp>
+      <p:sp>
+        <p:nvSpPr>
+          <p:cNvPr id="3" name="Content Placeholder 2">
+            <a:extLst>
+              <a:ext uri="{FF2B5EF4-FFF2-40B4-BE49-F238E27FC236}">
+                <a16:creationId xmlns:a16="http://schemas.microsoft.com/office/drawing/2014/main" id="{D9758561-4EBB-4DA0-B49E-A158313B8F68}"/>
+              </a:ext>
+            </a:extLst>
+          </p:cNvPr>
+          <p:cNvSpPr>
+            <a:spLocks noGrp="1"/>
+          </p:cNvSpPr>
+          <p:nvPr>
+            <p:ph idx="1"/>
+          </p:nvPr>
+        </p:nvSpPr>
+        <p:spPr/>
+        <p:txBody>
+          <a:bodyPr/>
+          <a:lstStyle/>
+          <a:p>
+            <a:pPr marL="0" indent="0">
+              <a:buNone/>
+            </a:pPr>
+            <a:r>
+              <a:rPr lang="en-US" dirty="0"/>
+              <a:t>Woodman, Oliver J. (2007) </a:t>
+            </a:r>
+            <a:r>
+              <a:rPr lang="en-US" i="1" dirty="0"/>
+              <a:t>An introduction to inertial navigation</a:t>
+            </a:r>
+            <a:r>
+              <a:rPr lang="en-US" dirty="0"/>
+              <a:t>.</a:t>
+            </a:r>
+            <a:r>
+              <a:rPr lang="en-US" i="1" dirty="0"/>
+              <a:t> </a:t>
+            </a:r>
+            <a:r>
+              <a:rPr lang="en-US" dirty="0"/>
+              <a:t>Cambridge: University of Cambridge, p. </a:t>
+            </a:r>
+            <a:r>
+              <a:rPr lang="en-US"/>
+              <a:t>21-23. </a:t>
+            </a:r>
+            <a:r>
+              <a:rPr lang="en-US" dirty="0"/>
+              <a:t>Available at: https://www.cl.cam.ac.uk/techreports/UCAM-CL-TR-696.pdf (Accessed 20 Jan,2018)</a:t>
+            </a:r>
+          </a:p>
+        </p:txBody>
+      </p:sp>
+    </p:spTree>
+    <p:extLst>
+      <p:ext uri="{BB962C8B-B14F-4D97-AF65-F5344CB8AC3E}">
+        <p14:creationId xmlns:p14="http://schemas.microsoft.com/office/powerpoint/2010/main" val="2187811140"/>
       </p:ext>
     </p:extLst>
   </p:cSld>

--- a/Documentation/Presentation.pptx
+++ b/Documentation/Presentation.pptx
@@ -27,8 +27,8 @@
     <p:sldId id="276" r:id="rId21"/>
     <p:sldId id="277" r:id="rId22"/>
     <p:sldId id="273" r:id="rId23"/>
-    <p:sldId id="278" r:id="rId24"/>
-    <p:sldId id="279" r:id="rId25"/>
+    <p:sldId id="279" r:id="rId24"/>
+    <p:sldId id="278" r:id="rId25"/>
   </p:sldIdLst>
   <p:sldSz cx="12192000" cy="6858000"/>
   <p:notesSz cx="6858000" cy="9144000"/>
@@ -189,7 +189,7 @@
           <a:noFill/>
           <a:extLst>
             <a:ext uri="{909E8E84-426E-40dd-AFC4-6F175D3DCCD1}">
-              <a14:hiddenFill xmlns:a14="http://schemas.microsoft.com/office/drawing/2010/main" xmlns="">
+              <a14:hiddenFill xmlns="" xmlns:a14="http://schemas.microsoft.com/office/drawing/2010/main">
                 <a:solidFill>
                   <a:srgbClr val="FFFFFF"/>
                 </a:solidFill>
@@ -249,7 +249,7 @@
             </a:ln>
             <a:extLst>
               <a:ext uri="{91240B29-F687-4f45-9708-019B960494DF}">
-                <a14:hiddenLine xmlns:a14="http://schemas.microsoft.com/office/drawing/2010/main" xmlns="" w="9525">
+                <a14:hiddenLine xmlns="" xmlns:a14="http://schemas.microsoft.com/office/drawing/2010/main" w="9525">
                   <a:solidFill>
                     <a:srgbClr val="000000"/>
                   </a:solidFill>
@@ -339,7 +339,7 @@
             </a:ln>
             <a:extLst>
               <a:ext uri="{91240B29-F687-4f45-9708-019B960494DF}">
-                <a14:hiddenLine xmlns:a14="http://schemas.microsoft.com/office/drawing/2010/main" xmlns="" w="9525">
+                <a14:hiddenLine xmlns="" xmlns:a14="http://schemas.microsoft.com/office/drawing/2010/main" w="9525">
                   <a:solidFill>
                     <a:srgbClr val="000000"/>
                   </a:solidFill>
@@ -429,7 +429,7 @@
             </a:ln>
             <a:extLst>
               <a:ext uri="{91240B29-F687-4f45-9708-019B960494DF}">
-                <a14:hiddenLine xmlns:a14="http://schemas.microsoft.com/office/drawing/2010/main" xmlns="" w="9525">
+                <a14:hiddenLine xmlns="" xmlns:a14="http://schemas.microsoft.com/office/drawing/2010/main" w="9525">
                   <a:solidFill>
                     <a:srgbClr val="000000"/>
                   </a:solidFill>
@@ -463,7 +463,7 @@
             </a:ln>
             <a:extLst>
               <a:ext uri="{91240B29-F687-4f45-9708-019B960494DF}">
-                <a14:hiddenLine xmlns:a14="http://schemas.microsoft.com/office/drawing/2010/main" xmlns="" w="9525">
+                <a14:hiddenLine xmlns="" xmlns:a14="http://schemas.microsoft.com/office/drawing/2010/main" w="9525">
                   <a:solidFill>
                     <a:srgbClr val="000000"/>
                   </a:solidFill>
@@ -553,7 +553,7 @@
             </a:ln>
             <a:extLst>
               <a:ext uri="{91240B29-F687-4f45-9708-019B960494DF}">
-                <a14:hiddenLine xmlns:a14="http://schemas.microsoft.com/office/drawing/2010/main" xmlns="" w="9525">
+                <a14:hiddenLine xmlns="" xmlns:a14="http://schemas.microsoft.com/office/drawing/2010/main" w="9525">
                   <a:solidFill>
                     <a:srgbClr val="000000"/>
                   </a:solidFill>
@@ -615,7 +615,7 @@
             </a:ln>
             <a:extLst>
               <a:ext uri="{91240B29-F687-4f45-9708-019B960494DF}">
-                <a14:hiddenLine xmlns:a14="http://schemas.microsoft.com/office/drawing/2010/main" xmlns="" w="9525">
+                <a14:hiddenLine xmlns="" xmlns:a14="http://schemas.microsoft.com/office/drawing/2010/main" w="9525">
                   <a:solidFill>
                     <a:srgbClr val="000000"/>
                   </a:solidFill>
@@ -677,7 +677,7 @@
             </a:ln>
             <a:extLst>
               <a:ext uri="{91240B29-F687-4f45-9708-019B960494DF}">
-                <a14:hiddenLine xmlns:a14="http://schemas.microsoft.com/office/drawing/2010/main" xmlns="" w="9525">
+                <a14:hiddenLine xmlns="" xmlns:a14="http://schemas.microsoft.com/office/drawing/2010/main" w="9525">
                   <a:solidFill>
                     <a:srgbClr val="000000"/>
                   </a:solidFill>
@@ -767,7 +767,7 @@
             </a:ln>
             <a:extLst>
               <a:ext uri="{91240B29-F687-4f45-9708-019B960494DF}">
-                <a14:hiddenLine xmlns:a14="http://schemas.microsoft.com/office/drawing/2010/main" xmlns="" w="9525">
+                <a14:hiddenLine xmlns="" xmlns:a14="http://schemas.microsoft.com/office/drawing/2010/main" w="9525">
                   <a:solidFill>
                     <a:srgbClr val="000000"/>
                   </a:solidFill>
@@ -829,7 +829,7 @@
             </a:ln>
             <a:extLst>
               <a:ext uri="{91240B29-F687-4f45-9708-019B960494DF}">
-                <a14:hiddenLine xmlns:a14="http://schemas.microsoft.com/office/drawing/2010/main" xmlns="" w="9525">
+                <a14:hiddenLine xmlns="" xmlns:a14="http://schemas.microsoft.com/office/drawing/2010/main" w="9525">
                   <a:solidFill>
                     <a:srgbClr val="000000"/>
                   </a:solidFill>
@@ -891,7 +891,7 @@
             </a:ln>
             <a:extLst>
               <a:ext uri="{91240B29-F687-4f45-9708-019B960494DF}">
-                <a14:hiddenLine xmlns:a14="http://schemas.microsoft.com/office/drawing/2010/main" xmlns="" w="9525">
+                <a14:hiddenLine xmlns="" xmlns:a14="http://schemas.microsoft.com/office/drawing/2010/main" w="9525">
                   <a:solidFill>
                     <a:srgbClr val="000000"/>
                   </a:solidFill>
@@ -981,7 +981,7 @@
             </a:ln>
             <a:extLst>
               <a:ext uri="{91240B29-F687-4f45-9708-019B960494DF}">
-                <a14:hiddenLine xmlns:a14="http://schemas.microsoft.com/office/drawing/2010/main" xmlns="" w="9525">
+                <a14:hiddenLine xmlns="" xmlns:a14="http://schemas.microsoft.com/office/drawing/2010/main" w="9525">
                   <a:solidFill>
                     <a:srgbClr val="000000"/>
                   </a:solidFill>
@@ -1071,7 +1071,7 @@
             </a:ln>
             <a:extLst>
               <a:ext uri="{91240B29-F687-4f45-9708-019B960494DF}">
-                <a14:hiddenLine xmlns:a14="http://schemas.microsoft.com/office/drawing/2010/main" xmlns="" w="9525">
+                <a14:hiddenLine xmlns="" xmlns:a14="http://schemas.microsoft.com/office/drawing/2010/main" w="9525">
                   <a:solidFill>
                     <a:srgbClr val="000000"/>
                   </a:solidFill>
@@ -1133,7 +1133,7 @@
             </a:ln>
             <a:extLst>
               <a:ext uri="{91240B29-F687-4f45-9708-019B960494DF}">
-                <a14:hiddenLine xmlns:a14="http://schemas.microsoft.com/office/drawing/2010/main" xmlns="" w="9525">
+                <a14:hiddenLine xmlns="" xmlns:a14="http://schemas.microsoft.com/office/drawing/2010/main" w="9525">
                   <a:solidFill>
                     <a:srgbClr val="000000"/>
                   </a:solidFill>
@@ -1243,7 +1243,7 @@
             </a:ln>
             <a:extLst>
               <a:ext uri="{91240B29-F687-4f45-9708-019B960494DF}">
-                <a14:hiddenLine xmlns:a14="http://schemas.microsoft.com/office/drawing/2010/main" xmlns="" w="9525">
+                <a14:hiddenLine xmlns="" xmlns:a14="http://schemas.microsoft.com/office/drawing/2010/main" w="9525">
                   <a:solidFill>
                     <a:srgbClr val="000000"/>
                   </a:solidFill>
@@ -1305,7 +1305,7 @@
             </a:ln>
             <a:extLst>
               <a:ext uri="{91240B29-F687-4f45-9708-019B960494DF}">
-                <a14:hiddenLine xmlns:a14="http://schemas.microsoft.com/office/drawing/2010/main" xmlns="" w="9525">
+                <a14:hiddenLine xmlns="" xmlns:a14="http://schemas.microsoft.com/office/drawing/2010/main" w="9525">
                   <a:solidFill>
                     <a:srgbClr val="000000"/>
                   </a:solidFill>
@@ -1395,7 +1395,7 @@
             </a:ln>
             <a:extLst>
               <a:ext uri="{91240B29-F687-4f45-9708-019B960494DF}">
-                <a14:hiddenLine xmlns:a14="http://schemas.microsoft.com/office/drawing/2010/main" xmlns="" w="9525">
+                <a14:hiddenLine xmlns="" xmlns:a14="http://schemas.microsoft.com/office/drawing/2010/main" w="9525">
                   <a:solidFill>
                     <a:srgbClr val="000000"/>
                   </a:solidFill>
@@ -1485,7 +1485,7 @@
             </a:ln>
             <a:extLst>
               <a:ext uri="{91240B29-F687-4f45-9708-019B960494DF}">
-                <a14:hiddenLine xmlns:a14="http://schemas.microsoft.com/office/drawing/2010/main" xmlns="" w="9525">
+                <a14:hiddenLine xmlns="" xmlns:a14="http://schemas.microsoft.com/office/drawing/2010/main" w="9525">
                   <a:solidFill>
                     <a:srgbClr val="000000"/>
                   </a:solidFill>
@@ -1547,7 +1547,7 @@
             </a:ln>
             <a:extLst>
               <a:ext uri="{91240B29-F687-4f45-9708-019B960494DF}">
-                <a14:hiddenLine xmlns:a14="http://schemas.microsoft.com/office/drawing/2010/main" xmlns="" w="9525">
+                <a14:hiddenLine xmlns="" xmlns:a14="http://schemas.microsoft.com/office/drawing/2010/main" w="9525">
                   <a:solidFill>
                     <a:srgbClr val="000000"/>
                   </a:solidFill>
@@ -1637,7 +1637,7 @@
             </a:ln>
             <a:extLst>
               <a:ext uri="{91240B29-F687-4f45-9708-019B960494DF}">
-                <a14:hiddenLine xmlns:a14="http://schemas.microsoft.com/office/drawing/2010/main" xmlns="" w="9525">
+                <a14:hiddenLine xmlns="" xmlns:a14="http://schemas.microsoft.com/office/drawing/2010/main" w="9525">
                   <a:solidFill>
                     <a:srgbClr val="000000"/>
                   </a:solidFill>
@@ -1727,7 +1727,7 @@
             </a:ln>
             <a:extLst>
               <a:ext uri="{91240B29-F687-4f45-9708-019B960494DF}">
-                <a14:hiddenLine xmlns:a14="http://schemas.microsoft.com/office/drawing/2010/main" xmlns="" w="9525">
+                <a14:hiddenLine xmlns="" xmlns:a14="http://schemas.microsoft.com/office/drawing/2010/main" w="9525">
                   <a:solidFill>
                     <a:srgbClr val="000000"/>
                   </a:solidFill>
@@ -1783,7 +1783,7 @@
             </a:ln>
             <a:extLst>
               <a:ext uri="{91240B29-F687-4f45-9708-019B960494DF}">
-                <a14:hiddenLine xmlns:a14="http://schemas.microsoft.com/office/drawing/2010/main" xmlns="" w="9525">
+                <a14:hiddenLine xmlns="" xmlns:a14="http://schemas.microsoft.com/office/drawing/2010/main" w="9525">
                   <a:solidFill>
                     <a:srgbClr val="000000"/>
                   </a:solidFill>
@@ -1873,7 +1873,7 @@
             </a:ln>
             <a:extLst>
               <a:ext uri="{91240B29-F687-4f45-9708-019B960494DF}">
-                <a14:hiddenLine xmlns:a14="http://schemas.microsoft.com/office/drawing/2010/main" xmlns="" w="9525">
+                <a14:hiddenLine xmlns="" xmlns:a14="http://schemas.microsoft.com/office/drawing/2010/main" w="9525">
                   <a:solidFill>
                     <a:srgbClr val="000000"/>
                   </a:solidFill>
@@ -1929,7 +1929,7 @@
             </a:ln>
             <a:extLst>
               <a:ext uri="{91240B29-F687-4f45-9708-019B960494DF}">
-                <a14:hiddenLine xmlns:a14="http://schemas.microsoft.com/office/drawing/2010/main" xmlns="" w="9525">
+                <a14:hiddenLine xmlns="" xmlns:a14="http://schemas.microsoft.com/office/drawing/2010/main" w="9525">
                   <a:solidFill>
                     <a:srgbClr val="000000"/>
                   </a:solidFill>
@@ -2019,7 +2019,7 @@
             </a:ln>
             <a:extLst>
               <a:ext uri="{91240B29-F687-4f45-9708-019B960494DF}">
-                <a14:hiddenLine xmlns:a14="http://schemas.microsoft.com/office/drawing/2010/main" xmlns="" w="9525">
+                <a14:hiddenLine xmlns="" xmlns:a14="http://schemas.microsoft.com/office/drawing/2010/main" w="9525">
                   <a:solidFill>
                     <a:srgbClr val="000000"/>
                   </a:solidFill>
@@ -2087,7 +2087,7 @@
             </a:ln>
             <a:extLst>
               <a:ext uri="{91240B29-F687-4f45-9708-019B960494DF}">
-                <a14:hiddenLine xmlns:a14="http://schemas.microsoft.com/office/drawing/2010/main" xmlns="" w="9525">
+                <a14:hiddenLine xmlns="" xmlns:a14="http://schemas.microsoft.com/office/drawing/2010/main" w="9525">
                   <a:solidFill>
                     <a:srgbClr val="000000"/>
                   </a:solidFill>
@@ -2177,7 +2177,7 @@
             </a:ln>
             <a:extLst>
               <a:ext uri="{91240B29-F687-4f45-9708-019B960494DF}">
-                <a14:hiddenLine xmlns:a14="http://schemas.microsoft.com/office/drawing/2010/main" xmlns="" w="9525">
+                <a14:hiddenLine xmlns="" xmlns:a14="http://schemas.microsoft.com/office/drawing/2010/main" w="9525">
                   <a:solidFill>
                     <a:srgbClr val="000000"/>
                   </a:solidFill>
@@ -2245,7 +2245,7 @@
             </a:ln>
             <a:extLst>
               <a:ext uri="{91240B29-F687-4f45-9708-019B960494DF}">
-                <a14:hiddenLine xmlns:a14="http://schemas.microsoft.com/office/drawing/2010/main" xmlns="" w="9525">
+                <a14:hiddenLine xmlns="" xmlns:a14="http://schemas.microsoft.com/office/drawing/2010/main" w="9525">
                   <a:solidFill>
                     <a:srgbClr val="000000"/>
                   </a:solidFill>
@@ -2335,7 +2335,7 @@
             </a:ln>
             <a:extLst>
               <a:ext uri="{91240B29-F687-4f45-9708-019B960494DF}">
-                <a14:hiddenLine xmlns:a14="http://schemas.microsoft.com/office/drawing/2010/main" xmlns="" w="9525">
+                <a14:hiddenLine xmlns="" xmlns:a14="http://schemas.microsoft.com/office/drawing/2010/main" w="9525">
                   <a:solidFill>
                     <a:srgbClr val="000000"/>
                   </a:solidFill>
@@ -2369,7 +2369,7 @@
             </a:ln>
             <a:extLst>
               <a:ext uri="{91240B29-F687-4f45-9708-019B960494DF}">
-                <a14:hiddenLine xmlns:a14="http://schemas.microsoft.com/office/drawing/2010/main" xmlns="" w="9525">
+                <a14:hiddenLine xmlns="" xmlns:a14="http://schemas.microsoft.com/office/drawing/2010/main" w="9525">
                   <a:solidFill>
                     <a:srgbClr val="000000"/>
                   </a:solidFill>
@@ -2459,7 +2459,7 @@
             </a:ln>
             <a:extLst>
               <a:ext uri="{91240B29-F687-4f45-9708-019B960494DF}">
-                <a14:hiddenLine xmlns:a14="http://schemas.microsoft.com/office/drawing/2010/main" xmlns="" w="9525">
+                <a14:hiddenLine xmlns="" xmlns:a14="http://schemas.microsoft.com/office/drawing/2010/main" w="9525">
                   <a:solidFill>
                     <a:srgbClr val="000000"/>
                   </a:solidFill>
@@ -2521,7 +2521,7 @@
             </a:ln>
             <a:extLst>
               <a:ext uri="{91240B29-F687-4f45-9708-019B960494DF}">
-                <a14:hiddenLine xmlns:a14="http://schemas.microsoft.com/office/drawing/2010/main" xmlns="" w="9525">
+                <a14:hiddenLine xmlns="" xmlns:a14="http://schemas.microsoft.com/office/drawing/2010/main" w="9525">
                   <a:solidFill>
                     <a:srgbClr val="000000"/>
                   </a:solidFill>
@@ -2583,7 +2583,7 @@
             </a:ln>
             <a:extLst>
               <a:ext uri="{91240B29-F687-4f45-9708-019B960494DF}">
-                <a14:hiddenLine xmlns:a14="http://schemas.microsoft.com/office/drawing/2010/main" xmlns="" w="9525">
+                <a14:hiddenLine xmlns="" xmlns:a14="http://schemas.microsoft.com/office/drawing/2010/main" w="9525">
                   <a:solidFill>
                     <a:srgbClr val="000000"/>
                   </a:solidFill>
@@ -2673,7 +2673,7 @@
             </a:ln>
             <a:extLst>
               <a:ext uri="{91240B29-F687-4f45-9708-019B960494DF}">
-                <a14:hiddenLine xmlns:a14="http://schemas.microsoft.com/office/drawing/2010/main" xmlns="" w="9525">
+                <a14:hiddenLine xmlns="" xmlns:a14="http://schemas.microsoft.com/office/drawing/2010/main" w="9525">
                   <a:solidFill>
                     <a:srgbClr val="000000"/>
                   </a:solidFill>
@@ -2741,7 +2741,7 @@
             </a:ln>
             <a:extLst>
               <a:ext uri="{91240B29-F687-4f45-9708-019B960494DF}">
-                <a14:hiddenLine xmlns:a14="http://schemas.microsoft.com/office/drawing/2010/main" xmlns="" w="9525">
+                <a14:hiddenLine xmlns="" xmlns:a14="http://schemas.microsoft.com/office/drawing/2010/main" w="9525">
                   <a:solidFill>
                     <a:srgbClr val="000000"/>
                   </a:solidFill>
@@ -2803,7 +2803,7 @@
             </a:ln>
             <a:extLst>
               <a:ext uri="{91240B29-F687-4f45-9708-019B960494DF}">
-                <a14:hiddenLine xmlns:a14="http://schemas.microsoft.com/office/drawing/2010/main" xmlns="" w="9525">
+                <a14:hiddenLine xmlns="" xmlns:a14="http://schemas.microsoft.com/office/drawing/2010/main" w="9525">
                   <a:solidFill>
                     <a:srgbClr val="000000"/>
                   </a:solidFill>
@@ -2893,7 +2893,7 @@
             </a:ln>
             <a:extLst>
               <a:ext uri="{91240B29-F687-4f45-9708-019B960494DF}">
-                <a14:hiddenLine xmlns:a14="http://schemas.microsoft.com/office/drawing/2010/main" xmlns="" w="9525">
+                <a14:hiddenLine xmlns="" xmlns:a14="http://schemas.microsoft.com/office/drawing/2010/main" w="9525">
                   <a:solidFill>
                     <a:srgbClr val="000000"/>
                   </a:solidFill>
@@ -2955,7 +2955,7 @@
             </a:ln>
             <a:extLst>
               <a:ext uri="{91240B29-F687-4f45-9708-019B960494DF}">
-                <a14:hiddenLine xmlns:a14="http://schemas.microsoft.com/office/drawing/2010/main" xmlns="" w="9525">
+                <a14:hiddenLine xmlns="" xmlns:a14="http://schemas.microsoft.com/office/drawing/2010/main" w="9525">
                   <a:solidFill>
                     <a:srgbClr val="000000"/>
                   </a:solidFill>
@@ -3045,7 +3045,7 @@
             </a:ln>
             <a:extLst>
               <a:ext uri="{91240B29-F687-4f45-9708-019B960494DF}">
-                <a14:hiddenLine xmlns:a14="http://schemas.microsoft.com/office/drawing/2010/main" xmlns="" w="9525">
+                <a14:hiddenLine xmlns="" xmlns:a14="http://schemas.microsoft.com/office/drawing/2010/main" w="9525">
                   <a:solidFill>
                     <a:srgbClr val="000000"/>
                   </a:solidFill>
@@ -3107,7 +3107,7 @@
             </a:ln>
             <a:extLst>
               <a:ext uri="{91240B29-F687-4f45-9708-019B960494DF}">
-                <a14:hiddenLine xmlns:a14="http://schemas.microsoft.com/office/drawing/2010/main" xmlns="" w="9525">
+                <a14:hiddenLine xmlns="" xmlns:a14="http://schemas.microsoft.com/office/drawing/2010/main" w="9525">
                   <a:solidFill>
                     <a:srgbClr val="000000"/>
                   </a:solidFill>
@@ -3197,7 +3197,7 @@
             </a:ln>
             <a:extLst>
               <a:ext uri="{91240B29-F687-4f45-9708-019B960494DF}">
-                <a14:hiddenLine xmlns:a14="http://schemas.microsoft.com/office/drawing/2010/main" xmlns="" w="9525">
+                <a14:hiddenLine xmlns="" xmlns:a14="http://schemas.microsoft.com/office/drawing/2010/main" w="9525">
                   <a:solidFill>
                     <a:srgbClr val="000000"/>
                   </a:solidFill>
@@ -3231,7 +3231,7 @@
             </a:ln>
             <a:extLst>
               <a:ext uri="{91240B29-F687-4f45-9708-019B960494DF}">
-                <a14:hiddenLine xmlns:a14="http://schemas.microsoft.com/office/drawing/2010/main" xmlns="" w="9525">
+                <a14:hiddenLine xmlns="" xmlns:a14="http://schemas.microsoft.com/office/drawing/2010/main" w="9525">
                   <a:solidFill>
                     <a:srgbClr val="000000"/>
                   </a:solidFill>
@@ -3296,7 +3296,7 @@
             </a:ln>
             <a:extLst>
               <a:ext uri="{91240B29-F687-4f45-9708-019B960494DF}">
-                <a14:hiddenLine xmlns:a14="http://schemas.microsoft.com/office/drawing/2010/main" xmlns="" w="9525">
+                <a14:hiddenLine xmlns="" xmlns:a14="http://schemas.microsoft.com/office/drawing/2010/main" w="9525">
                   <a:solidFill>
                     <a:srgbClr val="000000"/>
                   </a:solidFill>
@@ -3386,7 +3386,7 @@
             </a:ln>
             <a:extLst>
               <a:ext uri="{91240B29-F687-4f45-9708-019B960494DF}">
-                <a14:hiddenLine xmlns:a14="http://schemas.microsoft.com/office/drawing/2010/main" xmlns="" w="9525">
+                <a14:hiddenLine xmlns="" xmlns:a14="http://schemas.microsoft.com/office/drawing/2010/main" w="9525">
                   <a:solidFill>
                     <a:srgbClr val="000000"/>
                   </a:solidFill>
@@ -3448,7 +3448,7 @@
             </a:ln>
             <a:extLst>
               <a:ext uri="{91240B29-F687-4f45-9708-019B960494DF}">
-                <a14:hiddenLine xmlns:a14="http://schemas.microsoft.com/office/drawing/2010/main" xmlns="" w="9525">
+                <a14:hiddenLine xmlns="" xmlns:a14="http://schemas.microsoft.com/office/drawing/2010/main" w="9525">
                   <a:solidFill>
                     <a:srgbClr val="000000"/>
                   </a:solidFill>
@@ -3538,7 +3538,7 @@
             </a:ln>
             <a:extLst>
               <a:ext uri="{91240B29-F687-4f45-9708-019B960494DF}">
-                <a14:hiddenLine xmlns:a14="http://schemas.microsoft.com/office/drawing/2010/main" xmlns="" w="9525">
+                <a14:hiddenLine xmlns="" xmlns:a14="http://schemas.microsoft.com/office/drawing/2010/main" w="9525">
                   <a:solidFill>
                     <a:srgbClr val="000000"/>
                   </a:solidFill>
@@ -3628,7 +3628,7 @@
             </a:ln>
             <a:extLst>
               <a:ext uri="{91240B29-F687-4f45-9708-019B960494DF}">
-                <a14:hiddenLine xmlns:a14="http://schemas.microsoft.com/office/drawing/2010/main" xmlns="" w="9525">
+                <a14:hiddenLine xmlns="" xmlns:a14="http://schemas.microsoft.com/office/drawing/2010/main" w="9525">
                   <a:solidFill>
                     <a:srgbClr val="000000"/>
                   </a:solidFill>
@@ -3693,7 +3693,7 @@
             </a:ln>
             <a:extLst>
               <a:ext uri="{91240B29-F687-4f45-9708-019B960494DF}">
-                <a14:hiddenLine xmlns:a14="http://schemas.microsoft.com/office/drawing/2010/main" xmlns="" w="9525">
+                <a14:hiddenLine xmlns="" xmlns:a14="http://schemas.microsoft.com/office/drawing/2010/main" w="9525">
                   <a:solidFill>
                     <a:srgbClr val="000000"/>
                   </a:solidFill>
@@ -3755,7 +3755,7 @@
             </a:ln>
             <a:extLst>
               <a:ext uri="{91240B29-F687-4f45-9708-019B960494DF}">
-                <a14:hiddenLine xmlns:a14="http://schemas.microsoft.com/office/drawing/2010/main" xmlns="" w="9525">
+                <a14:hiddenLine xmlns="" xmlns:a14="http://schemas.microsoft.com/office/drawing/2010/main" w="9525">
                   <a:solidFill>
                     <a:srgbClr val="000000"/>
                   </a:solidFill>
@@ -3845,7 +3845,7 @@
             </a:ln>
             <a:extLst>
               <a:ext uri="{91240B29-F687-4f45-9708-019B960494DF}">
-                <a14:hiddenLine xmlns:a14="http://schemas.microsoft.com/office/drawing/2010/main" xmlns="" w="9525">
+                <a14:hiddenLine xmlns="" xmlns:a14="http://schemas.microsoft.com/office/drawing/2010/main" w="9525">
                   <a:solidFill>
                     <a:srgbClr val="000000"/>
                   </a:solidFill>
@@ -3935,7 +3935,7 @@
             </a:ln>
             <a:extLst>
               <a:ext uri="{91240B29-F687-4f45-9708-019B960494DF}">
-                <a14:hiddenLine xmlns:a14="http://schemas.microsoft.com/office/drawing/2010/main" xmlns="" w="9525">
+                <a14:hiddenLine xmlns="" xmlns:a14="http://schemas.microsoft.com/office/drawing/2010/main" w="9525">
                   <a:solidFill>
                     <a:srgbClr val="000000"/>
                   </a:solidFill>
@@ -3997,7 +3997,7 @@
             </a:ln>
             <a:extLst>
               <a:ext uri="{91240B29-F687-4f45-9708-019B960494DF}">
-                <a14:hiddenLine xmlns:a14="http://schemas.microsoft.com/office/drawing/2010/main" xmlns="" w="9525">
+                <a14:hiddenLine xmlns="" xmlns:a14="http://schemas.microsoft.com/office/drawing/2010/main" w="9525">
                   <a:solidFill>
                     <a:srgbClr val="000000"/>
                   </a:solidFill>
@@ -4117,7 +4117,7 @@
             </a:ln>
             <a:extLst>
               <a:ext uri="{91240B29-F687-4f45-9708-019B960494DF}">
-                <a14:hiddenLine xmlns:a14="http://schemas.microsoft.com/office/drawing/2010/main" xmlns="" w="9525">
+                <a14:hiddenLine xmlns="" xmlns:a14="http://schemas.microsoft.com/office/drawing/2010/main" w="9525">
                   <a:solidFill>
                     <a:srgbClr val="000000"/>
                   </a:solidFill>
@@ -4185,7 +4185,7 @@
             </a:ln>
             <a:extLst>
               <a:ext uri="{91240B29-F687-4f45-9708-019B960494DF}">
-                <a14:hiddenLine xmlns:a14="http://schemas.microsoft.com/office/drawing/2010/main" xmlns="" w="9525">
+                <a14:hiddenLine xmlns="" xmlns:a14="http://schemas.microsoft.com/office/drawing/2010/main" w="9525">
                   <a:solidFill>
                     <a:srgbClr val="000000"/>
                   </a:solidFill>
@@ -4275,7 +4275,7 @@
             </a:ln>
             <a:extLst>
               <a:ext uri="{91240B29-F687-4f45-9708-019B960494DF}">
-                <a14:hiddenLine xmlns:a14="http://schemas.microsoft.com/office/drawing/2010/main" xmlns="" w="9525">
+                <a14:hiddenLine xmlns="" xmlns:a14="http://schemas.microsoft.com/office/drawing/2010/main" w="9525">
                   <a:solidFill>
                     <a:srgbClr val="000000"/>
                   </a:solidFill>
@@ -4415,7 +4415,7 @@
           <a:p>
             <a:fld id="{6A8C1F66-F627-47B8-820F-0CD0469635B7}" type="datetimeFigureOut">
               <a:rPr lang="en-CA" smtClean="0"/>
-              <a:t>2018-01-20</a:t>
+              <a:t>2018-01-21</a:t>
             </a:fld>
             <a:endParaRPr lang="en-CA"/>
           </a:p>
@@ -4682,7 +4682,7 @@
           <a:p>
             <a:fld id="{6A8C1F66-F627-47B8-820F-0CD0469635B7}" type="datetimeFigureOut">
               <a:rPr lang="en-CA" smtClean="0"/>
-              <a:t>2018-01-20</a:t>
+              <a:t>2018-01-21</a:t>
             </a:fld>
             <a:endParaRPr lang="en-CA"/>
           </a:p>
@@ -4878,7 +4878,7 @@
           <a:p>
             <a:fld id="{6A8C1F66-F627-47B8-820F-0CD0469635B7}" type="datetimeFigureOut">
               <a:rPr lang="en-CA" smtClean="0"/>
-              <a:t>2018-01-20</a:t>
+              <a:t>2018-01-21</a:t>
             </a:fld>
             <a:endParaRPr lang="en-CA"/>
           </a:p>
@@ -5141,7 +5141,7 @@
           <a:p>
             <a:fld id="{6A8C1F66-F627-47B8-820F-0CD0469635B7}" type="datetimeFigureOut">
               <a:rPr lang="en-CA" smtClean="0"/>
-              <a:t>2018-01-20</a:t>
+              <a:t>2018-01-21</a:t>
             </a:fld>
             <a:endParaRPr lang="en-CA"/>
           </a:p>
@@ -5575,7 +5575,7 @@
           <a:p>
             <a:fld id="{6A8C1F66-F627-47B8-820F-0CD0469635B7}" type="datetimeFigureOut">
               <a:rPr lang="en-CA" smtClean="0"/>
-              <a:t>2018-01-20</a:t>
+              <a:t>2018-01-21</a:t>
             </a:fld>
             <a:endParaRPr lang="en-CA"/>
           </a:p>
@@ -6121,7 +6121,7 @@
           <a:p>
             <a:fld id="{6A8C1F66-F627-47B8-820F-0CD0469635B7}" type="datetimeFigureOut">
               <a:rPr lang="en-CA" smtClean="0"/>
-              <a:t>2018-01-20</a:t>
+              <a:t>2018-01-21</a:t>
             </a:fld>
             <a:endParaRPr lang="en-CA"/>
           </a:p>
@@ -6841,7 +6841,7 @@
           <a:p>
             <a:fld id="{6A8C1F66-F627-47B8-820F-0CD0469635B7}" type="datetimeFigureOut">
               <a:rPr lang="en-CA" smtClean="0"/>
-              <a:t>2018-01-20</a:t>
+              <a:t>2018-01-21</a:t>
             </a:fld>
             <a:endParaRPr lang="en-CA"/>
           </a:p>
@@ -7011,7 +7011,7 @@
           <a:p>
             <a:fld id="{6A8C1F66-F627-47B8-820F-0CD0469635B7}" type="datetimeFigureOut">
               <a:rPr lang="en-CA" smtClean="0"/>
-              <a:t>2018-01-20</a:t>
+              <a:t>2018-01-21</a:t>
             </a:fld>
             <a:endParaRPr lang="en-CA"/>
           </a:p>
@@ -7191,7 +7191,7 @@
           <a:p>
             <a:fld id="{6A8C1F66-F627-47B8-820F-0CD0469635B7}" type="datetimeFigureOut">
               <a:rPr lang="en-CA" smtClean="0"/>
-              <a:t>2018-01-20</a:t>
+              <a:t>2018-01-21</a:t>
             </a:fld>
             <a:endParaRPr lang="en-CA"/>
           </a:p>
@@ -7361,7 +7361,7 @@
           <a:p>
             <a:fld id="{6A8C1F66-F627-47B8-820F-0CD0469635B7}" type="datetimeFigureOut">
               <a:rPr lang="en-CA" smtClean="0"/>
-              <a:t>2018-01-20</a:t>
+              <a:t>2018-01-21</a:t>
             </a:fld>
             <a:endParaRPr lang="en-CA"/>
           </a:p>
@@ -7611,7 +7611,7 @@
           <a:p>
             <a:fld id="{6A8C1F66-F627-47B8-820F-0CD0469635B7}" type="datetimeFigureOut">
               <a:rPr lang="en-CA" smtClean="0"/>
-              <a:t>2018-01-20</a:t>
+              <a:t>2018-01-21</a:t>
             </a:fld>
             <a:endParaRPr lang="en-CA"/>
           </a:p>
@@ -7843,7 +7843,7 @@
           <a:p>
             <a:fld id="{6A8C1F66-F627-47B8-820F-0CD0469635B7}" type="datetimeFigureOut">
               <a:rPr lang="en-CA" smtClean="0"/>
-              <a:t>2018-01-20</a:t>
+              <a:t>2018-01-21</a:t>
             </a:fld>
             <a:endParaRPr lang="en-CA"/>
           </a:p>
@@ -8224,7 +8224,7 @@
           <a:p>
             <a:fld id="{6A8C1F66-F627-47B8-820F-0CD0469635B7}" type="datetimeFigureOut">
               <a:rPr lang="en-CA" smtClean="0"/>
-              <a:t>2018-01-20</a:t>
+              <a:t>2018-01-21</a:t>
             </a:fld>
             <a:endParaRPr lang="en-CA"/>
           </a:p>
@@ -8342,7 +8342,7 @@
           <a:p>
             <a:fld id="{6A8C1F66-F627-47B8-820F-0CD0469635B7}" type="datetimeFigureOut">
               <a:rPr lang="en-CA" smtClean="0"/>
-              <a:t>2018-01-20</a:t>
+              <a:t>2018-01-21</a:t>
             </a:fld>
             <a:endParaRPr lang="en-CA"/>
           </a:p>
@@ -8437,7 +8437,7 @@
           <a:p>
             <a:fld id="{6A8C1F66-F627-47B8-820F-0CD0469635B7}" type="datetimeFigureOut">
               <a:rPr lang="en-CA" smtClean="0"/>
-              <a:t>2018-01-20</a:t>
+              <a:t>2018-01-21</a:t>
             </a:fld>
             <a:endParaRPr lang="en-CA"/>
           </a:p>
@@ -8686,7 +8686,7 @@
           <a:p>
             <a:fld id="{6A8C1F66-F627-47B8-820F-0CD0469635B7}" type="datetimeFigureOut">
               <a:rPr lang="en-CA" smtClean="0"/>
-              <a:t>2018-01-20</a:t>
+              <a:t>2018-01-21</a:t>
             </a:fld>
             <a:endParaRPr lang="en-CA"/>
           </a:p>
@@ -8966,7 +8966,7 @@
           <a:p>
             <a:fld id="{6A8C1F66-F627-47B8-820F-0CD0469635B7}" type="datetimeFigureOut">
               <a:rPr lang="en-CA" smtClean="0"/>
-              <a:t>2018-01-20</a:t>
+              <a:t>2018-01-21</a:t>
             </a:fld>
             <a:endParaRPr lang="en-CA"/>
           </a:p>
@@ -9082,7 +9082,7 @@
           <a:noFill/>
           <a:extLst>
             <a:ext uri="{909E8E84-426E-40dd-AFC4-6F175D3DCCD1}">
-              <a14:hiddenFill xmlns:a14="http://schemas.microsoft.com/office/drawing/2010/main" xmlns="">
+              <a14:hiddenFill xmlns="" xmlns:a14="http://schemas.microsoft.com/office/drawing/2010/main">
                 <a:solidFill>
                   <a:srgbClr val="FFFFFF"/>
                 </a:solidFill>
@@ -9156,7 +9156,7 @@
               </a:ln>
               <a:extLst>
                 <a:ext uri="{91240B29-F687-4f45-9708-019B960494DF}">
-                  <a14:hiddenLine xmlns:a14="http://schemas.microsoft.com/office/drawing/2010/main" xmlns="" w="9525">
+                  <a14:hiddenLine xmlns="" xmlns:a14="http://schemas.microsoft.com/office/drawing/2010/main" w="9525">
                     <a:solidFill>
                       <a:srgbClr val="000000"/>
                     </a:solidFill>
@@ -9246,7 +9246,7 @@
               </a:ln>
               <a:extLst>
                 <a:ext uri="{91240B29-F687-4f45-9708-019B960494DF}">
-                  <a14:hiddenLine xmlns:a14="http://schemas.microsoft.com/office/drawing/2010/main" xmlns="" w="9525">
+                  <a14:hiddenLine xmlns="" xmlns:a14="http://schemas.microsoft.com/office/drawing/2010/main" w="9525">
                     <a:solidFill>
                       <a:srgbClr val="000000"/>
                     </a:solidFill>
@@ -9336,7 +9336,7 @@
               </a:ln>
               <a:extLst>
                 <a:ext uri="{91240B29-F687-4f45-9708-019B960494DF}">
-                  <a14:hiddenLine xmlns:a14="http://schemas.microsoft.com/office/drawing/2010/main" xmlns="" w="9525">
+                  <a14:hiddenLine xmlns="" xmlns:a14="http://schemas.microsoft.com/office/drawing/2010/main" w="9525">
                     <a:solidFill>
                       <a:srgbClr val="000000"/>
                     </a:solidFill>
@@ -9398,7 +9398,7 @@
               </a:ln>
               <a:extLst>
                 <a:ext uri="{91240B29-F687-4f45-9708-019B960494DF}">
-                  <a14:hiddenLine xmlns:a14="http://schemas.microsoft.com/office/drawing/2010/main" xmlns="" w="9525">
+                  <a14:hiddenLine xmlns="" xmlns:a14="http://schemas.microsoft.com/office/drawing/2010/main" w="9525">
                     <a:solidFill>
                       <a:srgbClr val="000000"/>
                     </a:solidFill>
@@ -9488,7 +9488,7 @@
               </a:ln>
               <a:extLst>
                 <a:ext uri="{91240B29-F687-4f45-9708-019B960494DF}">
-                  <a14:hiddenLine xmlns:a14="http://schemas.microsoft.com/office/drawing/2010/main" xmlns="" w="9525">
+                  <a14:hiddenLine xmlns="" xmlns:a14="http://schemas.microsoft.com/office/drawing/2010/main" w="9525">
                     <a:solidFill>
                       <a:srgbClr val="000000"/>
                     </a:solidFill>
@@ -9550,7 +9550,7 @@
               </a:ln>
               <a:extLst>
                 <a:ext uri="{91240B29-F687-4f45-9708-019B960494DF}">
-                  <a14:hiddenLine xmlns:a14="http://schemas.microsoft.com/office/drawing/2010/main" xmlns="" w="9525">
+                  <a14:hiddenLine xmlns="" xmlns:a14="http://schemas.microsoft.com/office/drawing/2010/main" w="9525">
                     <a:solidFill>
                       <a:srgbClr val="000000"/>
                     </a:solidFill>
@@ -9612,7 +9612,7 @@
               </a:ln>
               <a:extLst>
                 <a:ext uri="{91240B29-F687-4f45-9708-019B960494DF}">
-                  <a14:hiddenLine xmlns:a14="http://schemas.microsoft.com/office/drawing/2010/main" xmlns="" w="9525">
+                  <a14:hiddenLine xmlns="" xmlns:a14="http://schemas.microsoft.com/office/drawing/2010/main" w="9525">
                     <a:solidFill>
                       <a:srgbClr val="000000"/>
                     </a:solidFill>
@@ -9702,7 +9702,7 @@
               </a:ln>
               <a:extLst>
                 <a:ext uri="{91240B29-F687-4f45-9708-019B960494DF}">
-                  <a14:hiddenLine xmlns:a14="http://schemas.microsoft.com/office/drawing/2010/main" xmlns="" w="9525">
+                  <a14:hiddenLine xmlns="" xmlns:a14="http://schemas.microsoft.com/office/drawing/2010/main" w="9525">
                     <a:solidFill>
                       <a:srgbClr val="000000"/>
                     </a:solidFill>
@@ -9792,7 +9792,7 @@
               </a:ln>
               <a:extLst>
                 <a:ext uri="{91240B29-F687-4f45-9708-019B960494DF}">
-                  <a14:hiddenLine xmlns:a14="http://schemas.microsoft.com/office/drawing/2010/main" xmlns="" w="9525">
+                  <a14:hiddenLine xmlns="" xmlns:a14="http://schemas.microsoft.com/office/drawing/2010/main" w="9525">
                     <a:solidFill>
                       <a:srgbClr val="000000"/>
                     </a:solidFill>
@@ -9854,7 +9854,7 @@
               </a:ln>
               <a:extLst>
                 <a:ext uri="{91240B29-F687-4f45-9708-019B960494DF}">
-                  <a14:hiddenLine xmlns:a14="http://schemas.microsoft.com/office/drawing/2010/main" xmlns="" w="9525">
+                  <a14:hiddenLine xmlns="" xmlns:a14="http://schemas.microsoft.com/office/drawing/2010/main" w="9525">
                     <a:solidFill>
                       <a:srgbClr val="000000"/>
                     </a:solidFill>
@@ -9964,7 +9964,7 @@
               </a:ln>
               <a:extLst>
                 <a:ext uri="{91240B29-F687-4f45-9708-019B960494DF}">
-                  <a14:hiddenLine xmlns:a14="http://schemas.microsoft.com/office/drawing/2010/main" xmlns="" w="9525">
+                  <a14:hiddenLine xmlns="" xmlns:a14="http://schemas.microsoft.com/office/drawing/2010/main" w="9525">
                     <a:solidFill>
                       <a:srgbClr val="000000"/>
                     </a:solidFill>
@@ -10048,7 +10048,7 @@
               </a:ln>
               <a:extLst>
                 <a:ext uri="{91240B29-F687-4f45-9708-019B960494DF}">
-                  <a14:hiddenLine xmlns:a14="http://schemas.microsoft.com/office/drawing/2010/main" xmlns="" w="9525">
+                  <a14:hiddenLine xmlns="" xmlns:a14="http://schemas.microsoft.com/office/drawing/2010/main" w="9525">
                     <a:solidFill>
                       <a:srgbClr val="000000"/>
                     </a:solidFill>
@@ -10110,7 +10110,7 @@
               </a:ln>
               <a:extLst>
                 <a:ext uri="{91240B29-F687-4f45-9708-019B960494DF}">
-                  <a14:hiddenLine xmlns:a14="http://schemas.microsoft.com/office/drawing/2010/main" xmlns="" w="9525">
+                  <a14:hiddenLine xmlns="" xmlns:a14="http://schemas.microsoft.com/office/drawing/2010/main" w="9525">
                     <a:solidFill>
                       <a:srgbClr val="000000"/>
                     </a:solidFill>
@@ -10172,7 +10172,7 @@
               </a:ln>
               <a:extLst>
                 <a:ext uri="{91240B29-F687-4f45-9708-019B960494DF}">
-                  <a14:hiddenLine xmlns:a14="http://schemas.microsoft.com/office/drawing/2010/main" xmlns="" w="9525">
+                  <a14:hiddenLine xmlns="" xmlns:a14="http://schemas.microsoft.com/office/drawing/2010/main" w="9525">
                     <a:solidFill>
                       <a:srgbClr val="000000"/>
                     </a:solidFill>
@@ -10262,7 +10262,7 @@
               </a:ln>
               <a:extLst>
                 <a:ext uri="{91240B29-F687-4f45-9708-019B960494DF}">
-                  <a14:hiddenLine xmlns:a14="http://schemas.microsoft.com/office/drawing/2010/main" xmlns="" w="9525">
+                  <a14:hiddenLine xmlns="" xmlns:a14="http://schemas.microsoft.com/office/drawing/2010/main" w="9525">
                     <a:solidFill>
                       <a:srgbClr val="000000"/>
                     </a:solidFill>
@@ -10296,7 +10296,7 @@
               </a:ln>
               <a:extLst>
                 <a:ext uri="{91240B29-F687-4f45-9708-019B960494DF}">
-                  <a14:hiddenLine xmlns:a14="http://schemas.microsoft.com/office/drawing/2010/main" xmlns="" w="9525">
+                  <a14:hiddenLine xmlns="" xmlns:a14="http://schemas.microsoft.com/office/drawing/2010/main" w="9525">
                     <a:solidFill>
                       <a:srgbClr val="000000"/>
                     </a:solidFill>
@@ -10361,7 +10361,7 @@
               </a:ln>
               <a:extLst>
                 <a:ext uri="{91240B29-F687-4f45-9708-019B960494DF}">
-                  <a14:hiddenLine xmlns:a14="http://schemas.microsoft.com/office/drawing/2010/main" xmlns="" w="9525">
+                  <a14:hiddenLine xmlns="" xmlns:a14="http://schemas.microsoft.com/office/drawing/2010/main" w="9525">
                     <a:solidFill>
                       <a:srgbClr val="000000"/>
                     </a:solidFill>
@@ -10451,7 +10451,7 @@
               </a:ln>
               <a:extLst>
                 <a:ext uri="{91240B29-F687-4f45-9708-019B960494DF}">
-                  <a14:hiddenLine xmlns:a14="http://schemas.microsoft.com/office/drawing/2010/main" xmlns="" w="9525">
+                  <a14:hiddenLine xmlns="" xmlns:a14="http://schemas.microsoft.com/office/drawing/2010/main" w="9525">
                     <a:solidFill>
                       <a:srgbClr val="000000"/>
                     </a:solidFill>
@@ -10513,7 +10513,7 @@
               </a:ln>
               <a:extLst>
                 <a:ext uri="{91240B29-F687-4f45-9708-019B960494DF}">
-                  <a14:hiddenLine xmlns:a14="http://schemas.microsoft.com/office/drawing/2010/main" xmlns="" w="9525">
+                  <a14:hiddenLine xmlns="" xmlns:a14="http://schemas.microsoft.com/office/drawing/2010/main" w="9525">
                     <a:solidFill>
                       <a:srgbClr val="000000"/>
                     </a:solidFill>
@@ -10603,7 +10603,7 @@
               </a:ln>
               <a:extLst>
                 <a:ext uri="{91240B29-F687-4f45-9708-019B960494DF}">
-                  <a14:hiddenLine xmlns:a14="http://schemas.microsoft.com/office/drawing/2010/main" xmlns="" w="9525">
+                  <a14:hiddenLine xmlns="" xmlns:a14="http://schemas.microsoft.com/office/drawing/2010/main" w="9525">
                     <a:solidFill>
                       <a:srgbClr val="000000"/>
                     </a:solidFill>
@@ -10668,7 +10668,7 @@
               </a:ln>
               <a:extLst>
                 <a:ext uri="{91240B29-F687-4f45-9708-019B960494DF}">
-                  <a14:hiddenLine xmlns:a14="http://schemas.microsoft.com/office/drawing/2010/main" xmlns="" w="9525">
+                  <a14:hiddenLine xmlns="" xmlns:a14="http://schemas.microsoft.com/office/drawing/2010/main" w="9525">
                     <a:solidFill>
                       <a:srgbClr val="000000"/>
                     </a:solidFill>
@@ -10730,7 +10730,7 @@
               </a:ln>
               <a:extLst>
                 <a:ext uri="{91240B29-F687-4f45-9708-019B960494DF}">
-                  <a14:hiddenLine xmlns:a14="http://schemas.microsoft.com/office/drawing/2010/main" xmlns="" w="9525">
+                  <a14:hiddenLine xmlns="" xmlns:a14="http://schemas.microsoft.com/office/drawing/2010/main" w="9525">
                     <a:solidFill>
                       <a:srgbClr val="000000"/>
                     </a:solidFill>
@@ -10820,7 +10820,7 @@
               </a:ln>
               <a:extLst>
                 <a:ext uri="{91240B29-F687-4f45-9708-019B960494DF}">
-                  <a14:hiddenLine xmlns:a14="http://schemas.microsoft.com/office/drawing/2010/main" xmlns="" w="9525">
+                  <a14:hiddenLine xmlns="" xmlns:a14="http://schemas.microsoft.com/office/drawing/2010/main" w="9525">
                     <a:solidFill>
                       <a:srgbClr val="000000"/>
                     </a:solidFill>
@@ -10910,7 +10910,7 @@
               </a:ln>
               <a:extLst>
                 <a:ext uri="{91240B29-F687-4f45-9708-019B960494DF}">
-                  <a14:hiddenLine xmlns:a14="http://schemas.microsoft.com/office/drawing/2010/main" xmlns="" w="9525">
+                  <a14:hiddenLine xmlns="" xmlns:a14="http://schemas.microsoft.com/office/drawing/2010/main" w="9525">
                     <a:solidFill>
                       <a:srgbClr val="000000"/>
                     </a:solidFill>
@@ -10975,7 +10975,7 @@
               </a:ln>
               <a:extLst>
                 <a:ext uri="{91240B29-F687-4f45-9708-019B960494DF}">
-                  <a14:hiddenLine xmlns:a14="http://schemas.microsoft.com/office/drawing/2010/main" xmlns="" w="9525">
+                  <a14:hiddenLine xmlns="" xmlns:a14="http://schemas.microsoft.com/office/drawing/2010/main" w="9525">
                     <a:solidFill>
                       <a:srgbClr val="000000"/>
                     </a:solidFill>
@@ -11095,7 +11095,7 @@
               </a:ln>
               <a:extLst>
                 <a:ext uri="{91240B29-F687-4f45-9708-019B960494DF}">
-                  <a14:hiddenLine xmlns:a14="http://schemas.microsoft.com/office/drawing/2010/main" xmlns="" w="9525">
+                  <a14:hiddenLine xmlns="" xmlns:a14="http://schemas.microsoft.com/office/drawing/2010/main" w="9525">
                     <a:solidFill>
                       <a:srgbClr val="000000"/>
                     </a:solidFill>
@@ -11193,7 +11193,7 @@
               </a:ln>
               <a:extLst>
                 <a:ext uri="{91240B29-F687-4f45-9708-019B960494DF}">
-                  <a14:hiddenLine xmlns:a14="http://schemas.microsoft.com/office/drawing/2010/main" xmlns="" w="9525">
+                  <a14:hiddenLine xmlns="" xmlns:a14="http://schemas.microsoft.com/office/drawing/2010/main" w="9525">
                     <a:solidFill>
                       <a:srgbClr val="000000"/>
                     </a:solidFill>
@@ -11308,7 +11308,7 @@
               </a:ln>
               <a:extLst>
                 <a:ext uri="{91240B29-F687-4f45-9708-019B960494DF}">
-                  <a14:hiddenLine xmlns:a14="http://schemas.microsoft.com/office/drawing/2010/main" xmlns="" w="9525">
+                  <a14:hiddenLine xmlns="" xmlns:a14="http://schemas.microsoft.com/office/drawing/2010/main" w="9525">
                     <a:solidFill>
                       <a:srgbClr val="000000"/>
                     </a:solidFill>
@@ -11398,7 +11398,7 @@
               </a:ln>
               <a:extLst>
                 <a:ext uri="{91240B29-F687-4f45-9708-019B960494DF}">
-                  <a14:hiddenLine xmlns:a14="http://schemas.microsoft.com/office/drawing/2010/main" xmlns="" w="9525">
+                  <a14:hiddenLine xmlns="" xmlns:a14="http://schemas.microsoft.com/office/drawing/2010/main" w="9525">
                     <a:solidFill>
                       <a:srgbClr val="000000"/>
                     </a:solidFill>
@@ -11463,7 +11463,7 @@
               </a:ln>
               <a:extLst>
                 <a:ext uri="{91240B29-F687-4f45-9708-019B960494DF}">
-                  <a14:hiddenLine xmlns:a14="http://schemas.microsoft.com/office/drawing/2010/main" xmlns="" w="9525">
+                  <a14:hiddenLine xmlns="" xmlns:a14="http://schemas.microsoft.com/office/drawing/2010/main" w="9525">
                     <a:solidFill>
                       <a:srgbClr val="000000"/>
                     </a:solidFill>
@@ -11553,7 +11553,7 @@
               </a:ln>
               <a:extLst>
                 <a:ext uri="{91240B29-F687-4f45-9708-019B960494DF}">
-                  <a14:hiddenLine xmlns:a14="http://schemas.microsoft.com/office/drawing/2010/main" xmlns="" w="9525">
+                  <a14:hiddenLine xmlns="" xmlns:a14="http://schemas.microsoft.com/office/drawing/2010/main" w="9525">
                     <a:solidFill>
                       <a:srgbClr val="000000"/>
                     </a:solidFill>
@@ -11621,7 +11621,7 @@
               </a:ln>
               <a:extLst>
                 <a:ext uri="{91240B29-F687-4f45-9708-019B960494DF}">
-                  <a14:hiddenLine xmlns:a14="http://schemas.microsoft.com/office/drawing/2010/main" xmlns="" w="9525">
+                  <a14:hiddenLine xmlns="" xmlns:a14="http://schemas.microsoft.com/office/drawing/2010/main" w="9525">
                     <a:solidFill>
                       <a:srgbClr val="000000"/>
                     </a:solidFill>
@@ -11711,7 +11711,7 @@
               </a:ln>
               <a:extLst>
                 <a:ext uri="{91240B29-F687-4f45-9708-019B960494DF}">
-                  <a14:hiddenLine xmlns:a14="http://schemas.microsoft.com/office/drawing/2010/main" xmlns="" w="9525">
+                  <a14:hiddenLine xmlns="" xmlns:a14="http://schemas.microsoft.com/office/drawing/2010/main" w="9525">
                     <a:solidFill>
                       <a:srgbClr val="000000"/>
                     </a:solidFill>
@@ -11779,7 +11779,7 @@
               </a:ln>
               <a:extLst>
                 <a:ext uri="{91240B29-F687-4f45-9708-019B960494DF}">
-                  <a14:hiddenLine xmlns:a14="http://schemas.microsoft.com/office/drawing/2010/main" xmlns="" w="9525">
+                  <a14:hiddenLine xmlns="" xmlns:a14="http://schemas.microsoft.com/office/drawing/2010/main" w="9525">
                     <a:solidFill>
                       <a:srgbClr val="000000"/>
                     </a:solidFill>
@@ -11869,7 +11869,7 @@
               </a:ln>
               <a:extLst>
                 <a:ext uri="{91240B29-F687-4f45-9708-019B960494DF}">
-                  <a14:hiddenLine xmlns:a14="http://schemas.microsoft.com/office/drawing/2010/main" xmlns="" w="9525">
+                  <a14:hiddenLine xmlns="" xmlns:a14="http://schemas.microsoft.com/office/drawing/2010/main" w="9525">
                     <a:solidFill>
                       <a:srgbClr val="000000"/>
                     </a:solidFill>
@@ -11903,7 +11903,7 @@
               </a:ln>
               <a:extLst>
                 <a:ext uri="{91240B29-F687-4f45-9708-019B960494DF}">
-                  <a14:hiddenLine xmlns:a14="http://schemas.microsoft.com/office/drawing/2010/main" xmlns="" w="9525">
+                  <a14:hiddenLine xmlns="" xmlns:a14="http://schemas.microsoft.com/office/drawing/2010/main" w="9525">
                     <a:solidFill>
                       <a:srgbClr val="000000"/>
                     </a:solidFill>
@@ -12043,7 +12043,7 @@
           <a:p>
             <a:fld id="{6A8C1F66-F627-47B8-820F-0CD0469635B7}" type="datetimeFigureOut">
               <a:rPr lang="en-CA" smtClean="0"/>
-              <a:t>2018-01-20</a:t>
+              <a:t>2018-01-21</a:t>
             </a:fld>
             <a:endParaRPr lang="en-CA"/>
           </a:p>
@@ -12468,7 +12468,7 @@
           <p:cNvPr id="3" name="Subtitle 2">
             <a:extLst>
               <a:ext uri="{FF2B5EF4-FFF2-40B4-BE49-F238E27FC236}">
-                <a16:creationId xmlns:a16="http://schemas.microsoft.com/office/drawing/2014/main" id="{0B64D96F-A1EA-4A3F-A362-50387D704DD6}"/>
+                <a16:creationId xmlns:a16="http://schemas.microsoft.com/office/drawing/2014/main" xmlns="" id="{0B64D96F-A1EA-4A3F-A362-50387D704DD6}"/>
               </a:ext>
             </a:extLst>
           </p:cNvPr>
@@ -12520,7 +12520,7 @@
           <p:cNvPr id="4" name="Title 1">
             <a:extLst>
               <a:ext uri="{FF2B5EF4-FFF2-40B4-BE49-F238E27FC236}">
-                <a16:creationId xmlns:a16="http://schemas.microsoft.com/office/drawing/2014/main" id="{6908F941-37CE-46C5-9607-BAA126AEA790}"/>
+                <a16:creationId xmlns:a16="http://schemas.microsoft.com/office/drawing/2014/main" xmlns="" id="{6908F941-37CE-46C5-9607-BAA126AEA790}"/>
               </a:ext>
             </a:extLst>
           </p:cNvPr>
@@ -12604,7 +12604,7 @@
           <p:cNvPr id="2" name="Title 1">
             <a:extLst>
               <a:ext uri="{FF2B5EF4-FFF2-40B4-BE49-F238E27FC236}">
-                <a16:creationId xmlns:a16="http://schemas.microsoft.com/office/drawing/2014/main" id="{AE97EAE8-F837-4285-A405-02763428144C}"/>
+                <a16:creationId xmlns:a16="http://schemas.microsoft.com/office/drawing/2014/main" xmlns="" id="{AE97EAE8-F837-4285-A405-02763428144C}"/>
               </a:ext>
             </a:extLst>
           </p:cNvPr>
@@ -12633,7 +12633,7 @@
           <p:cNvPr id="3" name="Content Placeholder 2">
             <a:extLst>
               <a:ext uri="{FF2B5EF4-FFF2-40B4-BE49-F238E27FC236}">
-                <a16:creationId xmlns:a16="http://schemas.microsoft.com/office/drawing/2014/main" id="{D9189252-2950-49E6-9939-B6381FCF79CB}"/>
+                <a16:creationId xmlns:a16="http://schemas.microsoft.com/office/drawing/2014/main" xmlns="" id="{D9189252-2950-49E6-9939-B6381FCF79CB}"/>
               </a:ext>
             </a:extLst>
           </p:cNvPr>
@@ -12686,7 +12686,7 @@
           <p:cNvPr id="4" name="Picture 3">
             <a:extLst>
               <a:ext uri="{FF2B5EF4-FFF2-40B4-BE49-F238E27FC236}">
-                <a16:creationId xmlns:a16="http://schemas.microsoft.com/office/drawing/2014/main" id="{8BB07A56-3380-40DB-BF9D-FD4C836C427F}"/>
+                <a16:creationId xmlns:a16="http://schemas.microsoft.com/office/drawing/2014/main" xmlns="" id="{8BB07A56-3380-40DB-BF9D-FD4C836C427F}"/>
               </a:ext>
             </a:extLst>
           </p:cNvPr>
@@ -12744,7 +12744,7 @@
           <p:cNvPr id="2" name="Title 1">
             <a:extLst>
               <a:ext uri="{FF2B5EF4-FFF2-40B4-BE49-F238E27FC236}">
-                <a16:creationId xmlns:a16="http://schemas.microsoft.com/office/drawing/2014/main" id="{A48BF5BC-06D6-49E3-BCD2-B5FEF4D93B21}"/>
+                <a16:creationId xmlns:a16="http://schemas.microsoft.com/office/drawing/2014/main" xmlns="" id="{A48BF5BC-06D6-49E3-BCD2-B5FEF4D93B21}"/>
               </a:ext>
             </a:extLst>
           </p:cNvPr>
@@ -12773,7 +12773,7 @@
           <p:cNvPr id="3" name="Content Placeholder 2">
             <a:extLst>
               <a:ext uri="{FF2B5EF4-FFF2-40B4-BE49-F238E27FC236}">
-                <a16:creationId xmlns:a16="http://schemas.microsoft.com/office/drawing/2014/main" id="{7C640F72-A454-411F-B0AE-3C2648885C1F}"/>
+                <a16:creationId xmlns:a16="http://schemas.microsoft.com/office/drawing/2014/main" xmlns="" id="{7C640F72-A454-411F-B0AE-3C2648885C1F}"/>
               </a:ext>
             </a:extLst>
           </p:cNvPr>
@@ -12809,7 +12809,7 @@
           <p:cNvPr id="8194" name="Picture 2" descr="Image result for responsiveness">
             <a:extLst>
               <a:ext uri="{FF2B5EF4-FFF2-40B4-BE49-F238E27FC236}">
-                <a16:creationId xmlns:a16="http://schemas.microsoft.com/office/drawing/2014/main" id="{262F3839-E0DD-403A-80AD-9CABD11E44D5}"/>
+                <a16:creationId xmlns:a16="http://schemas.microsoft.com/office/drawing/2014/main" xmlns="" id="{262F3839-E0DD-403A-80AD-9CABD11E44D5}"/>
               </a:ext>
             </a:extLst>
           </p:cNvPr>
@@ -12856,7 +12856,7 @@
           <p:cNvPr id="8196" name="Picture 4" descr="Image result for extensibility">
             <a:extLst>
               <a:ext uri="{FF2B5EF4-FFF2-40B4-BE49-F238E27FC236}">
-                <a16:creationId xmlns:a16="http://schemas.microsoft.com/office/drawing/2014/main" id="{60D4789D-2805-4880-8BF1-367C1B6D5D8F}"/>
+                <a16:creationId xmlns:a16="http://schemas.microsoft.com/office/drawing/2014/main" xmlns="" id="{60D4789D-2805-4880-8BF1-367C1B6D5D8F}"/>
               </a:ext>
             </a:extLst>
           </p:cNvPr>
@@ -12903,7 +12903,7 @@
           <p:cNvPr id="8198" name="Picture 6" descr="Image result for transmission data">
             <a:extLst>
               <a:ext uri="{FF2B5EF4-FFF2-40B4-BE49-F238E27FC236}">
-                <a16:creationId xmlns:a16="http://schemas.microsoft.com/office/drawing/2014/main" id="{07815C60-736A-4834-A52F-9A723C716A8F}"/>
+                <a16:creationId xmlns:a16="http://schemas.microsoft.com/office/drawing/2014/main" xmlns="" id="{07815C60-736A-4834-A52F-9A723C716A8F}"/>
               </a:ext>
             </a:extLst>
           </p:cNvPr>
@@ -12978,7 +12978,7 @@
           <p:cNvPr id="2" name="Title 1">
             <a:extLst>
               <a:ext uri="{FF2B5EF4-FFF2-40B4-BE49-F238E27FC236}">
-                <a16:creationId xmlns:a16="http://schemas.microsoft.com/office/drawing/2014/main" id="{73685AEB-4B13-451C-A998-59D5FEFABFE9}"/>
+                <a16:creationId xmlns:a16="http://schemas.microsoft.com/office/drawing/2014/main" xmlns="" id="{73685AEB-4B13-451C-A998-59D5FEFABFE9}"/>
               </a:ext>
             </a:extLst>
           </p:cNvPr>
@@ -13007,7 +13007,7 @@
           <p:cNvPr id="3" name="Content Placeholder 2">
             <a:extLst>
               <a:ext uri="{FF2B5EF4-FFF2-40B4-BE49-F238E27FC236}">
-                <a16:creationId xmlns:a16="http://schemas.microsoft.com/office/drawing/2014/main" id="{E7796D7E-33AF-4EAF-A882-1DF6A6A2CCAE}"/>
+                <a16:creationId xmlns:a16="http://schemas.microsoft.com/office/drawing/2014/main" xmlns="" id="{E7796D7E-33AF-4EAF-A882-1DF6A6A2CCAE}"/>
               </a:ext>
             </a:extLst>
           </p:cNvPr>
@@ -13052,7 +13052,7 @@
           <p:cNvPr id="9218" name="Picture 2" descr="Image result for system decomposition">
             <a:extLst>
               <a:ext uri="{FF2B5EF4-FFF2-40B4-BE49-F238E27FC236}">
-                <a16:creationId xmlns:a16="http://schemas.microsoft.com/office/drawing/2014/main" id="{60A8B4F5-A565-444A-95B4-5F4D1ADAFA63}"/>
+                <a16:creationId xmlns:a16="http://schemas.microsoft.com/office/drawing/2014/main" xmlns="" id="{60A8B4F5-A565-444A-95B4-5F4D1ADAFA63}"/>
               </a:ext>
             </a:extLst>
           </p:cNvPr>
@@ -13129,7 +13129,7 @@
           <p:cNvPr id="2" name="Title 1">
             <a:extLst>
               <a:ext uri="{FF2B5EF4-FFF2-40B4-BE49-F238E27FC236}">
-                <a16:creationId xmlns:a16="http://schemas.microsoft.com/office/drawing/2014/main" id="{763F6662-A0FA-4FF3-A279-1080DC7E6912}"/>
+                <a16:creationId xmlns:a16="http://schemas.microsoft.com/office/drawing/2014/main" xmlns="" id="{763F6662-A0FA-4FF3-A279-1080DC7E6912}"/>
               </a:ext>
             </a:extLst>
           </p:cNvPr>
@@ -13166,7 +13166,7 @@
           <p:cNvPr id="4" name="Content Placeholder 3">
             <a:extLst>
               <a:ext uri="{FF2B5EF4-FFF2-40B4-BE49-F238E27FC236}">
-                <a16:creationId xmlns:a16="http://schemas.microsoft.com/office/drawing/2014/main" id="{96B76056-29A7-4A12-A0F7-2202EE446033}"/>
+                <a16:creationId xmlns:a16="http://schemas.microsoft.com/office/drawing/2014/main" xmlns="" id="{96B76056-29A7-4A12-A0F7-2202EE446033}"/>
               </a:ext>
             </a:extLst>
           </p:cNvPr>
@@ -13234,7 +13234,7 @@
           <p:cNvPr id="2" name="Title 1">
             <a:extLst>
               <a:ext uri="{FF2B5EF4-FFF2-40B4-BE49-F238E27FC236}">
-                <a16:creationId xmlns:a16="http://schemas.microsoft.com/office/drawing/2014/main" id="{75F87973-70DD-45EF-BEDE-9E70DA9BCEE2}"/>
+                <a16:creationId xmlns:a16="http://schemas.microsoft.com/office/drawing/2014/main" xmlns="" id="{75F87973-70DD-45EF-BEDE-9E70DA9BCEE2}"/>
               </a:ext>
             </a:extLst>
           </p:cNvPr>
@@ -13263,7 +13263,7 @@
           <p:cNvPr id="3" name="Content Placeholder 2">
             <a:extLst>
               <a:ext uri="{FF2B5EF4-FFF2-40B4-BE49-F238E27FC236}">
-                <a16:creationId xmlns:a16="http://schemas.microsoft.com/office/drawing/2014/main" id="{8FB90D3D-63C3-4EFC-975C-208A992896AC}"/>
+                <a16:creationId xmlns:a16="http://schemas.microsoft.com/office/drawing/2014/main" xmlns="" id="{8FB90D3D-63C3-4EFC-975C-208A992896AC}"/>
               </a:ext>
             </a:extLst>
           </p:cNvPr>
@@ -13308,7 +13308,7 @@
           <p:cNvPr id="10242" name="Picture 2" descr="Image result for software pyramid">
             <a:extLst>
               <a:ext uri="{FF2B5EF4-FFF2-40B4-BE49-F238E27FC236}">
-                <a16:creationId xmlns:a16="http://schemas.microsoft.com/office/drawing/2014/main" id="{A4761379-A0C5-4E96-BD9B-E1D72E38E757}"/>
+                <a16:creationId xmlns:a16="http://schemas.microsoft.com/office/drawing/2014/main" xmlns="" id="{A4761379-A0C5-4E96-BD9B-E1D72E38E757}"/>
               </a:ext>
             </a:extLst>
           </p:cNvPr>
@@ -13383,7 +13383,7 @@
           <p:cNvPr id="2" name="Title 1">
             <a:extLst>
               <a:ext uri="{FF2B5EF4-FFF2-40B4-BE49-F238E27FC236}">
-                <a16:creationId xmlns:a16="http://schemas.microsoft.com/office/drawing/2014/main" id="{F25659FA-40BB-416A-97AE-15B6618B6967}"/>
+                <a16:creationId xmlns:a16="http://schemas.microsoft.com/office/drawing/2014/main" xmlns="" id="{F25659FA-40BB-416A-97AE-15B6618B6967}"/>
               </a:ext>
             </a:extLst>
           </p:cNvPr>
@@ -13420,7 +13420,7 @@
           <p:cNvPr id="5" name="Content Placeholder 4">
             <a:extLst>
               <a:ext uri="{FF2B5EF4-FFF2-40B4-BE49-F238E27FC236}">
-                <a16:creationId xmlns:a16="http://schemas.microsoft.com/office/drawing/2014/main" id="{B32A5AC4-23C1-4C77-8506-5F26EA9CE498}"/>
+                <a16:creationId xmlns:a16="http://schemas.microsoft.com/office/drawing/2014/main" xmlns="" id="{B32A5AC4-23C1-4C77-8506-5F26EA9CE498}"/>
               </a:ext>
             </a:extLst>
           </p:cNvPr>
@@ -13485,7 +13485,7 @@
           <p:cNvPr id="2" name="Title 1">
             <a:extLst>
               <a:ext uri="{FF2B5EF4-FFF2-40B4-BE49-F238E27FC236}">
-                <a16:creationId xmlns:a16="http://schemas.microsoft.com/office/drawing/2014/main" id="{E4160060-D251-40B8-BB5A-FA0122692BF2}"/>
+                <a16:creationId xmlns:a16="http://schemas.microsoft.com/office/drawing/2014/main" xmlns="" id="{E4160060-D251-40B8-BB5A-FA0122692BF2}"/>
               </a:ext>
             </a:extLst>
           </p:cNvPr>
@@ -13514,7 +13514,7 @@
           <p:cNvPr id="4" name="Content Placeholder 3">
             <a:extLst>
               <a:ext uri="{FF2B5EF4-FFF2-40B4-BE49-F238E27FC236}">
-                <a16:creationId xmlns:a16="http://schemas.microsoft.com/office/drawing/2014/main" id="{218C8E0D-64F9-4E9C-A778-D3C5C62767D5}"/>
+                <a16:creationId xmlns:a16="http://schemas.microsoft.com/office/drawing/2014/main" xmlns="" id="{218C8E0D-64F9-4E9C-A778-D3C5C62767D5}"/>
               </a:ext>
             </a:extLst>
           </p:cNvPr>
@@ -13582,7 +13582,7 @@
           <p:cNvPr id="2" name="Title 1">
             <a:extLst>
               <a:ext uri="{FF2B5EF4-FFF2-40B4-BE49-F238E27FC236}">
-                <a16:creationId xmlns:a16="http://schemas.microsoft.com/office/drawing/2014/main" id="{D2B70648-F767-4919-A6C2-683C73BC25A1}"/>
+                <a16:creationId xmlns:a16="http://schemas.microsoft.com/office/drawing/2014/main" xmlns="" id="{D2B70648-F767-4919-A6C2-683C73BC25A1}"/>
               </a:ext>
             </a:extLst>
           </p:cNvPr>
@@ -13611,7 +13611,7 @@
           <p:cNvPr id="3" name="Content Placeholder 2">
             <a:extLst>
               <a:ext uri="{FF2B5EF4-FFF2-40B4-BE49-F238E27FC236}">
-                <a16:creationId xmlns:a16="http://schemas.microsoft.com/office/drawing/2014/main" id="{6ACADFAF-F2F4-452B-9B91-161ABA28ABC0}"/>
+                <a16:creationId xmlns:a16="http://schemas.microsoft.com/office/drawing/2014/main" xmlns="" id="{6ACADFAF-F2F4-452B-9B91-161ABA28ABC0}"/>
               </a:ext>
             </a:extLst>
           </p:cNvPr>
@@ -13782,7 +13782,7 @@
           <p:cNvPr id="5" name="Picture 4" descr="A circuit board&#10;&#10;Description generated with very high confidence">
             <a:extLst>
               <a:ext uri="{FF2B5EF4-FFF2-40B4-BE49-F238E27FC236}">
-                <a16:creationId xmlns:a16="http://schemas.microsoft.com/office/drawing/2014/main" id="{DBAE08E4-3D00-4CC8-A76B-D1694D8CF289}"/>
+                <a16:creationId xmlns:a16="http://schemas.microsoft.com/office/drawing/2014/main" xmlns="" id="{DBAE08E4-3D00-4CC8-A76B-D1694D8CF289}"/>
               </a:ext>
             </a:extLst>
           </p:cNvPr>
@@ -13921,7 +13921,7 @@
           <p:cNvPr id="5" name="Picture 4" descr="A picture containing object&#10;&#10;Description generated with very high confidence">
             <a:extLst>
               <a:ext uri="{FF2B5EF4-FFF2-40B4-BE49-F238E27FC236}">
-                <a16:creationId xmlns:a16="http://schemas.microsoft.com/office/drawing/2014/main" id="{A0A3EDC0-EB69-40FA-9588-ABDB2891EE5E}"/>
+                <a16:creationId xmlns:a16="http://schemas.microsoft.com/office/drawing/2014/main" xmlns="" id="{A0A3EDC0-EB69-40FA-9588-ABDB2891EE5E}"/>
               </a:ext>
             </a:extLst>
           </p:cNvPr>
@@ -13987,7 +13987,7 @@
           <p:cNvPr id="2" name="Title 1">
             <a:extLst>
               <a:ext uri="{FF2B5EF4-FFF2-40B4-BE49-F238E27FC236}">
-                <a16:creationId xmlns:a16="http://schemas.microsoft.com/office/drawing/2014/main" id="{36A5512F-DA0A-4155-B467-7CE21F143616}"/>
+                <a16:creationId xmlns:a16="http://schemas.microsoft.com/office/drawing/2014/main" xmlns="" id="{36A5512F-DA0A-4155-B467-7CE21F143616}"/>
               </a:ext>
             </a:extLst>
           </p:cNvPr>
@@ -14016,7 +14016,7 @@
           <p:cNvPr id="3" name="Content Placeholder 2">
             <a:extLst>
               <a:ext uri="{FF2B5EF4-FFF2-40B4-BE49-F238E27FC236}">
-                <a16:creationId xmlns:a16="http://schemas.microsoft.com/office/drawing/2014/main" id="{E64228CB-BBE3-4152-B8E5-8D60ABA4DD80}"/>
+                <a16:creationId xmlns:a16="http://schemas.microsoft.com/office/drawing/2014/main" xmlns="" id="{E64228CB-BBE3-4152-B8E5-8D60ABA4DD80}"/>
               </a:ext>
             </a:extLst>
           </p:cNvPr>
@@ -14061,7 +14061,7 @@
           <p:cNvPr id="3074" name="Picture 2" descr="Image result for confused">
             <a:extLst>
               <a:ext uri="{FF2B5EF4-FFF2-40B4-BE49-F238E27FC236}">
-                <a16:creationId xmlns:a16="http://schemas.microsoft.com/office/drawing/2014/main" id="{E1005C07-9659-4122-93F1-890F6F4988EA}"/>
+                <a16:creationId xmlns:a16="http://schemas.microsoft.com/office/drawing/2014/main" xmlns="" id="{E1005C07-9659-4122-93F1-890F6F4988EA}"/>
               </a:ext>
             </a:extLst>
           </p:cNvPr>
@@ -14138,7 +14138,7 @@
           <p:cNvPr id="2" name="Title 1">
             <a:extLst>
               <a:ext uri="{FF2B5EF4-FFF2-40B4-BE49-F238E27FC236}">
-                <a16:creationId xmlns:a16="http://schemas.microsoft.com/office/drawing/2014/main" id="{4ACF1BA8-E11A-4BF1-99CB-CEBBCEE25196}"/>
+                <a16:creationId xmlns:a16="http://schemas.microsoft.com/office/drawing/2014/main" xmlns="" id="{4ACF1BA8-E11A-4BF1-99CB-CEBBCEE25196}"/>
               </a:ext>
             </a:extLst>
           </p:cNvPr>
@@ -14168,7 +14168,7 @@
           <p:cNvPr id="3" name="Content Placeholder 2">
             <a:extLst>
               <a:ext uri="{FF2B5EF4-FFF2-40B4-BE49-F238E27FC236}">
-                <a16:creationId xmlns:a16="http://schemas.microsoft.com/office/drawing/2014/main" id="{2101CA67-66B5-4054-984C-F46D93EDE818}"/>
+                <a16:creationId xmlns:a16="http://schemas.microsoft.com/office/drawing/2014/main" xmlns="" id="{2101CA67-66B5-4054-984C-F46D93EDE818}"/>
               </a:ext>
             </a:extLst>
           </p:cNvPr>
@@ -14249,7 +14249,7 @@
           <p:cNvPr id="2" name="Title 1">
             <a:extLst>
               <a:ext uri="{FF2B5EF4-FFF2-40B4-BE49-F238E27FC236}">
-                <a16:creationId xmlns:a16="http://schemas.microsoft.com/office/drawing/2014/main" id="{E672BB30-DE1C-407B-AA2A-C9DC748CEEC0}"/>
+                <a16:creationId xmlns:a16="http://schemas.microsoft.com/office/drawing/2014/main" xmlns="" id="{E672BB30-DE1C-407B-AA2A-C9DC748CEEC0}"/>
               </a:ext>
             </a:extLst>
           </p:cNvPr>
@@ -14279,7 +14279,7 @@
           <p:cNvPr id="3" name="Content Placeholder 2">
             <a:extLst>
               <a:ext uri="{FF2B5EF4-FFF2-40B4-BE49-F238E27FC236}">
-                <a16:creationId xmlns:a16="http://schemas.microsoft.com/office/drawing/2014/main" id="{72DED6C5-F150-4901-988D-F9D0231EF761}"/>
+                <a16:creationId xmlns:a16="http://schemas.microsoft.com/office/drawing/2014/main" xmlns="" id="{72DED6C5-F150-4901-988D-F9D0231EF761}"/>
               </a:ext>
             </a:extLst>
           </p:cNvPr>
@@ -14405,7 +14405,7 @@
           <p:cNvPr id="5" name="Picture 4">
             <a:extLst>
               <a:ext uri="{FF2B5EF4-FFF2-40B4-BE49-F238E27FC236}">
-                <a16:creationId xmlns:a16="http://schemas.microsoft.com/office/drawing/2014/main" id="{5169DC0A-87E2-4FF0-9DA4-0715A203EF3F}"/>
+                <a16:creationId xmlns:a16="http://schemas.microsoft.com/office/drawing/2014/main" xmlns="" id="{5169DC0A-87E2-4FF0-9DA4-0715A203EF3F}"/>
               </a:ext>
             </a:extLst>
           </p:cNvPr>
@@ -14415,7 +14415,7 @@
           <p:nvPr/>
         </p:nvPicPr>
         <p:blipFill>
-          <a:blip r:embed="rId2">
+          <a:blip r:embed="rId2" cstate="print">
             <a:extLst>
               <a:ext uri="{28A0092B-C50C-407E-A947-70E740481C1C}">
                 <a14:useLocalDpi xmlns:a14="http://schemas.microsoft.com/office/drawing/2010/main" val="0"/>
@@ -14471,7 +14471,7 @@
           <p:cNvPr id="2" name="Title 1">
             <a:extLst>
               <a:ext uri="{FF2B5EF4-FFF2-40B4-BE49-F238E27FC236}">
-                <a16:creationId xmlns:a16="http://schemas.microsoft.com/office/drawing/2014/main" id="{1F284F98-4938-4E13-ADBC-87557807C8E9}"/>
+                <a16:creationId xmlns:a16="http://schemas.microsoft.com/office/drawing/2014/main" xmlns="" id="{F3803F2D-DAF2-45A6-A9E5-9C8445154E8F}"/>
               </a:ext>
             </a:extLst>
           </p:cNvPr>
@@ -14490,7 +14490,7 @@
             <a:pPr algn="ctr"/>
             <a:r>
               <a:rPr lang="en-US" dirty="0"/>
-              <a:t>Conclusion</a:t>
+              <a:t>Bibliography</a:t>
             </a:r>
           </a:p>
         </p:txBody>
@@ -14500,7 +14500,7 @@
           <p:cNvPr id="3" name="Content Placeholder 2">
             <a:extLst>
               <a:ext uri="{FF2B5EF4-FFF2-40B4-BE49-F238E27FC236}">
-                <a16:creationId xmlns:a16="http://schemas.microsoft.com/office/drawing/2014/main" id="{3929EF03-9BFB-4A9B-811C-0A7A9CEC0A3B}"/>
+                <a16:creationId xmlns:a16="http://schemas.microsoft.com/office/drawing/2014/main" xmlns="" id="{D9758561-4EBB-4DA0-B49E-A158313B8F68}"/>
               </a:ext>
             </a:extLst>
           </p:cNvPr>
@@ -14516,14 +14516,44 @@
           <a:bodyPr/>
           <a:lstStyle/>
           <a:p>
-            <a:endParaRPr lang="en-US"/>
+            <a:pPr marL="0" indent="0">
+              <a:buNone/>
+            </a:pPr>
+            <a:r>
+              <a:rPr lang="en-US" dirty="0"/>
+              <a:t>Woodman, Oliver J. (2007) </a:t>
+            </a:r>
+            <a:r>
+              <a:rPr lang="en-US" i="1" dirty="0"/>
+              <a:t>An introduction to inertial navigation</a:t>
+            </a:r>
+            <a:r>
+              <a:rPr lang="en-US" dirty="0"/>
+              <a:t>.</a:t>
+            </a:r>
+            <a:r>
+              <a:rPr lang="en-US" i="1" dirty="0"/>
+              <a:t> </a:t>
+            </a:r>
+            <a:r>
+              <a:rPr lang="en-US" dirty="0"/>
+              <a:t>Cambridge: University of Cambridge, p. </a:t>
+            </a:r>
+            <a:r>
+              <a:rPr lang="en-US"/>
+              <a:t>21-23. </a:t>
+            </a:r>
+            <a:r>
+              <a:rPr lang="en-US" dirty="0"/>
+              <a:t>Available at: https://www.cl.cam.ac.uk/techreports/UCAM-CL-TR-696.pdf (Accessed 20 Jan,2018)</a:t>
+            </a:r>
           </a:p>
         </p:txBody>
       </p:sp>
     </p:spTree>
     <p:extLst>
       <p:ext uri="{BB962C8B-B14F-4D97-AF65-F5344CB8AC3E}">
-        <p14:creationId xmlns:p14="http://schemas.microsoft.com/office/powerpoint/2010/main" val="919671310"/>
+        <p14:creationId xmlns:p14="http://schemas.microsoft.com/office/powerpoint/2010/main" val="2187811140"/>
       </p:ext>
     </p:extLst>
   </p:cSld>
@@ -14555,7 +14585,7 @@
           <p:cNvPr id="2" name="Title 1">
             <a:extLst>
               <a:ext uri="{FF2B5EF4-FFF2-40B4-BE49-F238E27FC236}">
-                <a16:creationId xmlns:a16="http://schemas.microsoft.com/office/drawing/2014/main" id="{F3803F2D-DAF2-45A6-A9E5-9C8445154E8F}"/>
+                <a16:creationId xmlns:a16="http://schemas.microsoft.com/office/drawing/2014/main" xmlns="" id="{1F284F98-4938-4E13-ADBC-87557807C8E9}"/>
               </a:ext>
             </a:extLst>
           </p:cNvPr>
@@ -14573,71 +14603,60 @@
           <a:p>
             <a:pPr algn="ctr"/>
             <a:r>
-              <a:rPr lang="en-US" dirty="0"/>
-              <a:t>Bibliography</a:t>
-            </a:r>
+              <a:rPr lang="en-US" dirty="0" smtClean="0"/>
+              <a:t>Thanks for Listening!</a:t>
+            </a:r>
+            <a:endParaRPr lang="en-US" dirty="0"/>
           </a:p>
         </p:txBody>
       </p:sp>
-      <p:sp>
-        <p:nvSpPr>
-          <p:cNvPr id="3" name="Content Placeholder 2">
-            <a:extLst>
-              <a:ext uri="{FF2B5EF4-FFF2-40B4-BE49-F238E27FC236}">
-                <a16:creationId xmlns:a16="http://schemas.microsoft.com/office/drawing/2014/main" id="{D9758561-4EBB-4DA0-B49E-A158313B8F68}"/>
-              </a:ext>
-            </a:extLst>
-          </p:cNvPr>
-          <p:cNvSpPr>
-            <a:spLocks noGrp="1"/>
-          </p:cNvSpPr>
+      <p:pic>
+        <p:nvPicPr>
+          <p:cNvPr id="1026" name="Picture 2" descr="https://i.pinimg.com/736x/47/04/51/4704516e9e7a78cbca4ada69e3f376d3--face-pictures-facebook-emoticons.jpg"/>
+          <p:cNvPicPr>
+            <a:picLocks noGrp="1" noChangeAspect="1" noChangeArrowheads="1"/>
+          </p:cNvPicPr>
           <p:nvPr>
             <p:ph idx="1"/>
           </p:nvPr>
-        </p:nvSpPr>
-        <p:spPr/>
-        <p:txBody>
-          <a:bodyPr/>
-          <a:lstStyle/>
-          <a:p>
-            <a:pPr marL="0" indent="0">
-              <a:buNone/>
-            </a:pPr>
-            <a:r>
-              <a:rPr lang="en-US" dirty="0"/>
-              <a:t>Woodman, Oliver J. (2007) </a:t>
-            </a:r>
-            <a:r>
-              <a:rPr lang="en-US" i="1" dirty="0"/>
-              <a:t>An introduction to inertial navigation</a:t>
-            </a:r>
-            <a:r>
-              <a:rPr lang="en-US" dirty="0"/>
-              <a:t>.</a:t>
-            </a:r>
-            <a:r>
-              <a:rPr lang="en-US" i="1" dirty="0"/>
-              <a:t> </a:t>
-            </a:r>
-            <a:r>
-              <a:rPr lang="en-US" dirty="0"/>
-              <a:t>Cambridge: University of Cambridge, p. </a:t>
-            </a:r>
-            <a:r>
-              <a:rPr lang="en-US"/>
-              <a:t>21-23. </a:t>
-            </a:r>
-            <a:r>
-              <a:rPr lang="en-US" dirty="0"/>
-              <a:t>Available at: https://www.cl.cam.ac.uk/techreports/UCAM-CL-TR-696.pdf (Accessed 20 Jan,2018)</a:t>
-            </a:r>
-          </a:p>
-        </p:txBody>
-      </p:sp>
+        </p:nvPicPr>
+        <p:blipFill>
+          <a:blip r:embed="rId2">
+            <a:extLst>
+              <a:ext uri="{28A0092B-C50C-407E-A947-70E740481C1C}">
+                <a14:useLocalDpi xmlns:a14="http://schemas.microsoft.com/office/drawing/2010/main" val="0"/>
+              </a:ext>
+            </a:extLst>
+          </a:blip>
+          <a:srcRect/>
+          <a:stretch>
+            <a:fillRect/>
+          </a:stretch>
+        </p:blipFill>
+        <p:spPr bwMode="auto">
+          <a:xfrm>
+            <a:off x="3953835" y="2160835"/>
+            <a:ext cx="4281154" cy="4281154"/>
+          </a:xfrm>
+          <a:prstGeom prst="rect">
+            <a:avLst/>
+          </a:prstGeom>
+          <a:noFill/>
+          <a:extLst>
+            <a:ext uri="{909E8E84-426E-40DD-AFC4-6F175D3DCCD1}">
+              <a14:hiddenFill xmlns:a14="http://schemas.microsoft.com/office/drawing/2010/main">
+                <a:solidFill>
+                  <a:srgbClr val="FFFFFF"/>
+                </a:solidFill>
+              </a14:hiddenFill>
+            </a:ext>
+          </a:extLst>
+        </p:spPr>
+      </p:pic>
     </p:spTree>
     <p:extLst>
       <p:ext uri="{BB962C8B-B14F-4D97-AF65-F5344CB8AC3E}">
-        <p14:creationId xmlns:p14="http://schemas.microsoft.com/office/powerpoint/2010/main" val="2187811140"/>
+        <p14:creationId xmlns:p14="http://schemas.microsoft.com/office/powerpoint/2010/main" val="919671310"/>
       </p:ext>
     </p:extLst>
   </p:cSld>
@@ -14669,7 +14688,7 @@
           <p:cNvPr id="2" name="Title 1">
             <a:extLst>
               <a:ext uri="{FF2B5EF4-FFF2-40B4-BE49-F238E27FC236}">
-                <a16:creationId xmlns:a16="http://schemas.microsoft.com/office/drawing/2014/main" id="{A226FFC3-0B76-4B58-B7F4-EA7CA37664C0}"/>
+                <a16:creationId xmlns:a16="http://schemas.microsoft.com/office/drawing/2014/main" xmlns="" id="{A226FFC3-0B76-4B58-B7F4-EA7CA37664C0}"/>
               </a:ext>
             </a:extLst>
           </p:cNvPr>
@@ -14698,7 +14717,7 @@
           <p:cNvPr id="1026" name="Picture 2" descr="Image result for martial arts stock photo">
             <a:extLst>
               <a:ext uri="{FF2B5EF4-FFF2-40B4-BE49-F238E27FC236}">
-                <a16:creationId xmlns:a16="http://schemas.microsoft.com/office/drawing/2014/main" id="{35DFDF86-5D75-4EF2-ABCC-75ADBA41345B}"/>
+                <a16:creationId xmlns:a16="http://schemas.microsoft.com/office/drawing/2014/main" xmlns="" id="{35DFDF86-5D75-4EF2-ABCC-75ADBA41345B}"/>
               </a:ext>
             </a:extLst>
           </p:cNvPr>
@@ -14745,7 +14764,7 @@
           <p:cNvPr id="1028" name="Picture 4" descr="Image result for fencing sword stock photo">
             <a:extLst>
               <a:ext uri="{FF2B5EF4-FFF2-40B4-BE49-F238E27FC236}">
-                <a16:creationId xmlns:a16="http://schemas.microsoft.com/office/drawing/2014/main" id="{9C0671BE-82B5-4A7B-B979-A9BB819D7EA0}"/>
+                <a16:creationId xmlns:a16="http://schemas.microsoft.com/office/drawing/2014/main" xmlns="" id="{9C0671BE-82B5-4A7B-B979-A9BB819D7EA0}"/>
               </a:ext>
             </a:extLst>
           </p:cNvPr>
@@ -14792,7 +14811,7 @@
           <p:cNvPr id="5" name="TextBox 4">
             <a:extLst>
               <a:ext uri="{FF2B5EF4-FFF2-40B4-BE49-F238E27FC236}">
-                <a16:creationId xmlns:a16="http://schemas.microsoft.com/office/drawing/2014/main" id="{9167E0EE-7DE5-46F2-9436-8515EA8BFCCE}"/>
+                <a16:creationId xmlns:a16="http://schemas.microsoft.com/office/drawing/2014/main" xmlns="" id="{9167E0EE-7DE5-46F2-9436-8515EA8BFCCE}"/>
               </a:ext>
             </a:extLst>
           </p:cNvPr>
@@ -14827,7 +14846,7 @@
           <p:cNvPr id="1030" name="Picture 6" descr="Image result for bo staff pose">
             <a:extLst>
               <a:ext uri="{FF2B5EF4-FFF2-40B4-BE49-F238E27FC236}">
-                <a16:creationId xmlns:a16="http://schemas.microsoft.com/office/drawing/2014/main" id="{3E44751B-CF30-4DE1-9F87-01F2D4CD1345}"/>
+                <a16:creationId xmlns:a16="http://schemas.microsoft.com/office/drawing/2014/main" xmlns="" id="{3E44751B-CF30-4DE1-9F87-01F2D4CD1345}"/>
               </a:ext>
             </a:extLst>
           </p:cNvPr>
@@ -14904,7 +14923,7 @@
           <p:cNvPr id="2" name="Title 1">
             <a:extLst>
               <a:ext uri="{FF2B5EF4-FFF2-40B4-BE49-F238E27FC236}">
-                <a16:creationId xmlns:a16="http://schemas.microsoft.com/office/drawing/2014/main" id="{64D337EA-02F4-4FB4-8A67-402AE4DD9340}"/>
+                <a16:creationId xmlns:a16="http://schemas.microsoft.com/office/drawing/2014/main" xmlns="" id="{64D337EA-02F4-4FB4-8A67-402AE4DD9340}"/>
               </a:ext>
             </a:extLst>
           </p:cNvPr>
@@ -14933,7 +14952,7 @@
           <p:cNvPr id="2050" name="Picture 2" descr="Image result for historical european martial arts">
             <a:extLst>
               <a:ext uri="{FF2B5EF4-FFF2-40B4-BE49-F238E27FC236}">
-                <a16:creationId xmlns:a16="http://schemas.microsoft.com/office/drawing/2014/main" id="{3717EEE2-7DC0-40CE-8512-44B65253AFC2}"/>
+                <a16:creationId xmlns:a16="http://schemas.microsoft.com/office/drawing/2014/main" xmlns="" id="{3717EEE2-7DC0-40CE-8512-44B65253AFC2}"/>
               </a:ext>
             </a:extLst>
           </p:cNvPr>
@@ -14980,7 +14999,7 @@
           <p:cNvPr id="2052" name="Picture 4" descr="http://www.hemac.org/img/pic/i33.jpg">
             <a:extLst>
               <a:ext uri="{FF2B5EF4-FFF2-40B4-BE49-F238E27FC236}">
-                <a16:creationId xmlns:a16="http://schemas.microsoft.com/office/drawing/2014/main" id="{A283EDD7-8455-4A55-97ED-DA763A0C8B58}"/>
+                <a16:creationId xmlns:a16="http://schemas.microsoft.com/office/drawing/2014/main" xmlns="" id="{A283EDD7-8455-4A55-97ED-DA763A0C8B58}"/>
               </a:ext>
             </a:extLst>
           </p:cNvPr>
@@ -15027,7 +15046,7 @@
           <p:cNvPr id="4" name="TextBox 3">
             <a:extLst>
               <a:ext uri="{FF2B5EF4-FFF2-40B4-BE49-F238E27FC236}">
-                <a16:creationId xmlns:a16="http://schemas.microsoft.com/office/drawing/2014/main" id="{A6C94766-E3A3-4C42-9BD7-3FA8965FBF80}"/>
+                <a16:creationId xmlns:a16="http://schemas.microsoft.com/office/drawing/2014/main" xmlns="" id="{A6C94766-E3A3-4C42-9BD7-3FA8965FBF80}"/>
               </a:ext>
             </a:extLst>
           </p:cNvPr>
@@ -15092,7 +15111,7 @@
           <p:cNvPr id="2" name="Title 1">
             <a:extLst>
               <a:ext uri="{FF2B5EF4-FFF2-40B4-BE49-F238E27FC236}">
-                <a16:creationId xmlns:a16="http://schemas.microsoft.com/office/drawing/2014/main" id="{87750F07-33DE-427A-9D3B-1AC46D29D5C5}"/>
+                <a16:creationId xmlns:a16="http://schemas.microsoft.com/office/drawing/2014/main" xmlns="" id="{87750F07-33DE-427A-9D3B-1AC46D29D5C5}"/>
               </a:ext>
             </a:extLst>
           </p:cNvPr>
@@ -15125,7 +15144,7 @@
           <p:cNvPr id="3" name="Content Placeholder 2">
             <a:extLst>
               <a:ext uri="{FF2B5EF4-FFF2-40B4-BE49-F238E27FC236}">
-                <a16:creationId xmlns:a16="http://schemas.microsoft.com/office/drawing/2014/main" id="{27957891-E8CF-4945-9E5A-1261E6F6E577}"/>
+                <a16:creationId xmlns:a16="http://schemas.microsoft.com/office/drawing/2014/main" xmlns="" id="{27957891-E8CF-4945-9E5A-1261E6F6E577}"/>
               </a:ext>
             </a:extLst>
           </p:cNvPr>
@@ -15186,7 +15205,7 @@
           <p:cNvPr id="4106" name="Picture 10" descr="Image result for federschwert">
             <a:extLst>
               <a:ext uri="{FF2B5EF4-FFF2-40B4-BE49-F238E27FC236}">
-                <a16:creationId xmlns:a16="http://schemas.microsoft.com/office/drawing/2014/main" id="{B84A99CF-5F5B-43D8-9783-F4A621B21032}"/>
+                <a16:creationId xmlns:a16="http://schemas.microsoft.com/office/drawing/2014/main" xmlns="" id="{B84A99CF-5F5B-43D8-9783-F4A621B21032}"/>
               </a:ext>
             </a:extLst>
           </p:cNvPr>
@@ -15261,7 +15280,7 @@
           <p:cNvPr id="2" name="Title 1">
             <a:extLst>
               <a:ext uri="{FF2B5EF4-FFF2-40B4-BE49-F238E27FC236}">
-                <a16:creationId xmlns:a16="http://schemas.microsoft.com/office/drawing/2014/main" id="{62A73FB6-C61F-42A7-AA59-33990FCC769C}"/>
+                <a16:creationId xmlns:a16="http://schemas.microsoft.com/office/drawing/2014/main" xmlns="" id="{62A73FB6-C61F-42A7-AA59-33990FCC769C}"/>
               </a:ext>
             </a:extLst>
           </p:cNvPr>
@@ -15290,7 +15309,7 @@
           <p:cNvPr id="4" name="TextBox 3">
             <a:extLst>
               <a:ext uri="{FF2B5EF4-FFF2-40B4-BE49-F238E27FC236}">
-                <a16:creationId xmlns:a16="http://schemas.microsoft.com/office/drawing/2014/main" id="{C0179942-D8BA-4453-85AC-C0980C3806BA}"/>
+                <a16:creationId xmlns:a16="http://schemas.microsoft.com/office/drawing/2014/main" xmlns="" id="{C0179942-D8BA-4453-85AC-C0980C3806BA}"/>
               </a:ext>
             </a:extLst>
           </p:cNvPr>
@@ -15325,7 +15344,7 @@
           <p:cNvPr id="5122" name="Picture 2" descr="Image result for simulator">
             <a:extLst>
               <a:ext uri="{FF2B5EF4-FFF2-40B4-BE49-F238E27FC236}">
-                <a16:creationId xmlns:a16="http://schemas.microsoft.com/office/drawing/2014/main" id="{5EA3C10D-78E1-40D1-B006-678934D7CCEE}"/>
+                <a16:creationId xmlns:a16="http://schemas.microsoft.com/office/drawing/2014/main" xmlns="" id="{5EA3C10D-78E1-40D1-B006-678934D7CCEE}"/>
               </a:ext>
             </a:extLst>
           </p:cNvPr>
@@ -15372,7 +15391,7 @@
           <p:cNvPr id="5124" name="Picture 4" descr="https://www.gamegrin.com/assets/games/car-mechanic-simulator-2015/screenshots/car-mechanic-simulator-2015-screenshot-7.jpg">
             <a:extLst>
               <a:ext uri="{FF2B5EF4-FFF2-40B4-BE49-F238E27FC236}">
-                <a16:creationId xmlns:a16="http://schemas.microsoft.com/office/drawing/2014/main" id="{472D511B-17AF-4921-BE65-BC0124138252}"/>
+                <a16:creationId xmlns:a16="http://schemas.microsoft.com/office/drawing/2014/main" xmlns="" id="{472D511B-17AF-4921-BE65-BC0124138252}"/>
               </a:ext>
             </a:extLst>
           </p:cNvPr>
@@ -15449,7 +15468,7 @@
           <p:cNvPr id="2" name="Title 1">
             <a:extLst>
               <a:ext uri="{FF2B5EF4-FFF2-40B4-BE49-F238E27FC236}">
-                <a16:creationId xmlns:a16="http://schemas.microsoft.com/office/drawing/2014/main" id="{B67B30F8-209F-42BD-98AA-EA47CD1674E7}"/>
+                <a16:creationId xmlns:a16="http://schemas.microsoft.com/office/drawing/2014/main" xmlns="" id="{B67B30F8-209F-42BD-98AA-EA47CD1674E7}"/>
               </a:ext>
             </a:extLst>
           </p:cNvPr>
@@ -15478,7 +15497,7 @@
           <p:cNvPr id="3" name="Content Placeholder 2">
             <a:extLst>
               <a:ext uri="{FF2B5EF4-FFF2-40B4-BE49-F238E27FC236}">
-                <a16:creationId xmlns:a16="http://schemas.microsoft.com/office/drawing/2014/main" id="{E8FCC0D7-6C81-4DAD-A7AA-3D1B55688E2B}"/>
+                <a16:creationId xmlns:a16="http://schemas.microsoft.com/office/drawing/2014/main" xmlns="" id="{E8FCC0D7-6C81-4DAD-A7AA-3D1B55688E2B}"/>
               </a:ext>
             </a:extLst>
           </p:cNvPr>
@@ -15535,7 +15554,7 @@
           <p:cNvPr id="6146" name="Picture 2" descr="Image result for cloud computing">
             <a:extLst>
               <a:ext uri="{FF2B5EF4-FFF2-40B4-BE49-F238E27FC236}">
-                <a16:creationId xmlns:a16="http://schemas.microsoft.com/office/drawing/2014/main" id="{332127A4-AFB9-4DEA-B3C2-CADF02AD2E7E}"/>
+                <a16:creationId xmlns:a16="http://schemas.microsoft.com/office/drawing/2014/main" xmlns="" id="{332127A4-AFB9-4DEA-B3C2-CADF02AD2E7E}"/>
               </a:ext>
             </a:extLst>
           </p:cNvPr>
@@ -15612,7 +15631,7 @@
           <p:cNvPr id="2" name="Title 1">
             <a:extLst>
               <a:ext uri="{FF2B5EF4-FFF2-40B4-BE49-F238E27FC236}">
-                <a16:creationId xmlns:a16="http://schemas.microsoft.com/office/drawing/2014/main" id="{B16A5571-C585-4212-909F-22EFA13187D4}"/>
+                <a16:creationId xmlns:a16="http://schemas.microsoft.com/office/drawing/2014/main" xmlns="" id="{B16A5571-C585-4212-909F-22EFA13187D4}"/>
               </a:ext>
             </a:extLst>
           </p:cNvPr>
@@ -15714,7 +15733,7 @@
           <p:cNvPr id="2" name="Title 1">
             <a:extLst>
               <a:ext uri="{FF2B5EF4-FFF2-40B4-BE49-F238E27FC236}">
-                <a16:creationId xmlns:a16="http://schemas.microsoft.com/office/drawing/2014/main" id="{0FB82A53-AAA3-404D-BA57-D56AB9FCF759}"/>
+                <a16:creationId xmlns:a16="http://schemas.microsoft.com/office/drawing/2014/main" xmlns="" id="{0FB82A53-AAA3-404D-BA57-D56AB9FCF759}"/>
               </a:ext>
             </a:extLst>
           </p:cNvPr>
@@ -15743,7 +15762,7 @@
           <p:cNvPr id="3" name="Content Placeholder 2">
             <a:extLst>
               <a:ext uri="{FF2B5EF4-FFF2-40B4-BE49-F238E27FC236}">
-                <a16:creationId xmlns:a16="http://schemas.microsoft.com/office/drawing/2014/main" id="{9EF5AC7C-CAB4-4B13-B9B0-17EF00FDBDA8}"/>
+                <a16:creationId xmlns:a16="http://schemas.microsoft.com/office/drawing/2014/main" xmlns="" id="{9EF5AC7C-CAB4-4B13-B9B0-17EF00FDBDA8}"/>
               </a:ext>
             </a:extLst>
           </p:cNvPr>
@@ -15765,31 +15784,70 @@
           <a:lstStyle/>
           <a:p>
             <a:r>
+              <a:rPr lang="en-CA" dirty="0" smtClean="0"/>
+              <a:t>Influenced by Wii design</a:t>
+            </a:r>
+          </a:p>
+          <a:p>
+            <a:r>
+              <a:rPr lang="en-CA" dirty="0" smtClean="0"/>
+              <a:t>Built on </a:t>
+            </a:r>
+            <a:r>
               <a:rPr lang="en-CA" dirty="0"/>
-              <a:t>Based on pose estimation</a:t>
+              <a:t>pose estimation</a:t>
             </a:r>
           </a:p>
           <a:p>
             <a:r>
               <a:rPr lang="en-CA" dirty="0"/>
-              <a:t>Train user in Liechtenauer fencing without needing a physical opponent</a:t>
-            </a:r>
-          </a:p>
-          <a:p>
-            <a:pPr lvl="1"/>
+              <a:t>Train user in Liechtenauer fencing </a:t>
+            </a:r>
+            <a:endParaRPr lang="en-CA" dirty="0" smtClean="0"/>
+          </a:p>
+          <a:p>
+            <a:r>
+              <a:rPr lang="en-CA" dirty="0" smtClean="0"/>
+              <a:t>Replaces need for an opponent</a:t>
+            </a:r>
+            <a:endParaRPr lang="en-CA" dirty="0"/>
+          </a:p>
+          <a:p>
+            <a:r>
+              <a:rPr lang="en-CA" dirty="0" smtClean="0"/>
+              <a:t>Heavily </a:t>
+            </a:r>
             <a:r>
               <a:rPr lang="en-CA" dirty="0"/>
-              <a:t>Specifically, training the knee jerk reaction</a:t>
-            </a:r>
-          </a:p>
-          <a:p>
-            <a:r>
-              <a:rPr lang="en-CA" dirty="0"/>
-              <a:t>Heavily focused on martial form</a:t>
+              <a:t>focused on martial form</a:t>
             </a:r>
           </a:p>
         </p:txBody>
       </p:sp>
+      <p:pic>
+        <p:nvPicPr>
+          <p:cNvPr id="4" name="Picture 3"/>
+          <p:cNvPicPr>
+            <a:picLocks noChangeAspect="1"/>
+          </p:cNvPicPr>
+          <p:nvPr/>
+        </p:nvPicPr>
+        <p:blipFill>
+          <a:blip r:embed="rId2"/>
+          <a:stretch>
+            <a:fillRect/>
+          </a:stretch>
+        </p:blipFill>
+        <p:spPr>
+          <a:xfrm>
+            <a:off x="6094411" y="2486107"/>
+            <a:ext cx="4858933" cy="2664183"/>
+          </a:xfrm>
+          <a:prstGeom prst="rect">
+            <a:avLst/>
+          </a:prstGeom>
+        </p:spPr>
+      </p:pic>
     </p:spTree>
     <p:extLst>
       <p:ext uri="{BB962C8B-B14F-4D97-AF65-F5344CB8AC3E}">

--- a/Documentation/Presentation.pptx
+++ b/Documentation/Presentation.pptx
@@ -7,28 +7,35 @@
   <p:sldIdLst>
     <p:sldId id="256" r:id="rId2"/>
     <p:sldId id="257" r:id="rId3"/>
-    <p:sldId id="259" r:id="rId4"/>
-    <p:sldId id="258" r:id="rId5"/>
-    <p:sldId id="260" r:id="rId6"/>
-    <p:sldId id="261" r:id="rId7"/>
-    <p:sldId id="262" r:id="rId8"/>
-    <p:sldId id="272" r:id="rId9"/>
-    <p:sldId id="263" r:id="rId10"/>
-    <p:sldId id="264" r:id="rId11"/>
-    <p:sldId id="265" r:id="rId12"/>
-    <p:sldId id="267" r:id="rId13"/>
-    <p:sldId id="268" r:id="rId14"/>
-    <p:sldId id="269" r:id="rId15"/>
-    <p:sldId id="266" r:id="rId16"/>
-    <p:sldId id="270" r:id="rId17"/>
-    <p:sldId id="271" r:id="rId18"/>
-    <p:sldId id="275" r:id="rId19"/>
-    <p:sldId id="274" r:id="rId20"/>
-    <p:sldId id="276" r:id="rId21"/>
-    <p:sldId id="277" r:id="rId22"/>
-    <p:sldId id="273" r:id="rId23"/>
-    <p:sldId id="279" r:id="rId24"/>
-    <p:sldId id="278" r:id="rId25"/>
+    <p:sldId id="281" r:id="rId4"/>
+    <p:sldId id="280" r:id="rId5"/>
+    <p:sldId id="259" r:id="rId6"/>
+    <p:sldId id="258" r:id="rId7"/>
+    <p:sldId id="260" r:id="rId8"/>
+    <p:sldId id="261" r:id="rId9"/>
+    <p:sldId id="262" r:id="rId10"/>
+    <p:sldId id="272" r:id="rId11"/>
+    <p:sldId id="263" r:id="rId12"/>
+    <p:sldId id="264" r:id="rId13"/>
+    <p:sldId id="265" r:id="rId14"/>
+    <p:sldId id="267" r:id="rId15"/>
+    <p:sldId id="270" r:id="rId16"/>
+    <p:sldId id="268" r:id="rId17"/>
+    <p:sldId id="269" r:id="rId18"/>
+    <p:sldId id="282" r:id="rId19"/>
+    <p:sldId id="283" r:id="rId20"/>
+    <p:sldId id="266" r:id="rId21"/>
+    <p:sldId id="271" r:id="rId22"/>
+    <p:sldId id="275" r:id="rId23"/>
+    <p:sldId id="274" r:id="rId24"/>
+    <p:sldId id="276" r:id="rId25"/>
+    <p:sldId id="277" r:id="rId26"/>
+    <p:sldId id="273" r:id="rId27"/>
+    <p:sldId id="284" r:id="rId28"/>
+    <p:sldId id="285" r:id="rId29"/>
+    <p:sldId id="279" r:id="rId30"/>
+    <p:sldId id="278" r:id="rId31"/>
+    <p:sldId id="286" r:id="rId32"/>
   </p:sldIdLst>
   <p:sldSz cx="12192000" cy="6858000"/>
   <p:notesSz cx="6858000" cy="9144000"/>
@@ -189,7 +196,7 @@
           <a:noFill/>
           <a:extLst>
             <a:ext uri="{909E8E84-426E-40dd-AFC4-6F175D3DCCD1}">
-              <a14:hiddenFill xmlns="" xmlns:a14="http://schemas.microsoft.com/office/drawing/2010/main">
+              <a14:hiddenFill xmlns:a14="http://schemas.microsoft.com/office/drawing/2010/main" xmlns="">
                 <a:solidFill>
                   <a:srgbClr val="FFFFFF"/>
                 </a:solidFill>
@@ -249,7 +256,7 @@
             </a:ln>
             <a:extLst>
               <a:ext uri="{91240B29-F687-4f45-9708-019B960494DF}">
-                <a14:hiddenLine xmlns="" xmlns:a14="http://schemas.microsoft.com/office/drawing/2010/main" w="9525">
+                <a14:hiddenLine xmlns:a14="http://schemas.microsoft.com/office/drawing/2010/main" xmlns="" w="9525">
                   <a:solidFill>
                     <a:srgbClr val="000000"/>
                   </a:solidFill>
@@ -339,7 +346,7 @@
             </a:ln>
             <a:extLst>
               <a:ext uri="{91240B29-F687-4f45-9708-019B960494DF}">
-                <a14:hiddenLine xmlns="" xmlns:a14="http://schemas.microsoft.com/office/drawing/2010/main" w="9525">
+                <a14:hiddenLine xmlns:a14="http://schemas.microsoft.com/office/drawing/2010/main" xmlns="" w="9525">
                   <a:solidFill>
                     <a:srgbClr val="000000"/>
                   </a:solidFill>
@@ -429,7 +436,7 @@
             </a:ln>
             <a:extLst>
               <a:ext uri="{91240B29-F687-4f45-9708-019B960494DF}">
-                <a14:hiddenLine xmlns="" xmlns:a14="http://schemas.microsoft.com/office/drawing/2010/main" w="9525">
+                <a14:hiddenLine xmlns:a14="http://schemas.microsoft.com/office/drawing/2010/main" xmlns="" w="9525">
                   <a:solidFill>
                     <a:srgbClr val="000000"/>
                   </a:solidFill>
@@ -463,7 +470,7 @@
             </a:ln>
             <a:extLst>
               <a:ext uri="{91240B29-F687-4f45-9708-019B960494DF}">
-                <a14:hiddenLine xmlns="" xmlns:a14="http://schemas.microsoft.com/office/drawing/2010/main" w="9525">
+                <a14:hiddenLine xmlns:a14="http://schemas.microsoft.com/office/drawing/2010/main" xmlns="" w="9525">
                   <a:solidFill>
                     <a:srgbClr val="000000"/>
                   </a:solidFill>
@@ -553,7 +560,7 @@
             </a:ln>
             <a:extLst>
               <a:ext uri="{91240B29-F687-4f45-9708-019B960494DF}">
-                <a14:hiddenLine xmlns="" xmlns:a14="http://schemas.microsoft.com/office/drawing/2010/main" w="9525">
+                <a14:hiddenLine xmlns:a14="http://schemas.microsoft.com/office/drawing/2010/main" xmlns="" w="9525">
                   <a:solidFill>
                     <a:srgbClr val="000000"/>
                   </a:solidFill>
@@ -615,7 +622,7 @@
             </a:ln>
             <a:extLst>
               <a:ext uri="{91240B29-F687-4f45-9708-019B960494DF}">
-                <a14:hiddenLine xmlns="" xmlns:a14="http://schemas.microsoft.com/office/drawing/2010/main" w="9525">
+                <a14:hiddenLine xmlns:a14="http://schemas.microsoft.com/office/drawing/2010/main" xmlns="" w="9525">
                   <a:solidFill>
                     <a:srgbClr val="000000"/>
                   </a:solidFill>
@@ -677,7 +684,7 @@
             </a:ln>
             <a:extLst>
               <a:ext uri="{91240B29-F687-4f45-9708-019B960494DF}">
-                <a14:hiddenLine xmlns="" xmlns:a14="http://schemas.microsoft.com/office/drawing/2010/main" w="9525">
+                <a14:hiddenLine xmlns:a14="http://schemas.microsoft.com/office/drawing/2010/main" xmlns="" w="9525">
                   <a:solidFill>
                     <a:srgbClr val="000000"/>
                   </a:solidFill>
@@ -767,7 +774,7 @@
             </a:ln>
             <a:extLst>
               <a:ext uri="{91240B29-F687-4f45-9708-019B960494DF}">
-                <a14:hiddenLine xmlns="" xmlns:a14="http://schemas.microsoft.com/office/drawing/2010/main" w="9525">
+                <a14:hiddenLine xmlns:a14="http://schemas.microsoft.com/office/drawing/2010/main" xmlns="" w="9525">
                   <a:solidFill>
                     <a:srgbClr val="000000"/>
                   </a:solidFill>
@@ -829,7 +836,7 @@
             </a:ln>
             <a:extLst>
               <a:ext uri="{91240B29-F687-4f45-9708-019B960494DF}">
-                <a14:hiddenLine xmlns="" xmlns:a14="http://schemas.microsoft.com/office/drawing/2010/main" w="9525">
+                <a14:hiddenLine xmlns:a14="http://schemas.microsoft.com/office/drawing/2010/main" xmlns="" w="9525">
                   <a:solidFill>
                     <a:srgbClr val="000000"/>
                   </a:solidFill>
@@ -891,7 +898,7 @@
             </a:ln>
             <a:extLst>
               <a:ext uri="{91240B29-F687-4f45-9708-019B960494DF}">
-                <a14:hiddenLine xmlns="" xmlns:a14="http://schemas.microsoft.com/office/drawing/2010/main" w="9525">
+                <a14:hiddenLine xmlns:a14="http://schemas.microsoft.com/office/drawing/2010/main" xmlns="" w="9525">
                   <a:solidFill>
                     <a:srgbClr val="000000"/>
                   </a:solidFill>
@@ -981,7 +988,7 @@
             </a:ln>
             <a:extLst>
               <a:ext uri="{91240B29-F687-4f45-9708-019B960494DF}">
-                <a14:hiddenLine xmlns="" xmlns:a14="http://schemas.microsoft.com/office/drawing/2010/main" w="9525">
+                <a14:hiddenLine xmlns:a14="http://schemas.microsoft.com/office/drawing/2010/main" xmlns="" w="9525">
                   <a:solidFill>
                     <a:srgbClr val="000000"/>
                   </a:solidFill>
@@ -1071,7 +1078,7 @@
             </a:ln>
             <a:extLst>
               <a:ext uri="{91240B29-F687-4f45-9708-019B960494DF}">
-                <a14:hiddenLine xmlns="" xmlns:a14="http://schemas.microsoft.com/office/drawing/2010/main" w="9525">
+                <a14:hiddenLine xmlns:a14="http://schemas.microsoft.com/office/drawing/2010/main" xmlns="" w="9525">
                   <a:solidFill>
                     <a:srgbClr val="000000"/>
                   </a:solidFill>
@@ -1133,7 +1140,7 @@
             </a:ln>
             <a:extLst>
               <a:ext uri="{91240B29-F687-4f45-9708-019B960494DF}">
-                <a14:hiddenLine xmlns="" xmlns:a14="http://schemas.microsoft.com/office/drawing/2010/main" w="9525">
+                <a14:hiddenLine xmlns:a14="http://schemas.microsoft.com/office/drawing/2010/main" xmlns="" w="9525">
                   <a:solidFill>
                     <a:srgbClr val="000000"/>
                   </a:solidFill>
@@ -1243,7 +1250,7 @@
             </a:ln>
             <a:extLst>
               <a:ext uri="{91240B29-F687-4f45-9708-019B960494DF}">
-                <a14:hiddenLine xmlns="" xmlns:a14="http://schemas.microsoft.com/office/drawing/2010/main" w="9525">
+                <a14:hiddenLine xmlns:a14="http://schemas.microsoft.com/office/drawing/2010/main" xmlns="" w="9525">
                   <a:solidFill>
                     <a:srgbClr val="000000"/>
                   </a:solidFill>
@@ -1305,7 +1312,7 @@
             </a:ln>
             <a:extLst>
               <a:ext uri="{91240B29-F687-4f45-9708-019B960494DF}">
-                <a14:hiddenLine xmlns="" xmlns:a14="http://schemas.microsoft.com/office/drawing/2010/main" w="9525">
+                <a14:hiddenLine xmlns:a14="http://schemas.microsoft.com/office/drawing/2010/main" xmlns="" w="9525">
                   <a:solidFill>
                     <a:srgbClr val="000000"/>
                   </a:solidFill>
@@ -1395,7 +1402,7 @@
             </a:ln>
             <a:extLst>
               <a:ext uri="{91240B29-F687-4f45-9708-019B960494DF}">
-                <a14:hiddenLine xmlns="" xmlns:a14="http://schemas.microsoft.com/office/drawing/2010/main" w="9525">
+                <a14:hiddenLine xmlns:a14="http://schemas.microsoft.com/office/drawing/2010/main" xmlns="" w="9525">
                   <a:solidFill>
                     <a:srgbClr val="000000"/>
                   </a:solidFill>
@@ -1485,7 +1492,7 @@
             </a:ln>
             <a:extLst>
               <a:ext uri="{91240B29-F687-4f45-9708-019B960494DF}">
-                <a14:hiddenLine xmlns="" xmlns:a14="http://schemas.microsoft.com/office/drawing/2010/main" w="9525">
+                <a14:hiddenLine xmlns:a14="http://schemas.microsoft.com/office/drawing/2010/main" xmlns="" w="9525">
                   <a:solidFill>
                     <a:srgbClr val="000000"/>
                   </a:solidFill>
@@ -1547,7 +1554,7 @@
             </a:ln>
             <a:extLst>
               <a:ext uri="{91240B29-F687-4f45-9708-019B960494DF}">
-                <a14:hiddenLine xmlns="" xmlns:a14="http://schemas.microsoft.com/office/drawing/2010/main" w="9525">
+                <a14:hiddenLine xmlns:a14="http://schemas.microsoft.com/office/drawing/2010/main" xmlns="" w="9525">
                   <a:solidFill>
                     <a:srgbClr val="000000"/>
                   </a:solidFill>
@@ -1637,7 +1644,7 @@
             </a:ln>
             <a:extLst>
               <a:ext uri="{91240B29-F687-4f45-9708-019B960494DF}">
-                <a14:hiddenLine xmlns="" xmlns:a14="http://schemas.microsoft.com/office/drawing/2010/main" w="9525">
+                <a14:hiddenLine xmlns:a14="http://schemas.microsoft.com/office/drawing/2010/main" xmlns="" w="9525">
                   <a:solidFill>
                     <a:srgbClr val="000000"/>
                   </a:solidFill>
@@ -1727,7 +1734,7 @@
             </a:ln>
             <a:extLst>
               <a:ext uri="{91240B29-F687-4f45-9708-019B960494DF}">
-                <a14:hiddenLine xmlns="" xmlns:a14="http://schemas.microsoft.com/office/drawing/2010/main" w="9525">
+                <a14:hiddenLine xmlns:a14="http://schemas.microsoft.com/office/drawing/2010/main" xmlns="" w="9525">
                   <a:solidFill>
                     <a:srgbClr val="000000"/>
                   </a:solidFill>
@@ -1783,7 +1790,7 @@
             </a:ln>
             <a:extLst>
               <a:ext uri="{91240B29-F687-4f45-9708-019B960494DF}">
-                <a14:hiddenLine xmlns="" xmlns:a14="http://schemas.microsoft.com/office/drawing/2010/main" w="9525">
+                <a14:hiddenLine xmlns:a14="http://schemas.microsoft.com/office/drawing/2010/main" xmlns="" w="9525">
                   <a:solidFill>
                     <a:srgbClr val="000000"/>
                   </a:solidFill>
@@ -1873,7 +1880,7 @@
             </a:ln>
             <a:extLst>
               <a:ext uri="{91240B29-F687-4f45-9708-019B960494DF}">
-                <a14:hiddenLine xmlns="" xmlns:a14="http://schemas.microsoft.com/office/drawing/2010/main" w="9525">
+                <a14:hiddenLine xmlns:a14="http://schemas.microsoft.com/office/drawing/2010/main" xmlns="" w="9525">
                   <a:solidFill>
                     <a:srgbClr val="000000"/>
                   </a:solidFill>
@@ -1929,7 +1936,7 @@
             </a:ln>
             <a:extLst>
               <a:ext uri="{91240B29-F687-4f45-9708-019B960494DF}">
-                <a14:hiddenLine xmlns="" xmlns:a14="http://schemas.microsoft.com/office/drawing/2010/main" w="9525">
+                <a14:hiddenLine xmlns:a14="http://schemas.microsoft.com/office/drawing/2010/main" xmlns="" w="9525">
                   <a:solidFill>
                     <a:srgbClr val="000000"/>
                   </a:solidFill>
@@ -2019,7 +2026,7 @@
             </a:ln>
             <a:extLst>
               <a:ext uri="{91240B29-F687-4f45-9708-019B960494DF}">
-                <a14:hiddenLine xmlns="" xmlns:a14="http://schemas.microsoft.com/office/drawing/2010/main" w="9525">
+                <a14:hiddenLine xmlns:a14="http://schemas.microsoft.com/office/drawing/2010/main" xmlns="" w="9525">
                   <a:solidFill>
                     <a:srgbClr val="000000"/>
                   </a:solidFill>
@@ -2087,7 +2094,7 @@
             </a:ln>
             <a:extLst>
               <a:ext uri="{91240B29-F687-4f45-9708-019B960494DF}">
-                <a14:hiddenLine xmlns="" xmlns:a14="http://schemas.microsoft.com/office/drawing/2010/main" w="9525">
+                <a14:hiddenLine xmlns:a14="http://schemas.microsoft.com/office/drawing/2010/main" xmlns="" w="9525">
                   <a:solidFill>
                     <a:srgbClr val="000000"/>
                   </a:solidFill>
@@ -2177,7 +2184,7 @@
             </a:ln>
             <a:extLst>
               <a:ext uri="{91240B29-F687-4f45-9708-019B960494DF}">
-                <a14:hiddenLine xmlns="" xmlns:a14="http://schemas.microsoft.com/office/drawing/2010/main" w="9525">
+                <a14:hiddenLine xmlns:a14="http://schemas.microsoft.com/office/drawing/2010/main" xmlns="" w="9525">
                   <a:solidFill>
                     <a:srgbClr val="000000"/>
                   </a:solidFill>
@@ -2245,7 +2252,7 @@
             </a:ln>
             <a:extLst>
               <a:ext uri="{91240B29-F687-4f45-9708-019B960494DF}">
-                <a14:hiddenLine xmlns="" xmlns:a14="http://schemas.microsoft.com/office/drawing/2010/main" w="9525">
+                <a14:hiddenLine xmlns:a14="http://schemas.microsoft.com/office/drawing/2010/main" xmlns="" w="9525">
                   <a:solidFill>
                     <a:srgbClr val="000000"/>
                   </a:solidFill>
@@ -2335,7 +2342,7 @@
             </a:ln>
             <a:extLst>
               <a:ext uri="{91240B29-F687-4f45-9708-019B960494DF}">
-                <a14:hiddenLine xmlns="" xmlns:a14="http://schemas.microsoft.com/office/drawing/2010/main" w="9525">
+                <a14:hiddenLine xmlns:a14="http://schemas.microsoft.com/office/drawing/2010/main" xmlns="" w="9525">
                   <a:solidFill>
                     <a:srgbClr val="000000"/>
                   </a:solidFill>
@@ -2369,7 +2376,7 @@
             </a:ln>
             <a:extLst>
               <a:ext uri="{91240B29-F687-4f45-9708-019B960494DF}">
-                <a14:hiddenLine xmlns="" xmlns:a14="http://schemas.microsoft.com/office/drawing/2010/main" w="9525">
+                <a14:hiddenLine xmlns:a14="http://schemas.microsoft.com/office/drawing/2010/main" xmlns="" w="9525">
                   <a:solidFill>
                     <a:srgbClr val="000000"/>
                   </a:solidFill>
@@ -2459,7 +2466,7 @@
             </a:ln>
             <a:extLst>
               <a:ext uri="{91240B29-F687-4f45-9708-019B960494DF}">
-                <a14:hiddenLine xmlns="" xmlns:a14="http://schemas.microsoft.com/office/drawing/2010/main" w="9525">
+                <a14:hiddenLine xmlns:a14="http://schemas.microsoft.com/office/drawing/2010/main" xmlns="" w="9525">
                   <a:solidFill>
                     <a:srgbClr val="000000"/>
                   </a:solidFill>
@@ -2521,7 +2528,7 @@
             </a:ln>
             <a:extLst>
               <a:ext uri="{91240B29-F687-4f45-9708-019B960494DF}">
-                <a14:hiddenLine xmlns="" xmlns:a14="http://schemas.microsoft.com/office/drawing/2010/main" w="9525">
+                <a14:hiddenLine xmlns:a14="http://schemas.microsoft.com/office/drawing/2010/main" xmlns="" w="9525">
                   <a:solidFill>
                     <a:srgbClr val="000000"/>
                   </a:solidFill>
@@ -2583,7 +2590,7 @@
             </a:ln>
             <a:extLst>
               <a:ext uri="{91240B29-F687-4f45-9708-019B960494DF}">
-                <a14:hiddenLine xmlns="" xmlns:a14="http://schemas.microsoft.com/office/drawing/2010/main" w="9525">
+                <a14:hiddenLine xmlns:a14="http://schemas.microsoft.com/office/drawing/2010/main" xmlns="" w="9525">
                   <a:solidFill>
                     <a:srgbClr val="000000"/>
                   </a:solidFill>
@@ -2673,7 +2680,7 @@
             </a:ln>
             <a:extLst>
               <a:ext uri="{91240B29-F687-4f45-9708-019B960494DF}">
-                <a14:hiddenLine xmlns="" xmlns:a14="http://schemas.microsoft.com/office/drawing/2010/main" w="9525">
+                <a14:hiddenLine xmlns:a14="http://schemas.microsoft.com/office/drawing/2010/main" xmlns="" w="9525">
                   <a:solidFill>
                     <a:srgbClr val="000000"/>
                   </a:solidFill>
@@ -2741,7 +2748,7 @@
             </a:ln>
             <a:extLst>
               <a:ext uri="{91240B29-F687-4f45-9708-019B960494DF}">
-                <a14:hiddenLine xmlns="" xmlns:a14="http://schemas.microsoft.com/office/drawing/2010/main" w="9525">
+                <a14:hiddenLine xmlns:a14="http://schemas.microsoft.com/office/drawing/2010/main" xmlns="" w="9525">
                   <a:solidFill>
                     <a:srgbClr val="000000"/>
                   </a:solidFill>
@@ -2803,7 +2810,7 @@
             </a:ln>
             <a:extLst>
               <a:ext uri="{91240B29-F687-4f45-9708-019B960494DF}">
-                <a14:hiddenLine xmlns="" xmlns:a14="http://schemas.microsoft.com/office/drawing/2010/main" w="9525">
+                <a14:hiddenLine xmlns:a14="http://schemas.microsoft.com/office/drawing/2010/main" xmlns="" w="9525">
                   <a:solidFill>
                     <a:srgbClr val="000000"/>
                   </a:solidFill>
@@ -2893,7 +2900,7 @@
             </a:ln>
             <a:extLst>
               <a:ext uri="{91240B29-F687-4f45-9708-019B960494DF}">
-                <a14:hiddenLine xmlns="" xmlns:a14="http://schemas.microsoft.com/office/drawing/2010/main" w="9525">
+                <a14:hiddenLine xmlns:a14="http://schemas.microsoft.com/office/drawing/2010/main" xmlns="" w="9525">
                   <a:solidFill>
                     <a:srgbClr val="000000"/>
                   </a:solidFill>
@@ -2955,7 +2962,7 @@
             </a:ln>
             <a:extLst>
               <a:ext uri="{91240B29-F687-4f45-9708-019B960494DF}">
-                <a14:hiddenLine xmlns="" xmlns:a14="http://schemas.microsoft.com/office/drawing/2010/main" w="9525">
+                <a14:hiddenLine xmlns:a14="http://schemas.microsoft.com/office/drawing/2010/main" xmlns="" w="9525">
                   <a:solidFill>
                     <a:srgbClr val="000000"/>
                   </a:solidFill>
@@ -3045,7 +3052,7 @@
             </a:ln>
             <a:extLst>
               <a:ext uri="{91240B29-F687-4f45-9708-019B960494DF}">
-                <a14:hiddenLine xmlns="" xmlns:a14="http://schemas.microsoft.com/office/drawing/2010/main" w="9525">
+                <a14:hiddenLine xmlns:a14="http://schemas.microsoft.com/office/drawing/2010/main" xmlns="" w="9525">
                   <a:solidFill>
                     <a:srgbClr val="000000"/>
                   </a:solidFill>
@@ -3107,7 +3114,7 @@
             </a:ln>
             <a:extLst>
               <a:ext uri="{91240B29-F687-4f45-9708-019B960494DF}">
-                <a14:hiddenLine xmlns="" xmlns:a14="http://schemas.microsoft.com/office/drawing/2010/main" w="9525">
+                <a14:hiddenLine xmlns:a14="http://schemas.microsoft.com/office/drawing/2010/main" xmlns="" w="9525">
                   <a:solidFill>
                     <a:srgbClr val="000000"/>
                   </a:solidFill>
@@ -3197,7 +3204,7 @@
             </a:ln>
             <a:extLst>
               <a:ext uri="{91240B29-F687-4f45-9708-019B960494DF}">
-                <a14:hiddenLine xmlns="" xmlns:a14="http://schemas.microsoft.com/office/drawing/2010/main" w="9525">
+                <a14:hiddenLine xmlns:a14="http://schemas.microsoft.com/office/drawing/2010/main" xmlns="" w="9525">
                   <a:solidFill>
                     <a:srgbClr val="000000"/>
                   </a:solidFill>
@@ -3231,7 +3238,7 @@
             </a:ln>
             <a:extLst>
               <a:ext uri="{91240B29-F687-4f45-9708-019B960494DF}">
-                <a14:hiddenLine xmlns="" xmlns:a14="http://schemas.microsoft.com/office/drawing/2010/main" w="9525">
+                <a14:hiddenLine xmlns:a14="http://schemas.microsoft.com/office/drawing/2010/main" xmlns="" w="9525">
                   <a:solidFill>
                     <a:srgbClr val="000000"/>
                   </a:solidFill>
@@ -3296,7 +3303,7 @@
             </a:ln>
             <a:extLst>
               <a:ext uri="{91240B29-F687-4f45-9708-019B960494DF}">
-                <a14:hiddenLine xmlns="" xmlns:a14="http://schemas.microsoft.com/office/drawing/2010/main" w="9525">
+                <a14:hiddenLine xmlns:a14="http://schemas.microsoft.com/office/drawing/2010/main" xmlns="" w="9525">
                   <a:solidFill>
                     <a:srgbClr val="000000"/>
                   </a:solidFill>
@@ -3386,7 +3393,7 @@
             </a:ln>
             <a:extLst>
               <a:ext uri="{91240B29-F687-4f45-9708-019B960494DF}">
-                <a14:hiddenLine xmlns="" xmlns:a14="http://schemas.microsoft.com/office/drawing/2010/main" w="9525">
+                <a14:hiddenLine xmlns:a14="http://schemas.microsoft.com/office/drawing/2010/main" xmlns="" w="9525">
                   <a:solidFill>
                     <a:srgbClr val="000000"/>
                   </a:solidFill>
@@ -3448,7 +3455,7 @@
             </a:ln>
             <a:extLst>
               <a:ext uri="{91240B29-F687-4f45-9708-019B960494DF}">
-                <a14:hiddenLine xmlns="" xmlns:a14="http://schemas.microsoft.com/office/drawing/2010/main" w="9525">
+                <a14:hiddenLine xmlns:a14="http://schemas.microsoft.com/office/drawing/2010/main" xmlns="" w="9525">
                   <a:solidFill>
                     <a:srgbClr val="000000"/>
                   </a:solidFill>
@@ -3538,7 +3545,7 @@
             </a:ln>
             <a:extLst>
               <a:ext uri="{91240B29-F687-4f45-9708-019B960494DF}">
-                <a14:hiddenLine xmlns="" xmlns:a14="http://schemas.microsoft.com/office/drawing/2010/main" w="9525">
+                <a14:hiddenLine xmlns:a14="http://schemas.microsoft.com/office/drawing/2010/main" xmlns="" w="9525">
                   <a:solidFill>
                     <a:srgbClr val="000000"/>
                   </a:solidFill>
@@ -3628,7 +3635,7 @@
             </a:ln>
             <a:extLst>
               <a:ext uri="{91240B29-F687-4f45-9708-019B960494DF}">
-                <a14:hiddenLine xmlns="" xmlns:a14="http://schemas.microsoft.com/office/drawing/2010/main" w="9525">
+                <a14:hiddenLine xmlns:a14="http://schemas.microsoft.com/office/drawing/2010/main" xmlns="" w="9525">
                   <a:solidFill>
                     <a:srgbClr val="000000"/>
                   </a:solidFill>
@@ -3693,7 +3700,7 @@
             </a:ln>
             <a:extLst>
               <a:ext uri="{91240B29-F687-4f45-9708-019B960494DF}">
-                <a14:hiddenLine xmlns="" xmlns:a14="http://schemas.microsoft.com/office/drawing/2010/main" w="9525">
+                <a14:hiddenLine xmlns:a14="http://schemas.microsoft.com/office/drawing/2010/main" xmlns="" w="9525">
                   <a:solidFill>
                     <a:srgbClr val="000000"/>
                   </a:solidFill>
@@ -3755,7 +3762,7 @@
             </a:ln>
             <a:extLst>
               <a:ext uri="{91240B29-F687-4f45-9708-019B960494DF}">
-                <a14:hiddenLine xmlns="" xmlns:a14="http://schemas.microsoft.com/office/drawing/2010/main" w="9525">
+                <a14:hiddenLine xmlns:a14="http://schemas.microsoft.com/office/drawing/2010/main" xmlns="" w="9525">
                   <a:solidFill>
                     <a:srgbClr val="000000"/>
                   </a:solidFill>
@@ -3845,7 +3852,7 @@
             </a:ln>
             <a:extLst>
               <a:ext uri="{91240B29-F687-4f45-9708-019B960494DF}">
-                <a14:hiddenLine xmlns="" xmlns:a14="http://schemas.microsoft.com/office/drawing/2010/main" w="9525">
+                <a14:hiddenLine xmlns:a14="http://schemas.microsoft.com/office/drawing/2010/main" xmlns="" w="9525">
                   <a:solidFill>
                     <a:srgbClr val="000000"/>
                   </a:solidFill>
@@ -3935,7 +3942,7 @@
             </a:ln>
             <a:extLst>
               <a:ext uri="{91240B29-F687-4f45-9708-019B960494DF}">
-                <a14:hiddenLine xmlns="" xmlns:a14="http://schemas.microsoft.com/office/drawing/2010/main" w="9525">
+                <a14:hiddenLine xmlns:a14="http://schemas.microsoft.com/office/drawing/2010/main" xmlns="" w="9525">
                   <a:solidFill>
                     <a:srgbClr val="000000"/>
                   </a:solidFill>
@@ -3997,7 +4004,7 @@
             </a:ln>
             <a:extLst>
               <a:ext uri="{91240B29-F687-4f45-9708-019B960494DF}">
-                <a14:hiddenLine xmlns="" xmlns:a14="http://schemas.microsoft.com/office/drawing/2010/main" w="9525">
+                <a14:hiddenLine xmlns:a14="http://schemas.microsoft.com/office/drawing/2010/main" xmlns="" w="9525">
                   <a:solidFill>
                     <a:srgbClr val="000000"/>
                   </a:solidFill>
@@ -4117,7 +4124,7 @@
             </a:ln>
             <a:extLst>
               <a:ext uri="{91240B29-F687-4f45-9708-019B960494DF}">
-                <a14:hiddenLine xmlns="" xmlns:a14="http://schemas.microsoft.com/office/drawing/2010/main" w="9525">
+                <a14:hiddenLine xmlns:a14="http://schemas.microsoft.com/office/drawing/2010/main" xmlns="" w="9525">
                   <a:solidFill>
                     <a:srgbClr val="000000"/>
                   </a:solidFill>
@@ -4185,7 +4192,7 @@
             </a:ln>
             <a:extLst>
               <a:ext uri="{91240B29-F687-4f45-9708-019B960494DF}">
-                <a14:hiddenLine xmlns="" xmlns:a14="http://schemas.microsoft.com/office/drawing/2010/main" w="9525">
+                <a14:hiddenLine xmlns:a14="http://schemas.microsoft.com/office/drawing/2010/main" xmlns="" w="9525">
                   <a:solidFill>
                     <a:srgbClr val="000000"/>
                   </a:solidFill>
@@ -4275,7 +4282,7 @@
             </a:ln>
             <a:extLst>
               <a:ext uri="{91240B29-F687-4f45-9708-019B960494DF}">
-                <a14:hiddenLine xmlns="" xmlns:a14="http://schemas.microsoft.com/office/drawing/2010/main" w="9525">
+                <a14:hiddenLine xmlns:a14="http://schemas.microsoft.com/office/drawing/2010/main" xmlns="" w="9525">
                   <a:solidFill>
                     <a:srgbClr val="000000"/>
                   </a:solidFill>
@@ -4415,7 +4422,7 @@
           <a:p>
             <a:fld id="{6A8C1F66-F627-47B8-820F-0CD0469635B7}" type="datetimeFigureOut">
               <a:rPr lang="en-CA" smtClean="0"/>
-              <a:t>2018-01-21</a:t>
+              <a:t>2018-01-24</a:t>
             </a:fld>
             <a:endParaRPr lang="en-CA"/>
           </a:p>
@@ -4682,7 +4689,7 @@
           <a:p>
             <a:fld id="{6A8C1F66-F627-47B8-820F-0CD0469635B7}" type="datetimeFigureOut">
               <a:rPr lang="en-CA" smtClean="0"/>
-              <a:t>2018-01-21</a:t>
+              <a:t>2018-01-24</a:t>
             </a:fld>
             <a:endParaRPr lang="en-CA"/>
           </a:p>
@@ -4878,7 +4885,7 @@
           <a:p>
             <a:fld id="{6A8C1F66-F627-47B8-820F-0CD0469635B7}" type="datetimeFigureOut">
               <a:rPr lang="en-CA" smtClean="0"/>
-              <a:t>2018-01-21</a:t>
+              <a:t>2018-01-24</a:t>
             </a:fld>
             <a:endParaRPr lang="en-CA"/>
           </a:p>
@@ -5141,7 +5148,7 @@
           <a:p>
             <a:fld id="{6A8C1F66-F627-47B8-820F-0CD0469635B7}" type="datetimeFigureOut">
               <a:rPr lang="en-CA" smtClean="0"/>
-              <a:t>2018-01-21</a:t>
+              <a:t>2018-01-24</a:t>
             </a:fld>
             <a:endParaRPr lang="en-CA"/>
           </a:p>
@@ -5575,7 +5582,7 @@
           <a:p>
             <a:fld id="{6A8C1F66-F627-47B8-820F-0CD0469635B7}" type="datetimeFigureOut">
               <a:rPr lang="en-CA" smtClean="0"/>
-              <a:t>2018-01-21</a:t>
+              <a:t>2018-01-24</a:t>
             </a:fld>
             <a:endParaRPr lang="en-CA"/>
           </a:p>
@@ -6121,7 +6128,7 @@
           <a:p>
             <a:fld id="{6A8C1F66-F627-47B8-820F-0CD0469635B7}" type="datetimeFigureOut">
               <a:rPr lang="en-CA" smtClean="0"/>
-              <a:t>2018-01-21</a:t>
+              <a:t>2018-01-24</a:t>
             </a:fld>
             <a:endParaRPr lang="en-CA"/>
           </a:p>
@@ -6841,7 +6848,7 @@
           <a:p>
             <a:fld id="{6A8C1F66-F627-47B8-820F-0CD0469635B7}" type="datetimeFigureOut">
               <a:rPr lang="en-CA" smtClean="0"/>
-              <a:t>2018-01-21</a:t>
+              <a:t>2018-01-24</a:t>
             </a:fld>
             <a:endParaRPr lang="en-CA"/>
           </a:p>
@@ -7011,7 +7018,7 @@
           <a:p>
             <a:fld id="{6A8C1F66-F627-47B8-820F-0CD0469635B7}" type="datetimeFigureOut">
               <a:rPr lang="en-CA" smtClean="0"/>
-              <a:t>2018-01-21</a:t>
+              <a:t>2018-01-24</a:t>
             </a:fld>
             <a:endParaRPr lang="en-CA"/>
           </a:p>
@@ -7191,7 +7198,7 @@
           <a:p>
             <a:fld id="{6A8C1F66-F627-47B8-820F-0CD0469635B7}" type="datetimeFigureOut">
               <a:rPr lang="en-CA" smtClean="0"/>
-              <a:t>2018-01-21</a:t>
+              <a:t>2018-01-24</a:t>
             </a:fld>
             <a:endParaRPr lang="en-CA"/>
           </a:p>
@@ -7361,7 +7368,7 @@
           <a:p>
             <a:fld id="{6A8C1F66-F627-47B8-820F-0CD0469635B7}" type="datetimeFigureOut">
               <a:rPr lang="en-CA" smtClean="0"/>
-              <a:t>2018-01-21</a:t>
+              <a:t>2018-01-24</a:t>
             </a:fld>
             <a:endParaRPr lang="en-CA"/>
           </a:p>
@@ -7611,7 +7618,7 @@
           <a:p>
             <a:fld id="{6A8C1F66-F627-47B8-820F-0CD0469635B7}" type="datetimeFigureOut">
               <a:rPr lang="en-CA" smtClean="0"/>
-              <a:t>2018-01-21</a:t>
+              <a:t>2018-01-24</a:t>
             </a:fld>
             <a:endParaRPr lang="en-CA"/>
           </a:p>
@@ -7843,7 +7850,7 @@
           <a:p>
             <a:fld id="{6A8C1F66-F627-47B8-820F-0CD0469635B7}" type="datetimeFigureOut">
               <a:rPr lang="en-CA" smtClean="0"/>
-              <a:t>2018-01-21</a:t>
+              <a:t>2018-01-24</a:t>
             </a:fld>
             <a:endParaRPr lang="en-CA"/>
           </a:p>
@@ -8224,7 +8231,7 @@
           <a:p>
             <a:fld id="{6A8C1F66-F627-47B8-820F-0CD0469635B7}" type="datetimeFigureOut">
               <a:rPr lang="en-CA" smtClean="0"/>
-              <a:t>2018-01-21</a:t>
+              <a:t>2018-01-24</a:t>
             </a:fld>
             <a:endParaRPr lang="en-CA"/>
           </a:p>
@@ -8342,7 +8349,7 @@
           <a:p>
             <a:fld id="{6A8C1F66-F627-47B8-820F-0CD0469635B7}" type="datetimeFigureOut">
               <a:rPr lang="en-CA" smtClean="0"/>
-              <a:t>2018-01-21</a:t>
+              <a:t>2018-01-24</a:t>
             </a:fld>
             <a:endParaRPr lang="en-CA"/>
           </a:p>
@@ -8437,7 +8444,7 @@
           <a:p>
             <a:fld id="{6A8C1F66-F627-47B8-820F-0CD0469635B7}" type="datetimeFigureOut">
               <a:rPr lang="en-CA" smtClean="0"/>
-              <a:t>2018-01-21</a:t>
+              <a:t>2018-01-24</a:t>
             </a:fld>
             <a:endParaRPr lang="en-CA"/>
           </a:p>
@@ -8686,7 +8693,7 @@
           <a:p>
             <a:fld id="{6A8C1F66-F627-47B8-820F-0CD0469635B7}" type="datetimeFigureOut">
               <a:rPr lang="en-CA" smtClean="0"/>
-              <a:t>2018-01-21</a:t>
+              <a:t>2018-01-24</a:t>
             </a:fld>
             <a:endParaRPr lang="en-CA"/>
           </a:p>
@@ -8966,7 +8973,7 @@
           <a:p>
             <a:fld id="{6A8C1F66-F627-47B8-820F-0CD0469635B7}" type="datetimeFigureOut">
               <a:rPr lang="en-CA" smtClean="0"/>
-              <a:t>2018-01-21</a:t>
+              <a:t>2018-01-24</a:t>
             </a:fld>
             <a:endParaRPr lang="en-CA"/>
           </a:p>
@@ -9082,7 +9089,7 @@
           <a:noFill/>
           <a:extLst>
             <a:ext uri="{909E8E84-426E-40dd-AFC4-6F175D3DCCD1}">
-              <a14:hiddenFill xmlns="" xmlns:a14="http://schemas.microsoft.com/office/drawing/2010/main">
+              <a14:hiddenFill xmlns:a14="http://schemas.microsoft.com/office/drawing/2010/main" xmlns="">
                 <a:solidFill>
                   <a:srgbClr val="FFFFFF"/>
                 </a:solidFill>
@@ -9156,7 +9163,7 @@
               </a:ln>
               <a:extLst>
                 <a:ext uri="{91240B29-F687-4f45-9708-019B960494DF}">
-                  <a14:hiddenLine xmlns="" xmlns:a14="http://schemas.microsoft.com/office/drawing/2010/main" w="9525">
+                  <a14:hiddenLine xmlns:a14="http://schemas.microsoft.com/office/drawing/2010/main" xmlns="" w="9525">
                     <a:solidFill>
                       <a:srgbClr val="000000"/>
                     </a:solidFill>
@@ -9246,7 +9253,7 @@
               </a:ln>
               <a:extLst>
                 <a:ext uri="{91240B29-F687-4f45-9708-019B960494DF}">
-                  <a14:hiddenLine xmlns="" xmlns:a14="http://schemas.microsoft.com/office/drawing/2010/main" w="9525">
+                  <a14:hiddenLine xmlns:a14="http://schemas.microsoft.com/office/drawing/2010/main" xmlns="" w="9525">
                     <a:solidFill>
                       <a:srgbClr val="000000"/>
                     </a:solidFill>
@@ -9336,7 +9343,7 @@
               </a:ln>
               <a:extLst>
                 <a:ext uri="{91240B29-F687-4f45-9708-019B960494DF}">
-                  <a14:hiddenLine xmlns="" xmlns:a14="http://schemas.microsoft.com/office/drawing/2010/main" w="9525">
+                  <a14:hiddenLine xmlns:a14="http://schemas.microsoft.com/office/drawing/2010/main" xmlns="" w="9525">
                     <a:solidFill>
                       <a:srgbClr val="000000"/>
                     </a:solidFill>
@@ -9398,7 +9405,7 @@
               </a:ln>
               <a:extLst>
                 <a:ext uri="{91240B29-F687-4f45-9708-019B960494DF}">
-                  <a14:hiddenLine xmlns="" xmlns:a14="http://schemas.microsoft.com/office/drawing/2010/main" w="9525">
+                  <a14:hiddenLine xmlns:a14="http://schemas.microsoft.com/office/drawing/2010/main" xmlns="" w="9525">
                     <a:solidFill>
                       <a:srgbClr val="000000"/>
                     </a:solidFill>
@@ -9488,7 +9495,7 @@
               </a:ln>
               <a:extLst>
                 <a:ext uri="{91240B29-F687-4f45-9708-019B960494DF}">
-                  <a14:hiddenLine xmlns="" xmlns:a14="http://schemas.microsoft.com/office/drawing/2010/main" w="9525">
+                  <a14:hiddenLine xmlns:a14="http://schemas.microsoft.com/office/drawing/2010/main" xmlns="" w="9525">
                     <a:solidFill>
                       <a:srgbClr val="000000"/>
                     </a:solidFill>
@@ -9550,7 +9557,7 @@
               </a:ln>
               <a:extLst>
                 <a:ext uri="{91240B29-F687-4f45-9708-019B960494DF}">
-                  <a14:hiddenLine xmlns="" xmlns:a14="http://schemas.microsoft.com/office/drawing/2010/main" w="9525">
+                  <a14:hiddenLine xmlns:a14="http://schemas.microsoft.com/office/drawing/2010/main" xmlns="" w="9525">
                     <a:solidFill>
                       <a:srgbClr val="000000"/>
                     </a:solidFill>
@@ -9612,7 +9619,7 @@
               </a:ln>
               <a:extLst>
                 <a:ext uri="{91240B29-F687-4f45-9708-019B960494DF}">
-                  <a14:hiddenLine xmlns="" xmlns:a14="http://schemas.microsoft.com/office/drawing/2010/main" w="9525">
+                  <a14:hiddenLine xmlns:a14="http://schemas.microsoft.com/office/drawing/2010/main" xmlns="" w="9525">
                     <a:solidFill>
                       <a:srgbClr val="000000"/>
                     </a:solidFill>
@@ -9702,7 +9709,7 @@
               </a:ln>
               <a:extLst>
                 <a:ext uri="{91240B29-F687-4f45-9708-019B960494DF}">
-                  <a14:hiddenLine xmlns="" xmlns:a14="http://schemas.microsoft.com/office/drawing/2010/main" w="9525">
+                  <a14:hiddenLine xmlns:a14="http://schemas.microsoft.com/office/drawing/2010/main" xmlns="" w="9525">
                     <a:solidFill>
                       <a:srgbClr val="000000"/>
                     </a:solidFill>
@@ -9792,7 +9799,7 @@
               </a:ln>
               <a:extLst>
                 <a:ext uri="{91240B29-F687-4f45-9708-019B960494DF}">
-                  <a14:hiddenLine xmlns="" xmlns:a14="http://schemas.microsoft.com/office/drawing/2010/main" w="9525">
+                  <a14:hiddenLine xmlns:a14="http://schemas.microsoft.com/office/drawing/2010/main" xmlns="" w="9525">
                     <a:solidFill>
                       <a:srgbClr val="000000"/>
                     </a:solidFill>
@@ -9854,7 +9861,7 @@
               </a:ln>
               <a:extLst>
                 <a:ext uri="{91240B29-F687-4f45-9708-019B960494DF}">
-                  <a14:hiddenLine xmlns="" xmlns:a14="http://schemas.microsoft.com/office/drawing/2010/main" w="9525">
+                  <a14:hiddenLine xmlns:a14="http://schemas.microsoft.com/office/drawing/2010/main" xmlns="" w="9525">
                     <a:solidFill>
                       <a:srgbClr val="000000"/>
                     </a:solidFill>
@@ -9964,7 +9971,7 @@
               </a:ln>
               <a:extLst>
                 <a:ext uri="{91240B29-F687-4f45-9708-019B960494DF}">
-                  <a14:hiddenLine xmlns="" xmlns:a14="http://schemas.microsoft.com/office/drawing/2010/main" w="9525">
+                  <a14:hiddenLine xmlns:a14="http://schemas.microsoft.com/office/drawing/2010/main" xmlns="" w="9525">
                     <a:solidFill>
                       <a:srgbClr val="000000"/>
                     </a:solidFill>
@@ -10048,7 +10055,7 @@
               </a:ln>
               <a:extLst>
                 <a:ext uri="{91240B29-F687-4f45-9708-019B960494DF}">
-                  <a14:hiddenLine xmlns="" xmlns:a14="http://schemas.microsoft.com/office/drawing/2010/main" w="9525">
+                  <a14:hiddenLine xmlns:a14="http://schemas.microsoft.com/office/drawing/2010/main" xmlns="" w="9525">
                     <a:solidFill>
                       <a:srgbClr val="000000"/>
                     </a:solidFill>
@@ -10110,7 +10117,7 @@
               </a:ln>
               <a:extLst>
                 <a:ext uri="{91240B29-F687-4f45-9708-019B960494DF}">
-                  <a14:hiddenLine xmlns="" xmlns:a14="http://schemas.microsoft.com/office/drawing/2010/main" w="9525">
+                  <a14:hiddenLine xmlns:a14="http://schemas.microsoft.com/office/drawing/2010/main" xmlns="" w="9525">
                     <a:solidFill>
                       <a:srgbClr val="000000"/>
                     </a:solidFill>
@@ -10172,7 +10179,7 @@
               </a:ln>
               <a:extLst>
                 <a:ext uri="{91240B29-F687-4f45-9708-019B960494DF}">
-                  <a14:hiddenLine xmlns="" xmlns:a14="http://schemas.microsoft.com/office/drawing/2010/main" w="9525">
+                  <a14:hiddenLine xmlns:a14="http://schemas.microsoft.com/office/drawing/2010/main" xmlns="" w="9525">
                     <a:solidFill>
                       <a:srgbClr val="000000"/>
                     </a:solidFill>
@@ -10262,7 +10269,7 @@
               </a:ln>
               <a:extLst>
                 <a:ext uri="{91240B29-F687-4f45-9708-019B960494DF}">
-                  <a14:hiddenLine xmlns="" xmlns:a14="http://schemas.microsoft.com/office/drawing/2010/main" w="9525">
+                  <a14:hiddenLine xmlns:a14="http://schemas.microsoft.com/office/drawing/2010/main" xmlns="" w="9525">
                     <a:solidFill>
                       <a:srgbClr val="000000"/>
                     </a:solidFill>
@@ -10296,7 +10303,7 @@
               </a:ln>
               <a:extLst>
                 <a:ext uri="{91240B29-F687-4f45-9708-019B960494DF}">
-                  <a14:hiddenLine xmlns="" xmlns:a14="http://schemas.microsoft.com/office/drawing/2010/main" w="9525">
+                  <a14:hiddenLine xmlns:a14="http://schemas.microsoft.com/office/drawing/2010/main" xmlns="" w="9525">
                     <a:solidFill>
                       <a:srgbClr val="000000"/>
                     </a:solidFill>
@@ -10361,7 +10368,7 @@
               </a:ln>
               <a:extLst>
                 <a:ext uri="{91240B29-F687-4f45-9708-019B960494DF}">
-                  <a14:hiddenLine xmlns="" xmlns:a14="http://schemas.microsoft.com/office/drawing/2010/main" w="9525">
+                  <a14:hiddenLine xmlns:a14="http://schemas.microsoft.com/office/drawing/2010/main" xmlns="" w="9525">
                     <a:solidFill>
                       <a:srgbClr val="000000"/>
                     </a:solidFill>
@@ -10451,7 +10458,7 @@
               </a:ln>
               <a:extLst>
                 <a:ext uri="{91240B29-F687-4f45-9708-019B960494DF}">
-                  <a14:hiddenLine xmlns="" xmlns:a14="http://schemas.microsoft.com/office/drawing/2010/main" w="9525">
+                  <a14:hiddenLine xmlns:a14="http://schemas.microsoft.com/office/drawing/2010/main" xmlns="" w="9525">
                     <a:solidFill>
                       <a:srgbClr val="000000"/>
                     </a:solidFill>
@@ -10513,7 +10520,7 @@
               </a:ln>
               <a:extLst>
                 <a:ext uri="{91240B29-F687-4f45-9708-019B960494DF}">
-                  <a14:hiddenLine xmlns="" xmlns:a14="http://schemas.microsoft.com/office/drawing/2010/main" w="9525">
+                  <a14:hiddenLine xmlns:a14="http://schemas.microsoft.com/office/drawing/2010/main" xmlns="" w="9525">
                     <a:solidFill>
                       <a:srgbClr val="000000"/>
                     </a:solidFill>
@@ -10603,7 +10610,7 @@
               </a:ln>
               <a:extLst>
                 <a:ext uri="{91240B29-F687-4f45-9708-019B960494DF}">
-                  <a14:hiddenLine xmlns="" xmlns:a14="http://schemas.microsoft.com/office/drawing/2010/main" w="9525">
+                  <a14:hiddenLine xmlns:a14="http://schemas.microsoft.com/office/drawing/2010/main" xmlns="" w="9525">
                     <a:solidFill>
                       <a:srgbClr val="000000"/>
                     </a:solidFill>
@@ -10668,7 +10675,7 @@
               </a:ln>
               <a:extLst>
                 <a:ext uri="{91240B29-F687-4f45-9708-019B960494DF}">
-                  <a14:hiddenLine xmlns="" xmlns:a14="http://schemas.microsoft.com/office/drawing/2010/main" w="9525">
+                  <a14:hiddenLine xmlns:a14="http://schemas.microsoft.com/office/drawing/2010/main" xmlns="" w="9525">
                     <a:solidFill>
                       <a:srgbClr val="000000"/>
                     </a:solidFill>
@@ -10730,7 +10737,7 @@
               </a:ln>
               <a:extLst>
                 <a:ext uri="{91240B29-F687-4f45-9708-019B960494DF}">
-                  <a14:hiddenLine xmlns="" xmlns:a14="http://schemas.microsoft.com/office/drawing/2010/main" w="9525">
+                  <a14:hiddenLine xmlns:a14="http://schemas.microsoft.com/office/drawing/2010/main" xmlns="" w="9525">
                     <a:solidFill>
                       <a:srgbClr val="000000"/>
                     </a:solidFill>
@@ -10820,7 +10827,7 @@
               </a:ln>
               <a:extLst>
                 <a:ext uri="{91240B29-F687-4f45-9708-019B960494DF}">
-                  <a14:hiddenLine xmlns="" xmlns:a14="http://schemas.microsoft.com/office/drawing/2010/main" w="9525">
+                  <a14:hiddenLine xmlns:a14="http://schemas.microsoft.com/office/drawing/2010/main" xmlns="" w="9525">
                     <a:solidFill>
                       <a:srgbClr val="000000"/>
                     </a:solidFill>
@@ -10910,7 +10917,7 @@
               </a:ln>
               <a:extLst>
                 <a:ext uri="{91240B29-F687-4f45-9708-019B960494DF}">
-                  <a14:hiddenLine xmlns="" xmlns:a14="http://schemas.microsoft.com/office/drawing/2010/main" w="9525">
+                  <a14:hiddenLine xmlns:a14="http://schemas.microsoft.com/office/drawing/2010/main" xmlns="" w="9525">
                     <a:solidFill>
                       <a:srgbClr val="000000"/>
                     </a:solidFill>
@@ -10975,7 +10982,7 @@
               </a:ln>
               <a:extLst>
                 <a:ext uri="{91240B29-F687-4f45-9708-019B960494DF}">
-                  <a14:hiddenLine xmlns="" xmlns:a14="http://schemas.microsoft.com/office/drawing/2010/main" w="9525">
+                  <a14:hiddenLine xmlns:a14="http://schemas.microsoft.com/office/drawing/2010/main" xmlns="" w="9525">
                     <a:solidFill>
                       <a:srgbClr val="000000"/>
                     </a:solidFill>
@@ -11095,7 +11102,7 @@
               </a:ln>
               <a:extLst>
                 <a:ext uri="{91240B29-F687-4f45-9708-019B960494DF}">
-                  <a14:hiddenLine xmlns="" xmlns:a14="http://schemas.microsoft.com/office/drawing/2010/main" w="9525">
+                  <a14:hiddenLine xmlns:a14="http://schemas.microsoft.com/office/drawing/2010/main" xmlns="" w="9525">
                     <a:solidFill>
                       <a:srgbClr val="000000"/>
                     </a:solidFill>
@@ -11193,7 +11200,7 @@
               </a:ln>
               <a:extLst>
                 <a:ext uri="{91240B29-F687-4f45-9708-019B960494DF}">
-                  <a14:hiddenLine xmlns="" xmlns:a14="http://schemas.microsoft.com/office/drawing/2010/main" w="9525">
+                  <a14:hiddenLine xmlns:a14="http://schemas.microsoft.com/office/drawing/2010/main" xmlns="" w="9525">
                     <a:solidFill>
                       <a:srgbClr val="000000"/>
                     </a:solidFill>
@@ -11308,7 +11315,7 @@
               </a:ln>
               <a:extLst>
                 <a:ext uri="{91240B29-F687-4f45-9708-019B960494DF}">
-                  <a14:hiddenLine xmlns="" xmlns:a14="http://schemas.microsoft.com/office/drawing/2010/main" w="9525">
+                  <a14:hiddenLine xmlns:a14="http://schemas.microsoft.com/office/drawing/2010/main" xmlns="" w="9525">
                     <a:solidFill>
                       <a:srgbClr val="000000"/>
                     </a:solidFill>
@@ -11398,7 +11405,7 @@
               </a:ln>
               <a:extLst>
                 <a:ext uri="{91240B29-F687-4f45-9708-019B960494DF}">
-                  <a14:hiddenLine xmlns="" xmlns:a14="http://schemas.microsoft.com/office/drawing/2010/main" w="9525">
+                  <a14:hiddenLine xmlns:a14="http://schemas.microsoft.com/office/drawing/2010/main" xmlns="" w="9525">
                     <a:solidFill>
                       <a:srgbClr val="000000"/>
                     </a:solidFill>
@@ -11463,7 +11470,7 @@
               </a:ln>
               <a:extLst>
                 <a:ext uri="{91240B29-F687-4f45-9708-019B960494DF}">
-                  <a14:hiddenLine xmlns="" xmlns:a14="http://schemas.microsoft.com/office/drawing/2010/main" w="9525">
+                  <a14:hiddenLine xmlns:a14="http://schemas.microsoft.com/office/drawing/2010/main" xmlns="" w="9525">
                     <a:solidFill>
                       <a:srgbClr val="000000"/>
                     </a:solidFill>
@@ -11553,7 +11560,7 @@
               </a:ln>
               <a:extLst>
                 <a:ext uri="{91240B29-F687-4f45-9708-019B960494DF}">
-                  <a14:hiddenLine xmlns="" xmlns:a14="http://schemas.microsoft.com/office/drawing/2010/main" w="9525">
+                  <a14:hiddenLine xmlns:a14="http://schemas.microsoft.com/office/drawing/2010/main" xmlns="" w="9525">
                     <a:solidFill>
                       <a:srgbClr val="000000"/>
                     </a:solidFill>
@@ -11621,7 +11628,7 @@
               </a:ln>
               <a:extLst>
                 <a:ext uri="{91240B29-F687-4f45-9708-019B960494DF}">
-                  <a14:hiddenLine xmlns="" xmlns:a14="http://schemas.microsoft.com/office/drawing/2010/main" w="9525">
+                  <a14:hiddenLine xmlns:a14="http://schemas.microsoft.com/office/drawing/2010/main" xmlns="" w="9525">
                     <a:solidFill>
                       <a:srgbClr val="000000"/>
                     </a:solidFill>
@@ -11711,7 +11718,7 @@
               </a:ln>
               <a:extLst>
                 <a:ext uri="{91240B29-F687-4f45-9708-019B960494DF}">
-                  <a14:hiddenLine xmlns="" xmlns:a14="http://schemas.microsoft.com/office/drawing/2010/main" w="9525">
+                  <a14:hiddenLine xmlns:a14="http://schemas.microsoft.com/office/drawing/2010/main" xmlns="" w="9525">
                     <a:solidFill>
                       <a:srgbClr val="000000"/>
                     </a:solidFill>
@@ -11779,7 +11786,7 @@
               </a:ln>
               <a:extLst>
                 <a:ext uri="{91240B29-F687-4f45-9708-019B960494DF}">
-                  <a14:hiddenLine xmlns="" xmlns:a14="http://schemas.microsoft.com/office/drawing/2010/main" w="9525">
+                  <a14:hiddenLine xmlns:a14="http://schemas.microsoft.com/office/drawing/2010/main" xmlns="" w="9525">
                     <a:solidFill>
                       <a:srgbClr val="000000"/>
                     </a:solidFill>
@@ -11869,7 +11876,7 @@
               </a:ln>
               <a:extLst>
                 <a:ext uri="{91240B29-F687-4f45-9708-019B960494DF}">
-                  <a14:hiddenLine xmlns="" xmlns:a14="http://schemas.microsoft.com/office/drawing/2010/main" w="9525">
+                  <a14:hiddenLine xmlns:a14="http://schemas.microsoft.com/office/drawing/2010/main" xmlns="" w="9525">
                     <a:solidFill>
                       <a:srgbClr val="000000"/>
                     </a:solidFill>
@@ -11903,7 +11910,7 @@
               </a:ln>
               <a:extLst>
                 <a:ext uri="{91240B29-F687-4f45-9708-019B960494DF}">
-                  <a14:hiddenLine xmlns="" xmlns:a14="http://schemas.microsoft.com/office/drawing/2010/main" w="9525">
+                  <a14:hiddenLine xmlns:a14="http://schemas.microsoft.com/office/drawing/2010/main" xmlns="" w="9525">
                     <a:solidFill>
                       <a:srgbClr val="000000"/>
                     </a:solidFill>
@@ -12043,7 +12050,7 @@
           <a:p>
             <a:fld id="{6A8C1F66-F627-47B8-820F-0CD0469635B7}" type="datetimeFigureOut">
               <a:rPr lang="en-CA" smtClean="0"/>
-              <a:t>2018-01-21</a:t>
+              <a:t>2018-01-24</a:t>
             </a:fld>
             <a:endParaRPr lang="en-CA"/>
           </a:p>
@@ -12468,7 +12475,7 @@
           <p:cNvPr id="3" name="Subtitle 2">
             <a:extLst>
               <a:ext uri="{FF2B5EF4-FFF2-40B4-BE49-F238E27FC236}">
-                <a16:creationId xmlns:a16="http://schemas.microsoft.com/office/drawing/2014/main" xmlns="" id="{0B64D96F-A1EA-4A3F-A362-50387D704DD6}"/>
+                <a16:creationId xmlns="" xmlns:a16="http://schemas.microsoft.com/office/drawing/2014/main" id="{0B64D96F-A1EA-4A3F-A362-50387D704DD6}"/>
               </a:ext>
             </a:extLst>
           </p:cNvPr>
@@ -12520,7 +12527,7 @@
           <p:cNvPr id="4" name="Title 1">
             <a:extLst>
               <a:ext uri="{FF2B5EF4-FFF2-40B4-BE49-F238E27FC236}">
-                <a16:creationId xmlns:a16="http://schemas.microsoft.com/office/drawing/2014/main" xmlns="" id="{6908F941-37CE-46C5-9607-BAA126AEA790}"/>
+                <a16:creationId xmlns="" xmlns:a16="http://schemas.microsoft.com/office/drawing/2014/main" id="{6908F941-37CE-46C5-9607-BAA126AEA790}"/>
               </a:ext>
             </a:extLst>
           </p:cNvPr>
@@ -12579,6 +12586,13 @@
   <p:clrMapOvr>
     <a:masterClrMapping/>
   </p:clrMapOvr>
+  <p:timing>
+    <p:tnLst>
+      <p:par>
+        <p:cTn id="1" dur="indefinite" restart="never" nodeType="tmRoot"/>
+      </p:par>
+    </p:tnLst>
+  </p:timing>
 </p:sld>
 </file>
 
@@ -12604,3034 +12618,7 @@
           <p:cNvPr id="2" name="Title 1">
             <a:extLst>
               <a:ext uri="{FF2B5EF4-FFF2-40B4-BE49-F238E27FC236}">
-                <a16:creationId xmlns:a16="http://schemas.microsoft.com/office/drawing/2014/main" xmlns="" id="{AE97EAE8-F837-4285-A405-02763428144C}"/>
-              </a:ext>
-            </a:extLst>
-          </p:cNvPr>
-          <p:cNvSpPr>
-            <a:spLocks noGrp="1"/>
-          </p:cNvSpPr>
-          <p:nvPr>
-            <p:ph type="title"/>
-          </p:nvPr>
-        </p:nvSpPr>
-        <p:spPr/>
-        <p:txBody>
-          <a:bodyPr/>
-          <a:lstStyle/>
-          <a:p>
-            <a:pPr algn="ctr"/>
-            <a:r>
-              <a:rPr lang="en-CA" dirty="0"/>
-              <a:t>Requirements Analysis</a:t>
-            </a:r>
-          </a:p>
-        </p:txBody>
-      </p:sp>
-      <p:sp>
-        <p:nvSpPr>
-          <p:cNvPr id="3" name="Content Placeholder 2">
-            <a:extLst>
-              <a:ext uri="{FF2B5EF4-FFF2-40B4-BE49-F238E27FC236}">
-                <a16:creationId xmlns:a16="http://schemas.microsoft.com/office/drawing/2014/main" xmlns="" id="{D9189252-2950-49E6-9939-B6381FCF79CB}"/>
-              </a:ext>
-            </a:extLst>
-          </p:cNvPr>
-          <p:cNvSpPr>
-            <a:spLocks noGrp="1"/>
-          </p:cNvSpPr>
-          <p:nvPr>
-            <p:ph idx="1"/>
-          </p:nvPr>
-        </p:nvSpPr>
-        <p:spPr>
-          <a:xfrm>
-            <a:off x="1141413" y="2249487"/>
-            <a:ext cx="5473144" cy="3541714"/>
-          </a:xfrm>
-        </p:spPr>
-        <p:txBody>
-          <a:bodyPr/>
-          <a:lstStyle/>
-          <a:p>
-            <a:r>
-              <a:rPr lang="en-CA" dirty="0"/>
-              <a:t>Eric’s HEMA knowledge + </a:t>
-            </a:r>
-            <a:r>
-              <a:rPr lang="en-CA" dirty="0" err="1"/>
-              <a:t>Conlan’s</a:t>
-            </a:r>
-            <a:r>
-              <a:rPr lang="en-CA" dirty="0"/>
-              <a:t> design knowledge</a:t>
-            </a:r>
-          </a:p>
-          <a:p>
-            <a:r>
-              <a:rPr lang="en-CA" dirty="0"/>
-              <a:t>Design goals elicitation</a:t>
-            </a:r>
-          </a:p>
-          <a:p>
-            <a:r>
-              <a:rPr lang="en-CA" dirty="0"/>
-              <a:t>Application structure</a:t>
-            </a:r>
-          </a:p>
-        </p:txBody>
-      </p:sp>
-      <p:pic>
-        <p:nvPicPr>
-          <p:cNvPr id="4" name="Picture 3">
-            <a:extLst>
-              <a:ext uri="{FF2B5EF4-FFF2-40B4-BE49-F238E27FC236}">
-                <a16:creationId xmlns:a16="http://schemas.microsoft.com/office/drawing/2014/main" xmlns="" id="{8BB07A56-3380-40DB-BF9D-FD4C836C427F}"/>
-              </a:ext>
-            </a:extLst>
-          </p:cNvPr>
-          <p:cNvPicPr/>
-          <p:nvPr/>
-        </p:nvPicPr>
-        <p:blipFill>
-          <a:blip r:embed="rId2"/>
-          <a:stretch>
-            <a:fillRect/>
-          </a:stretch>
-        </p:blipFill>
-        <p:spPr>
-          <a:xfrm>
-            <a:off x="6862126" y="2315369"/>
-            <a:ext cx="4185285" cy="3409950"/>
-          </a:xfrm>
-          <a:prstGeom prst="rect">
-            <a:avLst/>
-          </a:prstGeom>
-        </p:spPr>
-      </p:pic>
-    </p:spTree>
-    <p:extLst>
-      <p:ext uri="{BB962C8B-B14F-4D97-AF65-F5344CB8AC3E}">
-        <p14:creationId xmlns:p14="http://schemas.microsoft.com/office/powerpoint/2010/main" val="2211872608"/>
-      </p:ext>
-    </p:extLst>
-  </p:cSld>
-  <p:clrMapOvr>
-    <a:masterClrMapping/>
-  </p:clrMapOvr>
-</p:sld>
-</file>
-
-<file path=ppt/slides/slide11.xml><?xml version="1.0" encoding="utf-8"?>
-<p:sld xmlns:a="http://schemas.openxmlformats.org/drawingml/2006/main" xmlns:r="http://schemas.openxmlformats.org/officeDocument/2006/relationships" xmlns:p="http://schemas.openxmlformats.org/presentationml/2006/main">
-  <p:cSld>
-    <p:spTree>
-      <p:nvGrpSpPr>
-        <p:cNvPr id="1" name=""/>
-        <p:cNvGrpSpPr/>
-        <p:nvPr/>
-      </p:nvGrpSpPr>
-      <p:grpSpPr>
-        <a:xfrm>
-          <a:off x="0" y="0"/>
-          <a:ext cx="0" cy="0"/>
-          <a:chOff x="0" y="0"/>
-          <a:chExt cx="0" cy="0"/>
-        </a:xfrm>
-      </p:grpSpPr>
-      <p:sp>
-        <p:nvSpPr>
-          <p:cNvPr id="2" name="Title 1">
-            <a:extLst>
-              <a:ext uri="{FF2B5EF4-FFF2-40B4-BE49-F238E27FC236}">
-                <a16:creationId xmlns:a16="http://schemas.microsoft.com/office/drawing/2014/main" xmlns="" id="{A48BF5BC-06D6-49E3-BCD2-B5FEF4D93B21}"/>
-              </a:ext>
-            </a:extLst>
-          </p:cNvPr>
-          <p:cNvSpPr>
-            <a:spLocks noGrp="1"/>
-          </p:cNvSpPr>
-          <p:nvPr>
-            <p:ph type="title"/>
-          </p:nvPr>
-        </p:nvSpPr>
-        <p:spPr/>
-        <p:txBody>
-          <a:bodyPr/>
-          <a:lstStyle/>
-          <a:p>
-            <a:pPr algn="ctr"/>
-            <a:r>
-              <a:rPr lang="en-CA" dirty="0"/>
-              <a:t>Design Goals</a:t>
-            </a:r>
-          </a:p>
-        </p:txBody>
-      </p:sp>
-      <p:sp>
-        <p:nvSpPr>
-          <p:cNvPr id="3" name="Content Placeholder 2">
-            <a:extLst>
-              <a:ext uri="{FF2B5EF4-FFF2-40B4-BE49-F238E27FC236}">
-                <a16:creationId xmlns:a16="http://schemas.microsoft.com/office/drawing/2014/main" xmlns="" id="{7C640F72-A454-411F-B0AE-3C2648885C1F}"/>
-              </a:ext>
-            </a:extLst>
-          </p:cNvPr>
-          <p:cNvSpPr>
-            <a:spLocks noGrp="1"/>
-          </p:cNvSpPr>
-          <p:nvPr>
-            <p:ph idx="1"/>
-          </p:nvPr>
-        </p:nvSpPr>
-        <p:spPr>
-          <a:xfrm>
-            <a:off x="1141412" y="1911927"/>
-            <a:ext cx="9905999" cy="3879274"/>
-          </a:xfrm>
-        </p:spPr>
-        <p:txBody>
-          <a:bodyPr/>
-          <a:lstStyle/>
-          <a:p>
-            <a:pPr marL="0" indent="0" algn="ctr">
-              <a:buNone/>
-            </a:pPr>
-            <a:r>
-              <a:rPr lang="en-CA" dirty="0"/>
-              <a:t>Responsiveness, Extensibility, Transmission Integrity</a:t>
-            </a:r>
-          </a:p>
-        </p:txBody>
-      </p:sp>
-      <p:pic>
-        <p:nvPicPr>
-          <p:cNvPr id="8194" name="Picture 2" descr="Image result for responsiveness">
-            <a:extLst>
-              <a:ext uri="{FF2B5EF4-FFF2-40B4-BE49-F238E27FC236}">
-                <a16:creationId xmlns:a16="http://schemas.microsoft.com/office/drawing/2014/main" xmlns="" id="{262F3839-E0DD-403A-80AD-9CABD11E44D5}"/>
-              </a:ext>
-            </a:extLst>
-          </p:cNvPr>
-          <p:cNvPicPr>
-            <a:picLocks noChangeAspect="1" noChangeArrowheads="1"/>
-          </p:cNvPicPr>
-          <p:nvPr/>
-        </p:nvPicPr>
-        <p:blipFill>
-          <a:blip r:embed="rId2">
-            <a:extLst>
-              <a:ext uri="{28A0092B-C50C-407E-A947-70E740481C1C}">
-                <a14:useLocalDpi xmlns:a14="http://schemas.microsoft.com/office/drawing/2010/main" val="0"/>
-              </a:ext>
-            </a:extLst>
-          </a:blip>
-          <a:srcRect/>
-          <a:stretch>
-            <a:fillRect/>
-          </a:stretch>
-        </p:blipFill>
-        <p:spPr bwMode="auto">
-          <a:xfrm>
-            <a:off x="1807729" y="2808505"/>
-            <a:ext cx="2521323" cy="2143125"/>
-          </a:xfrm>
-          <a:prstGeom prst="rect">
-            <a:avLst/>
-          </a:prstGeom>
-          <a:noFill/>
-          <a:extLst>
-            <a:ext uri="{909E8E84-426E-40DD-AFC4-6F175D3DCCD1}">
-              <a14:hiddenFill xmlns:a14="http://schemas.microsoft.com/office/drawing/2010/main">
-                <a:solidFill>
-                  <a:srgbClr val="FFFFFF"/>
-                </a:solidFill>
-              </a14:hiddenFill>
-            </a:ext>
-          </a:extLst>
-        </p:spPr>
-      </p:pic>
-      <p:pic>
-        <p:nvPicPr>
-          <p:cNvPr id="8196" name="Picture 4" descr="Image result for extensibility">
-            <a:extLst>
-              <a:ext uri="{FF2B5EF4-FFF2-40B4-BE49-F238E27FC236}">
-                <a16:creationId xmlns:a16="http://schemas.microsoft.com/office/drawing/2014/main" xmlns="" id="{60D4789D-2805-4880-8BF1-367C1B6D5D8F}"/>
-              </a:ext>
-            </a:extLst>
-          </p:cNvPr>
-          <p:cNvPicPr>
-            <a:picLocks noChangeAspect="1" noChangeArrowheads="1"/>
-          </p:cNvPicPr>
-          <p:nvPr/>
-        </p:nvPicPr>
-        <p:blipFill>
-          <a:blip r:embed="rId3">
-            <a:extLst>
-              <a:ext uri="{28A0092B-C50C-407E-A947-70E740481C1C}">
-                <a14:useLocalDpi xmlns:a14="http://schemas.microsoft.com/office/drawing/2010/main" val="0"/>
-              </a:ext>
-            </a:extLst>
-          </a:blip>
-          <a:srcRect/>
-          <a:stretch>
-            <a:fillRect/>
-          </a:stretch>
-        </p:blipFill>
-        <p:spPr bwMode="auto">
-          <a:xfrm>
-            <a:off x="4665661" y="3390497"/>
-            <a:ext cx="2857500" cy="2143125"/>
-          </a:xfrm>
-          <a:prstGeom prst="rect">
-            <a:avLst/>
-          </a:prstGeom>
-          <a:noFill/>
-          <a:extLst>
-            <a:ext uri="{909E8E84-426E-40DD-AFC4-6F175D3DCCD1}">
-              <a14:hiddenFill xmlns:a14="http://schemas.microsoft.com/office/drawing/2010/main">
-                <a:solidFill>
-                  <a:srgbClr val="FFFFFF"/>
-                </a:solidFill>
-              </a14:hiddenFill>
-            </a:ext>
-          </a:extLst>
-        </p:spPr>
-      </p:pic>
-      <p:pic>
-        <p:nvPicPr>
-          <p:cNvPr id="8198" name="Picture 6" descr="Image result for transmission data">
-            <a:extLst>
-              <a:ext uri="{FF2B5EF4-FFF2-40B4-BE49-F238E27FC236}">
-                <a16:creationId xmlns:a16="http://schemas.microsoft.com/office/drawing/2014/main" xmlns="" id="{07815C60-736A-4834-A52F-9A723C716A8F}"/>
-              </a:ext>
-            </a:extLst>
-          </p:cNvPr>
-          <p:cNvPicPr>
-            <a:picLocks noChangeAspect="1" noChangeArrowheads="1"/>
-          </p:cNvPicPr>
-          <p:nvPr/>
-        </p:nvPicPr>
-        <p:blipFill rotWithShape="1">
-          <a:blip r:embed="rId4">
-            <a:extLst>
-              <a:ext uri="{28A0092B-C50C-407E-A947-70E740481C1C}">
-                <a14:useLocalDpi xmlns:a14="http://schemas.microsoft.com/office/drawing/2010/main" val="0"/>
-              </a:ext>
-            </a:extLst>
-          </a:blip>
-          <a:srcRect l="13686" r="12653"/>
-          <a:stretch/>
-        </p:blipFill>
-        <p:spPr bwMode="auto">
-          <a:xfrm>
-            <a:off x="7800395" y="2846676"/>
-            <a:ext cx="3247015" cy="2076450"/>
-          </a:xfrm>
-          <a:prstGeom prst="rect">
-            <a:avLst/>
-          </a:prstGeom>
-          <a:noFill/>
-          <a:extLst>
-            <a:ext uri="{909E8E84-426E-40DD-AFC4-6F175D3DCCD1}">
-              <a14:hiddenFill xmlns:a14="http://schemas.microsoft.com/office/drawing/2010/main">
-                <a:solidFill>
-                  <a:srgbClr val="FFFFFF"/>
-                </a:solidFill>
-              </a14:hiddenFill>
-            </a:ext>
-          </a:extLst>
-        </p:spPr>
-      </p:pic>
-    </p:spTree>
-    <p:extLst>
-      <p:ext uri="{BB962C8B-B14F-4D97-AF65-F5344CB8AC3E}">
-        <p14:creationId xmlns:p14="http://schemas.microsoft.com/office/powerpoint/2010/main" val="3751657459"/>
-      </p:ext>
-    </p:extLst>
-  </p:cSld>
-  <p:clrMapOvr>
-    <a:masterClrMapping/>
-  </p:clrMapOvr>
-</p:sld>
-</file>
-
-<file path=ppt/slides/slide12.xml><?xml version="1.0" encoding="utf-8"?>
-<p:sld xmlns:a="http://schemas.openxmlformats.org/drawingml/2006/main" xmlns:r="http://schemas.openxmlformats.org/officeDocument/2006/relationships" xmlns:p="http://schemas.openxmlformats.org/presentationml/2006/main">
-  <p:cSld>
-    <p:spTree>
-      <p:nvGrpSpPr>
-        <p:cNvPr id="1" name=""/>
-        <p:cNvGrpSpPr/>
-        <p:nvPr/>
-      </p:nvGrpSpPr>
-      <p:grpSpPr>
-        <a:xfrm>
-          <a:off x="0" y="0"/>
-          <a:ext cx="0" cy="0"/>
-          <a:chOff x="0" y="0"/>
-          <a:chExt cx="0" cy="0"/>
-        </a:xfrm>
-      </p:grpSpPr>
-      <p:sp>
-        <p:nvSpPr>
-          <p:cNvPr id="2" name="Title 1">
-            <a:extLst>
-              <a:ext uri="{FF2B5EF4-FFF2-40B4-BE49-F238E27FC236}">
-                <a16:creationId xmlns:a16="http://schemas.microsoft.com/office/drawing/2014/main" xmlns="" id="{73685AEB-4B13-451C-A998-59D5FEFABFE9}"/>
-              </a:ext>
-            </a:extLst>
-          </p:cNvPr>
-          <p:cNvSpPr>
-            <a:spLocks noGrp="1"/>
-          </p:cNvSpPr>
-          <p:nvPr>
-            <p:ph type="title"/>
-          </p:nvPr>
-        </p:nvSpPr>
-        <p:spPr/>
-        <p:txBody>
-          <a:bodyPr/>
-          <a:lstStyle/>
-          <a:p>
-            <a:pPr algn="ctr"/>
-            <a:r>
-              <a:rPr lang="en-CA" dirty="0"/>
-              <a:t>System Decomposition</a:t>
-            </a:r>
-          </a:p>
-        </p:txBody>
-      </p:sp>
-      <p:sp>
-        <p:nvSpPr>
-          <p:cNvPr id="3" name="Content Placeholder 2">
-            <a:extLst>
-              <a:ext uri="{FF2B5EF4-FFF2-40B4-BE49-F238E27FC236}">
-                <a16:creationId xmlns:a16="http://schemas.microsoft.com/office/drawing/2014/main" xmlns="" id="{E7796D7E-33AF-4EAF-A882-1DF6A6A2CCAE}"/>
-              </a:ext>
-            </a:extLst>
-          </p:cNvPr>
-          <p:cNvSpPr>
-            <a:spLocks noGrp="1"/>
-          </p:cNvSpPr>
-          <p:nvPr>
-            <p:ph idx="1"/>
-          </p:nvPr>
-        </p:nvSpPr>
-        <p:spPr>
-          <a:xfrm>
-            <a:off x="1141412" y="2648197"/>
-            <a:ext cx="9905999" cy="3143004"/>
-          </a:xfrm>
-        </p:spPr>
-        <p:txBody>
-          <a:bodyPr/>
-          <a:lstStyle/>
-          <a:p>
-            <a:r>
-              <a:rPr lang="en-CA" dirty="0"/>
-              <a:t>Maximize cohesion, minimize coupling</a:t>
-            </a:r>
-          </a:p>
-          <a:p>
-            <a:r>
-              <a:rPr lang="en-CA" dirty="0"/>
-              <a:t>Open for extension, closed for modification</a:t>
-            </a:r>
-          </a:p>
-          <a:p>
-            <a:r>
-              <a:rPr lang="en-CA" dirty="0"/>
-              <a:t>Service based design  </a:t>
-            </a:r>
-          </a:p>
-        </p:txBody>
-      </p:sp>
-      <p:pic>
-        <p:nvPicPr>
-          <p:cNvPr id="9218" name="Picture 2" descr="Image result for system decomposition">
-            <a:extLst>
-              <a:ext uri="{FF2B5EF4-FFF2-40B4-BE49-F238E27FC236}">
-                <a16:creationId xmlns:a16="http://schemas.microsoft.com/office/drawing/2014/main" xmlns="" id="{60A8B4F5-A565-444A-95B4-5F4D1ADAFA63}"/>
-              </a:ext>
-            </a:extLst>
-          </p:cNvPr>
-          <p:cNvPicPr>
-            <a:picLocks noChangeAspect="1" noChangeArrowheads="1"/>
-          </p:cNvPicPr>
-          <p:nvPr/>
-        </p:nvPicPr>
-        <p:blipFill>
-          <a:blip r:embed="rId2">
-            <a:extLst>
-              <a:ext uri="{28A0092B-C50C-407E-A947-70E740481C1C}">
-                <a14:useLocalDpi xmlns:a14="http://schemas.microsoft.com/office/drawing/2010/main" val="0"/>
-              </a:ext>
-            </a:extLst>
-          </a:blip>
-          <a:srcRect/>
-          <a:stretch>
-            <a:fillRect/>
-          </a:stretch>
-        </p:blipFill>
-        <p:spPr bwMode="auto">
-          <a:xfrm>
-            <a:off x="6998525" y="1734344"/>
-            <a:ext cx="3657600" cy="4572000"/>
-          </a:xfrm>
-          <a:prstGeom prst="rect">
-            <a:avLst/>
-          </a:prstGeom>
-          <a:noFill/>
-          <a:extLst>
-            <a:ext uri="{909E8E84-426E-40DD-AFC4-6F175D3DCCD1}">
-              <a14:hiddenFill xmlns:a14="http://schemas.microsoft.com/office/drawing/2010/main">
-                <a:solidFill>
-                  <a:srgbClr val="FFFFFF"/>
-                </a:solidFill>
-              </a14:hiddenFill>
-            </a:ext>
-          </a:extLst>
-        </p:spPr>
-      </p:pic>
-    </p:spTree>
-    <p:extLst>
-      <p:ext uri="{BB962C8B-B14F-4D97-AF65-F5344CB8AC3E}">
-        <p14:creationId xmlns:p14="http://schemas.microsoft.com/office/powerpoint/2010/main" val="483289519"/>
-      </p:ext>
-    </p:extLst>
-  </p:cSld>
-  <p:clrMapOvr>
-    <a:masterClrMapping/>
-  </p:clrMapOvr>
-</p:sld>
-</file>
-
-<file path=ppt/slides/slide13.xml><?xml version="1.0" encoding="utf-8"?>
-<p:sld xmlns:a="http://schemas.openxmlformats.org/drawingml/2006/main" xmlns:r="http://schemas.openxmlformats.org/officeDocument/2006/relationships" xmlns:p="http://schemas.openxmlformats.org/presentationml/2006/main">
-  <p:cSld>
-    <p:spTree>
-      <p:nvGrpSpPr>
-        <p:cNvPr id="1" name=""/>
-        <p:cNvGrpSpPr/>
-        <p:nvPr/>
-      </p:nvGrpSpPr>
-      <p:grpSpPr>
-        <a:xfrm>
-          <a:off x="0" y="0"/>
-          <a:ext cx="0" cy="0"/>
-          <a:chOff x="0" y="0"/>
-          <a:chExt cx="0" cy="0"/>
-        </a:xfrm>
-      </p:grpSpPr>
-      <p:sp>
-        <p:nvSpPr>
-          <p:cNvPr id="2" name="Title 1">
-            <a:extLst>
-              <a:ext uri="{FF2B5EF4-FFF2-40B4-BE49-F238E27FC236}">
-                <a16:creationId xmlns:a16="http://schemas.microsoft.com/office/drawing/2014/main" xmlns="" id="{763F6662-A0FA-4FF3-A279-1080DC7E6912}"/>
-              </a:ext>
-            </a:extLst>
-          </p:cNvPr>
-          <p:cNvSpPr>
-            <a:spLocks noGrp="1"/>
-          </p:cNvSpPr>
-          <p:nvPr>
-            <p:ph type="title"/>
-          </p:nvPr>
-        </p:nvSpPr>
-        <p:spPr/>
-        <p:txBody>
-          <a:bodyPr/>
-          <a:lstStyle/>
-          <a:p>
-            <a:pPr algn="ctr"/>
-            <a:r>
-              <a:rPr lang="en-CA" dirty="0"/>
-              <a:t>System Decomposition (</a:t>
-            </a:r>
-            <a:r>
-              <a:rPr lang="en-CA" dirty="0" err="1"/>
-              <a:t>Con’t</a:t>
-            </a:r>
-            <a:r>
-              <a:rPr lang="en-CA" dirty="0"/>
-              <a:t>)</a:t>
-            </a:r>
-          </a:p>
-        </p:txBody>
-      </p:sp>
-      <p:pic>
-        <p:nvPicPr>
-          <p:cNvPr id="4" name="Content Placeholder 3">
-            <a:extLst>
-              <a:ext uri="{FF2B5EF4-FFF2-40B4-BE49-F238E27FC236}">
-                <a16:creationId xmlns:a16="http://schemas.microsoft.com/office/drawing/2014/main" xmlns="" id="{96B76056-29A7-4A12-A0F7-2202EE446033}"/>
-              </a:ext>
-            </a:extLst>
-          </p:cNvPr>
-          <p:cNvPicPr>
-            <a:picLocks noGrp="1"/>
-          </p:cNvPicPr>
-          <p:nvPr>
-            <p:ph idx="1"/>
-          </p:nvPr>
-        </p:nvPicPr>
-        <p:blipFill>
-          <a:blip r:embed="rId2">
-            <a:extLst>
-              <a:ext uri="{28A0092B-C50C-407E-A947-70E740481C1C}">
-                <a14:useLocalDpi xmlns:a14="http://schemas.microsoft.com/office/drawing/2010/main" val="0"/>
-              </a:ext>
-            </a:extLst>
-          </a:blip>
-          <a:stretch>
-            <a:fillRect/>
-          </a:stretch>
-        </p:blipFill>
-        <p:spPr>
-          <a:xfrm>
-            <a:off x="2380153" y="1844846"/>
-            <a:ext cx="7431693" cy="4394636"/>
-          </a:xfrm>
-          <a:prstGeom prst="rect">
-            <a:avLst/>
-          </a:prstGeom>
-        </p:spPr>
-      </p:pic>
-    </p:spTree>
-    <p:extLst>
-      <p:ext uri="{BB962C8B-B14F-4D97-AF65-F5344CB8AC3E}">
-        <p14:creationId xmlns:p14="http://schemas.microsoft.com/office/powerpoint/2010/main" val="376658650"/>
-      </p:ext>
-    </p:extLst>
-  </p:cSld>
-  <p:clrMapOvr>
-    <a:masterClrMapping/>
-  </p:clrMapOvr>
-</p:sld>
-</file>
-
-<file path=ppt/slides/slide14.xml><?xml version="1.0" encoding="utf-8"?>
-<p:sld xmlns:a="http://schemas.openxmlformats.org/drawingml/2006/main" xmlns:r="http://schemas.openxmlformats.org/officeDocument/2006/relationships" xmlns:p="http://schemas.openxmlformats.org/presentationml/2006/main">
-  <p:cSld>
-    <p:spTree>
-      <p:nvGrpSpPr>
-        <p:cNvPr id="1" name=""/>
-        <p:cNvGrpSpPr/>
-        <p:nvPr/>
-      </p:nvGrpSpPr>
-      <p:grpSpPr>
-        <a:xfrm>
-          <a:off x="0" y="0"/>
-          <a:ext cx="0" cy="0"/>
-          <a:chOff x="0" y="0"/>
-          <a:chExt cx="0" cy="0"/>
-        </a:xfrm>
-      </p:grpSpPr>
-      <p:sp>
-        <p:nvSpPr>
-          <p:cNvPr id="2" name="Title 1">
-            <a:extLst>
-              <a:ext uri="{FF2B5EF4-FFF2-40B4-BE49-F238E27FC236}">
-                <a16:creationId xmlns:a16="http://schemas.microsoft.com/office/drawing/2014/main" xmlns="" id="{75F87973-70DD-45EF-BEDE-9E70DA9BCEE2}"/>
-              </a:ext>
-            </a:extLst>
-          </p:cNvPr>
-          <p:cNvSpPr>
-            <a:spLocks noGrp="1"/>
-          </p:cNvSpPr>
-          <p:nvPr>
-            <p:ph type="title"/>
-          </p:nvPr>
-        </p:nvSpPr>
-        <p:spPr/>
-        <p:txBody>
-          <a:bodyPr/>
-          <a:lstStyle/>
-          <a:p>
-            <a:pPr algn="ctr"/>
-            <a:r>
-              <a:rPr lang="en-CA" dirty="0"/>
-              <a:t>Abstract System Design</a:t>
-            </a:r>
-          </a:p>
-        </p:txBody>
-      </p:sp>
-      <p:sp>
-        <p:nvSpPr>
-          <p:cNvPr id="3" name="Content Placeholder 2">
-            <a:extLst>
-              <a:ext uri="{FF2B5EF4-FFF2-40B4-BE49-F238E27FC236}">
-                <a16:creationId xmlns:a16="http://schemas.microsoft.com/office/drawing/2014/main" xmlns="" id="{8FB90D3D-63C3-4EFC-975C-208A992896AC}"/>
-              </a:ext>
-            </a:extLst>
-          </p:cNvPr>
-          <p:cNvSpPr>
-            <a:spLocks noGrp="1"/>
-          </p:cNvSpPr>
-          <p:nvPr>
-            <p:ph idx="1"/>
-          </p:nvPr>
-        </p:nvSpPr>
-        <p:spPr>
-          <a:xfrm>
-            <a:off x="1141412" y="2636321"/>
-            <a:ext cx="9905999" cy="3154879"/>
-          </a:xfrm>
-        </p:spPr>
-        <p:txBody>
-          <a:bodyPr/>
-          <a:lstStyle/>
-          <a:p>
-            <a:r>
-              <a:rPr lang="en-CA" dirty="0"/>
-              <a:t>High Level: MVC </a:t>
-            </a:r>
-          </a:p>
-          <a:p>
-            <a:r>
-              <a:rPr lang="en-CA" dirty="0"/>
-              <a:t>Application Level: Unity3d</a:t>
-            </a:r>
-          </a:p>
-          <a:p>
-            <a:r>
-              <a:rPr lang="en-CA" dirty="0"/>
-              <a:t>Low Level: Wand Control Inputs</a:t>
-            </a:r>
-          </a:p>
-        </p:txBody>
-      </p:sp>
-      <p:pic>
-        <p:nvPicPr>
-          <p:cNvPr id="10242" name="Picture 2" descr="Image result for software pyramid">
-            <a:extLst>
-              <a:ext uri="{FF2B5EF4-FFF2-40B4-BE49-F238E27FC236}">
-                <a16:creationId xmlns:a16="http://schemas.microsoft.com/office/drawing/2014/main" xmlns="" id="{A4761379-A0C5-4E96-BD9B-E1D72E38E757}"/>
-              </a:ext>
-            </a:extLst>
-          </p:cNvPr>
-          <p:cNvPicPr>
-            <a:picLocks noChangeAspect="1" noChangeArrowheads="1"/>
-          </p:cNvPicPr>
-          <p:nvPr/>
-        </p:nvPicPr>
-        <p:blipFill rotWithShape="1">
-          <a:blip r:embed="rId2">
-            <a:extLst>
-              <a:ext uri="{28A0092B-C50C-407E-A947-70E740481C1C}">
-                <a14:useLocalDpi xmlns:a14="http://schemas.microsoft.com/office/drawing/2010/main" val="0"/>
-              </a:ext>
-            </a:extLst>
-          </a:blip>
-          <a:srcRect l="11708" t="4468" r="3820" b="4010"/>
-          <a:stretch/>
-        </p:blipFill>
-        <p:spPr bwMode="auto">
-          <a:xfrm>
-            <a:off x="6094411" y="1959521"/>
-            <a:ext cx="4465123" cy="4279961"/>
-          </a:xfrm>
-          <a:prstGeom prst="rect">
-            <a:avLst/>
-          </a:prstGeom>
-          <a:noFill/>
-          <a:extLst>
-            <a:ext uri="{909E8E84-426E-40DD-AFC4-6F175D3DCCD1}">
-              <a14:hiddenFill xmlns:a14="http://schemas.microsoft.com/office/drawing/2010/main">
-                <a:solidFill>
-                  <a:srgbClr val="FFFFFF"/>
-                </a:solidFill>
-              </a14:hiddenFill>
-            </a:ext>
-          </a:extLst>
-        </p:spPr>
-      </p:pic>
-    </p:spTree>
-    <p:extLst>
-      <p:ext uri="{BB962C8B-B14F-4D97-AF65-F5344CB8AC3E}">
-        <p14:creationId xmlns:p14="http://schemas.microsoft.com/office/powerpoint/2010/main" val="1993560388"/>
-      </p:ext>
-    </p:extLst>
-  </p:cSld>
-  <p:clrMapOvr>
-    <a:masterClrMapping/>
-  </p:clrMapOvr>
-</p:sld>
-</file>
-
-<file path=ppt/slides/slide15.xml><?xml version="1.0" encoding="utf-8"?>
-<p:sld xmlns:a="http://schemas.openxmlformats.org/drawingml/2006/main" xmlns:r="http://schemas.openxmlformats.org/officeDocument/2006/relationships" xmlns:p="http://schemas.openxmlformats.org/presentationml/2006/main">
-  <p:cSld>
-    <p:spTree>
-      <p:nvGrpSpPr>
-        <p:cNvPr id="1" name=""/>
-        <p:cNvGrpSpPr/>
-        <p:nvPr/>
-      </p:nvGrpSpPr>
-      <p:grpSpPr>
-        <a:xfrm>
-          <a:off x="0" y="0"/>
-          <a:ext cx="0" cy="0"/>
-          <a:chOff x="0" y="0"/>
-          <a:chExt cx="0" cy="0"/>
-        </a:xfrm>
-      </p:grpSpPr>
-      <p:sp>
-        <p:nvSpPr>
-          <p:cNvPr id="2" name="Title 1">
-            <a:extLst>
-              <a:ext uri="{FF2B5EF4-FFF2-40B4-BE49-F238E27FC236}">
-                <a16:creationId xmlns:a16="http://schemas.microsoft.com/office/drawing/2014/main" xmlns="" id="{F25659FA-40BB-416A-97AE-15B6618B6967}"/>
-              </a:ext>
-            </a:extLst>
-          </p:cNvPr>
-          <p:cNvSpPr>
-            <a:spLocks noGrp="1"/>
-          </p:cNvSpPr>
-          <p:nvPr>
-            <p:ph type="title"/>
-          </p:nvPr>
-        </p:nvSpPr>
-        <p:spPr/>
-        <p:txBody>
-          <a:bodyPr/>
-          <a:lstStyle/>
-          <a:p>
-            <a:pPr algn="ctr"/>
-            <a:r>
-              <a:rPr lang="en-CA" dirty="0"/>
-              <a:t>Abstract System Design (</a:t>
-            </a:r>
-            <a:r>
-              <a:rPr lang="en-CA" dirty="0" err="1"/>
-              <a:t>Con’T</a:t>
-            </a:r>
-            <a:r>
-              <a:rPr lang="en-CA" dirty="0"/>
-              <a:t>)</a:t>
-            </a:r>
-          </a:p>
-        </p:txBody>
-      </p:sp>
-      <p:pic>
-        <p:nvPicPr>
-          <p:cNvPr id="5" name="Content Placeholder 4">
-            <a:extLst>
-              <a:ext uri="{FF2B5EF4-FFF2-40B4-BE49-F238E27FC236}">
-                <a16:creationId xmlns:a16="http://schemas.microsoft.com/office/drawing/2014/main" xmlns="" id="{B32A5AC4-23C1-4C77-8506-5F26EA9CE498}"/>
-              </a:ext>
-            </a:extLst>
-          </p:cNvPr>
-          <p:cNvPicPr>
-            <a:picLocks noGrp="1" noChangeAspect="1"/>
-          </p:cNvPicPr>
-          <p:nvPr>
-            <p:ph idx="1"/>
-          </p:nvPr>
-        </p:nvPicPr>
-        <p:blipFill>
-          <a:blip r:embed="rId2">
-            <a:extLst>
-              <a:ext uri="{28A0092B-C50C-407E-A947-70E740481C1C}">
-                <a14:useLocalDpi xmlns:a14="http://schemas.microsoft.com/office/drawing/2010/main" val="0"/>
-              </a:ext>
-            </a:extLst>
-          </a:blip>
-          <a:stretch>
-            <a:fillRect/>
-          </a:stretch>
-        </p:blipFill>
-        <p:spPr>
-          <a:xfrm>
-            <a:off x="1623352" y="1772686"/>
-            <a:ext cx="8942120" cy="4668936"/>
-          </a:xfrm>
-        </p:spPr>
-      </p:pic>
-    </p:spTree>
-    <p:extLst>
-      <p:ext uri="{BB962C8B-B14F-4D97-AF65-F5344CB8AC3E}">
-        <p14:creationId xmlns:p14="http://schemas.microsoft.com/office/powerpoint/2010/main" val="844086373"/>
-      </p:ext>
-    </p:extLst>
-  </p:cSld>
-  <p:clrMapOvr>
-    <a:masterClrMapping/>
-  </p:clrMapOvr>
-</p:sld>
-</file>
-
-<file path=ppt/slides/slide16.xml><?xml version="1.0" encoding="utf-8"?>
-<p:sld xmlns:a="http://schemas.openxmlformats.org/drawingml/2006/main" xmlns:r="http://schemas.openxmlformats.org/officeDocument/2006/relationships" xmlns:p="http://schemas.openxmlformats.org/presentationml/2006/main">
-  <p:cSld>
-    <p:spTree>
-      <p:nvGrpSpPr>
-        <p:cNvPr id="1" name=""/>
-        <p:cNvGrpSpPr/>
-        <p:nvPr/>
-      </p:nvGrpSpPr>
-      <p:grpSpPr>
-        <a:xfrm>
-          <a:off x="0" y="0"/>
-          <a:ext cx="0" cy="0"/>
-          <a:chOff x="0" y="0"/>
-          <a:chExt cx="0" cy="0"/>
-        </a:xfrm>
-      </p:grpSpPr>
-      <p:sp>
-        <p:nvSpPr>
-          <p:cNvPr id="2" name="Title 1">
-            <a:extLst>
-              <a:ext uri="{FF2B5EF4-FFF2-40B4-BE49-F238E27FC236}">
-                <a16:creationId xmlns:a16="http://schemas.microsoft.com/office/drawing/2014/main" xmlns="" id="{E4160060-D251-40B8-BB5A-FA0122692BF2}"/>
-              </a:ext>
-            </a:extLst>
-          </p:cNvPr>
-          <p:cNvSpPr>
-            <a:spLocks noGrp="1"/>
-          </p:cNvSpPr>
-          <p:nvPr>
-            <p:ph type="title"/>
-          </p:nvPr>
-        </p:nvSpPr>
-        <p:spPr/>
-        <p:txBody>
-          <a:bodyPr/>
-          <a:lstStyle/>
-          <a:p>
-            <a:pPr algn="ctr"/>
-            <a:r>
-              <a:rPr lang="en-CA" dirty="0"/>
-              <a:t>Control Flow</a:t>
-            </a:r>
-          </a:p>
-        </p:txBody>
-      </p:sp>
-      <p:pic>
-        <p:nvPicPr>
-          <p:cNvPr id="4" name="Content Placeholder 3">
-            <a:extLst>
-              <a:ext uri="{FF2B5EF4-FFF2-40B4-BE49-F238E27FC236}">
-                <a16:creationId xmlns:a16="http://schemas.microsoft.com/office/drawing/2014/main" xmlns="" id="{218C8E0D-64F9-4E9C-A778-D3C5C62767D5}"/>
-              </a:ext>
-            </a:extLst>
-          </p:cNvPr>
-          <p:cNvPicPr>
-            <a:picLocks noGrp="1"/>
-          </p:cNvPicPr>
-          <p:nvPr>
-            <p:ph idx="1"/>
-          </p:nvPr>
-        </p:nvPicPr>
-        <p:blipFill>
-          <a:blip r:embed="rId2">
-            <a:extLst>
-              <a:ext uri="{28A0092B-C50C-407E-A947-70E740481C1C}">
-                <a14:useLocalDpi xmlns:a14="http://schemas.microsoft.com/office/drawing/2010/main" val="0"/>
-              </a:ext>
-            </a:extLst>
-          </a:blip>
-          <a:stretch>
-            <a:fillRect/>
-          </a:stretch>
-        </p:blipFill>
-        <p:spPr>
-          <a:xfrm>
-            <a:off x="2455863" y="2577306"/>
-            <a:ext cx="7277100" cy="2886075"/>
-          </a:xfrm>
-          <a:prstGeom prst="rect">
-            <a:avLst/>
-          </a:prstGeom>
-        </p:spPr>
-      </p:pic>
-    </p:spTree>
-    <p:extLst>
-      <p:ext uri="{BB962C8B-B14F-4D97-AF65-F5344CB8AC3E}">
-        <p14:creationId xmlns:p14="http://schemas.microsoft.com/office/powerpoint/2010/main" val="3837199885"/>
-      </p:ext>
-    </p:extLst>
-  </p:cSld>
-  <p:clrMapOvr>
-    <a:masterClrMapping/>
-  </p:clrMapOvr>
-</p:sld>
-</file>
-
-<file path=ppt/slides/slide17.xml><?xml version="1.0" encoding="utf-8"?>
-<p:sld xmlns:a="http://schemas.openxmlformats.org/drawingml/2006/main" xmlns:r="http://schemas.openxmlformats.org/officeDocument/2006/relationships" xmlns:p="http://schemas.openxmlformats.org/presentationml/2006/main">
-  <p:cSld>
-    <p:spTree>
-      <p:nvGrpSpPr>
-        <p:cNvPr id="1" name=""/>
-        <p:cNvGrpSpPr/>
-        <p:nvPr/>
-      </p:nvGrpSpPr>
-      <p:grpSpPr>
-        <a:xfrm>
-          <a:off x="0" y="0"/>
-          <a:ext cx="0" cy="0"/>
-          <a:chOff x="0" y="0"/>
-          <a:chExt cx="0" cy="0"/>
-        </a:xfrm>
-      </p:grpSpPr>
-      <p:sp>
-        <p:nvSpPr>
-          <p:cNvPr id="2" name="Title 1">
-            <a:extLst>
-              <a:ext uri="{FF2B5EF4-FFF2-40B4-BE49-F238E27FC236}">
-                <a16:creationId xmlns:a16="http://schemas.microsoft.com/office/drawing/2014/main" xmlns="" id="{D2B70648-F767-4919-A6C2-683C73BC25A1}"/>
-              </a:ext>
-            </a:extLst>
-          </p:cNvPr>
-          <p:cNvSpPr>
-            <a:spLocks noGrp="1"/>
-          </p:cNvSpPr>
-          <p:nvPr>
-            <p:ph type="title"/>
-          </p:nvPr>
-        </p:nvSpPr>
-        <p:spPr/>
-        <p:txBody>
-          <a:bodyPr/>
-          <a:lstStyle/>
-          <a:p>
-            <a:pPr algn="ctr"/>
-            <a:r>
-              <a:rPr lang="en-CA" dirty="0"/>
-              <a:t>Motion Controls</a:t>
-            </a:r>
-          </a:p>
-        </p:txBody>
-      </p:sp>
-      <p:sp>
-        <p:nvSpPr>
-          <p:cNvPr id="3" name="Content Placeholder 2">
-            <a:extLst>
-              <a:ext uri="{FF2B5EF4-FFF2-40B4-BE49-F238E27FC236}">
-                <a16:creationId xmlns:a16="http://schemas.microsoft.com/office/drawing/2014/main" xmlns="" id="{6ACADFAF-F2F4-452B-9B91-161ABA28ABC0}"/>
-              </a:ext>
-            </a:extLst>
-          </p:cNvPr>
-          <p:cNvSpPr>
-            <a:spLocks noGrp="1"/>
-          </p:cNvSpPr>
-          <p:nvPr>
-            <p:ph idx="1"/>
-          </p:nvPr>
-        </p:nvSpPr>
-        <p:spPr/>
-        <p:txBody>
-          <a:bodyPr/>
-          <a:lstStyle/>
-          <a:p>
-            <a:r>
-              <a:rPr lang="en-CA" dirty="0"/>
-              <a:t>System input is taken from a 3 axis Inertial Measurement Unit (IMU)</a:t>
-            </a:r>
-          </a:p>
-          <a:p>
-            <a:pPr lvl="1"/>
-            <a:r>
-              <a:rPr lang="en-CA" dirty="0"/>
-              <a:t>Connected via an I2C interface to an Arduino Uno</a:t>
-            </a:r>
-          </a:p>
-          <a:p>
-            <a:r>
-              <a:rPr lang="en-CA" dirty="0"/>
-              <a:t>IMU data transmitted to simulation system via Bluetooth</a:t>
-            </a:r>
-          </a:p>
-          <a:p>
-            <a:r>
-              <a:rPr lang="en-CA" dirty="0"/>
-              <a:t>Simulation model</a:t>
-            </a:r>
-          </a:p>
-          <a:p>
-            <a:pPr lvl="1"/>
-            <a:r>
-              <a:rPr lang="en-CA" dirty="0"/>
-              <a:t>Strapdown Inertial Navigation</a:t>
-            </a:r>
-          </a:p>
-          <a:p>
-            <a:pPr lvl="1"/>
-            <a:r>
-              <a:rPr lang="en-CA" dirty="0"/>
-              <a:t>Uses IMU data to estimate orientation and position</a:t>
-            </a:r>
-          </a:p>
-        </p:txBody>
-      </p:sp>
-    </p:spTree>
-    <p:extLst>
-      <p:ext uri="{BB962C8B-B14F-4D97-AF65-F5344CB8AC3E}">
-        <p14:creationId xmlns:p14="http://schemas.microsoft.com/office/powerpoint/2010/main" val="801621301"/>
-      </p:ext>
-    </p:extLst>
-  </p:cSld>
-  <p:clrMapOvr>
-    <a:masterClrMapping/>
-  </p:clrMapOvr>
-</p:sld>
-</file>
-
-<file path=ppt/slides/slide18.xml><?xml version="1.0" encoding="utf-8"?>
-<p:sld xmlns:a="http://schemas.openxmlformats.org/drawingml/2006/main" xmlns:r="http://schemas.openxmlformats.org/officeDocument/2006/relationships" xmlns:p="http://schemas.openxmlformats.org/presentationml/2006/main">
-  <p:cSld>
-    <p:spTree>
-      <p:nvGrpSpPr>
-        <p:cNvPr id="1" name=""/>
-        <p:cNvGrpSpPr/>
-        <p:nvPr/>
-      </p:nvGrpSpPr>
-      <p:grpSpPr>
-        <a:xfrm>
-          <a:off x="0" y="0"/>
-          <a:ext cx="0" cy="0"/>
-          <a:chOff x="0" y="0"/>
-          <a:chExt cx="0" cy="0"/>
-        </a:xfrm>
-      </p:grpSpPr>
-      <p:sp>
-        <p:nvSpPr>
-          <p:cNvPr id="2" name="Title 1"/>
-          <p:cNvSpPr>
-            <a:spLocks noGrp="1"/>
-          </p:cNvSpPr>
-          <p:nvPr>
-            <p:ph type="title"/>
-          </p:nvPr>
-        </p:nvSpPr>
-        <p:spPr/>
-        <p:txBody>
-          <a:bodyPr/>
-          <a:lstStyle/>
-          <a:p>
-            <a:pPr algn="ctr"/>
-            <a:r>
-              <a:rPr lang="en-CA" dirty="0"/>
-              <a:t>THE IMU</a:t>
-            </a:r>
-          </a:p>
-        </p:txBody>
-      </p:sp>
-      <p:sp>
-        <p:nvSpPr>
-          <p:cNvPr id="3" name="Content Placeholder 2"/>
-          <p:cNvSpPr>
-            <a:spLocks noGrp="1"/>
-          </p:cNvSpPr>
-          <p:nvPr>
-            <p:ph idx="1"/>
-          </p:nvPr>
-        </p:nvSpPr>
-        <p:spPr/>
-        <p:txBody>
-          <a:bodyPr/>
-          <a:lstStyle/>
-          <a:p>
-            <a:r>
-              <a:rPr lang="en-CA" dirty="0"/>
-              <a:t>Gyroscope</a:t>
-            </a:r>
-          </a:p>
-          <a:p>
-            <a:pPr lvl="1"/>
-            <a:r>
-              <a:rPr lang="en-CA" dirty="0"/>
-              <a:t>Measure rotation of unit in degrees/second</a:t>
-            </a:r>
-          </a:p>
-          <a:p>
-            <a:r>
-              <a:rPr lang="en-CA" dirty="0"/>
-              <a:t>Accelerometer</a:t>
-            </a:r>
-          </a:p>
-          <a:p>
-            <a:pPr lvl="1"/>
-            <a:r>
-              <a:rPr lang="en-CA" dirty="0"/>
-              <a:t>Measures forces acting upon the unit including gravity</a:t>
-            </a:r>
-          </a:p>
-          <a:p>
-            <a:pPr lvl="1"/>
-            <a:r>
-              <a:rPr lang="en-CA" dirty="0"/>
-              <a:t>Units of G (9.81m/s</a:t>
-            </a:r>
-            <a:r>
-              <a:rPr lang="en-CA" baseline="30000" dirty="0"/>
-              <a:t>2</a:t>
-            </a:r>
-            <a:r>
-              <a:rPr lang="en-CA" dirty="0"/>
-              <a:t>)</a:t>
-            </a:r>
-          </a:p>
-        </p:txBody>
-      </p:sp>
-      <p:pic>
-        <p:nvPicPr>
-          <p:cNvPr id="5" name="Picture 4" descr="A circuit board&#10;&#10;Description generated with very high confidence">
-            <a:extLst>
-              <a:ext uri="{FF2B5EF4-FFF2-40B4-BE49-F238E27FC236}">
-                <a16:creationId xmlns:a16="http://schemas.microsoft.com/office/drawing/2014/main" xmlns="" id="{DBAE08E4-3D00-4CC8-A76B-D1694D8CF289}"/>
-              </a:ext>
-            </a:extLst>
-          </p:cNvPr>
-          <p:cNvPicPr>
-            <a:picLocks noChangeAspect="1"/>
-          </p:cNvPicPr>
-          <p:nvPr/>
-        </p:nvPicPr>
-        <p:blipFill>
-          <a:blip r:embed="rId2">
-            <a:extLst>
-              <a:ext uri="{28A0092B-C50C-407E-A947-70E740481C1C}">
-                <a14:useLocalDpi xmlns:a14="http://schemas.microsoft.com/office/drawing/2010/main" val="0"/>
-              </a:ext>
-            </a:extLst>
-          </a:blip>
-          <a:stretch>
-            <a:fillRect/>
-          </a:stretch>
-        </p:blipFill>
-        <p:spPr>
-          <a:xfrm>
-            <a:off x="8165558" y="2343502"/>
-            <a:ext cx="2881853" cy="2170996"/>
-          </a:xfrm>
-          <a:prstGeom prst="rect">
-            <a:avLst/>
-          </a:prstGeom>
-        </p:spPr>
-      </p:pic>
-    </p:spTree>
-    <p:extLst>
-      <p:ext uri="{BB962C8B-B14F-4D97-AF65-F5344CB8AC3E}">
-        <p14:creationId xmlns:p14="http://schemas.microsoft.com/office/powerpoint/2010/main" val="627354700"/>
-      </p:ext>
-    </p:extLst>
-  </p:cSld>
-  <p:clrMapOvr>
-    <a:masterClrMapping/>
-  </p:clrMapOvr>
-</p:sld>
-</file>
-
-<file path=ppt/slides/slide19.xml><?xml version="1.0" encoding="utf-8"?>
-<p:sld xmlns:a="http://schemas.openxmlformats.org/drawingml/2006/main" xmlns:r="http://schemas.openxmlformats.org/officeDocument/2006/relationships" xmlns:p="http://schemas.openxmlformats.org/presentationml/2006/main">
-  <p:cSld>
-    <p:spTree>
-      <p:nvGrpSpPr>
-        <p:cNvPr id="1" name=""/>
-        <p:cNvGrpSpPr/>
-        <p:nvPr/>
-      </p:nvGrpSpPr>
-      <p:grpSpPr>
-        <a:xfrm>
-          <a:off x="0" y="0"/>
-          <a:ext cx="0" cy="0"/>
-          <a:chOff x="0" y="0"/>
-          <a:chExt cx="0" cy="0"/>
-        </a:xfrm>
-      </p:grpSpPr>
-      <p:sp>
-        <p:nvSpPr>
-          <p:cNvPr id="2" name="Title 1"/>
-          <p:cNvSpPr>
-            <a:spLocks noGrp="1"/>
-          </p:cNvSpPr>
-          <p:nvPr>
-            <p:ph type="title"/>
-          </p:nvPr>
-        </p:nvSpPr>
-        <p:spPr/>
-        <p:txBody>
-          <a:bodyPr/>
-          <a:lstStyle/>
-          <a:p>
-            <a:pPr algn="ctr"/>
-            <a:r>
-              <a:rPr lang="en-CA" dirty="0"/>
-              <a:t>Strapdown Inertial Navigation</a:t>
-            </a:r>
-          </a:p>
-        </p:txBody>
-      </p:sp>
-      <p:sp>
-        <p:nvSpPr>
-          <p:cNvPr id="3" name="Content Placeholder 2"/>
-          <p:cNvSpPr>
-            <a:spLocks noGrp="1"/>
-          </p:cNvSpPr>
-          <p:nvPr>
-            <p:ph idx="1"/>
-          </p:nvPr>
-        </p:nvSpPr>
-        <p:spPr>
-          <a:xfrm>
-            <a:off x="1141412" y="2249487"/>
-            <a:ext cx="5043631" cy="3541714"/>
-          </a:xfrm>
-        </p:spPr>
-        <p:txBody>
-          <a:bodyPr>
-            <a:normAutofit lnSpcReduction="10000"/>
-          </a:bodyPr>
-          <a:lstStyle/>
-          <a:p>
-            <a:pPr marL="0" indent="0">
-              <a:buNone/>
-            </a:pPr>
-            <a:r>
-              <a:rPr lang="en-CA" dirty="0"/>
-              <a:t>Step 1</a:t>
-            </a:r>
-          </a:p>
-          <a:p>
-            <a:r>
-              <a:rPr lang="en-CA" dirty="0"/>
-              <a:t>Estimate orientation using a known starting orientation and dynamically adding rotations read by the IMU. </a:t>
-            </a:r>
-          </a:p>
-          <a:p>
-            <a:r>
-              <a:rPr lang="en-CA" dirty="0"/>
-              <a:t>Uses Directional Cosine Matrix (DCM)</a:t>
-            </a:r>
-          </a:p>
-          <a:p>
-            <a:r>
-              <a:rPr lang="en-CA" dirty="0"/>
-              <a:t>For Unity3D, this is converted to a quaternion</a:t>
-            </a:r>
-          </a:p>
-        </p:txBody>
-      </p:sp>
-      <p:pic>
-        <p:nvPicPr>
-          <p:cNvPr id="5" name="Picture 4" descr="A picture containing object&#10;&#10;Description generated with very high confidence">
-            <a:extLst>
-              <a:ext uri="{FF2B5EF4-FFF2-40B4-BE49-F238E27FC236}">
-                <a16:creationId xmlns:a16="http://schemas.microsoft.com/office/drawing/2014/main" xmlns="" id="{A0A3EDC0-EB69-40FA-9588-ABDB2891EE5E}"/>
-              </a:ext>
-            </a:extLst>
-          </p:cNvPr>
-          <p:cNvPicPr>
-            <a:picLocks noChangeAspect="1"/>
-          </p:cNvPicPr>
-          <p:nvPr/>
-        </p:nvPicPr>
-        <p:blipFill>
-          <a:blip r:embed="rId2">
-            <a:extLst>
-              <a:ext uri="{28A0092B-C50C-407E-A947-70E740481C1C}">
-                <a14:useLocalDpi xmlns:a14="http://schemas.microsoft.com/office/drawing/2010/main" val="0"/>
-              </a:ext>
-            </a:extLst>
-          </a:blip>
-          <a:stretch>
-            <a:fillRect/>
-          </a:stretch>
-        </p:blipFill>
-        <p:spPr>
-          <a:xfrm>
-            <a:off x="7582328" y="2476807"/>
-            <a:ext cx="3465083" cy="3087074"/>
-          </a:xfrm>
-          <a:prstGeom prst="rect">
-            <a:avLst/>
-          </a:prstGeom>
-        </p:spPr>
-      </p:pic>
-    </p:spTree>
-    <p:extLst>
-      <p:ext uri="{BB962C8B-B14F-4D97-AF65-F5344CB8AC3E}">
-        <p14:creationId xmlns:p14="http://schemas.microsoft.com/office/powerpoint/2010/main" val="297854344"/>
-      </p:ext>
-    </p:extLst>
-  </p:cSld>
-  <p:clrMapOvr>
-    <a:masterClrMapping/>
-  </p:clrMapOvr>
-</p:sld>
-</file>
-
-<file path=ppt/slides/slide2.xml><?xml version="1.0" encoding="utf-8"?>
-<p:sld xmlns:a="http://schemas.openxmlformats.org/drawingml/2006/main" xmlns:r="http://schemas.openxmlformats.org/officeDocument/2006/relationships" xmlns:p="http://schemas.openxmlformats.org/presentationml/2006/main">
-  <p:cSld>
-    <p:spTree>
-      <p:nvGrpSpPr>
-        <p:cNvPr id="1" name=""/>
-        <p:cNvGrpSpPr/>
-        <p:nvPr/>
-      </p:nvGrpSpPr>
-      <p:grpSpPr>
-        <a:xfrm>
-          <a:off x="0" y="0"/>
-          <a:ext cx="0" cy="0"/>
-          <a:chOff x="0" y="0"/>
-          <a:chExt cx="0" cy="0"/>
-        </a:xfrm>
-      </p:grpSpPr>
-      <p:sp>
-        <p:nvSpPr>
-          <p:cNvPr id="2" name="Title 1">
-            <a:extLst>
-              <a:ext uri="{FF2B5EF4-FFF2-40B4-BE49-F238E27FC236}">
-                <a16:creationId xmlns:a16="http://schemas.microsoft.com/office/drawing/2014/main" xmlns="" id="{36A5512F-DA0A-4155-B467-7CE21F143616}"/>
-              </a:ext>
-            </a:extLst>
-          </p:cNvPr>
-          <p:cNvSpPr>
-            <a:spLocks noGrp="1"/>
-          </p:cNvSpPr>
-          <p:nvPr>
-            <p:ph type="title"/>
-          </p:nvPr>
-        </p:nvSpPr>
-        <p:spPr/>
-        <p:txBody>
-          <a:bodyPr/>
-          <a:lstStyle/>
-          <a:p>
-            <a:pPr algn="ctr"/>
-            <a:r>
-              <a:rPr lang="en-CA" dirty="0"/>
-              <a:t>Breaking it down</a:t>
-            </a:r>
-          </a:p>
-        </p:txBody>
-      </p:sp>
-      <p:sp>
-        <p:nvSpPr>
-          <p:cNvPr id="3" name="Content Placeholder 2">
-            <a:extLst>
-              <a:ext uri="{FF2B5EF4-FFF2-40B4-BE49-F238E27FC236}">
-                <a16:creationId xmlns:a16="http://schemas.microsoft.com/office/drawing/2014/main" xmlns="" id="{E64228CB-BBE3-4152-B8E5-8D60ABA4DD80}"/>
-              </a:ext>
-            </a:extLst>
-          </p:cNvPr>
-          <p:cNvSpPr>
-            <a:spLocks noGrp="1"/>
-          </p:cNvSpPr>
-          <p:nvPr>
-            <p:ph idx="1"/>
-          </p:nvPr>
-        </p:nvSpPr>
-        <p:spPr>
-          <a:xfrm>
-            <a:off x="1141412" y="2249487"/>
-            <a:ext cx="9905999" cy="3541714"/>
-          </a:xfrm>
-        </p:spPr>
-        <p:txBody>
-          <a:bodyPr/>
-          <a:lstStyle/>
-          <a:p>
-            <a:r>
-              <a:rPr lang="en-CA" dirty="0"/>
-              <a:t>What is Historical European Martial Arts (HEMA)?</a:t>
-            </a:r>
-          </a:p>
-          <a:p>
-            <a:r>
-              <a:rPr lang="en-CA" dirty="0"/>
-              <a:t>What is a simulator?</a:t>
-            </a:r>
-          </a:p>
-          <a:p>
-            <a:r>
-              <a:rPr lang="en-CA" dirty="0"/>
-              <a:t>Who is this for?</a:t>
-            </a:r>
-          </a:p>
-        </p:txBody>
-      </p:sp>
-      <p:pic>
-        <p:nvPicPr>
-          <p:cNvPr id="3074" name="Picture 2" descr="Image result for confused">
-            <a:extLst>
-              <a:ext uri="{FF2B5EF4-FFF2-40B4-BE49-F238E27FC236}">
-                <a16:creationId xmlns:a16="http://schemas.microsoft.com/office/drawing/2014/main" xmlns="" id="{E1005C07-9659-4122-93F1-890F6F4988EA}"/>
-              </a:ext>
-            </a:extLst>
-          </p:cNvPr>
-          <p:cNvPicPr>
-            <a:picLocks noChangeAspect="1" noChangeArrowheads="1"/>
-          </p:cNvPicPr>
-          <p:nvPr/>
-        </p:nvPicPr>
-        <p:blipFill>
-          <a:blip r:embed="rId2">
-            <a:extLst>
-              <a:ext uri="{28A0092B-C50C-407E-A947-70E740481C1C}">
-                <a14:useLocalDpi xmlns:a14="http://schemas.microsoft.com/office/drawing/2010/main" val="0"/>
-              </a:ext>
-            </a:extLst>
-          </a:blip>
-          <a:srcRect/>
-          <a:stretch>
-            <a:fillRect/>
-          </a:stretch>
-        </p:blipFill>
-        <p:spPr bwMode="auto">
-          <a:xfrm>
-            <a:off x="5490358" y="3418085"/>
-            <a:ext cx="4235004" cy="2821397"/>
-          </a:xfrm>
-          <a:prstGeom prst="rect">
-            <a:avLst/>
-          </a:prstGeom>
-          <a:noFill/>
-          <a:extLst>
-            <a:ext uri="{909E8E84-426E-40DD-AFC4-6F175D3DCCD1}">
-              <a14:hiddenFill xmlns:a14="http://schemas.microsoft.com/office/drawing/2010/main">
-                <a:solidFill>
-                  <a:srgbClr val="FFFFFF"/>
-                </a:solidFill>
-              </a14:hiddenFill>
-            </a:ext>
-          </a:extLst>
-        </p:spPr>
-      </p:pic>
-    </p:spTree>
-    <p:extLst>
-      <p:ext uri="{BB962C8B-B14F-4D97-AF65-F5344CB8AC3E}">
-        <p14:creationId xmlns:p14="http://schemas.microsoft.com/office/powerpoint/2010/main" val="4174013755"/>
-      </p:ext>
-    </p:extLst>
-  </p:cSld>
-  <p:clrMapOvr>
-    <a:masterClrMapping/>
-  </p:clrMapOvr>
-</p:sld>
-</file>
-
-<file path=ppt/slides/slide20.xml><?xml version="1.0" encoding="utf-8"?>
-<p:sld xmlns:a="http://schemas.openxmlformats.org/drawingml/2006/main" xmlns:r="http://schemas.openxmlformats.org/officeDocument/2006/relationships" xmlns:p="http://schemas.openxmlformats.org/presentationml/2006/main">
-  <p:cSld>
-    <p:spTree>
-      <p:nvGrpSpPr>
-        <p:cNvPr id="1" name=""/>
-        <p:cNvGrpSpPr/>
-        <p:nvPr/>
-      </p:nvGrpSpPr>
-      <p:grpSpPr>
-        <a:xfrm>
-          <a:off x="0" y="0"/>
-          <a:ext cx="0" cy="0"/>
-          <a:chOff x="0" y="0"/>
-          <a:chExt cx="0" cy="0"/>
-        </a:xfrm>
-      </p:grpSpPr>
-      <p:sp>
-        <p:nvSpPr>
-          <p:cNvPr id="2" name="Title 1">
-            <a:extLst>
-              <a:ext uri="{FF2B5EF4-FFF2-40B4-BE49-F238E27FC236}">
-                <a16:creationId xmlns:a16="http://schemas.microsoft.com/office/drawing/2014/main" xmlns="" id="{4ACF1BA8-E11A-4BF1-99CB-CEBBCEE25196}"/>
-              </a:ext>
-            </a:extLst>
-          </p:cNvPr>
-          <p:cNvSpPr>
-            <a:spLocks noGrp="1"/>
-          </p:cNvSpPr>
-          <p:nvPr>
-            <p:ph type="title"/>
-          </p:nvPr>
-        </p:nvSpPr>
-        <p:spPr/>
-        <p:txBody>
-          <a:bodyPr/>
-          <a:lstStyle/>
-          <a:p>
-            <a:pPr algn="ctr"/>
-            <a:r>
-              <a:rPr lang="en-CA" dirty="0"/>
-              <a:t>Strapdown Inertial Navigation</a:t>
-            </a:r>
-            <a:endParaRPr lang="en-US" dirty="0"/>
-          </a:p>
-        </p:txBody>
-      </p:sp>
-      <p:sp>
-        <p:nvSpPr>
-          <p:cNvPr id="3" name="Content Placeholder 2">
-            <a:extLst>
-              <a:ext uri="{FF2B5EF4-FFF2-40B4-BE49-F238E27FC236}">
-                <a16:creationId xmlns:a16="http://schemas.microsoft.com/office/drawing/2014/main" xmlns="" id="{2101CA67-66B5-4054-984C-F46D93EDE818}"/>
-              </a:ext>
-            </a:extLst>
-          </p:cNvPr>
-          <p:cNvSpPr>
-            <a:spLocks noGrp="1"/>
-          </p:cNvSpPr>
-          <p:nvPr>
-            <p:ph idx="1"/>
-          </p:nvPr>
-        </p:nvSpPr>
-        <p:spPr/>
-        <p:txBody>
-          <a:bodyPr>
-            <a:normAutofit lnSpcReduction="10000"/>
-          </a:bodyPr>
-          <a:lstStyle/>
-          <a:p>
-            <a:pPr marL="0" indent="0">
-              <a:buNone/>
-            </a:pPr>
-            <a:r>
-              <a:rPr lang="en-US" dirty="0"/>
-              <a:t>Step 2</a:t>
-            </a:r>
-          </a:p>
-          <a:p>
-            <a:r>
-              <a:rPr lang="en-US" dirty="0"/>
-              <a:t>Use the DCM to transform the accelerations read by the IMU to a global frame of reference. </a:t>
-            </a:r>
-          </a:p>
-          <a:p>
-            <a:r>
-              <a:rPr lang="en-US" dirty="0"/>
-              <a:t>Removing gravitation acceleration from the transformed acceleration gives the unit’s actual acceleration.</a:t>
-            </a:r>
-          </a:p>
-          <a:p>
-            <a:r>
-              <a:rPr lang="en-US" dirty="0"/>
-              <a:t> Using a known starting position and speed, a position estimation is given by relating acceleration to change in position over time</a:t>
-            </a:r>
-          </a:p>
-        </p:txBody>
-      </p:sp>
-    </p:spTree>
-    <p:extLst>
-      <p:ext uri="{BB962C8B-B14F-4D97-AF65-F5344CB8AC3E}">
-        <p14:creationId xmlns:p14="http://schemas.microsoft.com/office/powerpoint/2010/main" val="674199531"/>
-      </p:ext>
-    </p:extLst>
-  </p:cSld>
-  <p:clrMapOvr>
-    <a:masterClrMapping/>
-  </p:clrMapOvr>
-</p:sld>
-</file>
-
-<file path=ppt/slides/slide21.xml><?xml version="1.0" encoding="utf-8"?>
-<p:sld xmlns:a="http://schemas.openxmlformats.org/drawingml/2006/main" xmlns:r="http://schemas.openxmlformats.org/officeDocument/2006/relationships" xmlns:p="http://schemas.openxmlformats.org/presentationml/2006/main">
-  <p:cSld>
-    <p:spTree>
-      <p:nvGrpSpPr>
-        <p:cNvPr id="1" name=""/>
-        <p:cNvGrpSpPr/>
-        <p:nvPr/>
-      </p:nvGrpSpPr>
-      <p:grpSpPr>
-        <a:xfrm>
-          <a:off x="0" y="0"/>
-          <a:ext cx="0" cy="0"/>
-          <a:chOff x="0" y="0"/>
-          <a:chExt cx="0" cy="0"/>
-        </a:xfrm>
-      </p:grpSpPr>
-      <p:sp>
-        <p:nvSpPr>
-          <p:cNvPr id="2" name="Title 1">
-            <a:extLst>
-              <a:ext uri="{FF2B5EF4-FFF2-40B4-BE49-F238E27FC236}">
-                <a16:creationId xmlns:a16="http://schemas.microsoft.com/office/drawing/2014/main" xmlns="" id="{E672BB30-DE1C-407B-AA2A-C9DC748CEEC0}"/>
-              </a:ext>
-            </a:extLst>
-          </p:cNvPr>
-          <p:cNvSpPr>
-            <a:spLocks noGrp="1"/>
-          </p:cNvSpPr>
-          <p:nvPr>
-            <p:ph type="title"/>
-          </p:nvPr>
-        </p:nvSpPr>
-        <p:spPr/>
-        <p:txBody>
-          <a:bodyPr/>
-          <a:lstStyle/>
-          <a:p>
-            <a:pPr algn="ctr"/>
-            <a:r>
-              <a:rPr lang="en-CA" dirty="0"/>
-              <a:t>Strapdown Inertial Navigation</a:t>
-            </a:r>
-            <a:endParaRPr lang="en-US" dirty="0"/>
-          </a:p>
-        </p:txBody>
-      </p:sp>
-      <p:sp>
-        <p:nvSpPr>
-          <p:cNvPr id="3" name="Content Placeholder 2">
-            <a:extLst>
-              <a:ext uri="{FF2B5EF4-FFF2-40B4-BE49-F238E27FC236}">
-                <a16:creationId xmlns:a16="http://schemas.microsoft.com/office/drawing/2014/main" xmlns="" id="{72DED6C5-F150-4901-988D-F9D0231EF761}"/>
-              </a:ext>
-            </a:extLst>
-          </p:cNvPr>
-          <p:cNvSpPr>
-            <a:spLocks noGrp="1"/>
-          </p:cNvSpPr>
-          <p:nvPr>
-            <p:ph idx="1"/>
-          </p:nvPr>
-        </p:nvSpPr>
-        <p:spPr/>
-        <p:txBody>
-          <a:bodyPr/>
-          <a:lstStyle/>
-          <a:p>
-            <a:pPr marL="0" indent="0">
-              <a:buNone/>
-            </a:pPr>
-            <a:r>
-              <a:rPr lang="en-US" dirty="0"/>
-              <a:t>All calculation listed in these steps is handled by the simulation system. This results in having an estimate of the orientation and position of the IMU which can be used by the Unity3D game engine. Mounting this on a mock sword will allow realistic input to the simulation. This configuration is dubbed the Federuino (Federschwert + Arduino)</a:t>
-            </a:r>
-          </a:p>
-        </p:txBody>
-      </p:sp>
-    </p:spTree>
-    <p:extLst>
-      <p:ext uri="{BB962C8B-B14F-4D97-AF65-F5344CB8AC3E}">
-        <p14:creationId xmlns:p14="http://schemas.microsoft.com/office/powerpoint/2010/main" val="2167331303"/>
-      </p:ext>
-    </p:extLst>
-  </p:cSld>
-  <p:clrMapOvr>
-    <a:masterClrMapping/>
-  </p:clrMapOvr>
-</p:sld>
-</file>
-
-<file path=ppt/slides/slide22.xml><?xml version="1.0" encoding="utf-8"?>
-<p:sld xmlns:a="http://schemas.openxmlformats.org/drawingml/2006/main" xmlns:r="http://schemas.openxmlformats.org/officeDocument/2006/relationships" xmlns:p="http://schemas.openxmlformats.org/presentationml/2006/main">
-  <p:cSld>
-    <p:spTree>
-      <p:nvGrpSpPr>
-        <p:cNvPr id="1" name=""/>
-        <p:cNvGrpSpPr/>
-        <p:nvPr/>
-      </p:nvGrpSpPr>
-      <p:grpSpPr>
-        <a:xfrm>
-          <a:off x="0" y="0"/>
-          <a:ext cx="0" cy="0"/>
-          <a:chOff x="0" y="0"/>
-          <a:chExt cx="0" cy="0"/>
-        </a:xfrm>
-      </p:grpSpPr>
-      <p:sp>
-        <p:nvSpPr>
-          <p:cNvPr id="2" name="Title 1"/>
-          <p:cNvSpPr>
-            <a:spLocks noGrp="1"/>
-          </p:cNvSpPr>
-          <p:nvPr>
-            <p:ph type="title"/>
-          </p:nvPr>
-        </p:nvSpPr>
-        <p:spPr/>
-        <p:txBody>
-          <a:bodyPr/>
-          <a:lstStyle/>
-          <a:p>
-            <a:pPr algn="ctr"/>
-            <a:r>
-              <a:rPr lang="en-CA" dirty="0"/>
-              <a:t>FeDEruino</a:t>
-            </a:r>
-          </a:p>
-        </p:txBody>
-      </p:sp>
-      <p:sp>
-        <p:nvSpPr>
-          <p:cNvPr id="3" name="Content Placeholder 2"/>
-          <p:cNvSpPr>
-            <a:spLocks noGrp="1"/>
-          </p:cNvSpPr>
-          <p:nvPr>
-            <p:ph idx="1"/>
-          </p:nvPr>
-        </p:nvSpPr>
-        <p:spPr/>
-        <p:txBody>
-          <a:bodyPr/>
-          <a:lstStyle/>
-          <a:p>
-            <a:r>
-              <a:rPr lang="en-CA" dirty="0"/>
-              <a:t>Arduino Uno</a:t>
-            </a:r>
-          </a:p>
-          <a:p>
-            <a:r>
-              <a:rPr lang="en-CA" dirty="0" err="1"/>
-              <a:t>Waveshare</a:t>
-            </a:r>
-            <a:r>
-              <a:rPr lang="en-CA" dirty="0"/>
-              <a:t> 10DOF IMU</a:t>
-            </a:r>
-          </a:p>
-          <a:p>
-            <a:r>
-              <a:rPr lang="en-CA" dirty="0" err="1"/>
-              <a:t>Seeed</a:t>
-            </a:r>
-            <a:r>
-              <a:rPr lang="en-CA" dirty="0"/>
-              <a:t> Studio Bluetooth Shield v2.0</a:t>
-            </a:r>
-          </a:p>
-        </p:txBody>
-      </p:sp>
-      <p:pic>
-        <p:nvPicPr>
-          <p:cNvPr id="5" name="Picture 4">
-            <a:extLst>
-              <a:ext uri="{FF2B5EF4-FFF2-40B4-BE49-F238E27FC236}">
-                <a16:creationId xmlns:a16="http://schemas.microsoft.com/office/drawing/2014/main" xmlns="" id="{5169DC0A-87E2-4FF0-9DA4-0715A203EF3F}"/>
-              </a:ext>
-            </a:extLst>
-          </p:cNvPr>
-          <p:cNvPicPr>
-            <a:picLocks noChangeAspect="1"/>
-          </p:cNvPicPr>
-          <p:nvPr/>
-        </p:nvPicPr>
-        <p:blipFill>
-          <a:blip r:embed="rId2" cstate="print">
-            <a:extLst>
-              <a:ext uri="{28A0092B-C50C-407E-A947-70E740481C1C}">
-                <a14:useLocalDpi xmlns:a14="http://schemas.microsoft.com/office/drawing/2010/main" val="0"/>
-              </a:ext>
-            </a:extLst>
-          </a:blip>
-          <a:stretch>
-            <a:fillRect/>
-          </a:stretch>
-        </p:blipFill>
-        <p:spPr>
-          <a:xfrm>
-            <a:off x="7245972" y="2003460"/>
-            <a:ext cx="3801439" cy="2851079"/>
-          </a:xfrm>
-          <a:prstGeom prst="rect">
-            <a:avLst/>
-          </a:prstGeom>
-        </p:spPr>
-      </p:pic>
-    </p:spTree>
-    <p:extLst>
-      <p:ext uri="{BB962C8B-B14F-4D97-AF65-F5344CB8AC3E}">
-        <p14:creationId xmlns:p14="http://schemas.microsoft.com/office/powerpoint/2010/main" val="846640314"/>
-      </p:ext>
-    </p:extLst>
-  </p:cSld>
-  <p:clrMapOvr>
-    <a:masterClrMapping/>
-  </p:clrMapOvr>
-</p:sld>
-</file>
-
-<file path=ppt/slides/slide23.xml><?xml version="1.0" encoding="utf-8"?>
-<p:sld xmlns:a="http://schemas.openxmlformats.org/drawingml/2006/main" xmlns:r="http://schemas.openxmlformats.org/officeDocument/2006/relationships" xmlns:p="http://schemas.openxmlformats.org/presentationml/2006/main">
-  <p:cSld>
-    <p:spTree>
-      <p:nvGrpSpPr>
-        <p:cNvPr id="1" name=""/>
-        <p:cNvGrpSpPr/>
-        <p:nvPr/>
-      </p:nvGrpSpPr>
-      <p:grpSpPr>
-        <a:xfrm>
-          <a:off x="0" y="0"/>
-          <a:ext cx="0" cy="0"/>
-          <a:chOff x="0" y="0"/>
-          <a:chExt cx="0" cy="0"/>
-        </a:xfrm>
-      </p:grpSpPr>
-      <p:sp>
-        <p:nvSpPr>
-          <p:cNvPr id="2" name="Title 1">
-            <a:extLst>
-              <a:ext uri="{FF2B5EF4-FFF2-40B4-BE49-F238E27FC236}">
-                <a16:creationId xmlns:a16="http://schemas.microsoft.com/office/drawing/2014/main" xmlns="" id="{F3803F2D-DAF2-45A6-A9E5-9C8445154E8F}"/>
-              </a:ext>
-            </a:extLst>
-          </p:cNvPr>
-          <p:cNvSpPr>
-            <a:spLocks noGrp="1"/>
-          </p:cNvSpPr>
-          <p:nvPr>
-            <p:ph type="title"/>
-          </p:nvPr>
-        </p:nvSpPr>
-        <p:spPr/>
-        <p:txBody>
-          <a:bodyPr/>
-          <a:lstStyle/>
-          <a:p>
-            <a:pPr algn="ctr"/>
-            <a:r>
-              <a:rPr lang="en-US" dirty="0"/>
-              <a:t>Bibliography</a:t>
-            </a:r>
-          </a:p>
-        </p:txBody>
-      </p:sp>
-      <p:sp>
-        <p:nvSpPr>
-          <p:cNvPr id="3" name="Content Placeholder 2">
-            <a:extLst>
-              <a:ext uri="{FF2B5EF4-FFF2-40B4-BE49-F238E27FC236}">
-                <a16:creationId xmlns:a16="http://schemas.microsoft.com/office/drawing/2014/main" xmlns="" id="{D9758561-4EBB-4DA0-B49E-A158313B8F68}"/>
-              </a:ext>
-            </a:extLst>
-          </p:cNvPr>
-          <p:cNvSpPr>
-            <a:spLocks noGrp="1"/>
-          </p:cNvSpPr>
-          <p:nvPr>
-            <p:ph idx="1"/>
-          </p:nvPr>
-        </p:nvSpPr>
-        <p:spPr/>
-        <p:txBody>
-          <a:bodyPr/>
-          <a:lstStyle/>
-          <a:p>
-            <a:pPr marL="0" indent="0">
-              <a:buNone/>
-            </a:pPr>
-            <a:r>
-              <a:rPr lang="en-US" dirty="0"/>
-              <a:t>Woodman, Oliver J. (2007) </a:t>
-            </a:r>
-            <a:r>
-              <a:rPr lang="en-US" i="1" dirty="0"/>
-              <a:t>An introduction to inertial navigation</a:t>
-            </a:r>
-            <a:r>
-              <a:rPr lang="en-US" dirty="0"/>
-              <a:t>.</a:t>
-            </a:r>
-            <a:r>
-              <a:rPr lang="en-US" i="1" dirty="0"/>
-              <a:t> </a:t>
-            </a:r>
-            <a:r>
-              <a:rPr lang="en-US" dirty="0"/>
-              <a:t>Cambridge: University of Cambridge, p. </a:t>
-            </a:r>
-            <a:r>
-              <a:rPr lang="en-US"/>
-              <a:t>21-23. </a:t>
-            </a:r>
-            <a:r>
-              <a:rPr lang="en-US" dirty="0"/>
-              <a:t>Available at: https://www.cl.cam.ac.uk/techreports/UCAM-CL-TR-696.pdf (Accessed 20 Jan,2018)</a:t>
-            </a:r>
-          </a:p>
-        </p:txBody>
-      </p:sp>
-    </p:spTree>
-    <p:extLst>
-      <p:ext uri="{BB962C8B-B14F-4D97-AF65-F5344CB8AC3E}">
-        <p14:creationId xmlns:p14="http://schemas.microsoft.com/office/powerpoint/2010/main" val="2187811140"/>
-      </p:ext>
-    </p:extLst>
-  </p:cSld>
-  <p:clrMapOvr>
-    <a:masterClrMapping/>
-  </p:clrMapOvr>
-</p:sld>
-</file>
-
-<file path=ppt/slides/slide24.xml><?xml version="1.0" encoding="utf-8"?>
-<p:sld xmlns:a="http://schemas.openxmlformats.org/drawingml/2006/main" xmlns:r="http://schemas.openxmlformats.org/officeDocument/2006/relationships" xmlns:p="http://schemas.openxmlformats.org/presentationml/2006/main">
-  <p:cSld>
-    <p:spTree>
-      <p:nvGrpSpPr>
-        <p:cNvPr id="1" name=""/>
-        <p:cNvGrpSpPr/>
-        <p:nvPr/>
-      </p:nvGrpSpPr>
-      <p:grpSpPr>
-        <a:xfrm>
-          <a:off x="0" y="0"/>
-          <a:ext cx="0" cy="0"/>
-          <a:chOff x="0" y="0"/>
-          <a:chExt cx="0" cy="0"/>
-        </a:xfrm>
-      </p:grpSpPr>
-      <p:sp>
-        <p:nvSpPr>
-          <p:cNvPr id="2" name="Title 1">
-            <a:extLst>
-              <a:ext uri="{FF2B5EF4-FFF2-40B4-BE49-F238E27FC236}">
-                <a16:creationId xmlns:a16="http://schemas.microsoft.com/office/drawing/2014/main" xmlns="" id="{1F284F98-4938-4E13-ADBC-87557807C8E9}"/>
-              </a:ext>
-            </a:extLst>
-          </p:cNvPr>
-          <p:cNvSpPr>
-            <a:spLocks noGrp="1"/>
-          </p:cNvSpPr>
-          <p:nvPr>
-            <p:ph type="title"/>
-          </p:nvPr>
-        </p:nvSpPr>
-        <p:spPr/>
-        <p:txBody>
-          <a:bodyPr/>
-          <a:lstStyle/>
-          <a:p>
-            <a:pPr algn="ctr"/>
-            <a:r>
-              <a:rPr lang="en-US" dirty="0" smtClean="0"/>
-              <a:t>Thanks for Listening!</a:t>
-            </a:r>
-            <a:endParaRPr lang="en-US" dirty="0"/>
-          </a:p>
-        </p:txBody>
-      </p:sp>
-      <p:pic>
-        <p:nvPicPr>
-          <p:cNvPr id="1026" name="Picture 2" descr="https://i.pinimg.com/736x/47/04/51/4704516e9e7a78cbca4ada69e3f376d3--face-pictures-facebook-emoticons.jpg"/>
-          <p:cNvPicPr>
-            <a:picLocks noGrp="1" noChangeAspect="1" noChangeArrowheads="1"/>
-          </p:cNvPicPr>
-          <p:nvPr>
-            <p:ph idx="1"/>
-          </p:nvPr>
-        </p:nvPicPr>
-        <p:blipFill>
-          <a:blip r:embed="rId2">
-            <a:extLst>
-              <a:ext uri="{28A0092B-C50C-407E-A947-70E740481C1C}">
-                <a14:useLocalDpi xmlns:a14="http://schemas.microsoft.com/office/drawing/2010/main" val="0"/>
-              </a:ext>
-            </a:extLst>
-          </a:blip>
-          <a:srcRect/>
-          <a:stretch>
-            <a:fillRect/>
-          </a:stretch>
-        </p:blipFill>
-        <p:spPr bwMode="auto">
-          <a:xfrm>
-            <a:off x="3953835" y="2160835"/>
-            <a:ext cx="4281154" cy="4281154"/>
-          </a:xfrm>
-          <a:prstGeom prst="rect">
-            <a:avLst/>
-          </a:prstGeom>
-          <a:noFill/>
-          <a:extLst>
-            <a:ext uri="{909E8E84-426E-40DD-AFC4-6F175D3DCCD1}">
-              <a14:hiddenFill xmlns:a14="http://schemas.microsoft.com/office/drawing/2010/main">
-                <a:solidFill>
-                  <a:srgbClr val="FFFFFF"/>
-                </a:solidFill>
-              </a14:hiddenFill>
-            </a:ext>
-          </a:extLst>
-        </p:spPr>
-      </p:pic>
-    </p:spTree>
-    <p:extLst>
-      <p:ext uri="{BB962C8B-B14F-4D97-AF65-F5344CB8AC3E}">
-        <p14:creationId xmlns:p14="http://schemas.microsoft.com/office/powerpoint/2010/main" val="919671310"/>
-      </p:ext>
-    </p:extLst>
-  </p:cSld>
-  <p:clrMapOvr>
-    <a:masterClrMapping/>
-  </p:clrMapOvr>
-</p:sld>
-</file>
-
-<file path=ppt/slides/slide3.xml><?xml version="1.0" encoding="utf-8"?>
-<p:sld xmlns:a="http://schemas.openxmlformats.org/drawingml/2006/main" xmlns:r="http://schemas.openxmlformats.org/officeDocument/2006/relationships" xmlns:p="http://schemas.openxmlformats.org/presentationml/2006/main">
-  <p:cSld>
-    <p:spTree>
-      <p:nvGrpSpPr>
-        <p:cNvPr id="1" name=""/>
-        <p:cNvGrpSpPr/>
-        <p:nvPr/>
-      </p:nvGrpSpPr>
-      <p:grpSpPr>
-        <a:xfrm>
-          <a:off x="0" y="0"/>
-          <a:ext cx="0" cy="0"/>
-          <a:chOff x="0" y="0"/>
-          <a:chExt cx="0" cy="0"/>
-        </a:xfrm>
-      </p:grpSpPr>
-      <p:sp>
-        <p:nvSpPr>
-          <p:cNvPr id="2" name="Title 1">
-            <a:extLst>
-              <a:ext uri="{FF2B5EF4-FFF2-40B4-BE49-F238E27FC236}">
-                <a16:creationId xmlns:a16="http://schemas.microsoft.com/office/drawing/2014/main" xmlns="" id="{A226FFC3-0B76-4B58-B7F4-EA7CA37664C0}"/>
-              </a:ext>
-            </a:extLst>
-          </p:cNvPr>
-          <p:cNvSpPr>
-            <a:spLocks noGrp="1"/>
-          </p:cNvSpPr>
-          <p:nvPr>
-            <p:ph type="title"/>
-          </p:nvPr>
-        </p:nvSpPr>
-        <p:spPr/>
-        <p:txBody>
-          <a:bodyPr/>
-          <a:lstStyle/>
-          <a:p>
-            <a:pPr algn="ctr"/>
-            <a:r>
-              <a:rPr lang="en-CA" dirty="0"/>
-              <a:t>What are Martial Arts?</a:t>
-            </a:r>
-          </a:p>
-        </p:txBody>
-      </p:sp>
-      <p:pic>
-        <p:nvPicPr>
-          <p:cNvPr id="1026" name="Picture 2" descr="Image result for martial arts stock photo">
-            <a:extLst>
-              <a:ext uri="{FF2B5EF4-FFF2-40B4-BE49-F238E27FC236}">
-                <a16:creationId xmlns:a16="http://schemas.microsoft.com/office/drawing/2014/main" xmlns="" id="{35DFDF86-5D75-4EF2-ABCC-75ADBA41345B}"/>
-              </a:ext>
-            </a:extLst>
-          </p:cNvPr>
-          <p:cNvPicPr>
-            <a:picLocks noChangeAspect="1" noChangeArrowheads="1"/>
-          </p:cNvPicPr>
-          <p:nvPr/>
-        </p:nvPicPr>
-        <p:blipFill>
-          <a:blip r:embed="rId2">
-            <a:extLst>
-              <a:ext uri="{28A0092B-C50C-407E-A947-70E740481C1C}">
-                <a14:useLocalDpi xmlns:a14="http://schemas.microsoft.com/office/drawing/2010/main" val="0"/>
-              </a:ext>
-            </a:extLst>
-          </a:blip>
-          <a:srcRect/>
-          <a:stretch>
-            <a:fillRect/>
-          </a:stretch>
-        </p:blipFill>
-        <p:spPr bwMode="auto">
-          <a:xfrm>
-            <a:off x="4827418" y="2097088"/>
-            <a:ext cx="2533988" cy="3532576"/>
-          </a:xfrm>
-          <a:prstGeom prst="rect">
-            <a:avLst/>
-          </a:prstGeom>
-          <a:noFill/>
-          <a:extLst>
-            <a:ext uri="{909E8E84-426E-40DD-AFC4-6F175D3DCCD1}">
-              <a14:hiddenFill xmlns:a14="http://schemas.microsoft.com/office/drawing/2010/main">
-                <a:solidFill>
-                  <a:srgbClr val="FFFFFF"/>
-                </a:solidFill>
-              </a14:hiddenFill>
-            </a:ext>
-          </a:extLst>
-        </p:spPr>
-      </p:pic>
-      <p:pic>
-        <p:nvPicPr>
-          <p:cNvPr id="1028" name="Picture 4" descr="Image result for fencing sword stock photo">
-            <a:extLst>
-              <a:ext uri="{FF2B5EF4-FFF2-40B4-BE49-F238E27FC236}">
-                <a16:creationId xmlns:a16="http://schemas.microsoft.com/office/drawing/2014/main" xmlns="" id="{9C0671BE-82B5-4A7B-B979-A9BB819D7EA0}"/>
-              </a:ext>
-            </a:extLst>
-          </p:cNvPr>
-          <p:cNvPicPr>
-            <a:picLocks noChangeAspect="1" noChangeArrowheads="1"/>
-          </p:cNvPicPr>
-          <p:nvPr/>
-        </p:nvPicPr>
-        <p:blipFill>
-          <a:blip r:embed="rId3">
-            <a:extLst>
-              <a:ext uri="{28A0092B-C50C-407E-A947-70E740481C1C}">
-                <a14:useLocalDpi xmlns:a14="http://schemas.microsoft.com/office/drawing/2010/main" val="0"/>
-              </a:ext>
-            </a:extLst>
-          </a:blip>
-          <a:srcRect/>
-          <a:stretch>
-            <a:fillRect/>
-          </a:stretch>
-        </p:blipFill>
-        <p:spPr bwMode="auto">
-          <a:xfrm>
-            <a:off x="784800" y="2470176"/>
-            <a:ext cx="3715200" cy="2786400"/>
-          </a:xfrm>
-          <a:prstGeom prst="rect">
-            <a:avLst/>
-          </a:prstGeom>
-          <a:noFill/>
-          <a:extLst>
-            <a:ext uri="{909E8E84-426E-40DD-AFC4-6F175D3DCCD1}">
-              <a14:hiddenFill xmlns:a14="http://schemas.microsoft.com/office/drawing/2010/main">
-                <a:solidFill>
-                  <a:srgbClr val="FFFFFF"/>
-                </a:solidFill>
-              </a14:hiddenFill>
-            </a:ext>
-          </a:extLst>
-        </p:spPr>
-      </p:pic>
-      <p:sp>
-        <p:nvSpPr>
-          <p:cNvPr id="5" name="TextBox 4">
-            <a:extLst>
-              <a:ext uri="{FF2B5EF4-FFF2-40B4-BE49-F238E27FC236}">
-                <a16:creationId xmlns:a16="http://schemas.microsoft.com/office/drawing/2014/main" xmlns="" id="{9167E0EE-7DE5-46F2-9436-8515EA8BFCCE}"/>
-              </a:ext>
-            </a:extLst>
-          </p:cNvPr>
-          <p:cNvSpPr txBox="1"/>
-          <p:nvPr/>
-        </p:nvSpPr>
-        <p:spPr>
-          <a:xfrm>
-            <a:off x="2800785" y="1601424"/>
-            <a:ext cx="6587253" cy="369332"/>
-          </a:xfrm>
-          <a:prstGeom prst="rect">
-            <a:avLst/>
-          </a:prstGeom>
-          <a:noFill/>
-        </p:spPr>
-        <p:txBody>
-          <a:bodyPr wrap="none" rtlCol="0">
-            <a:spAutoFit/>
-          </a:bodyPr>
-          <a:lstStyle/>
-          <a:p>
-            <a:r>
-              <a:rPr lang="en-CA" dirty="0"/>
-              <a:t>Self-defense or combat theory utilizing physical skill and coordination</a:t>
-            </a:r>
-          </a:p>
-        </p:txBody>
-      </p:sp>
-      <p:pic>
-        <p:nvPicPr>
-          <p:cNvPr id="1030" name="Picture 6" descr="Image result for bo staff pose">
-            <a:extLst>
-              <a:ext uri="{FF2B5EF4-FFF2-40B4-BE49-F238E27FC236}">
-                <a16:creationId xmlns:a16="http://schemas.microsoft.com/office/drawing/2014/main" xmlns="" id="{3E44751B-CF30-4DE1-9F87-01F2D4CD1345}"/>
-              </a:ext>
-            </a:extLst>
-          </p:cNvPr>
-          <p:cNvPicPr>
-            <a:picLocks noChangeAspect="1" noChangeArrowheads="1"/>
-          </p:cNvPicPr>
-          <p:nvPr/>
-        </p:nvPicPr>
-        <p:blipFill>
-          <a:blip r:embed="rId4">
-            <a:extLst>
-              <a:ext uri="{28A0092B-C50C-407E-A947-70E740481C1C}">
-                <a14:useLocalDpi xmlns:a14="http://schemas.microsoft.com/office/drawing/2010/main" val="0"/>
-              </a:ext>
-            </a:extLst>
-          </a:blip>
-          <a:srcRect/>
-          <a:stretch>
-            <a:fillRect/>
-          </a:stretch>
-        </p:blipFill>
-        <p:spPr bwMode="auto">
-          <a:xfrm>
-            <a:off x="7688824" y="2263176"/>
-            <a:ext cx="3286125" cy="3200400"/>
-          </a:xfrm>
-          <a:prstGeom prst="rect">
-            <a:avLst/>
-          </a:prstGeom>
-          <a:noFill/>
-          <a:extLst>
-            <a:ext uri="{909E8E84-426E-40DD-AFC4-6F175D3DCCD1}">
-              <a14:hiddenFill xmlns:a14="http://schemas.microsoft.com/office/drawing/2010/main">
-                <a:solidFill>
-                  <a:srgbClr val="FFFFFF"/>
-                </a:solidFill>
-              </a14:hiddenFill>
-            </a:ext>
-          </a:extLst>
-        </p:spPr>
-      </p:pic>
-    </p:spTree>
-    <p:extLst>
-      <p:ext uri="{BB962C8B-B14F-4D97-AF65-F5344CB8AC3E}">
-        <p14:creationId xmlns:p14="http://schemas.microsoft.com/office/powerpoint/2010/main" val="464816405"/>
-      </p:ext>
-    </p:extLst>
-  </p:cSld>
-  <p:clrMapOvr>
-    <a:masterClrMapping/>
-  </p:clrMapOvr>
-</p:sld>
-</file>
-
-<file path=ppt/slides/slide4.xml><?xml version="1.0" encoding="utf-8"?>
-<p:sld xmlns:a="http://schemas.openxmlformats.org/drawingml/2006/main" xmlns:r="http://schemas.openxmlformats.org/officeDocument/2006/relationships" xmlns:p="http://schemas.openxmlformats.org/presentationml/2006/main">
-  <p:cSld>
-    <p:spTree>
-      <p:nvGrpSpPr>
-        <p:cNvPr id="1" name=""/>
-        <p:cNvGrpSpPr/>
-        <p:nvPr/>
-      </p:nvGrpSpPr>
-      <p:grpSpPr>
-        <a:xfrm>
-          <a:off x="0" y="0"/>
-          <a:ext cx="0" cy="0"/>
-          <a:chOff x="0" y="0"/>
-          <a:chExt cx="0" cy="0"/>
-        </a:xfrm>
-      </p:grpSpPr>
-      <p:sp>
-        <p:nvSpPr>
-          <p:cNvPr id="2" name="Title 1">
-            <a:extLst>
-              <a:ext uri="{FF2B5EF4-FFF2-40B4-BE49-F238E27FC236}">
-                <a16:creationId xmlns:a16="http://schemas.microsoft.com/office/drawing/2014/main" xmlns="" id="{64D337EA-02F4-4FB4-8A67-402AE4DD9340}"/>
-              </a:ext>
-            </a:extLst>
-          </p:cNvPr>
-          <p:cNvSpPr>
-            <a:spLocks noGrp="1"/>
-          </p:cNvSpPr>
-          <p:nvPr>
-            <p:ph type="title"/>
-          </p:nvPr>
-        </p:nvSpPr>
-        <p:spPr/>
-        <p:txBody>
-          <a:bodyPr/>
-          <a:lstStyle/>
-          <a:p>
-            <a:pPr algn="ctr"/>
-            <a:r>
-              <a:rPr lang="en-CA" dirty="0"/>
-              <a:t>Historical European Martial Arts</a:t>
-            </a:r>
-          </a:p>
-        </p:txBody>
-      </p:sp>
-      <p:pic>
-        <p:nvPicPr>
-          <p:cNvPr id="2050" name="Picture 2" descr="Image result for historical european martial arts">
-            <a:extLst>
-              <a:ext uri="{FF2B5EF4-FFF2-40B4-BE49-F238E27FC236}">
-                <a16:creationId xmlns:a16="http://schemas.microsoft.com/office/drawing/2014/main" xmlns="" id="{3717EEE2-7DC0-40CE-8512-44B65253AFC2}"/>
-              </a:ext>
-            </a:extLst>
-          </p:cNvPr>
-          <p:cNvPicPr>
-            <a:picLocks noChangeAspect="1" noChangeArrowheads="1"/>
-          </p:cNvPicPr>
-          <p:nvPr/>
-        </p:nvPicPr>
-        <p:blipFill>
-          <a:blip r:embed="rId2">
-            <a:extLst>
-              <a:ext uri="{28A0092B-C50C-407E-A947-70E740481C1C}">
-                <a14:useLocalDpi xmlns:a14="http://schemas.microsoft.com/office/drawing/2010/main" val="0"/>
-              </a:ext>
-            </a:extLst>
-          </a:blip>
-          <a:srcRect/>
-          <a:stretch>
-            <a:fillRect/>
-          </a:stretch>
-        </p:blipFill>
-        <p:spPr bwMode="auto">
-          <a:xfrm>
-            <a:off x="6264701" y="2605904"/>
-            <a:ext cx="3814297" cy="2860723"/>
-          </a:xfrm>
-          <a:prstGeom prst="rect">
-            <a:avLst/>
-          </a:prstGeom>
-          <a:noFill/>
-          <a:extLst>
-            <a:ext uri="{909E8E84-426E-40DD-AFC4-6F175D3DCCD1}">
-              <a14:hiddenFill xmlns:a14="http://schemas.microsoft.com/office/drawing/2010/main">
-                <a:solidFill>
-                  <a:srgbClr val="FFFFFF"/>
-                </a:solidFill>
-              </a14:hiddenFill>
-            </a:ext>
-          </a:extLst>
-        </p:spPr>
-      </p:pic>
-      <p:pic>
-        <p:nvPicPr>
-          <p:cNvPr id="2052" name="Picture 4" descr="http://www.hemac.org/img/pic/i33.jpg">
-            <a:extLst>
-              <a:ext uri="{FF2B5EF4-FFF2-40B4-BE49-F238E27FC236}">
-                <a16:creationId xmlns:a16="http://schemas.microsoft.com/office/drawing/2014/main" xmlns="" id="{A283EDD7-8455-4A55-97ED-DA763A0C8B58}"/>
-              </a:ext>
-            </a:extLst>
-          </p:cNvPr>
-          <p:cNvPicPr>
-            <a:picLocks noChangeAspect="1" noChangeArrowheads="1"/>
-          </p:cNvPicPr>
-          <p:nvPr/>
-        </p:nvPicPr>
-        <p:blipFill>
-          <a:blip r:embed="rId3">
-            <a:extLst>
-              <a:ext uri="{28A0092B-C50C-407E-A947-70E740481C1C}">
-                <a14:useLocalDpi xmlns:a14="http://schemas.microsoft.com/office/drawing/2010/main" val="0"/>
-              </a:ext>
-            </a:extLst>
-          </a:blip>
-          <a:srcRect/>
-          <a:stretch>
-            <a:fillRect/>
-          </a:stretch>
-        </p:blipFill>
-        <p:spPr bwMode="auto">
-          <a:xfrm>
-            <a:off x="1439675" y="2897098"/>
-            <a:ext cx="4487625" cy="2278333"/>
-          </a:xfrm>
-          <a:prstGeom prst="rect">
-            <a:avLst/>
-          </a:prstGeom>
-          <a:noFill/>
-          <a:extLst>
-            <a:ext uri="{909E8E84-426E-40DD-AFC4-6F175D3DCCD1}">
-              <a14:hiddenFill xmlns:a14="http://schemas.microsoft.com/office/drawing/2010/main">
-                <a:solidFill>
-                  <a:srgbClr val="FFFFFF"/>
-                </a:solidFill>
-              </a14:hiddenFill>
-            </a:ext>
-          </a:extLst>
-        </p:spPr>
-      </p:pic>
-      <p:sp>
-        <p:nvSpPr>
-          <p:cNvPr id="4" name="TextBox 3">
-            <a:extLst>
-              <a:ext uri="{FF2B5EF4-FFF2-40B4-BE49-F238E27FC236}">
-                <a16:creationId xmlns:a16="http://schemas.microsoft.com/office/drawing/2014/main" xmlns="" id="{A6C94766-E3A3-4C42-9BD7-3FA8965FBF80}"/>
-              </a:ext>
-            </a:extLst>
-          </p:cNvPr>
-          <p:cNvSpPr txBox="1"/>
-          <p:nvPr/>
-        </p:nvSpPr>
-        <p:spPr>
-          <a:xfrm>
-            <a:off x="3432609" y="1727756"/>
-            <a:ext cx="5371792" cy="369332"/>
-          </a:xfrm>
-          <a:prstGeom prst="rect">
-            <a:avLst/>
-          </a:prstGeom>
-          <a:noFill/>
-        </p:spPr>
-        <p:txBody>
-          <a:bodyPr wrap="none" rtlCol="0">
-            <a:spAutoFit/>
-          </a:bodyPr>
-          <a:lstStyle/>
-          <a:p>
-            <a:r>
-              <a:rPr lang="en-CA" dirty="0"/>
-              <a:t>Martial arts of European origin, based on historical texts</a:t>
-            </a:r>
-          </a:p>
-        </p:txBody>
-      </p:sp>
-    </p:spTree>
-    <p:extLst>
-      <p:ext uri="{BB962C8B-B14F-4D97-AF65-F5344CB8AC3E}">
-        <p14:creationId xmlns:p14="http://schemas.microsoft.com/office/powerpoint/2010/main" val="3097342237"/>
-      </p:ext>
-    </p:extLst>
-  </p:cSld>
-  <p:clrMapOvr>
-    <a:masterClrMapping/>
-  </p:clrMapOvr>
-</p:sld>
-</file>
-
-<file path=ppt/slides/slide5.xml><?xml version="1.0" encoding="utf-8"?>
-<p:sld xmlns:a="http://schemas.openxmlformats.org/drawingml/2006/main" xmlns:r="http://schemas.openxmlformats.org/officeDocument/2006/relationships" xmlns:p="http://schemas.openxmlformats.org/presentationml/2006/main">
-  <p:cSld>
-    <p:spTree>
-      <p:nvGrpSpPr>
-        <p:cNvPr id="1" name=""/>
-        <p:cNvGrpSpPr/>
-        <p:nvPr/>
-      </p:nvGrpSpPr>
-      <p:grpSpPr>
-        <a:xfrm>
-          <a:off x="0" y="0"/>
-          <a:ext cx="0" cy="0"/>
-          <a:chOff x="0" y="0"/>
-          <a:chExt cx="0" cy="0"/>
-        </a:xfrm>
-      </p:grpSpPr>
-      <p:sp>
-        <p:nvSpPr>
-          <p:cNvPr id="2" name="Title 1">
-            <a:extLst>
-              <a:ext uri="{FF2B5EF4-FFF2-40B4-BE49-F238E27FC236}">
-                <a16:creationId xmlns:a16="http://schemas.microsoft.com/office/drawing/2014/main" xmlns="" id="{87750F07-33DE-427A-9D3B-1AC46D29D5C5}"/>
-              </a:ext>
-            </a:extLst>
-          </p:cNvPr>
-          <p:cNvSpPr>
-            <a:spLocks noGrp="1"/>
-          </p:cNvSpPr>
-          <p:nvPr>
-            <p:ph type="title"/>
-          </p:nvPr>
-        </p:nvSpPr>
-        <p:spPr/>
-        <p:txBody>
-          <a:bodyPr/>
-          <a:lstStyle/>
-          <a:p>
-            <a:pPr algn="ctr"/>
-            <a:r>
-              <a:rPr lang="en-CA" dirty="0" err="1"/>
-              <a:t>Liechtenauer</a:t>
-            </a:r>
-            <a:r>
-              <a:rPr lang="en-CA" dirty="0"/>
-              <a:t> Fencing School</a:t>
-            </a:r>
-          </a:p>
-        </p:txBody>
-      </p:sp>
-      <p:sp>
-        <p:nvSpPr>
-          <p:cNvPr id="3" name="Content Placeholder 2">
-            <a:extLst>
-              <a:ext uri="{FF2B5EF4-FFF2-40B4-BE49-F238E27FC236}">
-                <a16:creationId xmlns:a16="http://schemas.microsoft.com/office/drawing/2014/main" xmlns="" id="{27957891-E8CF-4945-9E5A-1261E6F6E577}"/>
-              </a:ext>
-            </a:extLst>
-          </p:cNvPr>
-          <p:cNvSpPr>
-            <a:spLocks noGrp="1"/>
-          </p:cNvSpPr>
-          <p:nvPr>
-            <p:ph idx="1"/>
-          </p:nvPr>
-        </p:nvSpPr>
-        <p:spPr>
-          <a:xfrm>
-            <a:off x="1141412" y="2826327"/>
-            <a:ext cx="9905999" cy="2964874"/>
-          </a:xfrm>
-        </p:spPr>
-        <p:txBody>
-          <a:bodyPr/>
-          <a:lstStyle/>
-          <a:p>
-            <a:r>
-              <a:rPr lang="en-CA" dirty="0"/>
-              <a:t>Based upon teachings of Johannes </a:t>
-            </a:r>
-            <a:r>
-              <a:rPr lang="en-CA" dirty="0" err="1"/>
-              <a:t>Liechtenauer</a:t>
-            </a:r>
-            <a:endParaRPr lang="en-CA" dirty="0"/>
-          </a:p>
-          <a:p>
-            <a:r>
-              <a:rPr lang="en-CA" dirty="0"/>
-              <a:t>Evolved into modern German fencing</a:t>
-            </a:r>
-          </a:p>
-          <a:p>
-            <a:r>
-              <a:rPr lang="en-CA" dirty="0"/>
-              <a:t>Utilizes the </a:t>
-            </a:r>
-            <a:r>
-              <a:rPr lang="en-CA" dirty="0" err="1"/>
-              <a:t>Federschwert</a:t>
-            </a:r>
-            <a:r>
-              <a:rPr lang="en-CA" dirty="0"/>
-              <a:t> (feather sword)</a:t>
-            </a:r>
-          </a:p>
-          <a:p>
-            <a:endParaRPr lang="en-CA" dirty="0"/>
-          </a:p>
-        </p:txBody>
-      </p:sp>
-      <p:pic>
-        <p:nvPicPr>
-          <p:cNvPr id="4106" name="Picture 10" descr="Image result for federschwert">
-            <a:extLst>
-              <a:ext uri="{FF2B5EF4-FFF2-40B4-BE49-F238E27FC236}">
-                <a16:creationId xmlns:a16="http://schemas.microsoft.com/office/drawing/2014/main" xmlns="" id="{B84A99CF-5F5B-43D8-9783-F4A621B21032}"/>
-              </a:ext>
-            </a:extLst>
-          </p:cNvPr>
-          <p:cNvPicPr>
-            <a:picLocks noChangeAspect="1" noChangeArrowheads="1"/>
-          </p:cNvPicPr>
-          <p:nvPr/>
-        </p:nvPicPr>
-        <p:blipFill rotWithShape="1">
-          <a:blip r:embed="rId2" cstate="print">
-            <a:extLst>
-              <a:ext uri="{28A0092B-C50C-407E-A947-70E740481C1C}">
-                <a14:useLocalDpi xmlns:a14="http://schemas.microsoft.com/office/drawing/2010/main" val="0"/>
-              </a:ext>
-            </a:extLst>
-          </a:blip>
-          <a:srcRect l="1483" t="22638" r="-1483" b="22950"/>
-          <a:stretch/>
-        </p:blipFill>
-        <p:spPr bwMode="auto">
-          <a:xfrm rot="16200000">
-            <a:off x="7237509" y="3415231"/>
-            <a:ext cx="4259787" cy="1388715"/>
-          </a:xfrm>
-          <a:prstGeom prst="rect">
-            <a:avLst/>
-          </a:prstGeom>
-          <a:noFill/>
-          <a:extLst>
-            <a:ext uri="{909E8E84-426E-40DD-AFC4-6F175D3DCCD1}">
-              <a14:hiddenFill xmlns:a14="http://schemas.microsoft.com/office/drawing/2010/main">
-                <a:solidFill>
-                  <a:srgbClr val="FFFFFF"/>
-                </a:solidFill>
-              </a14:hiddenFill>
-            </a:ext>
-          </a:extLst>
-        </p:spPr>
-      </p:pic>
-    </p:spTree>
-    <p:extLst>
-      <p:ext uri="{BB962C8B-B14F-4D97-AF65-F5344CB8AC3E}">
-        <p14:creationId xmlns:p14="http://schemas.microsoft.com/office/powerpoint/2010/main" val="1891629760"/>
-      </p:ext>
-    </p:extLst>
-  </p:cSld>
-  <p:clrMapOvr>
-    <a:masterClrMapping/>
-  </p:clrMapOvr>
-</p:sld>
-</file>
-
-<file path=ppt/slides/slide6.xml><?xml version="1.0" encoding="utf-8"?>
-<p:sld xmlns:a="http://schemas.openxmlformats.org/drawingml/2006/main" xmlns:r="http://schemas.openxmlformats.org/officeDocument/2006/relationships" xmlns:p="http://schemas.openxmlformats.org/presentationml/2006/main">
-  <p:cSld>
-    <p:spTree>
-      <p:nvGrpSpPr>
-        <p:cNvPr id="1" name=""/>
-        <p:cNvGrpSpPr/>
-        <p:nvPr/>
-      </p:nvGrpSpPr>
-      <p:grpSpPr>
-        <a:xfrm>
-          <a:off x="0" y="0"/>
-          <a:ext cx="0" cy="0"/>
-          <a:chOff x="0" y="0"/>
-          <a:chExt cx="0" cy="0"/>
-        </a:xfrm>
-      </p:grpSpPr>
-      <p:sp>
-        <p:nvSpPr>
-          <p:cNvPr id="2" name="Title 1">
-            <a:extLst>
-              <a:ext uri="{FF2B5EF4-FFF2-40B4-BE49-F238E27FC236}">
-                <a16:creationId xmlns:a16="http://schemas.microsoft.com/office/drawing/2014/main" xmlns="" id="{62A73FB6-C61F-42A7-AA59-33990FCC769C}"/>
-              </a:ext>
-            </a:extLst>
-          </p:cNvPr>
-          <p:cNvSpPr>
-            <a:spLocks noGrp="1"/>
-          </p:cNvSpPr>
-          <p:nvPr>
-            <p:ph type="title"/>
-          </p:nvPr>
-        </p:nvSpPr>
-        <p:spPr/>
-        <p:txBody>
-          <a:bodyPr/>
-          <a:lstStyle/>
-          <a:p>
-            <a:pPr algn="ctr"/>
-            <a:r>
-              <a:rPr lang="en-CA" dirty="0"/>
-              <a:t>What is a Simulator</a:t>
-            </a:r>
-          </a:p>
-        </p:txBody>
-      </p:sp>
-      <p:sp>
-        <p:nvSpPr>
-          <p:cNvPr id="4" name="TextBox 3">
-            <a:extLst>
-              <a:ext uri="{FF2B5EF4-FFF2-40B4-BE49-F238E27FC236}">
-                <a16:creationId xmlns:a16="http://schemas.microsoft.com/office/drawing/2014/main" xmlns="" id="{C0179942-D8BA-4453-85AC-C0980C3806BA}"/>
-              </a:ext>
-            </a:extLst>
-          </p:cNvPr>
-          <p:cNvSpPr txBox="1"/>
-          <p:nvPr/>
-        </p:nvSpPr>
-        <p:spPr>
-          <a:xfrm>
-            <a:off x="1220128" y="1727756"/>
-            <a:ext cx="9748566" cy="369332"/>
-          </a:xfrm>
-          <a:prstGeom prst="rect">
-            <a:avLst/>
-          </a:prstGeom>
-          <a:noFill/>
-        </p:spPr>
-        <p:txBody>
-          <a:bodyPr wrap="none" rtlCol="0">
-            <a:spAutoFit/>
-          </a:bodyPr>
-          <a:lstStyle/>
-          <a:p>
-            <a:r>
-              <a:rPr lang="en-CA" dirty="0"/>
-              <a:t>A set of controls designed to provide a realistic imitation of a complex system; used for training purposes</a:t>
-            </a:r>
-          </a:p>
-        </p:txBody>
-      </p:sp>
-      <p:pic>
-        <p:nvPicPr>
-          <p:cNvPr id="5122" name="Picture 2" descr="Image result for simulator">
-            <a:extLst>
-              <a:ext uri="{FF2B5EF4-FFF2-40B4-BE49-F238E27FC236}">
-                <a16:creationId xmlns:a16="http://schemas.microsoft.com/office/drawing/2014/main" xmlns="" id="{5EA3C10D-78E1-40D1-B006-678934D7CCEE}"/>
-              </a:ext>
-            </a:extLst>
-          </p:cNvPr>
-          <p:cNvPicPr>
-            <a:picLocks noChangeAspect="1" noChangeArrowheads="1"/>
-          </p:cNvPicPr>
-          <p:nvPr/>
-        </p:nvPicPr>
-        <p:blipFill>
-          <a:blip r:embed="rId2">
-            <a:extLst>
-              <a:ext uri="{28A0092B-C50C-407E-A947-70E740481C1C}">
-                <a14:useLocalDpi xmlns:a14="http://schemas.microsoft.com/office/drawing/2010/main" val="0"/>
-              </a:ext>
-            </a:extLst>
-          </a:blip>
-          <a:srcRect/>
-          <a:stretch>
-            <a:fillRect/>
-          </a:stretch>
-        </p:blipFill>
-        <p:spPr bwMode="auto">
-          <a:xfrm>
-            <a:off x="6230733" y="2764511"/>
-            <a:ext cx="3959747" cy="2969810"/>
-          </a:xfrm>
-          <a:prstGeom prst="rect">
-            <a:avLst/>
-          </a:prstGeom>
-          <a:noFill/>
-          <a:extLst>
-            <a:ext uri="{909E8E84-426E-40DD-AFC4-6F175D3DCCD1}">
-              <a14:hiddenFill xmlns:a14="http://schemas.microsoft.com/office/drawing/2010/main">
-                <a:solidFill>
-                  <a:srgbClr val="FFFFFF"/>
-                </a:solidFill>
-              </a14:hiddenFill>
-            </a:ext>
-          </a:extLst>
-        </p:spPr>
-      </p:pic>
-      <p:pic>
-        <p:nvPicPr>
-          <p:cNvPr id="5124" name="Picture 4" descr="https://www.gamegrin.com/assets/games/car-mechanic-simulator-2015/screenshots/car-mechanic-simulator-2015-screenshot-7.jpg">
-            <a:extLst>
-              <a:ext uri="{FF2B5EF4-FFF2-40B4-BE49-F238E27FC236}">
-                <a16:creationId xmlns:a16="http://schemas.microsoft.com/office/drawing/2014/main" xmlns="" id="{472D511B-17AF-4921-BE65-BC0124138252}"/>
-              </a:ext>
-            </a:extLst>
-          </p:cNvPr>
-          <p:cNvPicPr>
-            <a:picLocks noChangeAspect="1" noChangeArrowheads="1"/>
-          </p:cNvPicPr>
-          <p:nvPr/>
-        </p:nvPicPr>
-        <p:blipFill>
-          <a:blip r:embed="rId3" cstate="print">
-            <a:extLst>
-              <a:ext uri="{28A0092B-C50C-407E-A947-70E740481C1C}">
-                <a14:useLocalDpi xmlns:a14="http://schemas.microsoft.com/office/drawing/2010/main" val="0"/>
-              </a:ext>
-            </a:extLst>
-          </a:blip>
-          <a:srcRect/>
-          <a:stretch>
-            <a:fillRect/>
-          </a:stretch>
-        </p:blipFill>
-        <p:spPr bwMode="auto">
-          <a:xfrm>
-            <a:off x="953844" y="2842708"/>
-            <a:ext cx="5007425" cy="2813417"/>
-          </a:xfrm>
-          <a:prstGeom prst="rect">
-            <a:avLst/>
-          </a:prstGeom>
-          <a:noFill/>
-          <a:extLst>
-            <a:ext uri="{909E8E84-426E-40DD-AFC4-6F175D3DCCD1}">
-              <a14:hiddenFill xmlns:a14="http://schemas.microsoft.com/office/drawing/2010/main">
-                <a:solidFill>
-                  <a:srgbClr val="FFFFFF"/>
-                </a:solidFill>
-              </a14:hiddenFill>
-            </a:ext>
-          </a:extLst>
-        </p:spPr>
-      </p:pic>
-    </p:spTree>
-    <p:extLst>
-      <p:ext uri="{BB962C8B-B14F-4D97-AF65-F5344CB8AC3E}">
-        <p14:creationId xmlns:p14="http://schemas.microsoft.com/office/powerpoint/2010/main" val="1502719707"/>
-      </p:ext>
-    </p:extLst>
-  </p:cSld>
-  <p:clrMapOvr>
-    <a:masterClrMapping/>
-  </p:clrMapOvr>
-</p:sld>
-</file>
-
-<file path=ppt/slides/slide7.xml><?xml version="1.0" encoding="utf-8"?>
-<p:sld xmlns:a="http://schemas.openxmlformats.org/drawingml/2006/main" xmlns:r="http://schemas.openxmlformats.org/officeDocument/2006/relationships" xmlns:p="http://schemas.openxmlformats.org/presentationml/2006/main">
-  <p:cSld>
-    <p:spTree>
-      <p:nvGrpSpPr>
-        <p:cNvPr id="1" name=""/>
-        <p:cNvGrpSpPr/>
-        <p:nvPr/>
-      </p:nvGrpSpPr>
-      <p:grpSpPr>
-        <a:xfrm>
-          <a:off x="0" y="0"/>
-          <a:ext cx="0" cy="0"/>
-          <a:chOff x="0" y="0"/>
-          <a:chExt cx="0" cy="0"/>
-        </a:xfrm>
-      </p:grpSpPr>
-      <p:sp>
-        <p:nvSpPr>
-          <p:cNvPr id="2" name="Title 1">
-            <a:extLst>
-              <a:ext uri="{FF2B5EF4-FFF2-40B4-BE49-F238E27FC236}">
-                <a16:creationId xmlns:a16="http://schemas.microsoft.com/office/drawing/2014/main" xmlns="" id="{B67B30F8-209F-42BD-98AA-EA47CD1674E7}"/>
-              </a:ext>
-            </a:extLst>
-          </p:cNvPr>
-          <p:cNvSpPr>
-            <a:spLocks noGrp="1"/>
-          </p:cNvSpPr>
-          <p:nvPr>
-            <p:ph type="title"/>
-          </p:nvPr>
-        </p:nvSpPr>
-        <p:spPr/>
-        <p:txBody>
-          <a:bodyPr/>
-          <a:lstStyle/>
-          <a:p>
-            <a:pPr algn="ctr"/>
-            <a:r>
-              <a:rPr lang="en-CA" dirty="0"/>
-              <a:t>Why Use Simulation?</a:t>
-            </a:r>
-          </a:p>
-        </p:txBody>
-      </p:sp>
-      <p:sp>
-        <p:nvSpPr>
-          <p:cNvPr id="3" name="Content Placeholder 2">
-            <a:extLst>
-              <a:ext uri="{FF2B5EF4-FFF2-40B4-BE49-F238E27FC236}">
-                <a16:creationId xmlns:a16="http://schemas.microsoft.com/office/drawing/2014/main" xmlns="" id="{E8FCC0D7-6C81-4DAD-A7AA-3D1B55688E2B}"/>
-              </a:ext>
-            </a:extLst>
-          </p:cNvPr>
-          <p:cNvSpPr>
-            <a:spLocks noGrp="1"/>
-          </p:cNvSpPr>
-          <p:nvPr>
-            <p:ph idx="1"/>
-          </p:nvPr>
-        </p:nvSpPr>
-        <p:spPr>
-          <a:xfrm>
-            <a:off x="1141412" y="2588821"/>
-            <a:ext cx="9905999" cy="3202379"/>
-          </a:xfrm>
-        </p:spPr>
-        <p:txBody>
-          <a:bodyPr/>
-          <a:lstStyle/>
-          <a:p>
-            <a:r>
-              <a:rPr lang="en-CA" dirty="0"/>
-              <a:t>Minimize financial overhead</a:t>
-            </a:r>
-          </a:p>
-          <a:p>
-            <a:r>
-              <a:rPr lang="en-CA" dirty="0"/>
-              <a:t>Simplified distribution of knowledge</a:t>
-            </a:r>
-          </a:p>
-          <a:p>
-            <a:r>
-              <a:rPr lang="en-CA" dirty="0"/>
-              <a:t>Expand potential client base</a:t>
-            </a:r>
-          </a:p>
-          <a:p>
-            <a:r>
-              <a:rPr lang="en-CA" dirty="0"/>
-              <a:t>Hardware standards are increasing</a:t>
-            </a:r>
-          </a:p>
-          <a:p>
-            <a:r>
-              <a:rPr lang="en-CA" dirty="0"/>
-              <a:t>Allows practical training without the physical risks</a:t>
-            </a:r>
-          </a:p>
-        </p:txBody>
-      </p:sp>
-      <p:pic>
-        <p:nvPicPr>
-          <p:cNvPr id="6146" name="Picture 2" descr="Image result for cloud computing">
-            <a:extLst>
-              <a:ext uri="{FF2B5EF4-FFF2-40B4-BE49-F238E27FC236}">
-                <a16:creationId xmlns:a16="http://schemas.microsoft.com/office/drawing/2014/main" xmlns="" id="{332127A4-AFB9-4DEA-B3C2-CADF02AD2E7E}"/>
-              </a:ext>
-            </a:extLst>
-          </p:cNvPr>
-          <p:cNvPicPr>
-            <a:picLocks noChangeAspect="1" noChangeArrowheads="1"/>
-          </p:cNvPicPr>
-          <p:nvPr/>
-        </p:nvPicPr>
-        <p:blipFill>
-          <a:blip r:embed="rId2">
-            <a:extLst>
-              <a:ext uri="{28A0092B-C50C-407E-A947-70E740481C1C}">
-                <a14:useLocalDpi xmlns:a14="http://schemas.microsoft.com/office/drawing/2010/main" val="0"/>
-              </a:ext>
-            </a:extLst>
-          </a:blip>
-          <a:srcRect/>
-          <a:stretch>
-            <a:fillRect/>
-          </a:stretch>
-        </p:blipFill>
-        <p:spPr bwMode="auto">
-          <a:xfrm>
-            <a:off x="6813602" y="2116479"/>
-            <a:ext cx="4476728" cy="2520232"/>
-          </a:xfrm>
-          <a:prstGeom prst="rect">
-            <a:avLst/>
-          </a:prstGeom>
-          <a:noFill/>
-          <a:extLst>
-            <a:ext uri="{909E8E84-426E-40DD-AFC4-6F175D3DCCD1}">
-              <a14:hiddenFill xmlns:a14="http://schemas.microsoft.com/office/drawing/2010/main">
-                <a:solidFill>
-                  <a:srgbClr val="FFFFFF"/>
-                </a:solidFill>
-              </a14:hiddenFill>
-            </a:ext>
-          </a:extLst>
-        </p:spPr>
-      </p:pic>
-    </p:spTree>
-    <p:extLst>
-      <p:ext uri="{BB962C8B-B14F-4D97-AF65-F5344CB8AC3E}">
-        <p14:creationId xmlns:p14="http://schemas.microsoft.com/office/powerpoint/2010/main" val="4146036202"/>
-      </p:ext>
-    </p:extLst>
-  </p:cSld>
-  <p:clrMapOvr>
-    <a:masterClrMapping/>
-  </p:clrMapOvr>
-</p:sld>
-</file>
-
-<file path=ppt/slides/slide8.xml><?xml version="1.0" encoding="utf-8"?>
-<p:sld xmlns:a="http://schemas.openxmlformats.org/drawingml/2006/main" xmlns:r="http://schemas.openxmlformats.org/officeDocument/2006/relationships" xmlns:p="http://schemas.openxmlformats.org/presentationml/2006/main">
-  <p:cSld>
-    <p:spTree>
-      <p:nvGrpSpPr>
-        <p:cNvPr id="1" name=""/>
-        <p:cNvGrpSpPr/>
-        <p:nvPr/>
-      </p:nvGrpSpPr>
-      <p:grpSpPr>
-        <a:xfrm>
-          <a:off x="0" y="0"/>
-          <a:ext cx="0" cy="0"/>
-          <a:chOff x="0" y="0"/>
-          <a:chExt cx="0" cy="0"/>
-        </a:xfrm>
-      </p:grpSpPr>
-      <p:sp>
-        <p:nvSpPr>
-          <p:cNvPr id="2" name="Title 1">
-            <a:extLst>
-              <a:ext uri="{FF2B5EF4-FFF2-40B4-BE49-F238E27FC236}">
-                <a16:creationId xmlns:a16="http://schemas.microsoft.com/office/drawing/2014/main" xmlns="" id="{B16A5571-C585-4212-909F-22EFA13187D4}"/>
+                <a16:creationId xmlns="" xmlns:a16="http://schemas.microsoft.com/office/drawing/2014/main" id="{B16A5571-C585-4212-909F-22EFA13187D4}"/>
               </a:ext>
             </a:extLst>
           </p:cNvPr>
@@ -15708,10 +12695,17 @@
   <p:clrMapOvr>
     <a:masterClrMapping/>
   </p:clrMapOvr>
+  <p:timing>
+    <p:tnLst>
+      <p:par>
+        <p:cTn id="1" dur="indefinite" restart="never" nodeType="tmRoot"/>
+      </p:par>
+    </p:tnLst>
+  </p:timing>
 </p:sld>
 </file>
 
-<file path=ppt/slides/slide9.xml><?xml version="1.0" encoding="utf-8"?>
+<file path=ppt/slides/slide11.xml><?xml version="1.0" encoding="utf-8"?>
 <p:sld xmlns:a="http://schemas.openxmlformats.org/drawingml/2006/main" xmlns:r="http://schemas.openxmlformats.org/officeDocument/2006/relationships" xmlns:p="http://schemas.openxmlformats.org/presentationml/2006/main">
   <p:cSld>
     <p:spTree>
@@ -15733,7 +12727,7 @@
           <p:cNvPr id="2" name="Title 1">
             <a:extLst>
               <a:ext uri="{FF2B5EF4-FFF2-40B4-BE49-F238E27FC236}">
-                <a16:creationId xmlns:a16="http://schemas.microsoft.com/office/drawing/2014/main" xmlns="" id="{0FB82A53-AAA3-404D-BA57-D56AB9FCF759}"/>
+                <a16:creationId xmlns="" xmlns:a16="http://schemas.microsoft.com/office/drawing/2014/main" id="{0FB82A53-AAA3-404D-BA57-D56AB9FCF759}"/>
               </a:ext>
             </a:extLst>
           </p:cNvPr>
@@ -15762,7 +12756,7 @@
           <p:cNvPr id="3" name="Content Placeholder 2">
             <a:extLst>
               <a:ext uri="{FF2B5EF4-FFF2-40B4-BE49-F238E27FC236}">
-                <a16:creationId xmlns:a16="http://schemas.microsoft.com/office/drawing/2014/main" xmlns="" id="{9EF5AC7C-CAB4-4B13-B9B0-17EF00FDBDA8}"/>
+                <a16:creationId xmlns="" xmlns:a16="http://schemas.microsoft.com/office/drawing/2014/main" id="{9EF5AC7C-CAB4-4B13-B9B0-17EF00FDBDA8}"/>
               </a:ext>
             </a:extLst>
           </p:cNvPr>
@@ -15858,6 +12852,4453 @@
   <p:clrMapOvr>
     <a:masterClrMapping/>
   </p:clrMapOvr>
+  <p:timing>
+    <p:tnLst>
+      <p:par>
+        <p:cTn id="1" dur="indefinite" restart="never" nodeType="tmRoot"/>
+      </p:par>
+    </p:tnLst>
+  </p:timing>
+</p:sld>
+</file>
+
+<file path=ppt/slides/slide12.xml><?xml version="1.0" encoding="utf-8"?>
+<p:sld xmlns:a="http://schemas.openxmlformats.org/drawingml/2006/main" xmlns:r="http://schemas.openxmlformats.org/officeDocument/2006/relationships" xmlns:p="http://schemas.openxmlformats.org/presentationml/2006/main">
+  <p:cSld>
+    <p:spTree>
+      <p:nvGrpSpPr>
+        <p:cNvPr id="1" name=""/>
+        <p:cNvGrpSpPr/>
+        <p:nvPr/>
+      </p:nvGrpSpPr>
+      <p:grpSpPr>
+        <a:xfrm>
+          <a:off x="0" y="0"/>
+          <a:ext cx="0" cy="0"/>
+          <a:chOff x="0" y="0"/>
+          <a:chExt cx="0" cy="0"/>
+        </a:xfrm>
+      </p:grpSpPr>
+      <p:sp>
+        <p:nvSpPr>
+          <p:cNvPr id="2" name="Title 1">
+            <a:extLst>
+              <a:ext uri="{FF2B5EF4-FFF2-40B4-BE49-F238E27FC236}">
+                <a16:creationId xmlns="" xmlns:a16="http://schemas.microsoft.com/office/drawing/2014/main" id="{AE97EAE8-F837-4285-A405-02763428144C}"/>
+              </a:ext>
+            </a:extLst>
+          </p:cNvPr>
+          <p:cNvSpPr>
+            <a:spLocks noGrp="1"/>
+          </p:cNvSpPr>
+          <p:nvPr>
+            <p:ph type="title"/>
+          </p:nvPr>
+        </p:nvSpPr>
+        <p:spPr/>
+        <p:txBody>
+          <a:bodyPr/>
+          <a:lstStyle/>
+          <a:p>
+            <a:pPr algn="ctr"/>
+            <a:r>
+              <a:rPr lang="en-CA" dirty="0"/>
+              <a:t>Requirements Analysis</a:t>
+            </a:r>
+          </a:p>
+        </p:txBody>
+      </p:sp>
+      <p:sp>
+        <p:nvSpPr>
+          <p:cNvPr id="3" name="Content Placeholder 2">
+            <a:extLst>
+              <a:ext uri="{FF2B5EF4-FFF2-40B4-BE49-F238E27FC236}">
+                <a16:creationId xmlns="" xmlns:a16="http://schemas.microsoft.com/office/drawing/2014/main" id="{D9189252-2950-49E6-9939-B6381FCF79CB}"/>
+              </a:ext>
+            </a:extLst>
+          </p:cNvPr>
+          <p:cNvSpPr>
+            <a:spLocks noGrp="1"/>
+          </p:cNvSpPr>
+          <p:nvPr>
+            <p:ph idx="1"/>
+          </p:nvPr>
+        </p:nvSpPr>
+        <p:spPr>
+          <a:xfrm>
+            <a:off x="1141413" y="2249487"/>
+            <a:ext cx="5473144" cy="3541714"/>
+          </a:xfrm>
+        </p:spPr>
+        <p:txBody>
+          <a:bodyPr/>
+          <a:lstStyle/>
+          <a:p>
+            <a:r>
+              <a:rPr lang="en-CA" dirty="0"/>
+              <a:t>Eric’s HEMA knowledge + </a:t>
+            </a:r>
+            <a:r>
+              <a:rPr lang="en-CA" dirty="0" err="1"/>
+              <a:t>Conlan’s</a:t>
+            </a:r>
+            <a:r>
+              <a:rPr lang="en-CA" dirty="0"/>
+              <a:t> design knowledge</a:t>
+            </a:r>
+          </a:p>
+          <a:p>
+            <a:r>
+              <a:rPr lang="en-CA" dirty="0"/>
+              <a:t>Design goals elicitation</a:t>
+            </a:r>
+          </a:p>
+          <a:p>
+            <a:r>
+              <a:rPr lang="en-CA" dirty="0"/>
+              <a:t>Application structure</a:t>
+            </a:r>
+          </a:p>
+        </p:txBody>
+      </p:sp>
+      <p:pic>
+        <p:nvPicPr>
+          <p:cNvPr id="4" name="Picture 3">
+            <a:extLst>
+              <a:ext uri="{FF2B5EF4-FFF2-40B4-BE49-F238E27FC236}">
+                <a16:creationId xmlns="" xmlns:a16="http://schemas.microsoft.com/office/drawing/2014/main" id="{8BB07A56-3380-40DB-BF9D-FD4C836C427F}"/>
+              </a:ext>
+            </a:extLst>
+          </p:cNvPr>
+          <p:cNvPicPr/>
+          <p:nvPr/>
+        </p:nvPicPr>
+        <p:blipFill>
+          <a:blip r:embed="rId2"/>
+          <a:stretch>
+            <a:fillRect/>
+          </a:stretch>
+        </p:blipFill>
+        <p:spPr>
+          <a:xfrm>
+            <a:off x="6862126" y="2315369"/>
+            <a:ext cx="4185285" cy="3409950"/>
+          </a:xfrm>
+          <a:prstGeom prst="rect">
+            <a:avLst/>
+          </a:prstGeom>
+        </p:spPr>
+      </p:pic>
+    </p:spTree>
+    <p:extLst>
+      <p:ext uri="{BB962C8B-B14F-4D97-AF65-F5344CB8AC3E}">
+        <p14:creationId xmlns:p14="http://schemas.microsoft.com/office/powerpoint/2010/main" val="2211872608"/>
+      </p:ext>
+    </p:extLst>
+  </p:cSld>
+  <p:clrMapOvr>
+    <a:masterClrMapping/>
+  </p:clrMapOvr>
+  <p:timing>
+    <p:tnLst>
+      <p:par>
+        <p:cTn id="1" dur="indefinite" restart="never" nodeType="tmRoot"/>
+      </p:par>
+    </p:tnLst>
+  </p:timing>
+</p:sld>
+</file>
+
+<file path=ppt/slides/slide13.xml><?xml version="1.0" encoding="utf-8"?>
+<p:sld xmlns:a="http://schemas.openxmlformats.org/drawingml/2006/main" xmlns:r="http://schemas.openxmlformats.org/officeDocument/2006/relationships" xmlns:p="http://schemas.openxmlformats.org/presentationml/2006/main">
+  <p:cSld>
+    <p:spTree>
+      <p:nvGrpSpPr>
+        <p:cNvPr id="1" name=""/>
+        <p:cNvGrpSpPr/>
+        <p:nvPr/>
+      </p:nvGrpSpPr>
+      <p:grpSpPr>
+        <a:xfrm>
+          <a:off x="0" y="0"/>
+          <a:ext cx="0" cy="0"/>
+          <a:chOff x="0" y="0"/>
+          <a:chExt cx="0" cy="0"/>
+        </a:xfrm>
+      </p:grpSpPr>
+      <p:sp>
+        <p:nvSpPr>
+          <p:cNvPr id="2" name="Title 1">
+            <a:extLst>
+              <a:ext uri="{FF2B5EF4-FFF2-40B4-BE49-F238E27FC236}">
+                <a16:creationId xmlns="" xmlns:a16="http://schemas.microsoft.com/office/drawing/2014/main" id="{A48BF5BC-06D6-49E3-BCD2-B5FEF4D93B21}"/>
+              </a:ext>
+            </a:extLst>
+          </p:cNvPr>
+          <p:cNvSpPr>
+            <a:spLocks noGrp="1"/>
+          </p:cNvSpPr>
+          <p:nvPr>
+            <p:ph type="title"/>
+          </p:nvPr>
+        </p:nvSpPr>
+        <p:spPr/>
+        <p:txBody>
+          <a:bodyPr/>
+          <a:lstStyle/>
+          <a:p>
+            <a:pPr algn="ctr"/>
+            <a:r>
+              <a:rPr lang="en-CA" dirty="0"/>
+              <a:t>Design Goals</a:t>
+            </a:r>
+          </a:p>
+        </p:txBody>
+      </p:sp>
+      <p:sp>
+        <p:nvSpPr>
+          <p:cNvPr id="3" name="Content Placeholder 2">
+            <a:extLst>
+              <a:ext uri="{FF2B5EF4-FFF2-40B4-BE49-F238E27FC236}">
+                <a16:creationId xmlns="" xmlns:a16="http://schemas.microsoft.com/office/drawing/2014/main" id="{7C640F72-A454-411F-B0AE-3C2648885C1F}"/>
+              </a:ext>
+            </a:extLst>
+          </p:cNvPr>
+          <p:cNvSpPr>
+            <a:spLocks noGrp="1"/>
+          </p:cNvSpPr>
+          <p:nvPr>
+            <p:ph idx="1"/>
+          </p:nvPr>
+        </p:nvSpPr>
+        <p:spPr>
+          <a:xfrm>
+            <a:off x="1141412" y="1911927"/>
+            <a:ext cx="9905999" cy="3879274"/>
+          </a:xfrm>
+        </p:spPr>
+        <p:txBody>
+          <a:bodyPr/>
+          <a:lstStyle/>
+          <a:p>
+            <a:pPr marL="0" indent="0" algn="ctr">
+              <a:buNone/>
+            </a:pPr>
+            <a:r>
+              <a:rPr lang="en-CA" dirty="0"/>
+              <a:t>Responsiveness, Extensibility, Transmission Integrity</a:t>
+            </a:r>
+          </a:p>
+        </p:txBody>
+      </p:sp>
+      <p:pic>
+        <p:nvPicPr>
+          <p:cNvPr id="8194" name="Picture 2" descr="Image result for responsiveness">
+            <a:extLst>
+              <a:ext uri="{FF2B5EF4-FFF2-40B4-BE49-F238E27FC236}">
+                <a16:creationId xmlns="" xmlns:a16="http://schemas.microsoft.com/office/drawing/2014/main" id="{262F3839-E0DD-403A-80AD-9CABD11E44D5}"/>
+              </a:ext>
+            </a:extLst>
+          </p:cNvPr>
+          <p:cNvPicPr>
+            <a:picLocks noChangeAspect="1" noChangeArrowheads="1"/>
+          </p:cNvPicPr>
+          <p:nvPr/>
+        </p:nvPicPr>
+        <p:blipFill>
+          <a:blip r:embed="rId2">
+            <a:extLst>
+              <a:ext uri="{28A0092B-C50C-407E-A947-70E740481C1C}">
+                <a14:useLocalDpi xmlns:a14="http://schemas.microsoft.com/office/drawing/2010/main" val="0"/>
+              </a:ext>
+            </a:extLst>
+          </a:blip>
+          <a:srcRect/>
+          <a:stretch>
+            <a:fillRect/>
+          </a:stretch>
+        </p:blipFill>
+        <p:spPr bwMode="auto">
+          <a:xfrm>
+            <a:off x="1807729" y="2808505"/>
+            <a:ext cx="2521323" cy="2143125"/>
+          </a:xfrm>
+          <a:prstGeom prst="rect">
+            <a:avLst/>
+          </a:prstGeom>
+          <a:noFill/>
+          <a:extLst>
+            <a:ext uri="{909E8E84-426E-40DD-AFC4-6F175D3DCCD1}">
+              <a14:hiddenFill xmlns:a14="http://schemas.microsoft.com/office/drawing/2010/main">
+                <a:solidFill>
+                  <a:srgbClr val="FFFFFF"/>
+                </a:solidFill>
+              </a14:hiddenFill>
+            </a:ext>
+          </a:extLst>
+        </p:spPr>
+      </p:pic>
+      <p:pic>
+        <p:nvPicPr>
+          <p:cNvPr id="8196" name="Picture 4" descr="Image result for extensibility">
+            <a:extLst>
+              <a:ext uri="{FF2B5EF4-FFF2-40B4-BE49-F238E27FC236}">
+                <a16:creationId xmlns="" xmlns:a16="http://schemas.microsoft.com/office/drawing/2014/main" id="{60D4789D-2805-4880-8BF1-367C1B6D5D8F}"/>
+              </a:ext>
+            </a:extLst>
+          </p:cNvPr>
+          <p:cNvPicPr>
+            <a:picLocks noChangeAspect="1" noChangeArrowheads="1"/>
+          </p:cNvPicPr>
+          <p:nvPr/>
+        </p:nvPicPr>
+        <p:blipFill>
+          <a:blip r:embed="rId3">
+            <a:extLst>
+              <a:ext uri="{28A0092B-C50C-407E-A947-70E740481C1C}">
+                <a14:useLocalDpi xmlns:a14="http://schemas.microsoft.com/office/drawing/2010/main" val="0"/>
+              </a:ext>
+            </a:extLst>
+          </a:blip>
+          <a:srcRect/>
+          <a:stretch>
+            <a:fillRect/>
+          </a:stretch>
+        </p:blipFill>
+        <p:spPr bwMode="auto">
+          <a:xfrm>
+            <a:off x="4665661" y="3390497"/>
+            <a:ext cx="2857500" cy="2143125"/>
+          </a:xfrm>
+          <a:prstGeom prst="rect">
+            <a:avLst/>
+          </a:prstGeom>
+          <a:noFill/>
+          <a:extLst>
+            <a:ext uri="{909E8E84-426E-40DD-AFC4-6F175D3DCCD1}">
+              <a14:hiddenFill xmlns:a14="http://schemas.microsoft.com/office/drawing/2010/main">
+                <a:solidFill>
+                  <a:srgbClr val="FFFFFF"/>
+                </a:solidFill>
+              </a14:hiddenFill>
+            </a:ext>
+          </a:extLst>
+        </p:spPr>
+      </p:pic>
+      <p:pic>
+        <p:nvPicPr>
+          <p:cNvPr id="8198" name="Picture 6" descr="Image result for transmission data">
+            <a:extLst>
+              <a:ext uri="{FF2B5EF4-FFF2-40B4-BE49-F238E27FC236}">
+                <a16:creationId xmlns="" xmlns:a16="http://schemas.microsoft.com/office/drawing/2014/main" id="{07815C60-736A-4834-A52F-9A723C716A8F}"/>
+              </a:ext>
+            </a:extLst>
+          </p:cNvPr>
+          <p:cNvPicPr>
+            <a:picLocks noChangeAspect="1" noChangeArrowheads="1"/>
+          </p:cNvPicPr>
+          <p:nvPr/>
+        </p:nvPicPr>
+        <p:blipFill rotWithShape="1">
+          <a:blip r:embed="rId4">
+            <a:extLst>
+              <a:ext uri="{28A0092B-C50C-407E-A947-70E740481C1C}">
+                <a14:useLocalDpi xmlns:a14="http://schemas.microsoft.com/office/drawing/2010/main" val="0"/>
+              </a:ext>
+            </a:extLst>
+          </a:blip>
+          <a:srcRect l="13686" r="12653"/>
+          <a:stretch/>
+        </p:blipFill>
+        <p:spPr bwMode="auto">
+          <a:xfrm>
+            <a:off x="7800395" y="2846676"/>
+            <a:ext cx="3247015" cy="2076450"/>
+          </a:xfrm>
+          <a:prstGeom prst="rect">
+            <a:avLst/>
+          </a:prstGeom>
+          <a:noFill/>
+          <a:extLst>
+            <a:ext uri="{909E8E84-426E-40DD-AFC4-6F175D3DCCD1}">
+              <a14:hiddenFill xmlns:a14="http://schemas.microsoft.com/office/drawing/2010/main">
+                <a:solidFill>
+                  <a:srgbClr val="FFFFFF"/>
+                </a:solidFill>
+              </a14:hiddenFill>
+            </a:ext>
+          </a:extLst>
+        </p:spPr>
+      </p:pic>
+    </p:spTree>
+    <p:extLst>
+      <p:ext uri="{BB962C8B-B14F-4D97-AF65-F5344CB8AC3E}">
+        <p14:creationId xmlns:p14="http://schemas.microsoft.com/office/powerpoint/2010/main" val="3751657459"/>
+      </p:ext>
+    </p:extLst>
+  </p:cSld>
+  <p:clrMapOvr>
+    <a:masterClrMapping/>
+  </p:clrMapOvr>
+  <p:timing>
+    <p:tnLst>
+      <p:par>
+        <p:cTn id="1" dur="indefinite" restart="never" nodeType="tmRoot"/>
+      </p:par>
+    </p:tnLst>
+  </p:timing>
+</p:sld>
+</file>
+
+<file path=ppt/slides/slide14.xml><?xml version="1.0" encoding="utf-8"?>
+<p:sld xmlns:a="http://schemas.openxmlformats.org/drawingml/2006/main" xmlns:r="http://schemas.openxmlformats.org/officeDocument/2006/relationships" xmlns:p="http://schemas.openxmlformats.org/presentationml/2006/main">
+  <p:cSld>
+    <p:spTree>
+      <p:nvGrpSpPr>
+        <p:cNvPr id="1" name=""/>
+        <p:cNvGrpSpPr/>
+        <p:nvPr/>
+      </p:nvGrpSpPr>
+      <p:grpSpPr>
+        <a:xfrm>
+          <a:off x="0" y="0"/>
+          <a:ext cx="0" cy="0"/>
+          <a:chOff x="0" y="0"/>
+          <a:chExt cx="0" cy="0"/>
+        </a:xfrm>
+      </p:grpSpPr>
+      <p:sp>
+        <p:nvSpPr>
+          <p:cNvPr id="2" name="Title 1">
+            <a:extLst>
+              <a:ext uri="{FF2B5EF4-FFF2-40B4-BE49-F238E27FC236}">
+                <a16:creationId xmlns="" xmlns:a16="http://schemas.microsoft.com/office/drawing/2014/main" id="{73685AEB-4B13-451C-A998-59D5FEFABFE9}"/>
+              </a:ext>
+            </a:extLst>
+          </p:cNvPr>
+          <p:cNvSpPr>
+            <a:spLocks noGrp="1"/>
+          </p:cNvSpPr>
+          <p:nvPr>
+            <p:ph type="title"/>
+          </p:nvPr>
+        </p:nvSpPr>
+        <p:spPr/>
+        <p:txBody>
+          <a:bodyPr/>
+          <a:lstStyle/>
+          <a:p>
+            <a:pPr algn="ctr"/>
+            <a:r>
+              <a:rPr lang="en-CA" dirty="0"/>
+              <a:t>System Decomposition</a:t>
+            </a:r>
+          </a:p>
+        </p:txBody>
+      </p:sp>
+      <p:sp>
+        <p:nvSpPr>
+          <p:cNvPr id="3" name="Content Placeholder 2">
+            <a:extLst>
+              <a:ext uri="{FF2B5EF4-FFF2-40B4-BE49-F238E27FC236}">
+                <a16:creationId xmlns="" xmlns:a16="http://schemas.microsoft.com/office/drawing/2014/main" id="{E7796D7E-33AF-4EAF-A882-1DF6A6A2CCAE}"/>
+              </a:ext>
+            </a:extLst>
+          </p:cNvPr>
+          <p:cNvSpPr>
+            <a:spLocks noGrp="1"/>
+          </p:cNvSpPr>
+          <p:nvPr>
+            <p:ph idx="1"/>
+          </p:nvPr>
+        </p:nvSpPr>
+        <p:spPr>
+          <a:xfrm>
+            <a:off x="1141412" y="2648197"/>
+            <a:ext cx="9905999" cy="3143004"/>
+          </a:xfrm>
+        </p:spPr>
+        <p:txBody>
+          <a:bodyPr/>
+          <a:lstStyle/>
+          <a:p>
+            <a:r>
+              <a:rPr lang="en-CA" dirty="0"/>
+              <a:t>Maximize cohesion, minimize coupling</a:t>
+            </a:r>
+          </a:p>
+          <a:p>
+            <a:r>
+              <a:rPr lang="en-CA" dirty="0"/>
+              <a:t>Open for extension, closed for modification</a:t>
+            </a:r>
+          </a:p>
+          <a:p>
+            <a:r>
+              <a:rPr lang="en-CA" dirty="0"/>
+              <a:t>Service based design  </a:t>
+            </a:r>
+          </a:p>
+        </p:txBody>
+      </p:sp>
+      <p:pic>
+        <p:nvPicPr>
+          <p:cNvPr id="9218" name="Picture 2" descr="Image result for system decomposition">
+            <a:extLst>
+              <a:ext uri="{FF2B5EF4-FFF2-40B4-BE49-F238E27FC236}">
+                <a16:creationId xmlns="" xmlns:a16="http://schemas.microsoft.com/office/drawing/2014/main" id="{60A8B4F5-A565-444A-95B4-5F4D1ADAFA63}"/>
+              </a:ext>
+            </a:extLst>
+          </p:cNvPr>
+          <p:cNvPicPr>
+            <a:picLocks noChangeAspect="1" noChangeArrowheads="1"/>
+          </p:cNvPicPr>
+          <p:nvPr/>
+        </p:nvPicPr>
+        <p:blipFill>
+          <a:blip r:embed="rId2">
+            <a:extLst>
+              <a:ext uri="{28A0092B-C50C-407E-A947-70E740481C1C}">
+                <a14:useLocalDpi xmlns:a14="http://schemas.microsoft.com/office/drawing/2010/main" val="0"/>
+              </a:ext>
+            </a:extLst>
+          </a:blip>
+          <a:srcRect/>
+          <a:stretch>
+            <a:fillRect/>
+          </a:stretch>
+        </p:blipFill>
+        <p:spPr bwMode="auto">
+          <a:xfrm>
+            <a:off x="6998525" y="1734344"/>
+            <a:ext cx="3657600" cy="4572000"/>
+          </a:xfrm>
+          <a:prstGeom prst="rect">
+            <a:avLst/>
+          </a:prstGeom>
+          <a:noFill/>
+          <a:extLst>
+            <a:ext uri="{909E8E84-426E-40DD-AFC4-6F175D3DCCD1}">
+              <a14:hiddenFill xmlns:a14="http://schemas.microsoft.com/office/drawing/2010/main">
+                <a:solidFill>
+                  <a:srgbClr val="FFFFFF"/>
+                </a:solidFill>
+              </a14:hiddenFill>
+            </a:ext>
+          </a:extLst>
+        </p:spPr>
+      </p:pic>
+    </p:spTree>
+    <p:extLst>
+      <p:ext uri="{BB962C8B-B14F-4D97-AF65-F5344CB8AC3E}">
+        <p14:creationId xmlns:p14="http://schemas.microsoft.com/office/powerpoint/2010/main" val="483289519"/>
+      </p:ext>
+    </p:extLst>
+  </p:cSld>
+  <p:clrMapOvr>
+    <a:masterClrMapping/>
+  </p:clrMapOvr>
+  <p:timing>
+    <p:tnLst>
+      <p:par>
+        <p:cTn id="1" dur="indefinite" restart="never" nodeType="tmRoot"/>
+      </p:par>
+    </p:tnLst>
+  </p:timing>
+</p:sld>
+</file>
+
+<file path=ppt/slides/slide15.xml><?xml version="1.0" encoding="utf-8"?>
+<p:sld xmlns:a="http://schemas.openxmlformats.org/drawingml/2006/main" xmlns:r="http://schemas.openxmlformats.org/officeDocument/2006/relationships" xmlns:p="http://schemas.openxmlformats.org/presentationml/2006/main">
+  <p:cSld>
+    <p:spTree>
+      <p:nvGrpSpPr>
+        <p:cNvPr id="1" name=""/>
+        <p:cNvGrpSpPr/>
+        <p:nvPr/>
+      </p:nvGrpSpPr>
+      <p:grpSpPr>
+        <a:xfrm>
+          <a:off x="0" y="0"/>
+          <a:ext cx="0" cy="0"/>
+          <a:chOff x="0" y="0"/>
+          <a:chExt cx="0" cy="0"/>
+        </a:xfrm>
+      </p:grpSpPr>
+      <p:sp>
+        <p:nvSpPr>
+          <p:cNvPr id="2" name="Title 1">
+            <a:extLst>
+              <a:ext uri="{FF2B5EF4-FFF2-40B4-BE49-F238E27FC236}">
+                <a16:creationId xmlns="" xmlns:a16="http://schemas.microsoft.com/office/drawing/2014/main" id="{E4160060-D251-40B8-BB5A-FA0122692BF2}"/>
+              </a:ext>
+            </a:extLst>
+          </p:cNvPr>
+          <p:cNvSpPr>
+            <a:spLocks noGrp="1"/>
+          </p:cNvSpPr>
+          <p:nvPr>
+            <p:ph type="title"/>
+          </p:nvPr>
+        </p:nvSpPr>
+        <p:spPr/>
+        <p:txBody>
+          <a:bodyPr/>
+          <a:lstStyle/>
+          <a:p>
+            <a:pPr algn="ctr"/>
+            <a:r>
+              <a:rPr lang="en-CA" dirty="0"/>
+              <a:t>Control Flow</a:t>
+            </a:r>
+          </a:p>
+        </p:txBody>
+      </p:sp>
+      <p:pic>
+        <p:nvPicPr>
+          <p:cNvPr id="4" name="Content Placeholder 3">
+            <a:extLst>
+              <a:ext uri="{FF2B5EF4-FFF2-40B4-BE49-F238E27FC236}">
+                <a16:creationId xmlns="" xmlns:a16="http://schemas.microsoft.com/office/drawing/2014/main" id="{218C8E0D-64F9-4E9C-A778-D3C5C62767D5}"/>
+              </a:ext>
+            </a:extLst>
+          </p:cNvPr>
+          <p:cNvPicPr>
+            <a:picLocks noGrp="1"/>
+          </p:cNvPicPr>
+          <p:nvPr>
+            <p:ph idx="1"/>
+          </p:nvPr>
+        </p:nvPicPr>
+        <p:blipFill>
+          <a:blip r:embed="rId2">
+            <a:extLst>
+              <a:ext uri="{28A0092B-C50C-407E-A947-70E740481C1C}">
+                <a14:useLocalDpi xmlns:a14="http://schemas.microsoft.com/office/drawing/2010/main" val="0"/>
+              </a:ext>
+            </a:extLst>
+          </a:blip>
+          <a:stretch>
+            <a:fillRect/>
+          </a:stretch>
+        </p:blipFill>
+        <p:spPr>
+          <a:xfrm>
+            <a:off x="2455863" y="2577306"/>
+            <a:ext cx="7277100" cy="2886075"/>
+          </a:xfrm>
+          <a:prstGeom prst="rect">
+            <a:avLst/>
+          </a:prstGeom>
+        </p:spPr>
+      </p:pic>
+    </p:spTree>
+    <p:extLst>
+      <p:ext uri="{BB962C8B-B14F-4D97-AF65-F5344CB8AC3E}">
+        <p14:creationId xmlns:p14="http://schemas.microsoft.com/office/powerpoint/2010/main" val="3837199885"/>
+      </p:ext>
+    </p:extLst>
+  </p:cSld>
+  <p:clrMapOvr>
+    <a:masterClrMapping/>
+  </p:clrMapOvr>
+  <p:timing>
+    <p:tnLst>
+      <p:par>
+        <p:cTn id="1" dur="indefinite" restart="never" nodeType="tmRoot"/>
+      </p:par>
+    </p:tnLst>
+  </p:timing>
+</p:sld>
+</file>
+
+<file path=ppt/slides/slide16.xml><?xml version="1.0" encoding="utf-8"?>
+<p:sld xmlns:a="http://schemas.openxmlformats.org/drawingml/2006/main" xmlns:r="http://schemas.openxmlformats.org/officeDocument/2006/relationships" xmlns:p="http://schemas.openxmlformats.org/presentationml/2006/main">
+  <p:cSld>
+    <p:spTree>
+      <p:nvGrpSpPr>
+        <p:cNvPr id="1" name=""/>
+        <p:cNvGrpSpPr/>
+        <p:nvPr/>
+      </p:nvGrpSpPr>
+      <p:grpSpPr>
+        <a:xfrm>
+          <a:off x="0" y="0"/>
+          <a:ext cx="0" cy="0"/>
+          <a:chOff x="0" y="0"/>
+          <a:chExt cx="0" cy="0"/>
+        </a:xfrm>
+      </p:grpSpPr>
+      <p:sp>
+        <p:nvSpPr>
+          <p:cNvPr id="2" name="Title 1">
+            <a:extLst>
+              <a:ext uri="{FF2B5EF4-FFF2-40B4-BE49-F238E27FC236}">
+                <a16:creationId xmlns="" xmlns:a16="http://schemas.microsoft.com/office/drawing/2014/main" id="{763F6662-A0FA-4FF3-A279-1080DC7E6912}"/>
+              </a:ext>
+            </a:extLst>
+          </p:cNvPr>
+          <p:cNvSpPr>
+            <a:spLocks noGrp="1"/>
+          </p:cNvSpPr>
+          <p:nvPr>
+            <p:ph type="title"/>
+          </p:nvPr>
+        </p:nvSpPr>
+        <p:spPr/>
+        <p:txBody>
+          <a:bodyPr/>
+          <a:lstStyle/>
+          <a:p>
+            <a:pPr algn="ctr"/>
+            <a:r>
+              <a:rPr lang="en-CA" dirty="0"/>
+              <a:t>System Decomposition (</a:t>
+            </a:r>
+            <a:r>
+              <a:rPr lang="en-CA" dirty="0" err="1"/>
+              <a:t>Con’t</a:t>
+            </a:r>
+            <a:r>
+              <a:rPr lang="en-CA" dirty="0"/>
+              <a:t>)</a:t>
+            </a:r>
+          </a:p>
+        </p:txBody>
+      </p:sp>
+      <p:pic>
+        <p:nvPicPr>
+          <p:cNvPr id="4" name="Content Placeholder 3">
+            <a:extLst>
+              <a:ext uri="{FF2B5EF4-FFF2-40B4-BE49-F238E27FC236}">
+                <a16:creationId xmlns="" xmlns:a16="http://schemas.microsoft.com/office/drawing/2014/main" id="{96B76056-29A7-4A12-A0F7-2202EE446033}"/>
+              </a:ext>
+            </a:extLst>
+          </p:cNvPr>
+          <p:cNvPicPr>
+            <a:picLocks noGrp="1"/>
+          </p:cNvPicPr>
+          <p:nvPr>
+            <p:ph idx="1"/>
+          </p:nvPr>
+        </p:nvPicPr>
+        <p:blipFill>
+          <a:blip r:embed="rId2">
+            <a:extLst>
+              <a:ext uri="{28A0092B-C50C-407E-A947-70E740481C1C}">
+                <a14:useLocalDpi xmlns:a14="http://schemas.microsoft.com/office/drawing/2010/main" val="0"/>
+              </a:ext>
+            </a:extLst>
+          </a:blip>
+          <a:stretch>
+            <a:fillRect/>
+          </a:stretch>
+        </p:blipFill>
+        <p:spPr>
+          <a:xfrm>
+            <a:off x="2380153" y="1844846"/>
+            <a:ext cx="7431693" cy="4394636"/>
+          </a:xfrm>
+          <a:prstGeom prst="rect">
+            <a:avLst/>
+          </a:prstGeom>
+        </p:spPr>
+      </p:pic>
+    </p:spTree>
+    <p:extLst>
+      <p:ext uri="{BB962C8B-B14F-4D97-AF65-F5344CB8AC3E}">
+        <p14:creationId xmlns:p14="http://schemas.microsoft.com/office/powerpoint/2010/main" val="376658650"/>
+      </p:ext>
+    </p:extLst>
+  </p:cSld>
+  <p:clrMapOvr>
+    <a:masterClrMapping/>
+  </p:clrMapOvr>
+  <p:timing>
+    <p:tnLst>
+      <p:par>
+        <p:cTn id="1" dur="indefinite" restart="never" nodeType="tmRoot"/>
+      </p:par>
+    </p:tnLst>
+  </p:timing>
+</p:sld>
+</file>
+
+<file path=ppt/slides/slide17.xml><?xml version="1.0" encoding="utf-8"?>
+<p:sld xmlns:a="http://schemas.openxmlformats.org/drawingml/2006/main" xmlns:r="http://schemas.openxmlformats.org/officeDocument/2006/relationships" xmlns:p="http://schemas.openxmlformats.org/presentationml/2006/main">
+  <p:cSld>
+    <p:spTree>
+      <p:nvGrpSpPr>
+        <p:cNvPr id="1" name=""/>
+        <p:cNvGrpSpPr/>
+        <p:nvPr/>
+      </p:nvGrpSpPr>
+      <p:grpSpPr>
+        <a:xfrm>
+          <a:off x="0" y="0"/>
+          <a:ext cx="0" cy="0"/>
+          <a:chOff x="0" y="0"/>
+          <a:chExt cx="0" cy="0"/>
+        </a:xfrm>
+      </p:grpSpPr>
+      <p:sp>
+        <p:nvSpPr>
+          <p:cNvPr id="2" name="Title 1">
+            <a:extLst>
+              <a:ext uri="{FF2B5EF4-FFF2-40B4-BE49-F238E27FC236}">
+                <a16:creationId xmlns="" xmlns:a16="http://schemas.microsoft.com/office/drawing/2014/main" id="{75F87973-70DD-45EF-BEDE-9E70DA9BCEE2}"/>
+              </a:ext>
+            </a:extLst>
+          </p:cNvPr>
+          <p:cNvSpPr>
+            <a:spLocks noGrp="1"/>
+          </p:cNvSpPr>
+          <p:nvPr>
+            <p:ph type="title"/>
+          </p:nvPr>
+        </p:nvSpPr>
+        <p:spPr/>
+        <p:txBody>
+          <a:bodyPr/>
+          <a:lstStyle/>
+          <a:p>
+            <a:pPr algn="ctr"/>
+            <a:r>
+              <a:rPr lang="en-CA" dirty="0"/>
+              <a:t>Abstract System Design</a:t>
+            </a:r>
+          </a:p>
+        </p:txBody>
+      </p:sp>
+      <p:sp>
+        <p:nvSpPr>
+          <p:cNvPr id="3" name="Content Placeholder 2">
+            <a:extLst>
+              <a:ext uri="{FF2B5EF4-FFF2-40B4-BE49-F238E27FC236}">
+                <a16:creationId xmlns="" xmlns:a16="http://schemas.microsoft.com/office/drawing/2014/main" id="{8FB90D3D-63C3-4EFC-975C-208A992896AC}"/>
+              </a:ext>
+            </a:extLst>
+          </p:cNvPr>
+          <p:cNvSpPr>
+            <a:spLocks noGrp="1"/>
+          </p:cNvSpPr>
+          <p:nvPr>
+            <p:ph idx="1"/>
+          </p:nvPr>
+        </p:nvSpPr>
+        <p:spPr>
+          <a:xfrm>
+            <a:off x="1141412" y="2636321"/>
+            <a:ext cx="9905999" cy="3154879"/>
+          </a:xfrm>
+        </p:spPr>
+        <p:txBody>
+          <a:bodyPr/>
+          <a:lstStyle/>
+          <a:p>
+            <a:r>
+              <a:rPr lang="en-CA" dirty="0" smtClean="0"/>
+              <a:t>High Level: ???</a:t>
+            </a:r>
+          </a:p>
+          <a:p>
+            <a:r>
+              <a:rPr lang="en-CA" dirty="0" smtClean="0"/>
+              <a:t>Application Level: Unity3d</a:t>
+            </a:r>
+          </a:p>
+          <a:p>
+            <a:r>
+              <a:rPr lang="en-CA" dirty="0" smtClean="0"/>
+              <a:t>Low Level: Wand Control Inputs</a:t>
+            </a:r>
+            <a:endParaRPr lang="en-CA" dirty="0"/>
+          </a:p>
+        </p:txBody>
+      </p:sp>
+      <p:pic>
+        <p:nvPicPr>
+          <p:cNvPr id="10242" name="Picture 2" descr="Image result for software pyramid">
+            <a:extLst>
+              <a:ext uri="{FF2B5EF4-FFF2-40B4-BE49-F238E27FC236}">
+                <a16:creationId xmlns="" xmlns:a16="http://schemas.microsoft.com/office/drawing/2014/main" id="{A4761379-A0C5-4E96-BD9B-E1D72E38E757}"/>
+              </a:ext>
+            </a:extLst>
+          </p:cNvPr>
+          <p:cNvPicPr>
+            <a:picLocks noChangeAspect="1" noChangeArrowheads="1"/>
+          </p:cNvPicPr>
+          <p:nvPr/>
+        </p:nvPicPr>
+        <p:blipFill rotWithShape="1">
+          <a:blip r:embed="rId2">
+            <a:extLst>
+              <a:ext uri="{28A0092B-C50C-407E-A947-70E740481C1C}">
+                <a14:useLocalDpi xmlns:a14="http://schemas.microsoft.com/office/drawing/2010/main" val="0"/>
+              </a:ext>
+            </a:extLst>
+          </a:blip>
+          <a:srcRect l="11708" t="4468" r="3820" b="4010"/>
+          <a:stretch/>
+        </p:blipFill>
+        <p:spPr bwMode="auto">
+          <a:xfrm>
+            <a:off x="6094411" y="1959521"/>
+            <a:ext cx="4465123" cy="4279961"/>
+          </a:xfrm>
+          <a:prstGeom prst="rect">
+            <a:avLst/>
+          </a:prstGeom>
+          <a:noFill/>
+          <a:extLst>
+            <a:ext uri="{909E8E84-426E-40DD-AFC4-6F175D3DCCD1}">
+              <a14:hiddenFill xmlns:a14="http://schemas.microsoft.com/office/drawing/2010/main">
+                <a:solidFill>
+                  <a:srgbClr val="FFFFFF"/>
+                </a:solidFill>
+              </a14:hiddenFill>
+            </a:ext>
+          </a:extLst>
+        </p:spPr>
+      </p:pic>
+    </p:spTree>
+    <p:extLst>
+      <p:ext uri="{BB962C8B-B14F-4D97-AF65-F5344CB8AC3E}">
+        <p14:creationId xmlns:p14="http://schemas.microsoft.com/office/powerpoint/2010/main" val="1993560388"/>
+      </p:ext>
+    </p:extLst>
+  </p:cSld>
+  <p:clrMapOvr>
+    <a:masterClrMapping/>
+  </p:clrMapOvr>
+  <p:timing>
+    <p:tnLst>
+      <p:par>
+        <p:cTn id="1" dur="indefinite" restart="never" nodeType="tmRoot"/>
+      </p:par>
+    </p:tnLst>
+  </p:timing>
+</p:sld>
+</file>
+
+<file path=ppt/slides/slide18.xml><?xml version="1.0" encoding="utf-8"?>
+<p:sld xmlns:a="http://schemas.openxmlformats.org/drawingml/2006/main" xmlns:r="http://schemas.openxmlformats.org/officeDocument/2006/relationships" xmlns:p="http://schemas.openxmlformats.org/presentationml/2006/main">
+  <p:cSld>
+    <p:spTree>
+      <p:nvGrpSpPr>
+        <p:cNvPr id="1" name=""/>
+        <p:cNvGrpSpPr/>
+        <p:nvPr/>
+      </p:nvGrpSpPr>
+      <p:grpSpPr>
+        <a:xfrm>
+          <a:off x="0" y="0"/>
+          <a:ext cx="0" cy="0"/>
+          <a:chOff x="0" y="0"/>
+          <a:chExt cx="0" cy="0"/>
+        </a:xfrm>
+      </p:grpSpPr>
+      <p:sp>
+        <p:nvSpPr>
+          <p:cNvPr id="2" name="Title 1">
+            <a:extLst>
+              <a:ext uri="{FF2B5EF4-FFF2-40B4-BE49-F238E27FC236}">
+                <a16:creationId xmlns="" xmlns:a16="http://schemas.microsoft.com/office/drawing/2014/main" id="{75F87973-70DD-45EF-BEDE-9E70DA9BCEE2}"/>
+              </a:ext>
+            </a:extLst>
+          </p:cNvPr>
+          <p:cNvSpPr>
+            <a:spLocks noGrp="1"/>
+          </p:cNvSpPr>
+          <p:nvPr>
+            <p:ph type="title"/>
+          </p:nvPr>
+        </p:nvSpPr>
+        <p:spPr/>
+        <p:txBody>
+          <a:bodyPr/>
+          <a:lstStyle/>
+          <a:p>
+            <a:pPr algn="ctr"/>
+            <a:r>
+              <a:rPr lang="en-CA" dirty="0" smtClean="0"/>
+              <a:t>Software Architecture Design Patterns</a:t>
+            </a:r>
+            <a:endParaRPr lang="en-CA" dirty="0"/>
+          </a:p>
+        </p:txBody>
+      </p:sp>
+      <p:sp>
+        <p:nvSpPr>
+          <p:cNvPr id="5" name="Content Placeholder 2">
+            <a:extLst>
+              <a:ext uri="{FF2B5EF4-FFF2-40B4-BE49-F238E27FC236}">
+                <a16:creationId xmlns="" xmlns:a16="http://schemas.microsoft.com/office/drawing/2014/main" id="{7C640F72-A454-411F-B0AE-3C2648885C1F}"/>
+              </a:ext>
+            </a:extLst>
+          </p:cNvPr>
+          <p:cNvSpPr txBox="1">
+            <a:spLocks/>
+          </p:cNvSpPr>
+          <p:nvPr/>
+        </p:nvSpPr>
+        <p:spPr>
+          <a:xfrm>
+            <a:off x="1141412" y="1828800"/>
+            <a:ext cx="9905999" cy="3962401"/>
+          </a:xfrm>
+          <a:prstGeom prst="rect">
+            <a:avLst/>
+          </a:prstGeom>
+        </p:spPr>
+        <p:txBody>
+          <a:bodyPr vert="horz" lIns="91440" tIns="45720" rIns="91440" bIns="45720" rtlCol="0">
+            <a:normAutofit/>
+          </a:bodyPr>
+          <a:lstStyle>
+            <a:lvl1pPr marL="228600" indent="-228600" algn="l" defTabSz="914400" rtl="0" eaLnBrk="1" latinLnBrk="0" hangingPunct="1">
+              <a:lnSpc>
+                <a:spcPct val="120000"/>
+              </a:lnSpc>
+              <a:spcBef>
+                <a:spcPts val="1000"/>
+              </a:spcBef>
+              <a:buSzPct val="125000"/>
+              <a:buFont typeface="Arial" panose="020B0604020202020204" pitchFamily="34" charset="0"/>
+              <a:buChar char="•"/>
+              <a:defRPr sz="2400" kern="1200">
+                <a:solidFill>
+                  <a:schemeClr val="tx1"/>
+                </a:solidFill>
+                <a:latin typeface="+mn-lt"/>
+                <a:ea typeface="+mn-ea"/>
+                <a:cs typeface="+mn-cs"/>
+              </a:defRPr>
+            </a:lvl1pPr>
+            <a:lvl2pPr marL="685800" indent="-228600" algn="l" defTabSz="914400" rtl="0" eaLnBrk="1" latinLnBrk="0" hangingPunct="1">
+              <a:lnSpc>
+                <a:spcPct val="120000"/>
+              </a:lnSpc>
+              <a:spcBef>
+                <a:spcPts val="500"/>
+              </a:spcBef>
+              <a:buSzPct val="125000"/>
+              <a:buFont typeface="Arial" panose="020B0604020202020204" pitchFamily="34" charset="0"/>
+              <a:buChar char="•"/>
+              <a:defRPr sz="2000" kern="1200">
+                <a:solidFill>
+                  <a:schemeClr val="tx1"/>
+                </a:solidFill>
+                <a:latin typeface="+mn-lt"/>
+                <a:ea typeface="+mn-ea"/>
+                <a:cs typeface="+mn-cs"/>
+              </a:defRPr>
+            </a:lvl2pPr>
+            <a:lvl3pPr marL="1143000" indent="-228600" algn="l" defTabSz="914400" rtl="0" eaLnBrk="1" latinLnBrk="0" hangingPunct="1">
+              <a:lnSpc>
+                <a:spcPct val="120000"/>
+              </a:lnSpc>
+              <a:spcBef>
+                <a:spcPts val="500"/>
+              </a:spcBef>
+              <a:buSzPct val="125000"/>
+              <a:buFont typeface="Arial" panose="020B0604020202020204" pitchFamily="34" charset="0"/>
+              <a:buChar char="•"/>
+              <a:defRPr sz="1800" kern="1200">
+                <a:solidFill>
+                  <a:schemeClr val="tx1"/>
+                </a:solidFill>
+                <a:latin typeface="+mn-lt"/>
+                <a:ea typeface="+mn-ea"/>
+                <a:cs typeface="+mn-cs"/>
+              </a:defRPr>
+            </a:lvl3pPr>
+            <a:lvl4pPr marL="1600200" indent="-228600" algn="l" defTabSz="914400" rtl="0" eaLnBrk="1" latinLnBrk="0" hangingPunct="1">
+              <a:lnSpc>
+                <a:spcPct val="120000"/>
+              </a:lnSpc>
+              <a:spcBef>
+                <a:spcPts val="500"/>
+              </a:spcBef>
+              <a:buSzPct val="125000"/>
+              <a:buFont typeface="Arial" panose="020B0604020202020204" pitchFamily="34" charset="0"/>
+              <a:buChar char="•"/>
+              <a:defRPr sz="1600" kern="1200">
+                <a:solidFill>
+                  <a:schemeClr val="tx1"/>
+                </a:solidFill>
+                <a:latin typeface="+mn-lt"/>
+                <a:ea typeface="+mn-ea"/>
+                <a:cs typeface="+mn-cs"/>
+              </a:defRPr>
+            </a:lvl4pPr>
+            <a:lvl5pPr marL="2057400" indent="-228600" algn="l" defTabSz="914400" rtl="0" eaLnBrk="1" latinLnBrk="0" hangingPunct="1">
+              <a:lnSpc>
+                <a:spcPct val="120000"/>
+              </a:lnSpc>
+              <a:spcBef>
+                <a:spcPts val="500"/>
+              </a:spcBef>
+              <a:buSzPct val="125000"/>
+              <a:buFont typeface="Arial" panose="020B0604020202020204" pitchFamily="34" charset="0"/>
+              <a:buChar char="•"/>
+              <a:defRPr sz="1600" kern="1200">
+                <a:solidFill>
+                  <a:schemeClr val="tx1"/>
+                </a:solidFill>
+                <a:latin typeface="+mn-lt"/>
+                <a:ea typeface="+mn-ea"/>
+                <a:cs typeface="+mn-cs"/>
+              </a:defRPr>
+            </a:lvl5pPr>
+            <a:lvl6pPr marL="2514600" indent="-228600" algn="l" defTabSz="914400" rtl="0" eaLnBrk="1" latinLnBrk="0" hangingPunct="1">
+              <a:lnSpc>
+                <a:spcPct val="120000"/>
+              </a:lnSpc>
+              <a:spcBef>
+                <a:spcPts val="500"/>
+              </a:spcBef>
+              <a:buSzPct val="125000"/>
+              <a:buFont typeface="Arial" panose="020B0604020202020204" pitchFamily="34" charset="0"/>
+              <a:buChar char="•"/>
+              <a:defRPr sz="1400" kern="1200">
+                <a:solidFill>
+                  <a:schemeClr val="tx1"/>
+                </a:solidFill>
+                <a:latin typeface="+mn-lt"/>
+                <a:ea typeface="+mn-ea"/>
+                <a:cs typeface="+mn-cs"/>
+              </a:defRPr>
+            </a:lvl6pPr>
+            <a:lvl7pPr marL="2971800" indent="-228600" algn="l" defTabSz="914400" rtl="0" eaLnBrk="1" latinLnBrk="0" hangingPunct="1">
+              <a:lnSpc>
+                <a:spcPct val="120000"/>
+              </a:lnSpc>
+              <a:spcBef>
+                <a:spcPts val="500"/>
+              </a:spcBef>
+              <a:buSzPct val="125000"/>
+              <a:buFont typeface="Arial" panose="020B0604020202020204" pitchFamily="34" charset="0"/>
+              <a:buChar char="•"/>
+              <a:defRPr sz="1400" kern="1200">
+                <a:solidFill>
+                  <a:schemeClr val="tx1"/>
+                </a:solidFill>
+                <a:latin typeface="+mn-lt"/>
+                <a:ea typeface="+mn-ea"/>
+                <a:cs typeface="+mn-cs"/>
+              </a:defRPr>
+            </a:lvl7pPr>
+            <a:lvl8pPr marL="3429000" indent="-228600" algn="l" defTabSz="914400" rtl="0" eaLnBrk="1" latinLnBrk="0" hangingPunct="1">
+              <a:lnSpc>
+                <a:spcPct val="120000"/>
+              </a:lnSpc>
+              <a:spcBef>
+                <a:spcPts val="500"/>
+              </a:spcBef>
+              <a:buSzPct val="125000"/>
+              <a:buFont typeface="Arial" panose="020B0604020202020204" pitchFamily="34" charset="0"/>
+              <a:buChar char="•"/>
+              <a:defRPr sz="1400" kern="1200">
+                <a:solidFill>
+                  <a:schemeClr val="tx1"/>
+                </a:solidFill>
+                <a:latin typeface="+mn-lt"/>
+                <a:ea typeface="+mn-ea"/>
+                <a:cs typeface="+mn-cs"/>
+              </a:defRPr>
+            </a:lvl8pPr>
+            <a:lvl9pPr marL="3886200" indent="-228600" algn="l" defTabSz="914400" rtl="0" eaLnBrk="1" latinLnBrk="0" hangingPunct="1">
+              <a:lnSpc>
+                <a:spcPct val="120000"/>
+              </a:lnSpc>
+              <a:spcBef>
+                <a:spcPts val="500"/>
+              </a:spcBef>
+              <a:buSzPct val="125000"/>
+              <a:buFont typeface="Arial" panose="020B0604020202020204" pitchFamily="34" charset="0"/>
+              <a:buChar char="•"/>
+              <a:defRPr sz="1400" kern="1200">
+                <a:solidFill>
+                  <a:schemeClr val="tx1"/>
+                </a:solidFill>
+                <a:latin typeface="+mn-lt"/>
+                <a:ea typeface="+mn-ea"/>
+                <a:cs typeface="+mn-cs"/>
+              </a:defRPr>
+            </a:lvl9pPr>
+          </a:lstStyle>
+          <a:p>
+            <a:pPr marL="0" indent="0" algn="ctr">
+              <a:buFont typeface="Arial" panose="020B0604020202020204" pitchFamily="34" charset="0"/>
+              <a:buNone/>
+            </a:pPr>
+            <a:r>
+              <a:rPr lang="en-CA" sz="2000" dirty="0" smtClean="0"/>
+              <a:t>A generalized software solution applicable to multiple contexts</a:t>
+            </a:r>
+            <a:endParaRPr lang="en-CA" sz="2000" dirty="0"/>
+          </a:p>
+        </p:txBody>
+      </p:sp>
+      <p:pic>
+        <p:nvPicPr>
+          <p:cNvPr id="2050" name="Picture 2" descr="https://i.stack.imgur.com/E5ynk.png"/>
+          <p:cNvPicPr>
+            <a:picLocks noChangeAspect="1" noChangeArrowheads="1"/>
+          </p:cNvPicPr>
+          <p:nvPr/>
+        </p:nvPicPr>
+        <p:blipFill>
+          <a:blip r:embed="rId2">
+            <a:extLst>
+              <a:ext uri="{28A0092B-C50C-407E-A947-70E740481C1C}">
+                <a14:useLocalDpi xmlns:a14="http://schemas.microsoft.com/office/drawing/2010/main" val="0"/>
+              </a:ext>
+            </a:extLst>
+          </a:blip>
+          <a:srcRect/>
+          <a:stretch>
+            <a:fillRect/>
+          </a:stretch>
+        </p:blipFill>
+        <p:spPr bwMode="auto">
+          <a:xfrm>
+            <a:off x="1141411" y="3102833"/>
+            <a:ext cx="4438650" cy="2886076"/>
+          </a:xfrm>
+          <a:prstGeom prst="rect">
+            <a:avLst/>
+          </a:prstGeom>
+          <a:noFill/>
+          <a:extLst>
+            <a:ext uri="{909E8E84-426E-40DD-AFC4-6F175D3DCCD1}">
+              <a14:hiddenFill xmlns:a14="http://schemas.microsoft.com/office/drawing/2010/main">
+                <a:solidFill>
+                  <a:srgbClr val="FFFFFF"/>
+                </a:solidFill>
+              </a14:hiddenFill>
+            </a:ext>
+          </a:extLst>
+        </p:spPr>
+      </p:pic>
+      <p:pic>
+        <p:nvPicPr>
+          <p:cNvPr id="2052" name="Picture 4" descr="http://www.dossier-andreas.net/software_architecture/pipe_and_filter_3.jpg"/>
+          <p:cNvPicPr>
+            <a:picLocks noChangeAspect="1" noChangeArrowheads="1"/>
+          </p:cNvPicPr>
+          <p:nvPr/>
+        </p:nvPicPr>
+        <p:blipFill>
+          <a:blip r:embed="rId3">
+            <a:extLst>
+              <a:ext uri="{28A0092B-C50C-407E-A947-70E740481C1C}">
+                <a14:useLocalDpi xmlns:a14="http://schemas.microsoft.com/office/drawing/2010/main" val="0"/>
+              </a:ext>
+            </a:extLst>
+          </a:blip>
+          <a:srcRect/>
+          <a:stretch>
+            <a:fillRect/>
+          </a:stretch>
+        </p:blipFill>
+        <p:spPr bwMode="auto">
+          <a:xfrm>
+            <a:off x="5986977" y="3455151"/>
+            <a:ext cx="5524500" cy="2028826"/>
+          </a:xfrm>
+          <a:prstGeom prst="rect">
+            <a:avLst/>
+          </a:prstGeom>
+          <a:noFill/>
+          <a:ln w="28575">
+            <a:solidFill>
+              <a:schemeClr val="tx1"/>
+            </a:solidFill>
+          </a:ln>
+          <a:extLst>
+            <a:ext uri="{909E8E84-426E-40DD-AFC4-6F175D3DCCD1}">
+              <a14:hiddenFill xmlns:a14="http://schemas.microsoft.com/office/drawing/2010/main">
+                <a:solidFill>
+                  <a:srgbClr val="FFFFFF"/>
+                </a:solidFill>
+              </a14:hiddenFill>
+            </a:ext>
+          </a:extLst>
+        </p:spPr>
+      </p:pic>
+    </p:spTree>
+    <p:extLst>
+      <p:ext uri="{BB962C8B-B14F-4D97-AF65-F5344CB8AC3E}">
+        <p14:creationId xmlns:p14="http://schemas.microsoft.com/office/powerpoint/2010/main" val="2321061693"/>
+      </p:ext>
+    </p:extLst>
+  </p:cSld>
+  <p:clrMapOvr>
+    <a:masterClrMapping/>
+  </p:clrMapOvr>
+  <p:timing>
+    <p:tnLst>
+      <p:par>
+        <p:cTn id="1" dur="indefinite" restart="never" nodeType="tmRoot"/>
+      </p:par>
+    </p:tnLst>
+  </p:timing>
+</p:sld>
+</file>
+
+<file path=ppt/slides/slide19.xml><?xml version="1.0" encoding="utf-8"?>
+<p:sld xmlns:a="http://schemas.openxmlformats.org/drawingml/2006/main" xmlns:r="http://schemas.openxmlformats.org/officeDocument/2006/relationships" xmlns:p="http://schemas.openxmlformats.org/presentationml/2006/main">
+  <p:cSld>
+    <p:spTree>
+      <p:nvGrpSpPr>
+        <p:cNvPr id="1" name=""/>
+        <p:cNvGrpSpPr/>
+        <p:nvPr/>
+      </p:nvGrpSpPr>
+      <p:grpSpPr>
+        <a:xfrm>
+          <a:off x="0" y="0"/>
+          <a:ext cx="0" cy="0"/>
+          <a:chOff x="0" y="0"/>
+          <a:chExt cx="0" cy="0"/>
+        </a:xfrm>
+      </p:grpSpPr>
+      <p:sp>
+        <p:nvSpPr>
+          <p:cNvPr id="2" name="Title 1"/>
+          <p:cNvSpPr>
+            <a:spLocks noGrp="1"/>
+          </p:cNvSpPr>
+          <p:nvPr>
+            <p:ph type="title"/>
+          </p:nvPr>
+        </p:nvSpPr>
+        <p:spPr/>
+        <p:txBody>
+          <a:bodyPr/>
+          <a:lstStyle/>
+          <a:p>
+            <a:pPr algn="ctr"/>
+            <a:r>
+              <a:rPr lang="en-CA" dirty="0" smtClean="0"/>
+              <a:t>Model View Controller</a:t>
+            </a:r>
+            <a:endParaRPr lang="en-CA" dirty="0"/>
+          </a:p>
+        </p:txBody>
+      </p:sp>
+      <p:sp>
+        <p:nvSpPr>
+          <p:cNvPr id="3" name="Content Placeholder 2"/>
+          <p:cNvSpPr>
+            <a:spLocks noGrp="1"/>
+          </p:cNvSpPr>
+          <p:nvPr>
+            <p:ph idx="1"/>
+          </p:nvPr>
+        </p:nvSpPr>
+        <p:spPr>
+          <a:xfrm>
+            <a:off x="1141412" y="2724728"/>
+            <a:ext cx="9905999" cy="1736436"/>
+          </a:xfrm>
+        </p:spPr>
+        <p:txBody>
+          <a:bodyPr/>
+          <a:lstStyle/>
+          <a:p>
+            <a:r>
+              <a:rPr lang="en-CA" dirty="0" smtClean="0"/>
+              <a:t>Easily modifiable and extensible</a:t>
+            </a:r>
+          </a:p>
+          <a:p>
+            <a:r>
+              <a:rPr lang="en-CA" dirty="0" smtClean="0"/>
+              <a:t>Common practice in industry</a:t>
+            </a:r>
+          </a:p>
+          <a:p>
+            <a:r>
+              <a:rPr lang="en-CA" dirty="0" smtClean="0"/>
+              <a:t>Built around reactions to user input</a:t>
+            </a:r>
+          </a:p>
+          <a:p>
+            <a:endParaRPr lang="en-CA" dirty="0" smtClean="0"/>
+          </a:p>
+          <a:p>
+            <a:endParaRPr lang="en-CA" dirty="0"/>
+          </a:p>
+        </p:txBody>
+      </p:sp>
+      <p:pic>
+        <p:nvPicPr>
+          <p:cNvPr id="3074" name="Picture 2" descr="http://engineering.socialpoint.es/images/mvc_ngui/overview.png"/>
+          <p:cNvPicPr>
+            <a:picLocks noChangeAspect="1" noChangeArrowheads="1"/>
+          </p:cNvPicPr>
+          <p:nvPr/>
+        </p:nvPicPr>
+        <p:blipFill>
+          <a:blip r:embed="rId2">
+            <a:extLst>
+              <a:ext uri="{28A0092B-C50C-407E-A947-70E740481C1C}">
+                <a14:useLocalDpi xmlns:a14="http://schemas.microsoft.com/office/drawing/2010/main" val="0"/>
+              </a:ext>
+            </a:extLst>
+          </a:blip>
+          <a:srcRect/>
+          <a:stretch>
+            <a:fillRect/>
+          </a:stretch>
+        </p:blipFill>
+        <p:spPr bwMode="auto">
+          <a:xfrm>
+            <a:off x="6641666" y="2503055"/>
+            <a:ext cx="4285673" cy="3214255"/>
+          </a:xfrm>
+          <a:prstGeom prst="rect">
+            <a:avLst/>
+          </a:prstGeom>
+          <a:solidFill>
+            <a:schemeClr val="tx1"/>
+          </a:solidFill>
+        </p:spPr>
+      </p:pic>
+    </p:spTree>
+    <p:extLst>
+      <p:ext uri="{BB962C8B-B14F-4D97-AF65-F5344CB8AC3E}">
+        <p14:creationId xmlns:p14="http://schemas.microsoft.com/office/powerpoint/2010/main" val="4128034441"/>
+      </p:ext>
+    </p:extLst>
+  </p:cSld>
+  <p:clrMapOvr>
+    <a:masterClrMapping/>
+  </p:clrMapOvr>
+  <p:timing>
+    <p:tnLst>
+      <p:par>
+        <p:cTn id="1" dur="indefinite" restart="never" nodeType="tmRoot"/>
+      </p:par>
+    </p:tnLst>
+  </p:timing>
+</p:sld>
+</file>
+
+<file path=ppt/slides/slide2.xml><?xml version="1.0" encoding="utf-8"?>
+<p:sld xmlns:a="http://schemas.openxmlformats.org/drawingml/2006/main" xmlns:r="http://schemas.openxmlformats.org/officeDocument/2006/relationships" xmlns:p="http://schemas.openxmlformats.org/presentationml/2006/main">
+  <p:cSld>
+    <p:spTree>
+      <p:nvGrpSpPr>
+        <p:cNvPr id="1" name=""/>
+        <p:cNvGrpSpPr/>
+        <p:nvPr/>
+      </p:nvGrpSpPr>
+      <p:grpSpPr>
+        <a:xfrm>
+          <a:off x="0" y="0"/>
+          <a:ext cx="0" cy="0"/>
+          <a:chOff x="0" y="0"/>
+          <a:chExt cx="0" cy="0"/>
+        </a:xfrm>
+      </p:grpSpPr>
+      <p:sp>
+        <p:nvSpPr>
+          <p:cNvPr id="2" name="Title 1">
+            <a:extLst>
+              <a:ext uri="{FF2B5EF4-FFF2-40B4-BE49-F238E27FC236}">
+                <a16:creationId xmlns="" xmlns:a16="http://schemas.microsoft.com/office/drawing/2014/main" id="{36A5512F-DA0A-4155-B467-7CE21F143616}"/>
+              </a:ext>
+            </a:extLst>
+          </p:cNvPr>
+          <p:cNvSpPr>
+            <a:spLocks noGrp="1"/>
+          </p:cNvSpPr>
+          <p:nvPr>
+            <p:ph type="title"/>
+          </p:nvPr>
+        </p:nvSpPr>
+        <p:spPr/>
+        <p:txBody>
+          <a:bodyPr/>
+          <a:lstStyle/>
+          <a:p>
+            <a:pPr algn="ctr"/>
+            <a:r>
+              <a:rPr lang="en-CA" dirty="0" smtClean="0"/>
+              <a:t>Presentation Outline</a:t>
+            </a:r>
+            <a:endParaRPr lang="en-CA" dirty="0"/>
+          </a:p>
+        </p:txBody>
+      </p:sp>
+      <p:sp>
+        <p:nvSpPr>
+          <p:cNvPr id="3" name="Content Placeholder 2">
+            <a:extLst>
+              <a:ext uri="{FF2B5EF4-FFF2-40B4-BE49-F238E27FC236}">
+                <a16:creationId xmlns="" xmlns:a16="http://schemas.microsoft.com/office/drawing/2014/main" id="{E64228CB-BBE3-4152-B8E5-8D60ABA4DD80}"/>
+              </a:ext>
+            </a:extLst>
+          </p:cNvPr>
+          <p:cNvSpPr>
+            <a:spLocks noGrp="1"/>
+          </p:cNvSpPr>
+          <p:nvPr>
+            <p:ph idx="1"/>
+          </p:nvPr>
+        </p:nvSpPr>
+        <p:spPr>
+          <a:xfrm>
+            <a:off x="1141413" y="2384981"/>
+            <a:ext cx="9905999" cy="3406220"/>
+          </a:xfrm>
+        </p:spPr>
+        <p:txBody>
+          <a:bodyPr/>
+          <a:lstStyle/>
+          <a:p>
+            <a:r>
+              <a:rPr lang="en-CA" dirty="0" smtClean="0"/>
+              <a:t>Project Overview</a:t>
+            </a:r>
+          </a:p>
+          <a:p>
+            <a:r>
+              <a:rPr lang="en-CA" dirty="0" smtClean="0"/>
+              <a:t>Background Concepts</a:t>
+            </a:r>
+          </a:p>
+          <a:p>
+            <a:r>
+              <a:rPr lang="en-CA" dirty="0" smtClean="0"/>
+              <a:t>Software System Design Process</a:t>
+            </a:r>
+          </a:p>
+          <a:p>
+            <a:r>
+              <a:rPr lang="en-CA" dirty="0" smtClean="0"/>
+              <a:t>Hardware Input Design Process</a:t>
+            </a:r>
+          </a:p>
+          <a:p>
+            <a:r>
+              <a:rPr lang="en-CA" dirty="0" smtClean="0"/>
+              <a:t>Conclusion</a:t>
+            </a:r>
+          </a:p>
+          <a:p>
+            <a:endParaRPr lang="en-CA" dirty="0"/>
+          </a:p>
+        </p:txBody>
+      </p:sp>
+      <p:pic>
+        <p:nvPicPr>
+          <p:cNvPr id="5126" name="Picture 6" descr="Earth, Globe, Magnify, Blue, Glass, Green, Zoom"/>
+          <p:cNvPicPr>
+            <a:picLocks noChangeAspect="1" noChangeArrowheads="1"/>
+          </p:cNvPicPr>
+          <p:nvPr/>
+        </p:nvPicPr>
+        <p:blipFill>
+          <a:blip r:embed="rId2">
+            <a:extLst>
+              <a:ext uri="{28A0092B-C50C-407E-A947-70E740481C1C}">
+                <a14:useLocalDpi xmlns:a14="http://schemas.microsoft.com/office/drawing/2010/main" val="0"/>
+              </a:ext>
+            </a:extLst>
+          </a:blip>
+          <a:srcRect/>
+          <a:stretch>
+            <a:fillRect/>
+          </a:stretch>
+        </p:blipFill>
+        <p:spPr bwMode="auto">
+          <a:xfrm>
+            <a:off x="7055651" y="2224071"/>
+            <a:ext cx="3088591" cy="3592545"/>
+          </a:xfrm>
+          <a:prstGeom prst="rect">
+            <a:avLst/>
+          </a:prstGeom>
+          <a:solidFill>
+            <a:schemeClr val="tx1"/>
+          </a:solidFill>
+        </p:spPr>
+      </p:pic>
+    </p:spTree>
+    <p:extLst>
+      <p:ext uri="{BB962C8B-B14F-4D97-AF65-F5344CB8AC3E}">
+        <p14:creationId xmlns:p14="http://schemas.microsoft.com/office/powerpoint/2010/main" val="4174013755"/>
+      </p:ext>
+    </p:extLst>
+  </p:cSld>
+  <p:clrMapOvr>
+    <a:masterClrMapping/>
+  </p:clrMapOvr>
+  <p:timing>
+    <p:tnLst>
+      <p:par>
+        <p:cTn id="1" dur="indefinite" restart="never" nodeType="tmRoot"/>
+      </p:par>
+    </p:tnLst>
+  </p:timing>
+</p:sld>
+</file>
+
+<file path=ppt/slides/slide20.xml><?xml version="1.0" encoding="utf-8"?>
+<p:sld xmlns:a="http://schemas.openxmlformats.org/drawingml/2006/main" xmlns:r="http://schemas.openxmlformats.org/officeDocument/2006/relationships" xmlns:p="http://schemas.openxmlformats.org/presentationml/2006/main">
+  <p:cSld>
+    <p:spTree>
+      <p:nvGrpSpPr>
+        <p:cNvPr id="1" name=""/>
+        <p:cNvGrpSpPr/>
+        <p:nvPr/>
+      </p:nvGrpSpPr>
+      <p:grpSpPr>
+        <a:xfrm>
+          <a:off x="0" y="0"/>
+          <a:ext cx="0" cy="0"/>
+          <a:chOff x="0" y="0"/>
+          <a:chExt cx="0" cy="0"/>
+        </a:xfrm>
+      </p:grpSpPr>
+      <p:sp>
+        <p:nvSpPr>
+          <p:cNvPr id="2" name="Title 1">
+            <a:extLst>
+              <a:ext uri="{FF2B5EF4-FFF2-40B4-BE49-F238E27FC236}">
+                <a16:creationId xmlns="" xmlns:a16="http://schemas.microsoft.com/office/drawing/2014/main" id="{F25659FA-40BB-416A-97AE-15B6618B6967}"/>
+              </a:ext>
+            </a:extLst>
+          </p:cNvPr>
+          <p:cNvSpPr>
+            <a:spLocks noGrp="1"/>
+          </p:cNvSpPr>
+          <p:nvPr>
+            <p:ph type="title"/>
+          </p:nvPr>
+        </p:nvSpPr>
+        <p:spPr/>
+        <p:txBody>
+          <a:bodyPr/>
+          <a:lstStyle/>
+          <a:p>
+            <a:pPr algn="ctr"/>
+            <a:r>
+              <a:rPr lang="en-CA" dirty="0" smtClean="0"/>
+              <a:t>Domain Model</a:t>
+            </a:r>
+            <a:endParaRPr lang="en-CA" dirty="0"/>
+          </a:p>
+        </p:txBody>
+      </p:sp>
+      <p:pic>
+        <p:nvPicPr>
+          <p:cNvPr id="5" name="Content Placeholder 4">
+            <a:extLst>
+              <a:ext uri="{FF2B5EF4-FFF2-40B4-BE49-F238E27FC236}">
+                <a16:creationId xmlns="" xmlns:a16="http://schemas.microsoft.com/office/drawing/2014/main" id="{B32A5AC4-23C1-4C77-8506-5F26EA9CE498}"/>
+              </a:ext>
+            </a:extLst>
+          </p:cNvPr>
+          <p:cNvPicPr>
+            <a:picLocks noGrp="1" noChangeAspect="1"/>
+          </p:cNvPicPr>
+          <p:nvPr>
+            <p:ph idx="1"/>
+          </p:nvPr>
+        </p:nvPicPr>
+        <p:blipFill>
+          <a:blip r:embed="rId2">
+            <a:extLst>
+              <a:ext uri="{28A0092B-C50C-407E-A947-70E740481C1C}">
+                <a14:useLocalDpi xmlns:a14="http://schemas.microsoft.com/office/drawing/2010/main" val="0"/>
+              </a:ext>
+            </a:extLst>
+          </a:blip>
+          <a:stretch>
+            <a:fillRect/>
+          </a:stretch>
+        </p:blipFill>
+        <p:spPr>
+          <a:xfrm>
+            <a:off x="1623352" y="1772686"/>
+            <a:ext cx="8942120" cy="4668936"/>
+          </a:xfrm>
+        </p:spPr>
+      </p:pic>
+    </p:spTree>
+    <p:extLst>
+      <p:ext uri="{BB962C8B-B14F-4D97-AF65-F5344CB8AC3E}">
+        <p14:creationId xmlns:p14="http://schemas.microsoft.com/office/powerpoint/2010/main" val="844086373"/>
+      </p:ext>
+    </p:extLst>
+  </p:cSld>
+  <p:clrMapOvr>
+    <a:masterClrMapping/>
+  </p:clrMapOvr>
+  <p:timing>
+    <p:tnLst>
+      <p:par>
+        <p:cTn id="1" dur="indefinite" restart="never" nodeType="tmRoot"/>
+      </p:par>
+    </p:tnLst>
+  </p:timing>
+</p:sld>
+</file>
+
+<file path=ppt/slides/slide21.xml><?xml version="1.0" encoding="utf-8"?>
+<p:sld xmlns:a="http://schemas.openxmlformats.org/drawingml/2006/main" xmlns:r="http://schemas.openxmlformats.org/officeDocument/2006/relationships" xmlns:p="http://schemas.openxmlformats.org/presentationml/2006/main">
+  <p:cSld>
+    <p:spTree>
+      <p:nvGrpSpPr>
+        <p:cNvPr id="1" name=""/>
+        <p:cNvGrpSpPr/>
+        <p:nvPr/>
+      </p:nvGrpSpPr>
+      <p:grpSpPr>
+        <a:xfrm>
+          <a:off x="0" y="0"/>
+          <a:ext cx="0" cy="0"/>
+          <a:chOff x="0" y="0"/>
+          <a:chExt cx="0" cy="0"/>
+        </a:xfrm>
+      </p:grpSpPr>
+      <p:sp>
+        <p:nvSpPr>
+          <p:cNvPr id="2" name="Title 1">
+            <a:extLst>
+              <a:ext uri="{FF2B5EF4-FFF2-40B4-BE49-F238E27FC236}">
+                <a16:creationId xmlns="" xmlns:a16="http://schemas.microsoft.com/office/drawing/2014/main" id="{D2B70648-F767-4919-A6C2-683C73BC25A1}"/>
+              </a:ext>
+            </a:extLst>
+          </p:cNvPr>
+          <p:cNvSpPr>
+            <a:spLocks noGrp="1"/>
+          </p:cNvSpPr>
+          <p:nvPr>
+            <p:ph type="title"/>
+          </p:nvPr>
+        </p:nvSpPr>
+        <p:spPr/>
+        <p:txBody>
+          <a:bodyPr/>
+          <a:lstStyle/>
+          <a:p>
+            <a:pPr algn="ctr"/>
+            <a:r>
+              <a:rPr lang="en-CA" dirty="0"/>
+              <a:t>Motion Controls</a:t>
+            </a:r>
+          </a:p>
+        </p:txBody>
+      </p:sp>
+      <p:sp>
+        <p:nvSpPr>
+          <p:cNvPr id="3" name="Content Placeholder 2">
+            <a:extLst>
+              <a:ext uri="{FF2B5EF4-FFF2-40B4-BE49-F238E27FC236}">
+                <a16:creationId xmlns="" xmlns:a16="http://schemas.microsoft.com/office/drawing/2014/main" id="{6ACADFAF-F2F4-452B-9B91-161ABA28ABC0}"/>
+              </a:ext>
+            </a:extLst>
+          </p:cNvPr>
+          <p:cNvSpPr>
+            <a:spLocks noGrp="1"/>
+          </p:cNvSpPr>
+          <p:nvPr>
+            <p:ph idx="1"/>
+          </p:nvPr>
+        </p:nvSpPr>
+        <p:spPr/>
+        <p:txBody>
+          <a:bodyPr/>
+          <a:lstStyle/>
+          <a:p>
+            <a:r>
+              <a:rPr lang="en-CA" dirty="0"/>
+              <a:t>System input is taken from a 3 axis Inertial Measurement Unit (IMU)</a:t>
+            </a:r>
+          </a:p>
+          <a:p>
+            <a:pPr lvl="1"/>
+            <a:r>
+              <a:rPr lang="en-CA" dirty="0"/>
+              <a:t>Connected via an I2C interface to an Arduino Uno</a:t>
+            </a:r>
+          </a:p>
+          <a:p>
+            <a:r>
+              <a:rPr lang="en-CA" dirty="0"/>
+              <a:t>IMU data transmitted to simulation system via Bluetooth</a:t>
+            </a:r>
+          </a:p>
+          <a:p>
+            <a:r>
+              <a:rPr lang="en-CA" dirty="0"/>
+              <a:t>Simulation model</a:t>
+            </a:r>
+          </a:p>
+          <a:p>
+            <a:pPr lvl="1"/>
+            <a:r>
+              <a:rPr lang="en-CA" dirty="0"/>
+              <a:t>Strapdown Inertial Navigation</a:t>
+            </a:r>
+          </a:p>
+          <a:p>
+            <a:pPr lvl="1"/>
+            <a:r>
+              <a:rPr lang="en-CA" dirty="0"/>
+              <a:t>Uses IMU data to estimate orientation and position</a:t>
+            </a:r>
+          </a:p>
+        </p:txBody>
+      </p:sp>
+    </p:spTree>
+    <p:extLst>
+      <p:ext uri="{BB962C8B-B14F-4D97-AF65-F5344CB8AC3E}">
+        <p14:creationId xmlns:p14="http://schemas.microsoft.com/office/powerpoint/2010/main" val="801621301"/>
+      </p:ext>
+    </p:extLst>
+  </p:cSld>
+  <p:clrMapOvr>
+    <a:masterClrMapping/>
+  </p:clrMapOvr>
+  <p:timing>
+    <p:tnLst>
+      <p:par>
+        <p:cTn id="1" dur="indefinite" restart="never" nodeType="tmRoot"/>
+      </p:par>
+    </p:tnLst>
+  </p:timing>
+</p:sld>
+</file>
+
+<file path=ppt/slides/slide22.xml><?xml version="1.0" encoding="utf-8"?>
+<p:sld xmlns:a="http://schemas.openxmlformats.org/drawingml/2006/main" xmlns:r="http://schemas.openxmlformats.org/officeDocument/2006/relationships" xmlns:p="http://schemas.openxmlformats.org/presentationml/2006/main">
+  <p:cSld>
+    <p:spTree>
+      <p:nvGrpSpPr>
+        <p:cNvPr id="1" name=""/>
+        <p:cNvGrpSpPr/>
+        <p:nvPr/>
+      </p:nvGrpSpPr>
+      <p:grpSpPr>
+        <a:xfrm>
+          <a:off x="0" y="0"/>
+          <a:ext cx="0" cy="0"/>
+          <a:chOff x="0" y="0"/>
+          <a:chExt cx="0" cy="0"/>
+        </a:xfrm>
+      </p:grpSpPr>
+      <p:sp>
+        <p:nvSpPr>
+          <p:cNvPr id="2" name="Title 1"/>
+          <p:cNvSpPr>
+            <a:spLocks noGrp="1"/>
+          </p:cNvSpPr>
+          <p:nvPr>
+            <p:ph type="title"/>
+          </p:nvPr>
+        </p:nvSpPr>
+        <p:spPr/>
+        <p:txBody>
+          <a:bodyPr/>
+          <a:lstStyle/>
+          <a:p>
+            <a:pPr algn="ctr"/>
+            <a:r>
+              <a:rPr lang="en-CA" dirty="0"/>
+              <a:t>THE IMU</a:t>
+            </a:r>
+          </a:p>
+        </p:txBody>
+      </p:sp>
+      <p:sp>
+        <p:nvSpPr>
+          <p:cNvPr id="3" name="Content Placeholder 2"/>
+          <p:cNvSpPr>
+            <a:spLocks noGrp="1"/>
+          </p:cNvSpPr>
+          <p:nvPr>
+            <p:ph idx="1"/>
+          </p:nvPr>
+        </p:nvSpPr>
+        <p:spPr/>
+        <p:txBody>
+          <a:bodyPr/>
+          <a:lstStyle/>
+          <a:p>
+            <a:r>
+              <a:rPr lang="en-CA" dirty="0"/>
+              <a:t>Gyroscope</a:t>
+            </a:r>
+          </a:p>
+          <a:p>
+            <a:pPr lvl="1"/>
+            <a:r>
+              <a:rPr lang="en-CA" dirty="0"/>
+              <a:t>Measure rotation of unit in degrees/second</a:t>
+            </a:r>
+          </a:p>
+          <a:p>
+            <a:r>
+              <a:rPr lang="en-CA" dirty="0"/>
+              <a:t>Accelerometer</a:t>
+            </a:r>
+          </a:p>
+          <a:p>
+            <a:pPr lvl="1"/>
+            <a:r>
+              <a:rPr lang="en-CA" dirty="0"/>
+              <a:t>Measures forces acting upon the unit including gravity</a:t>
+            </a:r>
+          </a:p>
+          <a:p>
+            <a:pPr lvl="1"/>
+            <a:r>
+              <a:rPr lang="en-CA" dirty="0"/>
+              <a:t>Units of G (9.81m/s</a:t>
+            </a:r>
+            <a:r>
+              <a:rPr lang="en-CA" baseline="30000" dirty="0"/>
+              <a:t>2</a:t>
+            </a:r>
+            <a:r>
+              <a:rPr lang="en-CA" dirty="0"/>
+              <a:t>)</a:t>
+            </a:r>
+          </a:p>
+        </p:txBody>
+      </p:sp>
+      <p:pic>
+        <p:nvPicPr>
+          <p:cNvPr id="5" name="Picture 4" descr="A circuit board&#10;&#10;Description generated with very high confidence">
+            <a:extLst>
+              <a:ext uri="{FF2B5EF4-FFF2-40B4-BE49-F238E27FC236}">
+                <a16:creationId xmlns="" xmlns:a16="http://schemas.microsoft.com/office/drawing/2014/main" id="{DBAE08E4-3D00-4CC8-A76B-D1694D8CF289}"/>
+              </a:ext>
+            </a:extLst>
+          </p:cNvPr>
+          <p:cNvPicPr>
+            <a:picLocks noChangeAspect="1"/>
+          </p:cNvPicPr>
+          <p:nvPr/>
+        </p:nvPicPr>
+        <p:blipFill>
+          <a:blip r:embed="rId2">
+            <a:extLst>
+              <a:ext uri="{28A0092B-C50C-407E-A947-70E740481C1C}">
+                <a14:useLocalDpi xmlns:a14="http://schemas.microsoft.com/office/drawing/2010/main" val="0"/>
+              </a:ext>
+            </a:extLst>
+          </a:blip>
+          <a:stretch>
+            <a:fillRect/>
+          </a:stretch>
+        </p:blipFill>
+        <p:spPr>
+          <a:xfrm>
+            <a:off x="8165558" y="2343502"/>
+            <a:ext cx="2881853" cy="2170996"/>
+          </a:xfrm>
+          <a:prstGeom prst="rect">
+            <a:avLst/>
+          </a:prstGeom>
+        </p:spPr>
+      </p:pic>
+    </p:spTree>
+    <p:extLst>
+      <p:ext uri="{BB962C8B-B14F-4D97-AF65-F5344CB8AC3E}">
+        <p14:creationId xmlns:p14="http://schemas.microsoft.com/office/powerpoint/2010/main" val="627354700"/>
+      </p:ext>
+    </p:extLst>
+  </p:cSld>
+  <p:clrMapOvr>
+    <a:masterClrMapping/>
+  </p:clrMapOvr>
+  <p:timing>
+    <p:tnLst>
+      <p:par>
+        <p:cTn id="1" dur="indefinite" restart="never" nodeType="tmRoot"/>
+      </p:par>
+    </p:tnLst>
+  </p:timing>
+</p:sld>
+</file>
+
+<file path=ppt/slides/slide23.xml><?xml version="1.0" encoding="utf-8"?>
+<p:sld xmlns:a="http://schemas.openxmlformats.org/drawingml/2006/main" xmlns:r="http://schemas.openxmlformats.org/officeDocument/2006/relationships" xmlns:p="http://schemas.openxmlformats.org/presentationml/2006/main">
+  <p:cSld>
+    <p:spTree>
+      <p:nvGrpSpPr>
+        <p:cNvPr id="1" name=""/>
+        <p:cNvGrpSpPr/>
+        <p:nvPr/>
+      </p:nvGrpSpPr>
+      <p:grpSpPr>
+        <a:xfrm>
+          <a:off x="0" y="0"/>
+          <a:ext cx="0" cy="0"/>
+          <a:chOff x="0" y="0"/>
+          <a:chExt cx="0" cy="0"/>
+        </a:xfrm>
+      </p:grpSpPr>
+      <p:sp>
+        <p:nvSpPr>
+          <p:cNvPr id="2" name="Title 1"/>
+          <p:cNvSpPr>
+            <a:spLocks noGrp="1"/>
+          </p:cNvSpPr>
+          <p:nvPr>
+            <p:ph type="title"/>
+          </p:nvPr>
+        </p:nvSpPr>
+        <p:spPr/>
+        <p:txBody>
+          <a:bodyPr/>
+          <a:lstStyle/>
+          <a:p>
+            <a:pPr algn="ctr"/>
+            <a:r>
+              <a:rPr lang="en-CA" dirty="0"/>
+              <a:t>Strapdown Inertial Navigation</a:t>
+            </a:r>
+          </a:p>
+        </p:txBody>
+      </p:sp>
+      <p:sp>
+        <p:nvSpPr>
+          <p:cNvPr id="3" name="Content Placeholder 2"/>
+          <p:cNvSpPr>
+            <a:spLocks noGrp="1"/>
+          </p:cNvSpPr>
+          <p:nvPr>
+            <p:ph idx="1"/>
+          </p:nvPr>
+        </p:nvSpPr>
+        <p:spPr>
+          <a:xfrm>
+            <a:off x="1141412" y="2249487"/>
+            <a:ext cx="5043631" cy="3541714"/>
+          </a:xfrm>
+        </p:spPr>
+        <p:txBody>
+          <a:bodyPr>
+            <a:normAutofit lnSpcReduction="10000"/>
+          </a:bodyPr>
+          <a:lstStyle/>
+          <a:p>
+            <a:pPr marL="0" indent="0">
+              <a:buNone/>
+            </a:pPr>
+            <a:r>
+              <a:rPr lang="en-CA" dirty="0"/>
+              <a:t>Step 1</a:t>
+            </a:r>
+          </a:p>
+          <a:p>
+            <a:r>
+              <a:rPr lang="en-CA" dirty="0"/>
+              <a:t>Estimate orientation using a known starting orientation and dynamically adding rotations read by the IMU. </a:t>
+            </a:r>
+          </a:p>
+          <a:p>
+            <a:r>
+              <a:rPr lang="en-CA" dirty="0"/>
+              <a:t>Uses Directional Cosine Matrix (DCM)</a:t>
+            </a:r>
+          </a:p>
+          <a:p>
+            <a:r>
+              <a:rPr lang="en-CA" dirty="0"/>
+              <a:t>For Unity3D, this is converted to a quaternion</a:t>
+            </a:r>
+          </a:p>
+        </p:txBody>
+      </p:sp>
+      <p:pic>
+        <p:nvPicPr>
+          <p:cNvPr id="5" name="Picture 4" descr="A picture containing object&#10;&#10;Description generated with very high confidence">
+            <a:extLst>
+              <a:ext uri="{FF2B5EF4-FFF2-40B4-BE49-F238E27FC236}">
+                <a16:creationId xmlns="" xmlns:a16="http://schemas.microsoft.com/office/drawing/2014/main" id="{A0A3EDC0-EB69-40FA-9588-ABDB2891EE5E}"/>
+              </a:ext>
+            </a:extLst>
+          </p:cNvPr>
+          <p:cNvPicPr>
+            <a:picLocks noChangeAspect="1"/>
+          </p:cNvPicPr>
+          <p:nvPr/>
+        </p:nvPicPr>
+        <p:blipFill>
+          <a:blip r:embed="rId2">
+            <a:extLst>
+              <a:ext uri="{28A0092B-C50C-407E-A947-70E740481C1C}">
+                <a14:useLocalDpi xmlns:a14="http://schemas.microsoft.com/office/drawing/2010/main" val="0"/>
+              </a:ext>
+            </a:extLst>
+          </a:blip>
+          <a:stretch>
+            <a:fillRect/>
+          </a:stretch>
+        </p:blipFill>
+        <p:spPr>
+          <a:xfrm>
+            <a:off x="7582328" y="2476807"/>
+            <a:ext cx="3465083" cy="3087074"/>
+          </a:xfrm>
+          <a:prstGeom prst="rect">
+            <a:avLst/>
+          </a:prstGeom>
+        </p:spPr>
+      </p:pic>
+    </p:spTree>
+    <p:extLst>
+      <p:ext uri="{BB962C8B-B14F-4D97-AF65-F5344CB8AC3E}">
+        <p14:creationId xmlns:p14="http://schemas.microsoft.com/office/powerpoint/2010/main" val="297854344"/>
+      </p:ext>
+    </p:extLst>
+  </p:cSld>
+  <p:clrMapOvr>
+    <a:masterClrMapping/>
+  </p:clrMapOvr>
+  <p:timing>
+    <p:tnLst>
+      <p:par>
+        <p:cTn id="1" dur="indefinite" restart="never" nodeType="tmRoot"/>
+      </p:par>
+    </p:tnLst>
+  </p:timing>
+</p:sld>
+</file>
+
+<file path=ppt/slides/slide24.xml><?xml version="1.0" encoding="utf-8"?>
+<p:sld xmlns:a="http://schemas.openxmlformats.org/drawingml/2006/main" xmlns:r="http://schemas.openxmlformats.org/officeDocument/2006/relationships" xmlns:p="http://schemas.openxmlformats.org/presentationml/2006/main">
+  <p:cSld>
+    <p:spTree>
+      <p:nvGrpSpPr>
+        <p:cNvPr id="1" name=""/>
+        <p:cNvGrpSpPr/>
+        <p:nvPr/>
+      </p:nvGrpSpPr>
+      <p:grpSpPr>
+        <a:xfrm>
+          <a:off x="0" y="0"/>
+          <a:ext cx="0" cy="0"/>
+          <a:chOff x="0" y="0"/>
+          <a:chExt cx="0" cy="0"/>
+        </a:xfrm>
+      </p:grpSpPr>
+      <p:sp>
+        <p:nvSpPr>
+          <p:cNvPr id="2" name="Title 1">
+            <a:extLst>
+              <a:ext uri="{FF2B5EF4-FFF2-40B4-BE49-F238E27FC236}">
+                <a16:creationId xmlns="" xmlns:a16="http://schemas.microsoft.com/office/drawing/2014/main" id="{4ACF1BA8-E11A-4BF1-99CB-CEBBCEE25196}"/>
+              </a:ext>
+            </a:extLst>
+          </p:cNvPr>
+          <p:cNvSpPr>
+            <a:spLocks noGrp="1"/>
+          </p:cNvSpPr>
+          <p:nvPr>
+            <p:ph type="title"/>
+          </p:nvPr>
+        </p:nvSpPr>
+        <p:spPr/>
+        <p:txBody>
+          <a:bodyPr/>
+          <a:lstStyle/>
+          <a:p>
+            <a:pPr algn="ctr"/>
+            <a:r>
+              <a:rPr lang="en-CA" dirty="0"/>
+              <a:t>Strapdown Inertial Navigation</a:t>
+            </a:r>
+            <a:endParaRPr lang="en-US" dirty="0"/>
+          </a:p>
+        </p:txBody>
+      </p:sp>
+      <p:sp>
+        <p:nvSpPr>
+          <p:cNvPr id="3" name="Content Placeholder 2">
+            <a:extLst>
+              <a:ext uri="{FF2B5EF4-FFF2-40B4-BE49-F238E27FC236}">
+                <a16:creationId xmlns="" xmlns:a16="http://schemas.microsoft.com/office/drawing/2014/main" id="{2101CA67-66B5-4054-984C-F46D93EDE818}"/>
+              </a:ext>
+            </a:extLst>
+          </p:cNvPr>
+          <p:cNvSpPr>
+            <a:spLocks noGrp="1"/>
+          </p:cNvSpPr>
+          <p:nvPr>
+            <p:ph idx="1"/>
+          </p:nvPr>
+        </p:nvSpPr>
+        <p:spPr/>
+        <p:txBody>
+          <a:bodyPr>
+            <a:normAutofit lnSpcReduction="10000"/>
+          </a:bodyPr>
+          <a:lstStyle/>
+          <a:p>
+            <a:pPr marL="0" indent="0">
+              <a:buNone/>
+            </a:pPr>
+            <a:r>
+              <a:rPr lang="en-US" dirty="0"/>
+              <a:t>Step 2</a:t>
+            </a:r>
+          </a:p>
+          <a:p>
+            <a:r>
+              <a:rPr lang="en-US" dirty="0"/>
+              <a:t>Use the DCM to transform the accelerations read by the IMU to a global frame of reference. </a:t>
+            </a:r>
+          </a:p>
+          <a:p>
+            <a:r>
+              <a:rPr lang="en-US" dirty="0"/>
+              <a:t>Removing gravitation acceleration from the transformed acceleration gives the unit’s actual acceleration.</a:t>
+            </a:r>
+          </a:p>
+          <a:p>
+            <a:r>
+              <a:rPr lang="en-US" dirty="0"/>
+              <a:t> Using a known starting position and speed, a position estimation is given by relating acceleration to change in position over time</a:t>
+            </a:r>
+          </a:p>
+        </p:txBody>
+      </p:sp>
+    </p:spTree>
+    <p:extLst>
+      <p:ext uri="{BB962C8B-B14F-4D97-AF65-F5344CB8AC3E}">
+        <p14:creationId xmlns:p14="http://schemas.microsoft.com/office/powerpoint/2010/main" val="674199531"/>
+      </p:ext>
+    </p:extLst>
+  </p:cSld>
+  <p:clrMapOvr>
+    <a:masterClrMapping/>
+  </p:clrMapOvr>
+  <p:timing>
+    <p:tnLst>
+      <p:par>
+        <p:cTn id="1" dur="indefinite" restart="never" nodeType="tmRoot"/>
+      </p:par>
+    </p:tnLst>
+  </p:timing>
+</p:sld>
+</file>
+
+<file path=ppt/slides/slide25.xml><?xml version="1.0" encoding="utf-8"?>
+<p:sld xmlns:a="http://schemas.openxmlformats.org/drawingml/2006/main" xmlns:r="http://schemas.openxmlformats.org/officeDocument/2006/relationships" xmlns:p="http://schemas.openxmlformats.org/presentationml/2006/main">
+  <p:cSld>
+    <p:spTree>
+      <p:nvGrpSpPr>
+        <p:cNvPr id="1" name=""/>
+        <p:cNvGrpSpPr/>
+        <p:nvPr/>
+      </p:nvGrpSpPr>
+      <p:grpSpPr>
+        <a:xfrm>
+          <a:off x="0" y="0"/>
+          <a:ext cx="0" cy="0"/>
+          <a:chOff x="0" y="0"/>
+          <a:chExt cx="0" cy="0"/>
+        </a:xfrm>
+      </p:grpSpPr>
+      <p:sp>
+        <p:nvSpPr>
+          <p:cNvPr id="2" name="Title 1">
+            <a:extLst>
+              <a:ext uri="{FF2B5EF4-FFF2-40B4-BE49-F238E27FC236}">
+                <a16:creationId xmlns="" xmlns:a16="http://schemas.microsoft.com/office/drawing/2014/main" id="{E672BB30-DE1C-407B-AA2A-C9DC748CEEC0}"/>
+              </a:ext>
+            </a:extLst>
+          </p:cNvPr>
+          <p:cNvSpPr>
+            <a:spLocks noGrp="1"/>
+          </p:cNvSpPr>
+          <p:nvPr>
+            <p:ph type="title"/>
+          </p:nvPr>
+        </p:nvSpPr>
+        <p:spPr/>
+        <p:txBody>
+          <a:bodyPr/>
+          <a:lstStyle/>
+          <a:p>
+            <a:pPr algn="ctr"/>
+            <a:r>
+              <a:rPr lang="en-CA" dirty="0"/>
+              <a:t>Strapdown Inertial Navigation</a:t>
+            </a:r>
+            <a:endParaRPr lang="en-US" dirty="0"/>
+          </a:p>
+        </p:txBody>
+      </p:sp>
+      <p:sp>
+        <p:nvSpPr>
+          <p:cNvPr id="3" name="Content Placeholder 2">
+            <a:extLst>
+              <a:ext uri="{FF2B5EF4-FFF2-40B4-BE49-F238E27FC236}">
+                <a16:creationId xmlns="" xmlns:a16="http://schemas.microsoft.com/office/drawing/2014/main" id="{72DED6C5-F150-4901-988D-F9D0231EF761}"/>
+              </a:ext>
+            </a:extLst>
+          </p:cNvPr>
+          <p:cNvSpPr>
+            <a:spLocks noGrp="1"/>
+          </p:cNvSpPr>
+          <p:nvPr>
+            <p:ph idx="1"/>
+          </p:nvPr>
+        </p:nvSpPr>
+        <p:spPr/>
+        <p:txBody>
+          <a:bodyPr/>
+          <a:lstStyle/>
+          <a:p>
+            <a:pPr marL="0" indent="0">
+              <a:buNone/>
+            </a:pPr>
+            <a:r>
+              <a:rPr lang="en-US" dirty="0"/>
+              <a:t>All calculation listed in these steps is handled by the simulation system. This results in having an estimate of the orientation and position of the IMU which can be used by the Unity3D game engine. Mounting this on a mock sword will allow realistic input to the simulation. This configuration is dubbed the Federuino (Federschwert + Arduino)</a:t>
+            </a:r>
+          </a:p>
+        </p:txBody>
+      </p:sp>
+    </p:spTree>
+    <p:extLst>
+      <p:ext uri="{BB962C8B-B14F-4D97-AF65-F5344CB8AC3E}">
+        <p14:creationId xmlns:p14="http://schemas.microsoft.com/office/powerpoint/2010/main" val="2167331303"/>
+      </p:ext>
+    </p:extLst>
+  </p:cSld>
+  <p:clrMapOvr>
+    <a:masterClrMapping/>
+  </p:clrMapOvr>
+  <p:timing>
+    <p:tnLst>
+      <p:par>
+        <p:cTn id="1" dur="indefinite" restart="never" nodeType="tmRoot"/>
+      </p:par>
+    </p:tnLst>
+  </p:timing>
+</p:sld>
+</file>
+
+<file path=ppt/slides/slide26.xml><?xml version="1.0" encoding="utf-8"?>
+<p:sld xmlns:a="http://schemas.openxmlformats.org/drawingml/2006/main" xmlns:r="http://schemas.openxmlformats.org/officeDocument/2006/relationships" xmlns:p="http://schemas.openxmlformats.org/presentationml/2006/main">
+  <p:cSld>
+    <p:spTree>
+      <p:nvGrpSpPr>
+        <p:cNvPr id="1" name=""/>
+        <p:cNvGrpSpPr/>
+        <p:nvPr/>
+      </p:nvGrpSpPr>
+      <p:grpSpPr>
+        <a:xfrm>
+          <a:off x="0" y="0"/>
+          <a:ext cx="0" cy="0"/>
+          <a:chOff x="0" y="0"/>
+          <a:chExt cx="0" cy="0"/>
+        </a:xfrm>
+      </p:grpSpPr>
+      <p:sp>
+        <p:nvSpPr>
+          <p:cNvPr id="2" name="Title 1"/>
+          <p:cNvSpPr>
+            <a:spLocks noGrp="1"/>
+          </p:cNvSpPr>
+          <p:nvPr>
+            <p:ph type="title"/>
+          </p:nvPr>
+        </p:nvSpPr>
+        <p:spPr/>
+        <p:txBody>
+          <a:bodyPr/>
+          <a:lstStyle/>
+          <a:p>
+            <a:pPr algn="ctr"/>
+            <a:r>
+              <a:rPr lang="en-CA" dirty="0"/>
+              <a:t>FeDEruino</a:t>
+            </a:r>
+          </a:p>
+        </p:txBody>
+      </p:sp>
+      <p:sp>
+        <p:nvSpPr>
+          <p:cNvPr id="3" name="Content Placeholder 2"/>
+          <p:cNvSpPr>
+            <a:spLocks noGrp="1"/>
+          </p:cNvSpPr>
+          <p:nvPr>
+            <p:ph idx="1"/>
+          </p:nvPr>
+        </p:nvSpPr>
+        <p:spPr/>
+        <p:txBody>
+          <a:bodyPr/>
+          <a:lstStyle/>
+          <a:p>
+            <a:r>
+              <a:rPr lang="en-CA" dirty="0"/>
+              <a:t>Arduino Uno</a:t>
+            </a:r>
+          </a:p>
+          <a:p>
+            <a:r>
+              <a:rPr lang="en-CA" dirty="0" err="1"/>
+              <a:t>Waveshare</a:t>
+            </a:r>
+            <a:r>
+              <a:rPr lang="en-CA" dirty="0"/>
+              <a:t> 10DOF IMU</a:t>
+            </a:r>
+          </a:p>
+          <a:p>
+            <a:r>
+              <a:rPr lang="en-CA" dirty="0" err="1"/>
+              <a:t>Seeed</a:t>
+            </a:r>
+            <a:r>
+              <a:rPr lang="en-CA" dirty="0"/>
+              <a:t> Studio Bluetooth Shield v2.0</a:t>
+            </a:r>
+          </a:p>
+        </p:txBody>
+      </p:sp>
+      <p:pic>
+        <p:nvPicPr>
+          <p:cNvPr id="5" name="Picture 4">
+            <a:extLst>
+              <a:ext uri="{FF2B5EF4-FFF2-40B4-BE49-F238E27FC236}">
+                <a16:creationId xmlns="" xmlns:a16="http://schemas.microsoft.com/office/drawing/2014/main" id="{5169DC0A-87E2-4FF0-9DA4-0715A203EF3F}"/>
+              </a:ext>
+            </a:extLst>
+          </p:cNvPr>
+          <p:cNvPicPr>
+            <a:picLocks noChangeAspect="1"/>
+          </p:cNvPicPr>
+          <p:nvPr/>
+        </p:nvPicPr>
+        <p:blipFill>
+          <a:blip r:embed="rId2" cstate="print">
+            <a:extLst>
+              <a:ext uri="{28A0092B-C50C-407E-A947-70E740481C1C}">
+                <a14:useLocalDpi xmlns:a14="http://schemas.microsoft.com/office/drawing/2010/main" val="0"/>
+              </a:ext>
+            </a:extLst>
+          </a:blip>
+          <a:stretch>
+            <a:fillRect/>
+          </a:stretch>
+        </p:blipFill>
+        <p:spPr>
+          <a:xfrm>
+            <a:off x="7245972" y="2003460"/>
+            <a:ext cx="3801439" cy="2851079"/>
+          </a:xfrm>
+          <a:prstGeom prst="rect">
+            <a:avLst/>
+          </a:prstGeom>
+        </p:spPr>
+      </p:pic>
+    </p:spTree>
+    <p:extLst>
+      <p:ext uri="{BB962C8B-B14F-4D97-AF65-F5344CB8AC3E}">
+        <p14:creationId xmlns:p14="http://schemas.microsoft.com/office/powerpoint/2010/main" val="846640314"/>
+      </p:ext>
+    </p:extLst>
+  </p:cSld>
+  <p:clrMapOvr>
+    <a:masterClrMapping/>
+  </p:clrMapOvr>
+  <p:timing>
+    <p:tnLst>
+      <p:par>
+        <p:cTn id="1" dur="indefinite" restart="never" nodeType="tmRoot"/>
+      </p:par>
+    </p:tnLst>
+  </p:timing>
+</p:sld>
+</file>
+
+<file path=ppt/slides/slide27.xml><?xml version="1.0" encoding="utf-8"?>
+<p:sld xmlns:a="http://schemas.openxmlformats.org/drawingml/2006/main" xmlns:r="http://schemas.openxmlformats.org/officeDocument/2006/relationships" xmlns:p="http://schemas.openxmlformats.org/presentationml/2006/main">
+  <p:cSld>
+    <p:spTree>
+      <p:nvGrpSpPr>
+        <p:cNvPr id="1" name=""/>
+        <p:cNvGrpSpPr/>
+        <p:nvPr/>
+      </p:nvGrpSpPr>
+      <p:grpSpPr>
+        <a:xfrm>
+          <a:off x="0" y="0"/>
+          <a:ext cx="0" cy="0"/>
+          <a:chOff x="0" y="0"/>
+          <a:chExt cx="0" cy="0"/>
+        </a:xfrm>
+      </p:grpSpPr>
+      <p:sp>
+        <p:nvSpPr>
+          <p:cNvPr id="2" name="Title 1"/>
+          <p:cNvSpPr>
+            <a:spLocks noGrp="1"/>
+          </p:cNvSpPr>
+          <p:nvPr>
+            <p:ph type="title"/>
+          </p:nvPr>
+        </p:nvSpPr>
+        <p:spPr/>
+        <p:txBody>
+          <a:bodyPr/>
+          <a:lstStyle/>
+          <a:p>
+            <a:pPr algn="ctr"/>
+            <a:r>
+              <a:rPr lang="en-CA" dirty="0" smtClean="0"/>
+              <a:t>Progress So Far</a:t>
+            </a:r>
+            <a:endParaRPr lang="en-CA" dirty="0"/>
+          </a:p>
+        </p:txBody>
+      </p:sp>
+      <p:pic>
+        <p:nvPicPr>
+          <p:cNvPr id="6" name="Picture 5"/>
+          <p:cNvPicPr/>
+          <p:nvPr/>
+        </p:nvPicPr>
+        <p:blipFill rotWithShape="1">
+          <a:blip r:embed="rId2">
+            <a:extLst>
+              <a:ext uri="{28A0092B-C50C-407E-A947-70E740481C1C}">
+                <a14:useLocalDpi xmlns:a14="http://schemas.microsoft.com/office/drawing/2010/main" val="0"/>
+              </a:ext>
+            </a:extLst>
+          </a:blip>
+          <a:srcRect r="28686"/>
+          <a:stretch/>
+        </p:blipFill>
+        <p:spPr bwMode="auto">
+          <a:xfrm>
+            <a:off x="1141411" y="2700837"/>
+            <a:ext cx="4495816" cy="2853239"/>
+          </a:xfrm>
+          <a:prstGeom prst="rect">
+            <a:avLst/>
+          </a:prstGeom>
+          <a:ln>
+            <a:noFill/>
+          </a:ln>
+          <a:extLst>
+            <a:ext uri="{53640926-AAD7-44D8-BBD7-CCE9431645EC}">
+              <a14:shadowObscured xmlns:a14="http://schemas.microsoft.com/office/drawing/2010/main"/>
+            </a:ext>
+          </a:extLst>
+        </p:spPr>
+      </p:pic>
+      <p:sp>
+        <p:nvSpPr>
+          <p:cNvPr id="7" name="Content Placeholder 2">
+            <a:extLst>
+              <a:ext uri="{FF2B5EF4-FFF2-40B4-BE49-F238E27FC236}">
+                <a16:creationId xmlns="" xmlns:a16="http://schemas.microsoft.com/office/drawing/2014/main" id="{7C640F72-A454-411F-B0AE-3C2648885C1F}"/>
+              </a:ext>
+            </a:extLst>
+          </p:cNvPr>
+          <p:cNvSpPr>
+            <a:spLocks noGrp="1"/>
+          </p:cNvSpPr>
+          <p:nvPr>
+            <p:ph idx="1"/>
+          </p:nvPr>
+        </p:nvSpPr>
+        <p:spPr>
+          <a:xfrm>
+            <a:off x="1141412" y="1911927"/>
+            <a:ext cx="9905999" cy="3879274"/>
+          </a:xfrm>
+        </p:spPr>
+        <p:txBody>
+          <a:bodyPr/>
+          <a:lstStyle/>
+          <a:p>
+            <a:pPr marL="0" indent="0">
+              <a:buNone/>
+              <a:tabLst>
+                <a:tab pos="2063750" algn="ctr"/>
+                <a:tab pos="7532688" algn="ctr"/>
+              </a:tabLst>
+            </a:pPr>
+            <a:r>
+              <a:rPr lang="en-CA" dirty="0"/>
+              <a:t>	</a:t>
+            </a:r>
+            <a:r>
+              <a:rPr lang="en-CA" dirty="0" smtClean="0"/>
+              <a:t>September 2017	January 2018</a:t>
+            </a:r>
+            <a:endParaRPr lang="en-CA" dirty="0"/>
+          </a:p>
+        </p:txBody>
+      </p:sp>
+      <p:pic>
+        <p:nvPicPr>
+          <p:cNvPr id="9" name="Picture 8"/>
+          <p:cNvPicPr/>
+          <p:nvPr/>
+        </p:nvPicPr>
+        <p:blipFill rotWithShape="1">
+          <a:blip r:embed="rId2">
+            <a:extLst>
+              <a:ext uri="{28A0092B-C50C-407E-A947-70E740481C1C}">
+                <a14:useLocalDpi xmlns:a14="http://schemas.microsoft.com/office/drawing/2010/main" val="0"/>
+              </a:ext>
+            </a:extLst>
+          </a:blip>
+          <a:srcRect r="28686"/>
+          <a:stretch/>
+        </p:blipFill>
+        <p:spPr bwMode="auto">
+          <a:xfrm>
+            <a:off x="6551595" y="2700836"/>
+            <a:ext cx="4495816" cy="2853239"/>
+          </a:xfrm>
+          <a:prstGeom prst="rect">
+            <a:avLst/>
+          </a:prstGeom>
+          <a:ln>
+            <a:noFill/>
+          </a:ln>
+          <a:extLst>
+            <a:ext uri="{53640926-AAD7-44D8-BBD7-CCE9431645EC}">
+              <a14:shadowObscured xmlns:a14="http://schemas.microsoft.com/office/drawing/2010/main"/>
+            </a:ext>
+          </a:extLst>
+        </p:spPr>
+      </p:pic>
+    </p:spTree>
+    <p:extLst>
+      <p:ext uri="{BB962C8B-B14F-4D97-AF65-F5344CB8AC3E}">
+        <p14:creationId xmlns:p14="http://schemas.microsoft.com/office/powerpoint/2010/main" val="1566679967"/>
+      </p:ext>
+    </p:extLst>
+  </p:cSld>
+  <p:clrMapOvr>
+    <a:masterClrMapping/>
+  </p:clrMapOvr>
+  <p:timing>
+    <p:tnLst>
+      <p:par>
+        <p:cTn id="1" dur="indefinite" restart="never" nodeType="tmRoot"/>
+      </p:par>
+    </p:tnLst>
+  </p:timing>
+</p:sld>
+</file>
+
+<file path=ppt/slides/slide28.xml><?xml version="1.0" encoding="utf-8"?>
+<p:sld xmlns:a="http://schemas.openxmlformats.org/drawingml/2006/main" xmlns:r="http://schemas.openxmlformats.org/officeDocument/2006/relationships" xmlns:p="http://schemas.openxmlformats.org/presentationml/2006/main">
+  <p:cSld>
+    <p:spTree>
+      <p:nvGrpSpPr>
+        <p:cNvPr id="1" name=""/>
+        <p:cNvGrpSpPr/>
+        <p:nvPr/>
+      </p:nvGrpSpPr>
+      <p:grpSpPr>
+        <a:xfrm>
+          <a:off x="0" y="0"/>
+          <a:ext cx="0" cy="0"/>
+          <a:chOff x="0" y="0"/>
+          <a:chExt cx="0" cy="0"/>
+        </a:xfrm>
+      </p:grpSpPr>
+      <p:sp>
+        <p:nvSpPr>
+          <p:cNvPr id="2" name="Title 1"/>
+          <p:cNvSpPr>
+            <a:spLocks noGrp="1"/>
+          </p:cNvSpPr>
+          <p:nvPr>
+            <p:ph type="title"/>
+          </p:nvPr>
+        </p:nvSpPr>
+        <p:spPr/>
+        <p:txBody>
+          <a:bodyPr/>
+          <a:lstStyle/>
+          <a:p>
+            <a:pPr algn="ctr"/>
+            <a:r>
+              <a:rPr lang="en-CA" dirty="0" smtClean="0"/>
+              <a:t>Project Roadblocks</a:t>
+            </a:r>
+            <a:endParaRPr lang="en-CA" dirty="0"/>
+          </a:p>
+        </p:txBody>
+      </p:sp>
+      <p:sp>
+        <p:nvSpPr>
+          <p:cNvPr id="3" name="Content Placeholder 2"/>
+          <p:cNvSpPr>
+            <a:spLocks noGrp="1"/>
+          </p:cNvSpPr>
+          <p:nvPr>
+            <p:ph idx="1"/>
+          </p:nvPr>
+        </p:nvSpPr>
+        <p:spPr/>
+        <p:txBody>
+          <a:bodyPr/>
+          <a:lstStyle/>
+          <a:p>
+            <a:endParaRPr lang="en-CA"/>
+          </a:p>
+        </p:txBody>
+      </p:sp>
+    </p:spTree>
+    <p:extLst>
+      <p:ext uri="{BB962C8B-B14F-4D97-AF65-F5344CB8AC3E}">
+        <p14:creationId xmlns:p14="http://schemas.microsoft.com/office/powerpoint/2010/main" val="355820556"/>
+      </p:ext>
+    </p:extLst>
+  </p:cSld>
+  <p:clrMapOvr>
+    <a:masterClrMapping/>
+  </p:clrMapOvr>
+  <p:timing>
+    <p:tnLst>
+      <p:par>
+        <p:cTn id="1" dur="indefinite" restart="never" nodeType="tmRoot"/>
+      </p:par>
+    </p:tnLst>
+  </p:timing>
+</p:sld>
+</file>
+
+<file path=ppt/slides/slide29.xml><?xml version="1.0" encoding="utf-8"?>
+<p:sld xmlns:a="http://schemas.openxmlformats.org/drawingml/2006/main" xmlns:r="http://schemas.openxmlformats.org/officeDocument/2006/relationships" xmlns:p="http://schemas.openxmlformats.org/presentationml/2006/main">
+  <p:cSld>
+    <p:spTree>
+      <p:nvGrpSpPr>
+        <p:cNvPr id="1" name=""/>
+        <p:cNvGrpSpPr/>
+        <p:nvPr/>
+      </p:nvGrpSpPr>
+      <p:grpSpPr>
+        <a:xfrm>
+          <a:off x="0" y="0"/>
+          <a:ext cx="0" cy="0"/>
+          <a:chOff x="0" y="0"/>
+          <a:chExt cx="0" cy="0"/>
+        </a:xfrm>
+      </p:grpSpPr>
+      <p:sp>
+        <p:nvSpPr>
+          <p:cNvPr id="2" name="Title 1">
+            <a:extLst>
+              <a:ext uri="{FF2B5EF4-FFF2-40B4-BE49-F238E27FC236}">
+                <a16:creationId xmlns="" xmlns:a16="http://schemas.microsoft.com/office/drawing/2014/main" id="{F3803F2D-DAF2-45A6-A9E5-9C8445154E8F}"/>
+              </a:ext>
+            </a:extLst>
+          </p:cNvPr>
+          <p:cNvSpPr>
+            <a:spLocks noGrp="1"/>
+          </p:cNvSpPr>
+          <p:nvPr>
+            <p:ph type="title"/>
+          </p:nvPr>
+        </p:nvSpPr>
+        <p:spPr/>
+        <p:txBody>
+          <a:bodyPr/>
+          <a:lstStyle/>
+          <a:p>
+            <a:pPr algn="ctr"/>
+            <a:r>
+              <a:rPr lang="en-US" dirty="0" smtClean="0"/>
+              <a:t>References</a:t>
+            </a:r>
+            <a:endParaRPr lang="en-US" dirty="0"/>
+          </a:p>
+        </p:txBody>
+      </p:sp>
+      <p:sp>
+        <p:nvSpPr>
+          <p:cNvPr id="3" name="Content Placeholder 2">
+            <a:extLst>
+              <a:ext uri="{FF2B5EF4-FFF2-40B4-BE49-F238E27FC236}">
+                <a16:creationId xmlns="" xmlns:a16="http://schemas.microsoft.com/office/drawing/2014/main" id="{D9758561-4EBB-4DA0-B49E-A158313B8F68}"/>
+              </a:ext>
+            </a:extLst>
+          </p:cNvPr>
+          <p:cNvSpPr>
+            <a:spLocks noGrp="1"/>
+          </p:cNvSpPr>
+          <p:nvPr>
+            <p:ph idx="1"/>
+          </p:nvPr>
+        </p:nvSpPr>
+        <p:spPr/>
+        <p:txBody>
+          <a:bodyPr>
+            <a:normAutofit/>
+          </a:bodyPr>
+          <a:lstStyle/>
+          <a:p>
+            <a:pPr>
+              <a:buFont typeface="Wingdings" panose="05000000000000000000" pitchFamily="2" charset="2"/>
+              <a:buChar char="§"/>
+            </a:pPr>
+            <a:r>
+              <a:rPr lang="en-US" sz="1400" dirty="0"/>
+              <a:t>Woodman, Oliver J. (2007) </a:t>
+            </a:r>
+            <a:r>
+              <a:rPr lang="en-US" sz="1400" i="1" dirty="0"/>
+              <a:t>An introduction to inertial navigation</a:t>
+            </a:r>
+            <a:r>
+              <a:rPr lang="en-US" sz="1400" dirty="0"/>
+              <a:t>.</a:t>
+            </a:r>
+            <a:r>
+              <a:rPr lang="en-US" sz="1400" i="1" dirty="0"/>
+              <a:t> </a:t>
+            </a:r>
+            <a:r>
+              <a:rPr lang="en-US" sz="1400" dirty="0"/>
+              <a:t>Cambridge: University of Cambridge, p. 21-23. Available at: https://www.cl.cam.ac.uk/techreports/UCAM-CL-TR-696.pdf (Accessed 20 Jan,2018</a:t>
+            </a:r>
+            <a:r>
+              <a:rPr lang="en-US" sz="1400" dirty="0" smtClean="0"/>
+              <a:t>)</a:t>
+            </a:r>
+          </a:p>
+          <a:p>
+            <a:pPr>
+              <a:buFont typeface="Wingdings" panose="05000000000000000000" pitchFamily="2" charset="2"/>
+              <a:buChar char="§"/>
+            </a:pPr>
+            <a:r>
+              <a:rPr lang="en-CA" sz="1400" dirty="0"/>
+              <a:t>The Open Group. (2006). Architectural Patterns. Retrieved January 22, 2018, from http://</a:t>
+            </a:r>
+            <a:r>
+              <a:rPr lang="en-CA" sz="1400" dirty="0" smtClean="0"/>
+              <a:t>pubs.opengroup.org/architecture/togaf8-doc/arch/chap28.html</a:t>
+            </a:r>
+          </a:p>
+          <a:p>
+            <a:pPr>
+              <a:buFont typeface="Wingdings" panose="05000000000000000000" pitchFamily="2" charset="2"/>
+              <a:buChar char="§"/>
+            </a:pPr>
+            <a:r>
+              <a:rPr lang="en-CA" sz="1400" dirty="0" err="1"/>
+              <a:t>Mallawaarachchi</a:t>
+            </a:r>
+            <a:r>
+              <a:rPr lang="en-CA" sz="1400" dirty="0"/>
+              <a:t>, V. (2017, September 04). 10 Common Software Architectural Patterns. Retrieved January 23, 2018, from https://</a:t>
+            </a:r>
+            <a:r>
+              <a:rPr lang="en-CA" sz="1400" dirty="0" smtClean="0"/>
+              <a:t>towardsdatascience.com/10-common-software-architectural-patterns-in-a-nutshell-a0b47a1e9013</a:t>
+            </a:r>
+            <a:endParaRPr lang="en-US" sz="1400" dirty="0" smtClean="0"/>
+          </a:p>
+          <a:p>
+            <a:pPr>
+              <a:buFont typeface="Wingdings" panose="05000000000000000000" pitchFamily="2" charset="2"/>
+              <a:buChar char="§"/>
+            </a:pPr>
+            <a:r>
+              <a:rPr lang="en-CA" sz="1400" dirty="0"/>
+              <a:t>Unity Technologies. (</a:t>
+            </a:r>
+            <a:r>
+              <a:rPr lang="en-CA" sz="1400" dirty="0" err="1"/>
+              <a:t>n.d.</a:t>
+            </a:r>
+            <a:r>
+              <a:rPr lang="en-CA" sz="1400" dirty="0"/>
+              <a:t>). Scenes Documentation. Retrieved January 24, 2018, from https://docs.unity3d.com/Manual/CreatingScenes.html</a:t>
+            </a:r>
+            <a:endParaRPr lang="en-US" sz="1400" dirty="0" smtClean="0"/>
+          </a:p>
+          <a:p>
+            <a:pPr>
+              <a:buFont typeface="Wingdings" panose="05000000000000000000" pitchFamily="2" charset="2"/>
+              <a:buChar char="§"/>
+            </a:pPr>
+            <a:endParaRPr lang="en-US" sz="1400" dirty="0"/>
+          </a:p>
+        </p:txBody>
+      </p:sp>
+    </p:spTree>
+    <p:extLst>
+      <p:ext uri="{BB962C8B-B14F-4D97-AF65-F5344CB8AC3E}">
+        <p14:creationId xmlns:p14="http://schemas.microsoft.com/office/powerpoint/2010/main" val="2187811140"/>
+      </p:ext>
+    </p:extLst>
+  </p:cSld>
+  <p:clrMapOvr>
+    <a:masterClrMapping/>
+  </p:clrMapOvr>
+  <p:timing>
+    <p:tnLst>
+      <p:par>
+        <p:cTn id="1" dur="indefinite" restart="never" nodeType="tmRoot"/>
+      </p:par>
+    </p:tnLst>
+  </p:timing>
+</p:sld>
+</file>
+
+<file path=ppt/slides/slide3.xml><?xml version="1.0" encoding="utf-8"?>
+<p:sld xmlns:a="http://schemas.openxmlformats.org/drawingml/2006/main" xmlns:r="http://schemas.openxmlformats.org/officeDocument/2006/relationships" xmlns:p="http://schemas.openxmlformats.org/presentationml/2006/main">
+  <p:cSld>
+    <p:spTree>
+      <p:nvGrpSpPr>
+        <p:cNvPr id="1" name=""/>
+        <p:cNvGrpSpPr/>
+        <p:nvPr/>
+      </p:nvGrpSpPr>
+      <p:grpSpPr>
+        <a:xfrm>
+          <a:off x="0" y="0"/>
+          <a:ext cx="0" cy="0"/>
+          <a:chOff x="0" y="0"/>
+          <a:chExt cx="0" cy="0"/>
+        </a:xfrm>
+      </p:grpSpPr>
+      <p:sp>
+        <p:nvSpPr>
+          <p:cNvPr id="2" name="Title 1">
+            <a:extLst>
+              <a:ext uri="{FF2B5EF4-FFF2-40B4-BE49-F238E27FC236}">
+                <a16:creationId xmlns="" xmlns:a16="http://schemas.microsoft.com/office/drawing/2014/main" id="{36A5512F-DA0A-4155-B467-7CE21F143616}"/>
+              </a:ext>
+            </a:extLst>
+          </p:cNvPr>
+          <p:cNvSpPr>
+            <a:spLocks noGrp="1"/>
+          </p:cNvSpPr>
+          <p:nvPr>
+            <p:ph type="title"/>
+          </p:nvPr>
+        </p:nvSpPr>
+        <p:spPr/>
+        <p:txBody>
+          <a:bodyPr/>
+          <a:lstStyle/>
+          <a:p>
+            <a:pPr algn="ctr"/>
+            <a:r>
+              <a:rPr lang="en-CA" dirty="0" smtClean="0"/>
+              <a:t>Project Objective</a:t>
+            </a:r>
+            <a:endParaRPr lang="en-CA" dirty="0"/>
+          </a:p>
+        </p:txBody>
+      </p:sp>
+      <p:sp>
+        <p:nvSpPr>
+          <p:cNvPr id="3" name="Content Placeholder 2">
+            <a:extLst>
+              <a:ext uri="{FF2B5EF4-FFF2-40B4-BE49-F238E27FC236}">
+                <a16:creationId xmlns="" xmlns:a16="http://schemas.microsoft.com/office/drawing/2014/main" id="{E64228CB-BBE3-4152-B8E5-8D60ABA4DD80}"/>
+              </a:ext>
+            </a:extLst>
+          </p:cNvPr>
+          <p:cNvSpPr>
+            <a:spLocks noGrp="1"/>
+          </p:cNvSpPr>
+          <p:nvPr>
+            <p:ph idx="1"/>
+          </p:nvPr>
+        </p:nvSpPr>
+        <p:spPr>
+          <a:xfrm>
+            <a:off x="1141412" y="1804086"/>
+            <a:ext cx="9905999" cy="3987115"/>
+          </a:xfrm>
+        </p:spPr>
+        <p:txBody>
+          <a:bodyPr/>
+          <a:lstStyle/>
+          <a:p>
+            <a:pPr marL="0" indent="0" algn="ctr">
+              <a:buNone/>
+            </a:pPr>
+            <a:r>
+              <a:rPr lang="en-CA" dirty="0" smtClean="0"/>
+              <a:t>Provide reliable HEMA training to novices without the need for a trainer </a:t>
+            </a:r>
+            <a:endParaRPr lang="en-CA" dirty="0"/>
+          </a:p>
+        </p:txBody>
+      </p:sp>
+      <p:pic>
+        <p:nvPicPr>
+          <p:cNvPr id="1026" name="Picture 2" descr="https://www.wikihow.com/images/thumb/a/aa/Prepare-for-Martial-Arts-Training-Step-5.jpg/aid1071626-v4-728px-Prepare-for-Martial-Arts-Training-Step-5.jpg"/>
+          <p:cNvPicPr>
+            <a:picLocks noChangeAspect="1" noChangeArrowheads="1"/>
+          </p:cNvPicPr>
+          <p:nvPr/>
+        </p:nvPicPr>
+        <p:blipFill rotWithShape="1">
+          <a:blip r:embed="rId2">
+            <a:extLst>
+              <a:ext uri="{28A0092B-C50C-407E-A947-70E740481C1C}">
+                <a14:useLocalDpi xmlns:a14="http://schemas.microsoft.com/office/drawing/2010/main" val="0"/>
+              </a:ext>
+            </a:extLst>
+          </a:blip>
+          <a:srcRect b="5062"/>
+          <a:stretch/>
+        </p:blipFill>
+        <p:spPr bwMode="auto">
+          <a:xfrm>
+            <a:off x="3589636" y="2718486"/>
+            <a:ext cx="4997961" cy="3558747"/>
+          </a:xfrm>
+          <a:prstGeom prst="rect">
+            <a:avLst/>
+          </a:prstGeom>
+          <a:noFill/>
+          <a:extLst>
+            <a:ext uri="{909E8E84-426E-40DD-AFC4-6F175D3DCCD1}">
+              <a14:hiddenFill xmlns:a14="http://schemas.microsoft.com/office/drawing/2010/main">
+                <a:solidFill>
+                  <a:srgbClr val="FFFFFF"/>
+                </a:solidFill>
+              </a14:hiddenFill>
+            </a:ext>
+          </a:extLst>
+        </p:spPr>
+      </p:pic>
+    </p:spTree>
+    <p:extLst>
+      <p:ext uri="{BB962C8B-B14F-4D97-AF65-F5344CB8AC3E}">
+        <p14:creationId xmlns:p14="http://schemas.microsoft.com/office/powerpoint/2010/main" val="3346802719"/>
+      </p:ext>
+    </p:extLst>
+  </p:cSld>
+  <p:clrMapOvr>
+    <a:masterClrMapping/>
+  </p:clrMapOvr>
+  <p:timing>
+    <p:tnLst>
+      <p:par>
+        <p:cTn id="1" dur="indefinite" restart="never" nodeType="tmRoot"/>
+      </p:par>
+    </p:tnLst>
+  </p:timing>
+</p:sld>
+</file>
+
+<file path=ppt/slides/slide30.xml><?xml version="1.0" encoding="utf-8"?>
+<p:sld xmlns:a="http://schemas.openxmlformats.org/drawingml/2006/main" xmlns:r="http://schemas.openxmlformats.org/officeDocument/2006/relationships" xmlns:p="http://schemas.openxmlformats.org/presentationml/2006/main">
+  <p:cSld>
+    <p:spTree>
+      <p:nvGrpSpPr>
+        <p:cNvPr id="1" name=""/>
+        <p:cNvGrpSpPr/>
+        <p:nvPr/>
+      </p:nvGrpSpPr>
+      <p:grpSpPr>
+        <a:xfrm>
+          <a:off x="0" y="0"/>
+          <a:ext cx="0" cy="0"/>
+          <a:chOff x="0" y="0"/>
+          <a:chExt cx="0" cy="0"/>
+        </a:xfrm>
+      </p:grpSpPr>
+      <p:sp>
+        <p:nvSpPr>
+          <p:cNvPr id="2" name="Title 1">
+            <a:extLst>
+              <a:ext uri="{FF2B5EF4-FFF2-40B4-BE49-F238E27FC236}">
+                <a16:creationId xmlns="" xmlns:a16="http://schemas.microsoft.com/office/drawing/2014/main" id="{1F284F98-4938-4E13-ADBC-87557807C8E9}"/>
+              </a:ext>
+            </a:extLst>
+          </p:cNvPr>
+          <p:cNvSpPr>
+            <a:spLocks noGrp="1"/>
+          </p:cNvSpPr>
+          <p:nvPr>
+            <p:ph type="title"/>
+          </p:nvPr>
+        </p:nvSpPr>
+        <p:spPr/>
+        <p:txBody>
+          <a:bodyPr/>
+          <a:lstStyle/>
+          <a:p>
+            <a:pPr algn="ctr"/>
+            <a:r>
+              <a:rPr lang="en-US" dirty="0" smtClean="0"/>
+              <a:t>In Conclusion</a:t>
+            </a:r>
+            <a:endParaRPr lang="en-US" dirty="0"/>
+          </a:p>
+        </p:txBody>
+      </p:sp>
+      <p:sp>
+        <p:nvSpPr>
+          <p:cNvPr id="3" name="Content Placeholder 2"/>
+          <p:cNvSpPr>
+            <a:spLocks noGrp="1"/>
+          </p:cNvSpPr>
+          <p:nvPr>
+            <p:ph idx="1"/>
+          </p:nvPr>
+        </p:nvSpPr>
+        <p:spPr>
+          <a:xfrm>
+            <a:off x="918460" y="2554664"/>
+            <a:ext cx="9905999" cy="3174423"/>
+          </a:xfrm>
+        </p:spPr>
+        <p:txBody>
+          <a:bodyPr/>
+          <a:lstStyle/>
+          <a:p>
+            <a:r>
+              <a:rPr lang="en-CA" dirty="0" smtClean="0"/>
+              <a:t>HEMA training simulator progresses, if slowly</a:t>
+            </a:r>
+            <a:endParaRPr lang="en-CA" dirty="0"/>
+          </a:p>
+          <a:p>
+            <a:r>
+              <a:rPr lang="en-CA" dirty="0" smtClean="0"/>
+              <a:t>Next steps are input recording and standardizing</a:t>
+            </a:r>
+          </a:p>
+          <a:p>
+            <a:r>
+              <a:rPr lang="en-CA" dirty="0" smtClean="0"/>
+              <a:t>On track for March 2018 completion</a:t>
+            </a:r>
+          </a:p>
+        </p:txBody>
+      </p:sp>
+      <p:pic>
+        <p:nvPicPr>
+          <p:cNvPr id="4100" name="Picture 4" descr="http://whartonmagazine.com/wp-content/uploads/2014/06/158823100.jpg"/>
+          <p:cNvPicPr>
+            <a:picLocks noChangeAspect="1" noChangeArrowheads="1"/>
+          </p:cNvPicPr>
+          <p:nvPr/>
+        </p:nvPicPr>
+        <p:blipFill rotWithShape="1">
+          <a:blip r:embed="rId2">
+            <a:extLst>
+              <a:ext uri="{28A0092B-C50C-407E-A947-70E740481C1C}">
+                <a14:useLocalDpi xmlns:a14="http://schemas.microsoft.com/office/drawing/2010/main" val="0"/>
+              </a:ext>
+            </a:extLst>
+          </a:blip>
+          <a:srcRect r="8503" b="4001"/>
+          <a:stretch/>
+        </p:blipFill>
+        <p:spPr bwMode="auto">
+          <a:xfrm>
+            <a:off x="7451922" y="2097088"/>
+            <a:ext cx="3982792" cy="2980924"/>
+          </a:xfrm>
+          <a:prstGeom prst="rect">
+            <a:avLst/>
+          </a:prstGeom>
+          <a:noFill/>
+          <a:extLst>
+            <a:ext uri="{909E8E84-426E-40DD-AFC4-6F175D3DCCD1}">
+              <a14:hiddenFill xmlns:a14="http://schemas.microsoft.com/office/drawing/2010/main">
+                <a:solidFill>
+                  <a:srgbClr val="FFFFFF"/>
+                </a:solidFill>
+              </a14:hiddenFill>
+            </a:ext>
+          </a:extLst>
+        </p:spPr>
+      </p:pic>
+    </p:spTree>
+    <p:extLst>
+      <p:ext uri="{BB962C8B-B14F-4D97-AF65-F5344CB8AC3E}">
+        <p14:creationId xmlns:p14="http://schemas.microsoft.com/office/powerpoint/2010/main" val="919671310"/>
+      </p:ext>
+    </p:extLst>
+  </p:cSld>
+  <p:clrMapOvr>
+    <a:masterClrMapping/>
+  </p:clrMapOvr>
+  <p:timing>
+    <p:tnLst>
+      <p:par>
+        <p:cTn id="1" dur="indefinite" restart="never" nodeType="tmRoot"/>
+      </p:par>
+    </p:tnLst>
+  </p:timing>
+</p:sld>
+</file>
+
+<file path=ppt/slides/slide31.xml><?xml version="1.0" encoding="utf-8"?>
+<p:sld xmlns:a="http://schemas.openxmlformats.org/drawingml/2006/main" xmlns:r="http://schemas.openxmlformats.org/officeDocument/2006/relationships" xmlns:p="http://schemas.openxmlformats.org/presentationml/2006/main">
+  <p:cSld>
+    <p:spTree>
+      <p:nvGrpSpPr>
+        <p:cNvPr id="1" name=""/>
+        <p:cNvGrpSpPr/>
+        <p:nvPr/>
+      </p:nvGrpSpPr>
+      <p:grpSpPr>
+        <a:xfrm>
+          <a:off x="0" y="0"/>
+          <a:ext cx="0" cy="0"/>
+          <a:chOff x="0" y="0"/>
+          <a:chExt cx="0" cy="0"/>
+        </a:xfrm>
+      </p:grpSpPr>
+      <p:sp>
+        <p:nvSpPr>
+          <p:cNvPr id="2" name="Title 1">
+            <a:extLst>
+              <a:ext uri="{FF2B5EF4-FFF2-40B4-BE49-F238E27FC236}">
+                <a16:creationId xmlns="" xmlns:a16="http://schemas.microsoft.com/office/drawing/2014/main" id="{1F284F98-4938-4E13-ADBC-87557807C8E9}"/>
+              </a:ext>
+            </a:extLst>
+          </p:cNvPr>
+          <p:cNvSpPr>
+            <a:spLocks noGrp="1"/>
+          </p:cNvSpPr>
+          <p:nvPr>
+            <p:ph type="title"/>
+          </p:nvPr>
+        </p:nvSpPr>
+        <p:spPr/>
+        <p:txBody>
+          <a:bodyPr/>
+          <a:lstStyle/>
+          <a:p>
+            <a:pPr algn="ctr"/>
+            <a:r>
+              <a:rPr lang="en-US" dirty="0" smtClean="0"/>
+              <a:t>Thanks for Listening!</a:t>
+            </a:r>
+            <a:endParaRPr lang="en-US" dirty="0"/>
+          </a:p>
+        </p:txBody>
+      </p:sp>
+      <p:pic>
+        <p:nvPicPr>
+          <p:cNvPr id="1026" name="Picture 2" descr="https://i.pinimg.com/736x/47/04/51/4704516e9e7a78cbca4ada69e3f376d3--face-pictures-facebook-emoticons.jpg"/>
+          <p:cNvPicPr>
+            <a:picLocks noGrp="1" noChangeAspect="1" noChangeArrowheads="1"/>
+          </p:cNvPicPr>
+          <p:nvPr>
+            <p:ph idx="1"/>
+          </p:nvPr>
+        </p:nvPicPr>
+        <p:blipFill>
+          <a:blip r:embed="rId2">
+            <a:extLst>
+              <a:ext uri="{28A0092B-C50C-407E-A947-70E740481C1C}">
+                <a14:useLocalDpi xmlns:a14="http://schemas.microsoft.com/office/drawing/2010/main" val="0"/>
+              </a:ext>
+            </a:extLst>
+          </a:blip>
+          <a:srcRect/>
+          <a:stretch>
+            <a:fillRect/>
+          </a:stretch>
+        </p:blipFill>
+        <p:spPr bwMode="auto">
+          <a:xfrm>
+            <a:off x="3953835" y="2160835"/>
+            <a:ext cx="4281154" cy="4281154"/>
+          </a:xfrm>
+          <a:prstGeom prst="rect">
+            <a:avLst/>
+          </a:prstGeom>
+          <a:noFill/>
+          <a:extLst>
+            <a:ext uri="{909E8E84-426E-40DD-AFC4-6F175D3DCCD1}">
+              <a14:hiddenFill xmlns:a14="http://schemas.microsoft.com/office/drawing/2010/main">
+                <a:solidFill>
+                  <a:srgbClr val="FFFFFF"/>
+                </a:solidFill>
+              </a14:hiddenFill>
+            </a:ext>
+          </a:extLst>
+        </p:spPr>
+      </p:pic>
+    </p:spTree>
+    <p:extLst>
+      <p:ext uri="{BB962C8B-B14F-4D97-AF65-F5344CB8AC3E}">
+        <p14:creationId xmlns:p14="http://schemas.microsoft.com/office/powerpoint/2010/main" val="2771157353"/>
+      </p:ext>
+    </p:extLst>
+  </p:cSld>
+  <p:clrMapOvr>
+    <a:masterClrMapping/>
+  </p:clrMapOvr>
+  <p:timing>
+    <p:tnLst>
+      <p:par>
+        <p:cTn id="1" dur="indefinite" restart="never" nodeType="tmRoot"/>
+      </p:par>
+    </p:tnLst>
+  </p:timing>
+</p:sld>
+</file>
+
+<file path=ppt/slides/slide4.xml><?xml version="1.0" encoding="utf-8"?>
+<p:sld xmlns:a="http://schemas.openxmlformats.org/drawingml/2006/main" xmlns:r="http://schemas.openxmlformats.org/officeDocument/2006/relationships" xmlns:p="http://schemas.openxmlformats.org/presentationml/2006/main">
+  <p:cSld>
+    <p:spTree>
+      <p:nvGrpSpPr>
+        <p:cNvPr id="1" name=""/>
+        <p:cNvGrpSpPr/>
+        <p:nvPr/>
+      </p:nvGrpSpPr>
+      <p:grpSpPr>
+        <a:xfrm>
+          <a:off x="0" y="0"/>
+          <a:ext cx="0" cy="0"/>
+          <a:chOff x="0" y="0"/>
+          <a:chExt cx="0" cy="0"/>
+        </a:xfrm>
+      </p:grpSpPr>
+      <p:sp>
+        <p:nvSpPr>
+          <p:cNvPr id="2" name="Title 1">
+            <a:extLst>
+              <a:ext uri="{FF2B5EF4-FFF2-40B4-BE49-F238E27FC236}">
+                <a16:creationId xmlns="" xmlns:a16="http://schemas.microsoft.com/office/drawing/2014/main" id="{36A5512F-DA0A-4155-B467-7CE21F143616}"/>
+              </a:ext>
+            </a:extLst>
+          </p:cNvPr>
+          <p:cNvSpPr>
+            <a:spLocks noGrp="1"/>
+          </p:cNvSpPr>
+          <p:nvPr>
+            <p:ph type="title"/>
+          </p:nvPr>
+        </p:nvSpPr>
+        <p:spPr/>
+        <p:txBody>
+          <a:bodyPr/>
+          <a:lstStyle/>
+          <a:p>
+            <a:pPr algn="ctr"/>
+            <a:r>
+              <a:rPr lang="en-CA" dirty="0"/>
+              <a:t>Breaking it down</a:t>
+            </a:r>
+          </a:p>
+        </p:txBody>
+      </p:sp>
+      <p:sp>
+        <p:nvSpPr>
+          <p:cNvPr id="3" name="Content Placeholder 2">
+            <a:extLst>
+              <a:ext uri="{FF2B5EF4-FFF2-40B4-BE49-F238E27FC236}">
+                <a16:creationId xmlns="" xmlns:a16="http://schemas.microsoft.com/office/drawing/2014/main" id="{E64228CB-BBE3-4152-B8E5-8D60ABA4DD80}"/>
+              </a:ext>
+            </a:extLst>
+          </p:cNvPr>
+          <p:cNvSpPr>
+            <a:spLocks noGrp="1"/>
+          </p:cNvSpPr>
+          <p:nvPr>
+            <p:ph idx="1"/>
+          </p:nvPr>
+        </p:nvSpPr>
+        <p:spPr>
+          <a:xfrm>
+            <a:off x="1141412" y="2249487"/>
+            <a:ext cx="9905999" cy="3541714"/>
+          </a:xfrm>
+        </p:spPr>
+        <p:txBody>
+          <a:bodyPr/>
+          <a:lstStyle/>
+          <a:p>
+            <a:r>
+              <a:rPr lang="en-CA" dirty="0"/>
+              <a:t>What is Historical European Martial Arts (HEMA)?</a:t>
+            </a:r>
+          </a:p>
+          <a:p>
+            <a:r>
+              <a:rPr lang="en-CA" dirty="0"/>
+              <a:t>What is a simulator?</a:t>
+            </a:r>
+          </a:p>
+          <a:p>
+            <a:r>
+              <a:rPr lang="en-CA" dirty="0"/>
+              <a:t>Who is this for?</a:t>
+            </a:r>
+          </a:p>
+        </p:txBody>
+      </p:sp>
+      <p:pic>
+        <p:nvPicPr>
+          <p:cNvPr id="3074" name="Picture 2" descr="Image result for confused">
+            <a:extLst>
+              <a:ext uri="{FF2B5EF4-FFF2-40B4-BE49-F238E27FC236}">
+                <a16:creationId xmlns="" xmlns:a16="http://schemas.microsoft.com/office/drawing/2014/main" id="{E1005C07-9659-4122-93F1-890F6F4988EA}"/>
+              </a:ext>
+            </a:extLst>
+          </p:cNvPr>
+          <p:cNvPicPr>
+            <a:picLocks noChangeAspect="1" noChangeArrowheads="1"/>
+          </p:cNvPicPr>
+          <p:nvPr/>
+        </p:nvPicPr>
+        <p:blipFill>
+          <a:blip r:embed="rId2">
+            <a:extLst>
+              <a:ext uri="{28A0092B-C50C-407E-A947-70E740481C1C}">
+                <a14:useLocalDpi xmlns:a14="http://schemas.microsoft.com/office/drawing/2010/main" val="0"/>
+              </a:ext>
+            </a:extLst>
+          </a:blip>
+          <a:srcRect/>
+          <a:stretch>
+            <a:fillRect/>
+          </a:stretch>
+        </p:blipFill>
+        <p:spPr bwMode="auto">
+          <a:xfrm>
+            <a:off x="5490358" y="3418085"/>
+            <a:ext cx="4235004" cy="2821397"/>
+          </a:xfrm>
+          <a:prstGeom prst="rect">
+            <a:avLst/>
+          </a:prstGeom>
+          <a:noFill/>
+          <a:extLst>
+            <a:ext uri="{909E8E84-426E-40DD-AFC4-6F175D3DCCD1}">
+              <a14:hiddenFill xmlns:a14="http://schemas.microsoft.com/office/drawing/2010/main">
+                <a:solidFill>
+                  <a:srgbClr val="FFFFFF"/>
+                </a:solidFill>
+              </a14:hiddenFill>
+            </a:ext>
+          </a:extLst>
+        </p:spPr>
+      </p:pic>
+    </p:spTree>
+    <p:extLst>
+      <p:ext uri="{BB962C8B-B14F-4D97-AF65-F5344CB8AC3E}">
+        <p14:creationId xmlns:p14="http://schemas.microsoft.com/office/powerpoint/2010/main" val="1255370934"/>
+      </p:ext>
+    </p:extLst>
+  </p:cSld>
+  <p:clrMapOvr>
+    <a:masterClrMapping/>
+  </p:clrMapOvr>
+  <p:timing>
+    <p:tnLst>
+      <p:par>
+        <p:cTn id="1" dur="indefinite" restart="never" nodeType="tmRoot"/>
+      </p:par>
+    </p:tnLst>
+  </p:timing>
+</p:sld>
+</file>
+
+<file path=ppt/slides/slide5.xml><?xml version="1.0" encoding="utf-8"?>
+<p:sld xmlns:a="http://schemas.openxmlformats.org/drawingml/2006/main" xmlns:r="http://schemas.openxmlformats.org/officeDocument/2006/relationships" xmlns:p="http://schemas.openxmlformats.org/presentationml/2006/main">
+  <p:cSld>
+    <p:spTree>
+      <p:nvGrpSpPr>
+        <p:cNvPr id="1" name=""/>
+        <p:cNvGrpSpPr/>
+        <p:nvPr/>
+      </p:nvGrpSpPr>
+      <p:grpSpPr>
+        <a:xfrm>
+          <a:off x="0" y="0"/>
+          <a:ext cx="0" cy="0"/>
+          <a:chOff x="0" y="0"/>
+          <a:chExt cx="0" cy="0"/>
+        </a:xfrm>
+      </p:grpSpPr>
+      <p:sp>
+        <p:nvSpPr>
+          <p:cNvPr id="2" name="Title 1">
+            <a:extLst>
+              <a:ext uri="{FF2B5EF4-FFF2-40B4-BE49-F238E27FC236}">
+                <a16:creationId xmlns="" xmlns:a16="http://schemas.microsoft.com/office/drawing/2014/main" id="{A226FFC3-0B76-4B58-B7F4-EA7CA37664C0}"/>
+              </a:ext>
+            </a:extLst>
+          </p:cNvPr>
+          <p:cNvSpPr>
+            <a:spLocks noGrp="1"/>
+          </p:cNvSpPr>
+          <p:nvPr>
+            <p:ph type="title"/>
+          </p:nvPr>
+        </p:nvSpPr>
+        <p:spPr/>
+        <p:txBody>
+          <a:bodyPr/>
+          <a:lstStyle/>
+          <a:p>
+            <a:pPr algn="ctr"/>
+            <a:r>
+              <a:rPr lang="en-CA" dirty="0"/>
+              <a:t>What are Martial Arts?</a:t>
+            </a:r>
+          </a:p>
+        </p:txBody>
+      </p:sp>
+      <p:pic>
+        <p:nvPicPr>
+          <p:cNvPr id="1026" name="Picture 2" descr="Image result for martial arts stock photo">
+            <a:extLst>
+              <a:ext uri="{FF2B5EF4-FFF2-40B4-BE49-F238E27FC236}">
+                <a16:creationId xmlns="" xmlns:a16="http://schemas.microsoft.com/office/drawing/2014/main" id="{35DFDF86-5D75-4EF2-ABCC-75ADBA41345B}"/>
+              </a:ext>
+            </a:extLst>
+          </p:cNvPr>
+          <p:cNvPicPr>
+            <a:picLocks noChangeAspect="1" noChangeArrowheads="1"/>
+          </p:cNvPicPr>
+          <p:nvPr/>
+        </p:nvPicPr>
+        <p:blipFill>
+          <a:blip r:embed="rId2">
+            <a:extLst>
+              <a:ext uri="{28A0092B-C50C-407E-A947-70E740481C1C}">
+                <a14:useLocalDpi xmlns:a14="http://schemas.microsoft.com/office/drawing/2010/main" val="0"/>
+              </a:ext>
+            </a:extLst>
+          </a:blip>
+          <a:srcRect/>
+          <a:stretch>
+            <a:fillRect/>
+          </a:stretch>
+        </p:blipFill>
+        <p:spPr bwMode="auto">
+          <a:xfrm>
+            <a:off x="4827418" y="2097088"/>
+            <a:ext cx="2533988" cy="3532576"/>
+          </a:xfrm>
+          <a:prstGeom prst="rect">
+            <a:avLst/>
+          </a:prstGeom>
+          <a:noFill/>
+          <a:extLst>
+            <a:ext uri="{909E8E84-426E-40DD-AFC4-6F175D3DCCD1}">
+              <a14:hiddenFill xmlns:a14="http://schemas.microsoft.com/office/drawing/2010/main">
+                <a:solidFill>
+                  <a:srgbClr val="FFFFFF"/>
+                </a:solidFill>
+              </a14:hiddenFill>
+            </a:ext>
+          </a:extLst>
+        </p:spPr>
+      </p:pic>
+      <p:pic>
+        <p:nvPicPr>
+          <p:cNvPr id="1028" name="Picture 4" descr="Image result for fencing sword stock photo">
+            <a:extLst>
+              <a:ext uri="{FF2B5EF4-FFF2-40B4-BE49-F238E27FC236}">
+                <a16:creationId xmlns="" xmlns:a16="http://schemas.microsoft.com/office/drawing/2014/main" id="{9C0671BE-82B5-4A7B-B979-A9BB819D7EA0}"/>
+              </a:ext>
+            </a:extLst>
+          </p:cNvPr>
+          <p:cNvPicPr>
+            <a:picLocks noChangeAspect="1" noChangeArrowheads="1"/>
+          </p:cNvPicPr>
+          <p:nvPr/>
+        </p:nvPicPr>
+        <p:blipFill>
+          <a:blip r:embed="rId3">
+            <a:extLst>
+              <a:ext uri="{28A0092B-C50C-407E-A947-70E740481C1C}">
+                <a14:useLocalDpi xmlns:a14="http://schemas.microsoft.com/office/drawing/2010/main" val="0"/>
+              </a:ext>
+            </a:extLst>
+          </a:blip>
+          <a:srcRect/>
+          <a:stretch>
+            <a:fillRect/>
+          </a:stretch>
+        </p:blipFill>
+        <p:spPr bwMode="auto">
+          <a:xfrm>
+            <a:off x="784800" y="2470176"/>
+            <a:ext cx="3715200" cy="2786400"/>
+          </a:xfrm>
+          <a:prstGeom prst="rect">
+            <a:avLst/>
+          </a:prstGeom>
+          <a:noFill/>
+          <a:extLst>
+            <a:ext uri="{909E8E84-426E-40DD-AFC4-6F175D3DCCD1}">
+              <a14:hiddenFill xmlns:a14="http://schemas.microsoft.com/office/drawing/2010/main">
+                <a:solidFill>
+                  <a:srgbClr val="FFFFFF"/>
+                </a:solidFill>
+              </a14:hiddenFill>
+            </a:ext>
+          </a:extLst>
+        </p:spPr>
+      </p:pic>
+      <p:sp>
+        <p:nvSpPr>
+          <p:cNvPr id="5" name="TextBox 4">
+            <a:extLst>
+              <a:ext uri="{FF2B5EF4-FFF2-40B4-BE49-F238E27FC236}">
+                <a16:creationId xmlns="" xmlns:a16="http://schemas.microsoft.com/office/drawing/2014/main" id="{9167E0EE-7DE5-46F2-9436-8515EA8BFCCE}"/>
+              </a:ext>
+            </a:extLst>
+          </p:cNvPr>
+          <p:cNvSpPr txBox="1"/>
+          <p:nvPr/>
+        </p:nvSpPr>
+        <p:spPr>
+          <a:xfrm>
+            <a:off x="2800785" y="1601424"/>
+            <a:ext cx="6587253" cy="369332"/>
+          </a:xfrm>
+          <a:prstGeom prst="rect">
+            <a:avLst/>
+          </a:prstGeom>
+          <a:noFill/>
+        </p:spPr>
+        <p:txBody>
+          <a:bodyPr wrap="none" rtlCol="0">
+            <a:spAutoFit/>
+          </a:bodyPr>
+          <a:lstStyle/>
+          <a:p>
+            <a:r>
+              <a:rPr lang="en-CA" dirty="0"/>
+              <a:t>Self-defense or combat theory utilizing physical skill and coordination</a:t>
+            </a:r>
+          </a:p>
+        </p:txBody>
+      </p:sp>
+      <p:pic>
+        <p:nvPicPr>
+          <p:cNvPr id="1030" name="Picture 6" descr="Image result for bo staff pose">
+            <a:extLst>
+              <a:ext uri="{FF2B5EF4-FFF2-40B4-BE49-F238E27FC236}">
+                <a16:creationId xmlns="" xmlns:a16="http://schemas.microsoft.com/office/drawing/2014/main" id="{3E44751B-CF30-4DE1-9F87-01F2D4CD1345}"/>
+              </a:ext>
+            </a:extLst>
+          </p:cNvPr>
+          <p:cNvPicPr>
+            <a:picLocks noChangeAspect="1" noChangeArrowheads="1"/>
+          </p:cNvPicPr>
+          <p:nvPr/>
+        </p:nvPicPr>
+        <p:blipFill>
+          <a:blip r:embed="rId4">
+            <a:extLst>
+              <a:ext uri="{28A0092B-C50C-407E-A947-70E740481C1C}">
+                <a14:useLocalDpi xmlns:a14="http://schemas.microsoft.com/office/drawing/2010/main" val="0"/>
+              </a:ext>
+            </a:extLst>
+          </a:blip>
+          <a:srcRect/>
+          <a:stretch>
+            <a:fillRect/>
+          </a:stretch>
+        </p:blipFill>
+        <p:spPr bwMode="auto">
+          <a:xfrm>
+            <a:off x="7688824" y="2263176"/>
+            <a:ext cx="3286125" cy="3200400"/>
+          </a:xfrm>
+          <a:prstGeom prst="rect">
+            <a:avLst/>
+          </a:prstGeom>
+          <a:noFill/>
+          <a:extLst>
+            <a:ext uri="{909E8E84-426E-40DD-AFC4-6F175D3DCCD1}">
+              <a14:hiddenFill xmlns:a14="http://schemas.microsoft.com/office/drawing/2010/main">
+                <a:solidFill>
+                  <a:srgbClr val="FFFFFF"/>
+                </a:solidFill>
+              </a14:hiddenFill>
+            </a:ext>
+          </a:extLst>
+        </p:spPr>
+      </p:pic>
+    </p:spTree>
+    <p:extLst>
+      <p:ext uri="{BB962C8B-B14F-4D97-AF65-F5344CB8AC3E}">
+        <p14:creationId xmlns:p14="http://schemas.microsoft.com/office/powerpoint/2010/main" val="464816405"/>
+      </p:ext>
+    </p:extLst>
+  </p:cSld>
+  <p:clrMapOvr>
+    <a:masterClrMapping/>
+  </p:clrMapOvr>
+  <p:timing>
+    <p:tnLst>
+      <p:par>
+        <p:cTn id="1" dur="indefinite" restart="never" nodeType="tmRoot"/>
+      </p:par>
+    </p:tnLst>
+  </p:timing>
+</p:sld>
+</file>
+
+<file path=ppt/slides/slide6.xml><?xml version="1.0" encoding="utf-8"?>
+<p:sld xmlns:a="http://schemas.openxmlformats.org/drawingml/2006/main" xmlns:r="http://schemas.openxmlformats.org/officeDocument/2006/relationships" xmlns:p="http://schemas.openxmlformats.org/presentationml/2006/main">
+  <p:cSld>
+    <p:spTree>
+      <p:nvGrpSpPr>
+        <p:cNvPr id="1" name=""/>
+        <p:cNvGrpSpPr/>
+        <p:nvPr/>
+      </p:nvGrpSpPr>
+      <p:grpSpPr>
+        <a:xfrm>
+          <a:off x="0" y="0"/>
+          <a:ext cx="0" cy="0"/>
+          <a:chOff x="0" y="0"/>
+          <a:chExt cx="0" cy="0"/>
+        </a:xfrm>
+      </p:grpSpPr>
+      <p:sp>
+        <p:nvSpPr>
+          <p:cNvPr id="2" name="Title 1">
+            <a:extLst>
+              <a:ext uri="{FF2B5EF4-FFF2-40B4-BE49-F238E27FC236}">
+                <a16:creationId xmlns="" xmlns:a16="http://schemas.microsoft.com/office/drawing/2014/main" id="{64D337EA-02F4-4FB4-8A67-402AE4DD9340}"/>
+              </a:ext>
+            </a:extLst>
+          </p:cNvPr>
+          <p:cNvSpPr>
+            <a:spLocks noGrp="1"/>
+          </p:cNvSpPr>
+          <p:nvPr>
+            <p:ph type="title"/>
+          </p:nvPr>
+        </p:nvSpPr>
+        <p:spPr/>
+        <p:txBody>
+          <a:bodyPr/>
+          <a:lstStyle/>
+          <a:p>
+            <a:pPr algn="ctr"/>
+            <a:r>
+              <a:rPr lang="en-CA" dirty="0"/>
+              <a:t>Historical European Martial Arts</a:t>
+            </a:r>
+          </a:p>
+        </p:txBody>
+      </p:sp>
+      <p:pic>
+        <p:nvPicPr>
+          <p:cNvPr id="2050" name="Picture 2" descr="Image result for historical european martial arts">
+            <a:extLst>
+              <a:ext uri="{FF2B5EF4-FFF2-40B4-BE49-F238E27FC236}">
+                <a16:creationId xmlns="" xmlns:a16="http://schemas.microsoft.com/office/drawing/2014/main" id="{3717EEE2-7DC0-40CE-8512-44B65253AFC2}"/>
+              </a:ext>
+            </a:extLst>
+          </p:cNvPr>
+          <p:cNvPicPr>
+            <a:picLocks noChangeAspect="1" noChangeArrowheads="1"/>
+          </p:cNvPicPr>
+          <p:nvPr/>
+        </p:nvPicPr>
+        <p:blipFill>
+          <a:blip r:embed="rId2">
+            <a:extLst>
+              <a:ext uri="{28A0092B-C50C-407E-A947-70E740481C1C}">
+                <a14:useLocalDpi xmlns:a14="http://schemas.microsoft.com/office/drawing/2010/main" val="0"/>
+              </a:ext>
+            </a:extLst>
+          </a:blip>
+          <a:srcRect/>
+          <a:stretch>
+            <a:fillRect/>
+          </a:stretch>
+        </p:blipFill>
+        <p:spPr bwMode="auto">
+          <a:xfrm>
+            <a:off x="6264701" y="2605904"/>
+            <a:ext cx="3814297" cy="2860723"/>
+          </a:xfrm>
+          <a:prstGeom prst="rect">
+            <a:avLst/>
+          </a:prstGeom>
+          <a:noFill/>
+          <a:extLst>
+            <a:ext uri="{909E8E84-426E-40DD-AFC4-6F175D3DCCD1}">
+              <a14:hiddenFill xmlns:a14="http://schemas.microsoft.com/office/drawing/2010/main">
+                <a:solidFill>
+                  <a:srgbClr val="FFFFFF"/>
+                </a:solidFill>
+              </a14:hiddenFill>
+            </a:ext>
+          </a:extLst>
+        </p:spPr>
+      </p:pic>
+      <p:pic>
+        <p:nvPicPr>
+          <p:cNvPr id="2052" name="Picture 4" descr="http://www.hemac.org/img/pic/i33.jpg">
+            <a:extLst>
+              <a:ext uri="{FF2B5EF4-FFF2-40B4-BE49-F238E27FC236}">
+                <a16:creationId xmlns="" xmlns:a16="http://schemas.microsoft.com/office/drawing/2014/main" id="{A283EDD7-8455-4A55-97ED-DA763A0C8B58}"/>
+              </a:ext>
+            </a:extLst>
+          </p:cNvPr>
+          <p:cNvPicPr>
+            <a:picLocks noChangeAspect="1" noChangeArrowheads="1"/>
+          </p:cNvPicPr>
+          <p:nvPr/>
+        </p:nvPicPr>
+        <p:blipFill>
+          <a:blip r:embed="rId3">
+            <a:extLst>
+              <a:ext uri="{28A0092B-C50C-407E-A947-70E740481C1C}">
+                <a14:useLocalDpi xmlns:a14="http://schemas.microsoft.com/office/drawing/2010/main" val="0"/>
+              </a:ext>
+            </a:extLst>
+          </a:blip>
+          <a:srcRect/>
+          <a:stretch>
+            <a:fillRect/>
+          </a:stretch>
+        </p:blipFill>
+        <p:spPr bwMode="auto">
+          <a:xfrm>
+            <a:off x="1439675" y="2897098"/>
+            <a:ext cx="4487625" cy="2278333"/>
+          </a:xfrm>
+          <a:prstGeom prst="rect">
+            <a:avLst/>
+          </a:prstGeom>
+          <a:noFill/>
+          <a:extLst>
+            <a:ext uri="{909E8E84-426E-40DD-AFC4-6F175D3DCCD1}">
+              <a14:hiddenFill xmlns:a14="http://schemas.microsoft.com/office/drawing/2010/main">
+                <a:solidFill>
+                  <a:srgbClr val="FFFFFF"/>
+                </a:solidFill>
+              </a14:hiddenFill>
+            </a:ext>
+          </a:extLst>
+        </p:spPr>
+      </p:pic>
+      <p:sp>
+        <p:nvSpPr>
+          <p:cNvPr id="4" name="TextBox 3">
+            <a:extLst>
+              <a:ext uri="{FF2B5EF4-FFF2-40B4-BE49-F238E27FC236}">
+                <a16:creationId xmlns="" xmlns:a16="http://schemas.microsoft.com/office/drawing/2014/main" id="{A6C94766-E3A3-4C42-9BD7-3FA8965FBF80}"/>
+              </a:ext>
+            </a:extLst>
+          </p:cNvPr>
+          <p:cNvSpPr txBox="1"/>
+          <p:nvPr/>
+        </p:nvSpPr>
+        <p:spPr>
+          <a:xfrm>
+            <a:off x="3432609" y="1727756"/>
+            <a:ext cx="5371792" cy="369332"/>
+          </a:xfrm>
+          <a:prstGeom prst="rect">
+            <a:avLst/>
+          </a:prstGeom>
+          <a:noFill/>
+        </p:spPr>
+        <p:txBody>
+          <a:bodyPr wrap="none" rtlCol="0">
+            <a:spAutoFit/>
+          </a:bodyPr>
+          <a:lstStyle/>
+          <a:p>
+            <a:r>
+              <a:rPr lang="en-CA" dirty="0"/>
+              <a:t>Martial arts of European origin, based on historical texts</a:t>
+            </a:r>
+          </a:p>
+        </p:txBody>
+      </p:sp>
+    </p:spTree>
+    <p:extLst>
+      <p:ext uri="{BB962C8B-B14F-4D97-AF65-F5344CB8AC3E}">
+        <p14:creationId xmlns:p14="http://schemas.microsoft.com/office/powerpoint/2010/main" val="3097342237"/>
+      </p:ext>
+    </p:extLst>
+  </p:cSld>
+  <p:clrMapOvr>
+    <a:masterClrMapping/>
+  </p:clrMapOvr>
+  <p:timing>
+    <p:tnLst>
+      <p:par>
+        <p:cTn id="1" dur="indefinite" restart="never" nodeType="tmRoot"/>
+      </p:par>
+    </p:tnLst>
+  </p:timing>
+</p:sld>
+</file>
+
+<file path=ppt/slides/slide7.xml><?xml version="1.0" encoding="utf-8"?>
+<p:sld xmlns:a="http://schemas.openxmlformats.org/drawingml/2006/main" xmlns:r="http://schemas.openxmlformats.org/officeDocument/2006/relationships" xmlns:p="http://schemas.openxmlformats.org/presentationml/2006/main">
+  <p:cSld>
+    <p:spTree>
+      <p:nvGrpSpPr>
+        <p:cNvPr id="1" name=""/>
+        <p:cNvGrpSpPr/>
+        <p:nvPr/>
+      </p:nvGrpSpPr>
+      <p:grpSpPr>
+        <a:xfrm>
+          <a:off x="0" y="0"/>
+          <a:ext cx="0" cy="0"/>
+          <a:chOff x="0" y="0"/>
+          <a:chExt cx="0" cy="0"/>
+        </a:xfrm>
+      </p:grpSpPr>
+      <p:sp>
+        <p:nvSpPr>
+          <p:cNvPr id="2" name="Title 1">
+            <a:extLst>
+              <a:ext uri="{FF2B5EF4-FFF2-40B4-BE49-F238E27FC236}">
+                <a16:creationId xmlns="" xmlns:a16="http://schemas.microsoft.com/office/drawing/2014/main" id="{87750F07-33DE-427A-9D3B-1AC46D29D5C5}"/>
+              </a:ext>
+            </a:extLst>
+          </p:cNvPr>
+          <p:cNvSpPr>
+            <a:spLocks noGrp="1"/>
+          </p:cNvSpPr>
+          <p:nvPr>
+            <p:ph type="title"/>
+          </p:nvPr>
+        </p:nvSpPr>
+        <p:spPr/>
+        <p:txBody>
+          <a:bodyPr/>
+          <a:lstStyle/>
+          <a:p>
+            <a:pPr algn="ctr"/>
+            <a:r>
+              <a:rPr lang="en-CA" dirty="0" err="1"/>
+              <a:t>Liechtenauer</a:t>
+            </a:r>
+            <a:r>
+              <a:rPr lang="en-CA" dirty="0"/>
+              <a:t> Fencing School</a:t>
+            </a:r>
+          </a:p>
+        </p:txBody>
+      </p:sp>
+      <p:sp>
+        <p:nvSpPr>
+          <p:cNvPr id="3" name="Content Placeholder 2">
+            <a:extLst>
+              <a:ext uri="{FF2B5EF4-FFF2-40B4-BE49-F238E27FC236}">
+                <a16:creationId xmlns="" xmlns:a16="http://schemas.microsoft.com/office/drawing/2014/main" id="{27957891-E8CF-4945-9E5A-1261E6F6E577}"/>
+              </a:ext>
+            </a:extLst>
+          </p:cNvPr>
+          <p:cNvSpPr>
+            <a:spLocks noGrp="1"/>
+          </p:cNvSpPr>
+          <p:nvPr>
+            <p:ph idx="1"/>
+          </p:nvPr>
+        </p:nvSpPr>
+        <p:spPr>
+          <a:xfrm>
+            <a:off x="1141412" y="2826327"/>
+            <a:ext cx="9905999" cy="2964874"/>
+          </a:xfrm>
+        </p:spPr>
+        <p:txBody>
+          <a:bodyPr/>
+          <a:lstStyle/>
+          <a:p>
+            <a:r>
+              <a:rPr lang="en-CA" dirty="0"/>
+              <a:t>Based upon teachings of Johannes </a:t>
+            </a:r>
+            <a:r>
+              <a:rPr lang="en-CA" dirty="0" err="1"/>
+              <a:t>Liechtenauer</a:t>
+            </a:r>
+            <a:endParaRPr lang="en-CA" dirty="0"/>
+          </a:p>
+          <a:p>
+            <a:r>
+              <a:rPr lang="en-CA" dirty="0"/>
+              <a:t>Evolved into modern German fencing</a:t>
+            </a:r>
+          </a:p>
+          <a:p>
+            <a:r>
+              <a:rPr lang="en-CA" dirty="0"/>
+              <a:t>Utilizes the </a:t>
+            </a:r>
+            <a:r>
+              <a:rPr lang="en-CA" dirty="0" err="1"/>
+              <a:t>Federschwert</a:t>
+            </a:r>
+            <a:r>
+              <a:rPr lang="en-CA" dirty="0"/>
+              <a:t> (feather sword)</a:t>
+            </a:r>
+          </a:p>
+          <a:p>
+            <a:endParaRPr lang="en-CA" dirty="0"/>
+          </a:p>
+        </p:txBody>
+      </p:sp>
+      <p:pic>
+        <p:nvPicPr>
+          <p:cNvPr id="4106" name="Picture 10" descr="Image result for federschwert">
+            <a:extLst>
+              <a:ext uri="{FF2B5EF4-FFF2-40B4-BE49-F238E27FC236}">
+                <a16:creationId xmlns="" xmlns:a16="http://schemas.microsoft.com/office/drawing/2014/main" id="{B84A99CF-5F5B-43D8-9783-F4A621B21032}"/>
+              </a:ext>
+            </a:extLst>
+          </p:cNvPr>
+          <p:cNvPicPr>
+            <a:picLocks noChangeAspect="1" noChangeArrowheads="1"/>
+          </p:cNvPicPr>
+          <p:nvPr/>
+        </p:nvPicPr>
+        <p:blipFill rotWithShape="1">
+          <a:blip r:embed="rId2" cstate="print">
+            <a:extLst>
+              <a:ext uri="{28A0092B-C50C-407E-A947-70E740481C1C}">
+                <a14:useLocalDpi xmlns:a14="http://schemas.microsoft.com/office/drawing/2010/main" val="0"/>
+              </a:ext>
+            </a:extLst>
+          </a:blip>
+          <a:srcRect l="1483" t="22638" r="-1483" b="22950"/>
+          <a:stretch/>
+        </p:blipFill>
+        <p:spPr bwMode="auto">
+          <a:xfrm rot="16200000">
+            <a:off x="7237509" y="3415231"/>
+            <a:ext cx="4259787" cy="1388715"/>
+          </a:xfrm>
+          <a:prstGeom prst="rect">
+            <a:avLst/>
+          </a:prstGeom>
+          <a:noFill/>
+          <a:extLst>
+            <a:ext uri="{909E8E84-426E-40DD-AFC4-6F175D3DCCD1}">
+              <a14:hiddenFill xmlns:a14="http://schemas.microsoft.com/office/drawing/2010/main">
+                <a:solidFill>
+                  <a:srgbClr val="FFFFFF"/>
+                </a:solidFill>
+              </a14:hiddenFill>
+            </a:ext>
+          </a:extLst>
+        </p:spPr>
+      </p:pic>
+    </p:spTree>
+    <p:extLst>
+      <p:ext uri="{BB962C8B-B14F-4D97-AF65-F5344CB8AC3E}">
+        <p14:creationId xmlns:p14="http://schemas.microsoft.com/office/powerpoint/2010/main" val="1891629760"/>
+      </p:ext>
+    </p:extLst>
+  </p:cSld>
+  <p:clrMapOvr>
+    <a:masterClrMapping/>
+  </p:clrMapOvr>
+  <p:timing>
+    <p:tnLst>
+      <p:par>
+        <p:cTn id="1" dur="indefinite" restart="never" nodeType="tmRoot"/>
+      </p:par>
+    </p:tnLst>
+  </p:timing>
+</p:sld>
+</file>
+
+<file path=ppt/slides/slide8.xml><?xml version="1.0" encoding="utf-8"?>
+<p:sld xmlns:a="http://schemas.openxmlformats.org/drawingml/2006/main" xmlns:r="http://schemas.openxmlformats.org/officeDocument/2006/relationships" xmlns:p="http://schemas.openxmlformats.org/presentationml/2006/main">
+  <p:cSld>
+    <p:spTree>
+      <p:nvGrpSpPr>
+        <p:cNvPr id="1" name=""/>
+        <p:cNvGrpSpPr/>
+        <p:nvPr/>
+      </p:nvGrpSpPr>
+      <p:grpSpPr>
+        <a:xfrm>
+          <a:off x="0" y="0"/>
+          <a:ext cx="0" cy="0"/>
+          <a:chOff x="0" y="0"/>
+          <a:chExt cx="0" cy="0"/>
+        </a:xfrm>
+      </p:grpSpPr>
+      <p:sp>
+        <p:nvSpPr>
+          <p:cNvPr id="2" name="Title 1">
+            <a:extLst>
+              <a:ext uri="{FF2B5EF4-FFF2-40B4-BE49-F238E27FC236}">
+                <a16:creationId xmlns="" xmlns:a16="http://schemas.microsoft.com/office/drawing/2014/main" id="{62A73FB6-C61F-42A7-AA59-33990FCC769C}"/>
+              </a:ext>
+            </a:extLst>
+          </p:cNvPr>
+          <p:cNvSpPr>
+            <a:spLocks noGrp="1"/>
+          </p:cNvSpPr>
+          <p:nvPr>
+            <p:ph type="title"/>
+          </p:nvPr>
+        </p:nvSpPr>
+        <p:spPr/>
+        <p:txBody>
+          <a:bodyPr/>
+          <a:lstStyle/>
+          <a:p>
+            <a:pPr algn="ctr"/>
+            <a:r>
+              <a:rPr lang="en-CA" dirty="0"/>
+              <a:t>What is a Simulator</a:t>
+            </a:r>
+          </a:p>
+        </p:txBody>
+      </p:sp>
+      <p:sp>
+        <p:nvSpPr>
+          <p:cNvPr id="4" name="TextBox 3">
+            <a:extLst>
+              <a:ext uri="{FF2B5EF4-FFF2-40B4-BE49-F238E27FC236}">
+                <a16:creationId xmlns="" xmlns:a16="http://schemas.microsoft.com/office/drawing/2014/main" id="{C0179942-D8BA-4453-85AC-C0980C3806BA}"/>
+              </a:ext>
+            </a:extLst>
+          </p:cNvPr>
+          <p:cNvSpPr txBox="1"/>
+          <p:nvPr/>
+        </p:nvSpPr>
+        <p:spPr>
+          <a:xfrm>
+            <a:off x="1220128" y="1727756"/>
+            <a:ext cx="9748566" cy="369332"/>
+          </a:xfrm>
+          <a:prstGeom prst="rect">
+            <a:avLst/>
+          </a:prstGeom>
+          <a:noFill/>
+        </p:spPr>
+        <p:txBody>
+          <a:bodyPr wrap="none" rtlCol="0">
+            <a:spAutoFit/>
+          </a:bodyPr>
+          <a:lstStyle/>
+          <a:p>
+            <a:r>
+              <a:rPr lang="en-CA" dirty="0"/>
+              <a:t>A set of controls designed to provide a realistic imitation of a complex system; used for training purposes</a:t>
+            </a:r>
+          </a:p>
+        </p:txBody>
+      </p:sp>
+      <p:pic>
+        <p:nvPicPr>
+          <p:cNvPr id="5122" name="Picture 2" descr="Image result for simulator">
+            <a:extLst>
+              <a:ext uri="{FF2B5EF4-FFF2-40B4-BE49-F238E27FC236}">
+                <a16:creationId xmlns="" xmlns:a16="http://schemas.microsoft.com/office/drawing/2014/main" id="{5EA3C10D-78E1-40D1-B006-678934D7CCEE}"/>
+              </a:ext>
+            </a:extLst>
+          </p:cNvPr>
+          <p:cNvPicPr>
+            <a:picLocks noChangeAspect="1" noChangeArrowheads="1"/>
+          </p:cNvPicPr>
+          <p:nvPr/>
+        </p:nvPicPr>
+        <p:blipFill>
+          <a:blip r:embed="rId2">
+            <a:extLst>
+              <a:ext uri="{28A0092B-C50C-407E-A947-70E740481C1C}">
+                <a14:useLocalDpi xmlns:a14="http://schemas.microsoft.com/office/drawing/2010/main" val="0"/>
+              </a:ext>
+            </a:extLst>
+          </a:blip>
+          <a:srcRect/>
+          <a:stretch>
+            <a:fillRect/>
+          </a:stretch>
+        </p:blipFill>
+        <p:spPr bwMode="auto">
+          <a:xfrm>
+            <a:off x="6230733" y="2764511"/>
+            <a:ext cx="3959747" cy="2969810"/>
+          </a:xfrm>
+          <a:prstGeom prst="rect">
+            <a:avLst/>
+          </a:prstGeom>
+          <a:noFill/>
+          <a:extLst>
+            <a:ext uri="{909E8E84-426E-40DD-AFC4-6F175D3DCCD1}">
+              <a14:hiddenFill xmlns:a14="http://schemas.microsoft.com/office/drawing/2010/main">
+                <a:solidFill>
+                  <a:srgbClr val="FFFFFF"/>
+                </a:solidFill>
+              </a14:hiddenFill>
+            </a:ext>
+          </a:extLst>
+        </p:spPr>
+      </p:pic>
+      <p:pic>
+        <p:nvPicPr>
+          <p:cNvPr id="5124" name="Picture 4" descr="https://www.gamegrin.com/assets/games/car-mechanic-simulator-2015/screenshots/car-mechanic-simulator-2015-screenshot-7.jpg">
+            <a:extLst>
+              <a:ext uri="{FF2B5EF4-FFF2-40B4-BE49-F238E27FC236}">
+                <a16:creationId xmlns="" xmlns:a16="http://schemas.microsoft.com/office/drawing/2014/main" id="{472D511B-17AF-4921-BE65-BC0124138252}"/>
+              </a:ext>
+            </a:extLst>
+          </p:cNvPr>
+          <p:cNvPicPr>
+            <a:picLocks noChangeAspect="1" noChangeArrowheads="1"/>
+          </p:cNvPicPr>
+          <p:nvPr/>
+        </p:nvPicPr>
+        <p:blipFill>
+          <a:blip r:embed="rId3" cstate="print">
+            <a:extLst>
+              <a:ext uri="{28A0092B-C50C-407E-A947-70E740481C1C}">
+                <a14:useLocalDpi xmlns:a14="http://schemas.microsoft.com/office/drawing/2010/main" val="0"/>
+              </a:ext>
+            </a:extLst>
+          </a:blip>
+          <a:srcRect/>
+          <a:stretch>
+            <a:fillRect/>
+          </a:stretch>
+        </p:blipFill>
+        <p:spPr bwMode="auto">
+          <a:xfrm>
+            <a:off x="953844" y="2842708"/>
+            <a:ext cx="5007425" cy="2813417"/>
+          </a:xfrm>
+          <a:prstGeom prst="rect">
+            <a:avLst/>
+          </a:prstGeom>
+          <a:noFill/>
+          <a:extLst>
+            <a:ext uri="{909E8E84-426E-40DD-AFC4-6F175D3DCCD1}">
+              <a14:hiddenFill xmlns:a14="http://schemas.microsoft.com/office/drawing/2010/main">
+                <a:solidFill>
+                  <a:srgbClr val="FFFFFF"/>
+                </a:solidFill>
+              </a14:hiddenFill>
+            </a:ext>
+          </a:extLst>
+        </p:spPr>
+      </p:pic>
+    </p:spTree>
+    <p:extLst>
+      <p:ext uri="{BB962C8B-B14F-4D97-AF65-F5344CB8AC3E}">
+        <p14:creationId xmlns:p14="http://schemas.microsoft.com/office/powerpoint/2010/main" val="1502719707"/>
+      </p:ext>
+    </p:extLst>
+  </p:cSld>
+  <p:clrMapOvr>
+    <a:masterClrMapping/>
+  </p:clrMapOvr>
+  <p:timing>
+    <p:tnLst>
+      <p:par>
+        <p:cTn id="1" dur="indefinite" restart="never" nodeType="tmRoot"/>
+      </p:par>
+    </p:tnLst>
+  </p:timing>
+</p:sld>
+</file>
+
+<file path=ppt/slides/slide9.xml><?xml version="1.0" encoding="utf-8"?>
+<p:sld xmlns:a="http://schemas.openxmlformats.org/drawingml/2006/main" xmlns:r="http://schemas.openxmlformats.org/officeDocument/2006/relationships" xmlns:p="http://schemas.openxmlformats.org/presentationml/2006/main">
+  <p:cSld>
+    <p:spTree>
+      <p:nvGrpSpPr>
+        <p:cNvPr id="1" name=""/>
+        <p:cNvGrpSpPr/>
+        <p:nvPr/>
+      </p:nvGrpSpPr>
+      <p:grpSpPr>
+        <a:xfrm>
+          <a:off x="0" y="0"/>
+          <a:ext cx="0" cy="0"/>
+          <a:chOff x="0" y="0"/>
+          <a:chExt cx="0" cy="0"/>
+        </a:xfrm>
+      </p:grpSpPr>
+      <p:sp>
+        <p:nvSpPr>
+          <p:cNvPr id="2" name="Title 1">
+            <a:extLst>
+              <a:ext uri="{FF2B5EF4-FFF2-40B4-BE49-F238E27FC236}">
+                <a16:creationId xmlns="" xmlns:a16="http://schemas.microsoft.com/office/drawing/2014/main" id="{B67B30F8-209F-42BD-98AA-EA47CD1674E7}"/>
+              </a:ext>
+            </a:extLst>
+          </p:cNvPr>
+          <p:cNvSpPr>
+            <a:spLocks noGrp="1"/>
+          </p:cNvSpPr>
+          <p:nvPr>
+            <p:ph type="title"/>
+          </p:nvPr>
+        </p:nvSpPr>
+        <p:spPr/>
+        <p:txBody>
+          <a:bodyPr/>
+          <a:lstStyle/>
+          <a:p>
+            <a:pPr algn="ctr"/>
+            <a:r>
+              <a:rPr lang="en-CA" dirty="0"/>
+              <a:t>Why Use Simulation?</a:t>
+            </a:r>
+          </a:p>
+        </p:txBody>
+      </p:sp>
+      <p:sp>
+        <p:nvSpPr>
+          <p:cNvPr id="3" name="Content Placeholder 2">
+            <a:extLst>
+              <a:ext uri="{FF2B5EF4-FFF2-40B4-BE49-F238E27FC236}">
+                <a16:creationId xmlns="" xmlns:a16="http://schemas.microsoft.com/office/drawing/2014/main" id="{E8FCC0D7-6C81-4DAD-A7AA-3D1B55688E2B}"/>
+              </a:ext>
+            </a:extLst>
+          </p:cNvPr>
+          <p:cNvSpPr>
+            <a:spLocks noGrp="1"/>
+          </p:cNvSpPr>
+          <p:nvPr>
+            <p:ph idx="1"/>
+          </p:nvPr>
+        </p:nvSpPr>
+        <p:spPr>
+          <a:xfrm>
+            <a:off x="1141412" y="2588821"/>
+            <a:ext cx="9905999" cy="3202379"/>
+          </a:xfrm>
+        </p:spPr>
+        <p:txBody>
+          <a:bodyPr/>
+          <a:lstStyle/>
+          <a:p>
+            <a:r>
+              <a:rPr lang="en-CA" dirty="0"/>
+              <a:t>Minimize financial overhead</a:t>
+            </a:r>
+          </a:p>
+          <a:p>
+            <a:r>
+              <a:rPr lang="en-CA" dirty="0"/>
+              <a:t>Simplified distribution of knowledge</a:t>
+            </a:r>
+          </a:p>
+          <a:p>
+            <a:r>
+              <a:rPr lang="en-CA" dirty="0"/>
+              <a:t>Expand potential client base</a:t>
+            </a:r>
+          </a:p>
+          <a:p>
+            <a:r>
+              <a:rPr lang="en-CA" dirty="0"/>
+              <a:t>Hardware standards are increasing</a:t>
+            </a:r>
+          </a:p>
+          <a:p>
+            <a:r>
+              <a:rPr lang="en-CA" dirty="0"/>
+              <a:t>Allows practical training without the physical risks</a:t>
+            </a:r>
+          </a:p>
+        </p:txBody>
+      </p:sp>
+      <p:pic>
+        <p:nvPicPr>
+          <p:cNvPr id="6146" name="Picture 2" descr="Image result for cloud computing">
+            <a:extLst>
+              <a:ext uri="{FF2B5EF4-FFF2-40B4-BE49-F238E27FC236}">
+                <a16:creationId xmlns="" xmlns:a16="http://schemas.microsoft.com/office/drawing/2014/main" id="{332127A4-AFB9-4DEA-B3C2-CADF02AD2E7E}"/>
+              </a:ext>
+            </a:extLst>
+          </p:cNvPr>
+          <p:cNvPicPr>
+            <a:picLocks noChangeAspect="1" noChangeArrowheads="1"/>
+          </p:cNvPicPr>
+          <p:nvPr/>
+        </p:nvPicPr>
+        <p:blipFill>
+          <a:blip r:embed="rId2">
+            <a:extLst>
+              <a:ext uri="{28A0092B-C50C-407E-A947-70E740481C1C}">
+                <a14:useLocalDpi xmlns:a14="http://schemas.microsoft.com/office/drawing/2010/main" val="0"/>
+              </a:ext>
+            </a:extLst>
+          </a:blip>
+          <a:srcRect/>
+          <a:stretch>
+            <a:fillRect/>
+          </a:stretch>
+        </p:blipFill>
+        <p:spPr bwMode="auto">
+          <a:xfrm>
+            <a:off x="6813602" y="2116479"/>
+            <a:ext cx="4476728" cy="2520232"/>
+          </a:xfrm>
+          <a:prstGeom prst="rect">
+            <a:avLst/>
+          </a:prstGeom>
+          <a:noFill/>
+          <a:extLst>
+            <a:ext uri="{909E8E84-426E-40DD-AFC4-6F175D3DCCD1}">
+              <a14:hiddenFill xmlns:a14="http://schemas.microsoft.com/office/drawing/2010/main">
+                <a:solidFill>
+                  <a:srgbClr val="FFFFFF"/>
+                </a:solidFill>
+              </a14:hiddenFill>
+            </a:ext>
+          </a:extLst>
+        </p:spPr>
+      </p:pic>
+    </p:spTree>
+    <p:extLst>
+      <p:ext uri="{BB962C8B-B14F-4D97-AF65-F5344CB8AC3E}">
+        <p14:creationId xmlns:p14="http://schemas.microsoft.com/office/powerpoint/2010/main" val="4146036202"/>
+      </p:ext>
+    </p:extLst>
+  </p:cSld>
+  <p:clrMapOvr>
+    <a:masterClrMapping/>
+  </p:clrMapOvr>
+  <p:timing>
+    <p:tnLst>
+      <p:par>
+        <p:cTn id="1" dur="indefinite" restart="never" nodeType="tmRoot"/>
+      </p:par>
+    </p:tnLst>
+  </p:timing>
 </p:sld>
 </file>
 

--- a/Documentation/Presentation.pptx
+++ b/Documentation/Presentation.pptx
@@ -196,7 +196,7 @@
           <a:noFill/>
           <a:extLst>
             <a:ext uri="{909E8E84-426E-40dd-AFC4-6F175D3DCCD1}">
-              <a14:hiddenFill xmlns:a14="http://schemas.microsoft.com/office/drawing/2010/main" xmlns="">
+              <a14:hiddenFill xmlns="" xmlns:a14="http://schemas.microsoft.com/office/drawing/2010/main">
                 <a:solidFill>
                   <a:srgbClr val="FFFFFF"/>
                 </a:solidFill>
@@ -256,7 +256,7 @@
             </a:ln>
             <a:extLst>
               <a:ext uri="{91240B29-F687-4f45-9708-019B960494DF}">
-                <a14:hiddenLine xmlns:a14="http://schemas.microsoft.com/office/drawing/2010/main" xmlns="" w="9525">
+                <a14:hiddenLine xmlns="" xmlns:a14="http://schemas.microsoft.com/office/drawing/2010/main" w="9525">
                   <a:solidFill>
                     <a:srgbClr val="000000"/>
                   </a:solidFill>
@@ -346,7 +346,7 @@
             </a:ln>
             <a:extLst>
               <a:ext uri="{91240B29-F687-4f45-9708-019B960494DF}">
-                <a14:hiddenLine xmlns:a14="http://schemas.microsoft.com/office/drawing/2010/main" xmlns="" w="9525">
+                <a14:hiddenLine xmlns="" xmlns:a14="http://schemas.microsoft.com/office/drawing/2010/main" w="9525">
                   <a:solidFill>
                     <a:srgbClr val="000000"/>
                   </a:solidFill>
@@ -436,7 +436,7 @@
             </a:ln>
             <a:extLst>
               <a:ext uri="{91240B29-F687-4f45-9708-019B960494DF}">
-                <a14:hiddenLine xmlns:a14="http://schemas.microsoft.com/office/drawing/2010/main" xmlns="" w="9525">
+                <a14:hiddenLine xmlns="" xmlns:a14="http://schemas.microsoft.com/office/drawing/2010/main" w="9525">
                   <a:solidFill>
                     <a:srgbClr val="000000"/>
                   </a:solidFill>
@@ -470,7 +470,7 @@
             </a:ln>
             <a:extLst>
               <a:ext uri="{91240B29-F687-4f45-9708-019B960494DF}">
-                <a14:hiddenLine xmlns:a14="http://schemas.microsoft.com/office/drawing/2010/main" xmlns="" w="9525">
+                <a14:hiddenLine xmlns="" xmlns:a14="http://schemas.microsoft.com/office/drawing/2010/main" w="9525">
                   <a:solidFill>
                     <a:srgbClr val="000000"/>
                   </a:solidFill>
@@ -560,7 +560,7 @@
             </a:ln>
             <a:extLst>
               <a:ext uri="{91240B29-F687-4f45-9708-019B960494DF}">
-                <a14:hiddenLine xmlns:a14="http://schemas.microsoft.com/office/drawing/2010/main" xmlns="" w="9525">
+                <a14:hiddenLine xmlns="" xmlns:a14="http://schemas.microsoft.com/office/drawing/2010/main" w="9525">
                   <a:solidFill>
                     <a:srgbClr val="000000"/>
                   </a:solidFill>
@@ -622,7 +622,7 @@
             </a:ln>
             <a:extLst>
               <a:ext uri="{91240B29-F687-4f45-9708-019B960494DF}">
-                <a14:hiddenLine xmlns:a14="http://schemas.microsoft.com/office/drawing/2010/main" xmlns="" w="9525">
+                <a14:hiddenLine xmlns="" xmlns:a14="http://schemas.microsoft.com/office/drawing/2010/main" w="9525">
                   <a:solidFill>
                     <a:srgbClr val="000000"/>
                   </a:solidFill>
@@ -684,7 +684,7 @@
             </a:ln>
             <a:extLst>
               <a:ext uri="{91240B29-F687-4f45-9708-019B960494DF}">
-                <a14:hiddenLine xmlns:a14="http://schemas.microsoft.com/office/drawing/2010/main" xmlns="" w="9525">
+                <a14:hiddenLine xmlns="" xmlns:a14="http://schemas.microsoft.com/office/drawing/2010/main" w="9525">
                   <a:solidFill>
                     <a:srgbClr val="000000"/>
                   </a:solidFill>
@@ -774,7 +774,7 @@
             </a:ln>
             <a:extLst>
               <a:ext uri="{91240B29-F687-4f45-9708-019B960494DF}">
-                <a14:hiddenLine xmlns:a14="http://schemas.microsoft.com/office/drawing/2010/main" xmlns="" w="9525">
+                <a14:hiddenLine xmlns="" xmlns:a14="http://schemas.microsoft.com/office/drawing/2010/main" w="9525">
                   <a:solidFill>
                     <a:srgbClr val="000000"/>
                   </a:solidFill>
@@ -836,7 +836,7 @@
             </a:ln>
             <a:extLst>
               <a:ext uri="{91240B29-F687-4f45-9708-019B960494DF}">
-                <a14:hiddenLine xmlns:a14="http://schemas.microsoft.com/office/drawing/2010/main" xmlns="" w="9525">
+                <a14:hiddenLine xmlns="" xmlns:a14="http://schemas.microsoft.com/office/drawing/2010/main" w="9525">
                   <a:solidFill>
                     <a:srgbClr val="000000"/>
                   </a:solidFill>
@@ -898,7 +898,7 @@
             </a:ln>
             <a:extLst>
               <a:ext uri="{91240B29-F687-4f45-9708-019B960494DF}">
-                <a14:hiddenLine xmlns:a14="http://schemas.microsoft.com/office/drawing/2010/main" xmlns="" w="9525">
+                <a14:hiddenLine xmlns="" xmlns:a14="http://schemas.microsoft.com/office/drawing/2010/main" w="9525">
                   <a:solidFill>
                     <a:srgbClr val="000000"/>
                   </a:solidFill>
@@ -988,7 +988,7 @@
             </a:ln>
             <a:extLst>
               <a:ext uri="{91240B29-F687-4f45-9708-019B960494DF}">
-                <a14:hiddenLine xmlns:a14="http://schemas.microsoft.com/office/drawing/2010/main" xmlns="" w="9525">
+                <a14:hiddenLine xmlns="" xmlns:a14="http://schemas.microsoft.com/office/drawing/2010/main" w="9525">
                   <a:solidFill>
                     <a:srgbClr val="000000"/>
                   </a:solidFill>
@@ -1078,7 +1078,7 @@
             </a:ln>
             <a:extLst>
               <a:ext uri="{91240B29-F687-4f45-9708-019B960494DF}">
-                <a14:hiddenLine xmlns:a14="http://schemas.microsoft.com/office/drawing/2010/main" xmlns="" w="9525">
+                <a14:hiddenLine xmlns="" xmlns:a14="http://schemas.microsoft.com/office/drawing/2010/main" w="9525">
                   <a:solidFill>
                     <a:srgbClr val="000000"/>
                   </a:solidFill>
@@ -1140,7 +1140,7 @@
             </a:ln>
             <a:extLst>
               <a:ext uri="{91240B29-F687-4f45-9708-019B960494DF}">
-                <a14:hiddenLine xmlns:a14="http://schemas.microsoft.com/office/drawing/2010/main" xmlns="" w="9525">
+                <a14:hiddenLine xmlns="" xmlns:a14="http://schemas.microsoft.com/office/drawing/2010/main" w="9525">
                   <a:solidFill>
                     <a:srgbClr val="000000"/>
                   </a:solidFill>
@@ -1250,7 +1250,7 @@
             </a:ln>
             <a:extLst>
               <a:ext uri="{91240B29-F687-4f45-9708-019B960494DF}">
-                <a14:hiddenLine xmlns:a14="http://schemas.microsoft.com/office/drawing/2010/main" xmlns="" w="9525">
+                <a14:hiddenLine xmlns="" xmlns:a14="http://schemas.microsoft.com/office/drawing/2010/main" w="9525">
                   <a:solidFill>
                     <a:srgbClr val="000000"/>
                   </a:solidFill>
@@ -1312,7 +1312,7 @@
             </a:ln>
             <a:extLst>
               <a:ext uri="{91240B29-F687-4f45-9708-019B960494DF}">
-                <a14:hiddenLine xmlns:a14="http://schemas.microsoft.com/office/drawing/2010/main" xmlns="" w="9525">
+                <a14:hiddenLine xmlns="" xmlns:a14="http://schemas.microsoft.com/office/drawing/2010/main" w="9525">
                   <a:solidFill>
                     <a:srgbClr val="000000"/>
                   </a:solidFill>
@@ -1402,7 +1402,7 @@
             </a:ln>
             <a:extLst>
               <a:ext uri="{91240B29-F687-4f45-9708-019B960494DF}">
-                <a14:hiddenLine xmlns:a14="http://schemas.microsoft.com/office/drawing/2010/main" xmlns="" w="9525">
+                <a14:hiddenLine xmlns="" xmlns:a14="http://schemas.microsoft.com/office/drawing/2010/main" w="9525">
                   <a:solidFill>
                     <a:srgbClr val="000000"/>
                   </a:solidFill>
@@ -1492,7 +1492,7 @@
             </a:ln>
             <a:extLst>
               <a:ext uri="{91240B29-F687-4f45-9708-019B960494DF}">
-                <a14:hiddenLine xmlns:a14="http://schemas.microsoft.com/office/drawing/2010/main" xmlns="" w="9525">
+                <a14:hiddenLine xmlns="" xmlns:a14="http://schemas.microsoft.com/office/drawing/2010/main" w="9525">
                   <a:solidFill>
                     <a:srgbClr val="000000"/>
                   </a:solidFill>
@@ -1554,7 +1554,7 @@
             </a:ln>
             <a:extLst>
               <a:ext uri="{91240B29-F687-4f45-9708-019B960494DF}">
-                <a14:hiddenLine xmlns:a14="http://schemas.microsoft.com/office/drawing/2010/main" xmlns="" w="9525">
+                <a14:hiddenLine xmlns="" xmlns:a14="http://schemas.microsoft.com/office/drawing/2010/main" w="9525">
                   <a:solidFill>
                     <a:srgbClr val="000000"/>
                   </a:solidFill>
@@ -1644,7 +1644,7 @@
             </a:ln>
             <a:extLst>
               <a:ext uri="{91240B29-F687-4f45-9708-019B960494DF}">
-                <a14:hiddenLine xmlns:a14="http://schemas.microsoft.com/office/drawing/2010/main" xmlns="" w="9525">
+                <a14:hiddenLine xmlns="" xmlns:a14="http://schemas.microsoft.com/office/drawing/2010/main" w="9525">
                   <a:solidFill>
                     <a:srgbClr val="000000"/>
                   </a:solidFill>
@@ -1734,7 +1734,7 @@
             </a:ln>
             <a:extLst>
               <a:ext uri="{91240B29-F687-4f45-9708-019B960494DF}">
-                <a14:hiddenLine xmlns:a14="http://schemas.microsoft.com/office/drawing/2010/main" xmlns="" w="9525">
+                <a14:hiddenLine xmlns="" xmlns:a14="http://schemas.microsoft.com/office/drawing/2010/main" w="9525">
                   <a:solidFill>
                     <a:srgbClr val="000000"/>
                   </a:solidFill>
@@ -1790,7 +1790,7 @@
             </a:ln>
             <a:extLst>
               <a:ext uri="{91240B29-F687-4f45-9708-019B960494DF}">
-                <a14:hiddenLine xmlns:a14="http://schemas.microsoft.com/office/drawing/2010/main" xmlns="" w="9525">
+                <a14:hiddenLine xmlns="" xmlns:a14="http://schemas.microsoft.com/office/drawing/2010/main" w="9525">
                   <a:solidFill>
                     <a:srgbClr val="000000"/>
                   </a:solidFill>
@@ -1880,7 +1880,7 @@
             </a:ln>
             <a:extLst>
               <a:ext uri="{91240B29-F687-4f45-9708-019B960494DF}">
-                <a14:hiddenLine xmlns:a14="http://schemas.microsoft.com/office/drawing/2010/main" xmlns="" w="9525">
+                <a14:hiddenLine xmlns="" xmlns:a14="http://schemas.microsoft.com/office/drawing/2010/main" w="9525">
                   <a:solidFill>
                     <a:srgbClr val="000000"/>
                   </a:solidFill>
@@ -1936,7 +1936,7 @@
             </a:ln>
             <a:extLst>
               <a:ext uri="{91240B29-F687-4f45-9708-019B960494DF}">
-                <a14:hiddenLine xmlns:a14="http://schemas.microsoft.com/office/drawing/2010/main" xmlns="" w="9525">
+                <a14:hiddenLine xmlns="" xmlns:a14="http://schemas.microsoft.com/office/drawing/2010/main" w="9525">
                   <a:solidFill>
                     <a:srgbClr val="000000"/>
                   </a:solidFill>
@@ -2026,7 +2026,7 @@
             </a:ln>
             <a:extLst>
               <a:ext uri="{91240B29-F687-4f45-9708-019B960494DF}">
-                <a14:hiddenLine xmlns:a14="http://schemas.microsoft.com/office/drawing/2010/main" xmlns="" w="9525">
+                <a14:hiddenLine xmlns="" xmlns:a14="http://schemas.microsoft.com/office/drawing/2010/main" w="9525">
                   <a:solidFill>
                     <a:srgbClr val="000000"/>
                   </a:solidFill>
@@ -2094,7 +2094,7 @@
             </a:ln>
             <a:extLst>
               <a:ext uri="{91240B29-F687-4f45-9708-019B960494DF}">
-                <a14:hiddenLine xmlns:a14="http://schemas.microsoft.com/office/drawing/2010/main" xmlns="" w="9525">
+                <a14:hiddenLine xmlns="" xmlns:a14="http://schemas.microsoft.com/office/drawing/2010/main" w="9525">
                   <a:solidFill>
                     <a:srgbClr val="000000"/>
                   </a:solidFill>
@@ -2184,7 +2184,7 @@
             </a:ln>
             <a:extLst>
               <a:ext uri="{91240B29-F687-4f45-9708-019B960494DF}">
-                <a14:hiddenLine xmlns:a14="http://schemas.microsoft.com/office/drawing/2010/main" xmlns="" w="9525">
+                <a14:hiddenLine xmlns="" xmlns:a14="http://schemas.microsoft.com/office/drawing/2010/main" w="9525">
                   <a:solidFill>
                     <a:srgbClr val="000000"/>
                   </a:solidFill>
@@ -2252,7 +2252,7 @@
             </a:ln>
             <a:extLst>
               <a:ext uri="{91240B29-F687-4f45-9708-019B960494DF}">
-                <a14:hiddenLine xmlns:a14="http://schemas.microsoft.com/office/drawing/2010/main" xmlns="" w="9525">
+                <a14:hiddenLine xmlns="" xmlns:a14="http://schemas.microsoft.com/office/drawing/2010/main" w="9525">
                   <a:solidFill>
                     <a:srgbClr val="000000"/>
                   </a:solidFill>
@@ -2342,7 +2342,7 @@
             </a:ln>
             <a:extLst>
               <a:ext uri="{91240B29-F687-4f45-9708-019B960494DF}">
-                <a14:hiddenLine xmlns:a14="http://schemas.microsoft.com/office/drawing/2010/main" xmlns="" w="9525">
+                <a14:hiddenLine xmlns="" xmlns:a14="http://schemas.microsoft.com/office/drawing/2010/main" w="9525">
                   <a:solidFill>
                     <a:srgbClr val="000000"/>
                   </a:solidFill>
@@ -2376,7 +2376,7 @@
             </a:ln>
             <a:extLst>
               <a:ext uri="{91240B29-F687-4f45-9708-019B960494DF}">
-                <a14:hiddenLine xmlns:a14="http://schemas.microsoft.com/office/drawing/2010/main" xmlns="" w="9525">
+                <a14:hiddenLine xmlns="" xmlns:a14="http://schemas.microsoft.com/office/drawing/2010/main" w="9525">
                   <a:solidFill>
                     <a:srgbClr val="000000"/>
                   </a:solidFill>
@@ -2466,7 +2466,7 @@
             </a:ln>
             <a:extLst>
               <a:ext uri="{91240B29-F687-4f45-9708-019B960494DF}">
-                <a14:hiddenLine xmlns:a14="http://schemas.microsoft.com/office/drawing/2010/main" xmlns="" w="9525">
+                <a14:hiddenLine xmlns="" xmlns:a14="http://schemas.microsoft.com/office/drawing/2010/main" w="9525">
                   <a:solidFill>
                     <a:srgbClr val="000000"/>
                   </a:solidFill>
@@ -2528,7 +2528,7 @@
             </a:ln>
             <a:extLst>
               <a:ext uri="{91240B29-F687-4f45-9708-019B960494DF}">
-                <a14:hiddenLine xmlns:a14="http://schemas.microsoft.com/office/drawing/2010/main" xmlns="" w="9525">
+                <a14:hiddenLine xmlns="" xmlns:a14="http://schemas.microsoft.com/office/drawing/2010/main" w="9525">
                   <a:solidFill>
                     <a:srgbClr val="000000"/>
                   </a:solidFill>
@@ -2590,7 +2590,7 @@
             </a:ln>
             <a:extLst>
               <a:ext uri="{91240B29-F687-4f45-9708-019B960494DF}">
-                <a14:hiddenLine xmlns:a14="http://schemas.microsoft.com/office/drawing/2010/main" xmlns="" w="9525">
+                <a14:hiddenLine xmlns="" xmlns:a14="http://schemas.microsoft.com/office/drawing/2010/main" w="9525">
                   <a:solidFill>
                     <a:srgbClr val="000000"/>
                   </a:solidFill>
@@ -2680,7 +2680,7 @@
             </a:ln>
             <a:extLst>
               <a:ext uri="{91240B29-F687-4f45-9708-019B960494DF}">
-                <a14:hiddenLine xmlns:a14="http://schemas.microsoft.com/office/drawing/2010/main" xmlns="" w="9525">
+                <a14:hiddenLine xmlns="" xmlns:a14="http://schemas.microsoft.com/office/drawing/2010/main" w="9525">
                   <a:solidFill>
                     <a:srgbClr val="000000"/>
                   </a:solidFill>
@@ -2748,7 +2748,7 @@
             </a:ln>
             <a:extLst>
               <a:ext uri="{91240B29-F687-4f45-9708-019B960494DF}">
-                <a14:hiddenLine xmlns:a14="http://schemas.microsoft.com/office/drawing/2010/main" xmlns="" w="9525">
+                <a14:hiddenLine xmlns="" xmlns:a14="http://schemas.microsoft.com/office/drawing/2010/main" w="9525">
                   <a:solidFill>
                     <a:srgbClr val="000000"/>
                   </a:solidFill>
@@ -2810,7 +2810,7 @@
             </a:ln>
             <a:extLst>
               <a:ext uri="{91240B29-F687-4f45-9708-019B960494DF}">
-                <a14:hiddenLine xmlns:a14="http://schemas.microsoft.com/office/drawing/2010/main" xmlns="" w="9525">
+                <a14:hiddenLine xmlns="" xmlns:a14="http://schemas.microsoft.com/office/drawing/2010/main" w="9525">
                   <a:solidFill>
                     <a:srgbClr val="000000"/>
                   </a:solidFill>
@@ -2900,7 +2900,7 @@
             </a:ln>
             <a:extLst>
               <a:ext uri="{91240B29-F687-4f45-9708-019B960494DF}">
-                <a14:hiddenLine xmlns:a14="http://schemas.microsoft.com/office/drawing/2010/main" xmlns="" w="9525">
+                <a14:hiddenLine xmlns="" xmlns:a14="http://schemas.microsoft.com/office/drawing/2010/main" w="9525">
                   <a:solidFill>
                     <a:srgbClr val="000000"/>
                   </a:solidFill>
@@ -2962,7 +2962,7 @@
             </a:ln>
             <a:extLst>
               <a:ext uri="{91240B29-F687-4f45-9708-019B960494DF}">
-                <a14:hiddenLine xmlns:a14="http://schemas.microsoft.com/office/drawing/2010/main" xmlns="" w="9525">
+                <a14:hiddenLine xmlns="" xmlns:a14="http://schemas.microsoft.com/office/drawing/2010/main" w="9525">
                   <a:solidFill>
                     <a:srgbClr val="000000"/>
                   </a:solidFill>
@@ -3052,7 +3052,7 @@
             </a:ln>
             <a:extLst>
               <a:ext uri="{91240B29-F687-4f45-9708-019B960494DF}">
-                <a14:hiddenLine xmlns:a14="http://schemas.microsoft.com/office/drawing/2010/main" xmlns="" w="9525">
+                <a14:hiddenLine xmlns="" xmlns:a14="http://schemas.microsoft.com/office/drawing/2010/main" w="9525">
                   <a:solidFill>
                     <a:srgbClr val="000000"/>
                   </a:solidFill>
@@ -3114,7 +3114,7 @@
             </a:ln>
             <a:extLst>
               <a:ext uri="{91240B29-F687-4f45-9708-019B960494DF}">
-                <a14:hiddenLine xmlns:a14="http://schemas.microsoft.com/office/drawing/2010/main" xmlns="" w="9525">
+                <a14:hiddenLine xmlns="" xmlns:a14="http://schemas.microsoft.com/office/drawing/2010/main" w="9525">
                   <a:solidFill>
                     <a:srgbClr val="000000"/>
                   </a:solidFill>
@@ -3204,7 +3204,7 @@
             </a:ln>
             <a:extLst>
               <a:ext uri="{91240B29-F687-4f45-9708-019B960494DF}">
-                <a14:hiddenLine xmlns:a14="http://schemas.microsoft.com/office/drawing/2010/main" xmlns="" w="9525">
+                <a14:hiddenLine xmlns="" xmlns:a14="http://schemas.microsoft.com/office/drawing/2010/main" w="9525">
                   <a:solidFill>
                     <a:srgbClr val="000000"/>
                   </a:solidFill>
@@ -3238,7 +3238,7 @@
             </a:ln>
             <a:extLst>
               <a:ext uri="{91240B29-F687-4f45-9708-019B960494DF}">
-                <a14:hiddenLine xmlns:a14="http://schemas.microsoft.com/office/drawing/2010/main" xmlns="" w="9525">
+                <a14:hiddenLine xmlns="" xmlns:a14="http://schemas.microsoft.com/office/drawing/2010/main" w="9525">
                   <a:solidFill>
                     <a:srgbClr val="000000"/>
                   </a:solidFill>
@@ -3303,7 +3303,7 @@
             </a:ln>
             <a:extLst>
               <a:ext uri="{91240B29-F687-4f45-9708-019B960494DF}">
-                <a14:hiddenLine xmlns:a14="http://schemas.microsoft.com/office/drawing/2010/main" xmlns="" w="9525">
+                <a14:hiddenLine xmlns="" xmlns:a14="http://schemas.microsoft.com/office/drawing/2010/main" w="9525">
                   <a:solidFill>
                     <a:srgbClr val="000000"/>
                   </a:solidFill>
@@ -3393,7 +3393,7 @@
             </a:ln>
             <a:extLst>
               <a:ext uri="{91240B29-F687-4f45-9708-019B960494DF}">
-                <a14:hiddenLine xmlns:a14="http://schemas.microsoft.com/office/drawing/2010/main" xmlns="" w="9525">
+                <a14:hiddenLine xmlns="" xmlns:a14="http://schemas.microsoft.com/office/drawing/2010/main" w="9525">
                   <a:solidFill>
                     <a:srgbClr val="000000"/>
                   </a:solidFill>
@@ -3455,7 +3455,7 @@
             </a:ln>
             <a:extLst>
               <a:ext uri="{91240B29-F687-4f45-9708-019B960494DF}">
-                <a14:hiddenLine xmlns:a14="http://schemas.microsoft.com/office/drawing/2010/main" xmlns="" w="9525">
+                <a14:hiddenLine xmlns="" xmlns:a14="http://schemas.microsoft.com/office/drawing/2010/main" w="9525">
                   <a:solidFill>
                     <a:srgbClr val="000000"/>
                   </a:solidFill>
@@ -3545,7 +3545,7 @@
             </a:ln>
             <a:extLst>
               <a:ext uri="{91240B29-F687-4f45-9708-019B960494DF}">
-                <a14:hiddenLine xmlns:a14="http://schemas.microsoft.com/office/drawing/2010/main" xmlns="" w="9525">
+                <a14:hiddenLine xmlns="" xmlns:a14="http://schemas.microsoft.com/office/drawing/2010/main" w="9525">
                   <a:solidFill>
                     <a:srgbClr val="000000"/>
                   </a:solidFill>
@@ -3635,7 +3635,7 @@
             </a:ln>
             <a:extLst>
               <a:ext uri="{91240B29-F687-4f45-9708-019B960494DF}">
-                <a14:hiddenLine xmlns:a14="http://schemas.microsoft.com/office/drawing/2010/main" xmlns="" w="9525">
+                <a14:hiddenLine xmlns="" xmlns:a14="http://schemas.microsoft.com/office/drawing/2010/main" w="9525">
                   <a:solidFill>
                     <a:srgbClr val="000000"/>
                   </a:solidFill>
@@ -3700,7 +3700,7 @@
             </a:ln>
             <a:extLst>
               <a:ext uri="{91240B29-F687-4f45-9708-019B960494DF}">
-                <a14:hiddenLine xmlns:a14="http://schemas.microsoft.com/office/drawing/2010/main" xmlns="" w="9525">
+                <a14:hiddenLine xmlns="" xmlns:a14="http://schemas.microsoft.com/office/drawing/2010/main" w="9525">
                   <a:solidFill>
                     <a:srgbClr val="000000"/>
                   </a:solidFill>
@@ -3762,7 +3762,7 @@
             </a:ln>
             <a:extLst>
               <a:ext uri="{91240B29-F687-4f45-9708-019B960494DF}">
-                <a14:hiddenLine xmlns:a14="http://schemas.microsoft.com/office/drawing/2010/main" xmlns="" w="9525">
+                <a14:hiddenLine xmlns="" xmlns:a14="http://schemas.microsoft.com/office/drawing/2010/main" w="9525">
                   <a:solidFill>
                     <a:srgbClr val="000000"/>
                   </a:solidFill>
@@ -3852,7 +3852,7 @@
             </a:ln>
             <a:extLst>
               <a:ext uri="{91240B29-F687-4f45-9708-019B960494DF}">
-                <a14:hiddenLine xmlns:a14="http://schemas.microsoft.com/office/drawing/2010/main" xmlns="" w="9525">
+                <a14:hiddenLine xmlns="" xmlns:a14="http://schemas.microsoft.com/office/drawing/2010/main" w="9525">
                   <a:solidFill>
                     <a:srgbClr val="000000"/>
                   </a:solidFill>
@@ -3942,7 +3942,7 @@
             </a:ln>
             <a:extLst>
               <a:ext uri="{91240B29-F687-4f45-9708-019B960494DF}">
-                <a14:hiddenLine xmlns:a14="http://schemas.microsoft.com/office/drawing/2010/main" xmlns="" w="9525">
+                <a14:hiddenLine xmlns="" xmlns:a14="http://schemas.microsoft.com/office/drawing/2010/main" w="9525">
                   <a:solidFill>
                     <a:srgbClr val="000000"/>
                   </a:solidFill>
@@ -4004,7 +4004,7 @@
             </a:ln>
             <a:extLst>
               <a:ext uri="{91240B29-F687-4f45-9708-019B960494DF}">
-                <a14:hiddenLine xmlns:a14="http://schemas.microsoft.com/office/drawing/2010/main" xmlns="" w="9525">
+                <a14:hiddenLine xmlns="" xmlns:a14="http://schemas.microsoft.com/office/drawing/2010/main" w="9525">
                   <a:solidFill>
                     <a:srgbClr val="000000"/>
                   </a:solidFill>
@@ -4124,7 +4124,7 @@
             </a:ln>
             <a:extLst>
               <a:ext uri="{91240B29-F687-4f45-9708-019B960494DF}">
-                <a14:hiddenLine xmlns:a14="http://schemas.microsoft.com/office/drawing/2010/main" xmlns="" w="9525">
+                <a14:hiddenLine xmlns="" xmlns:a14="http://schemas.microsoft.com/office/drawing/2010/main" w="9525">
                   <a:solidFill>
                     <a:srgbClr val="000000"/>
                   </a:solidFill>
@@ -4192,7 +4192,7 @@
             </a:ln>
             <a:extLst>
               <a:ext uri="{91240B29-F687-4f45-9708-019B960494DF}">
-                <a14:hiddenLine xmlns:a14="http://schemas.microsoft.com/office/drawing/2010/main" xmlns="" w="9525">
+                <a14:hiddenLine xmlns="" xmlns:a14="http://schemas.microsoft.com/office/drawing/2010/main" w="9525">
                   <a:solidFill>
                     <a:srgbClr val="000000"/>
                   </a:solidFill>
@@ -4282,7 +4282,7 @@
             </a:ln>
             <a:extLst>
               <a:ext uri="{91240B29-F687-4f45-9708-019B960494DF}">
-                <a14:hiddenLine xmlns:a14="http://schemas.microsoft.com/office/drawing/2010/main" xmlns="" w="9525">
+                <a14:hiddenLine xmlns="" xmlns:a14="http://schemas.microsoft.com/office/drawing/2010/main" w="9525">
                   <a:solidFill>
                     <a:srgbClr val="000000"/>
                   </a:solidFill>
@@ -4422,7 +4422,7 @@
           <a:p>
             <a:fld id="{6A8C1F66-F627-47B8-820F-0CD0469635B7}" type="datetimeFigureOut">
               <a:rPr lang="en-CA" smtClean="0"/>
-              <a:t>2018-01-24</a:t>
+              <a:t>2018-01-25</a:t>
             </a:fld>
             <a:endParaRPr lang="en-CA"/>
           </a:p>
@@ -4689,7 +4689,7 @@
           <a:p>
             <a:fld id="{6A8C1F66-F627-47B8-820F-0CD0469635B7}" type="datetimeFigureOut">
               <a:rPr lang="en-CA" smtClean="0"/>
-              <a:t>2018-01-24</a:t>
+              <a:t>2018-01-25</a:t>
             </a:fld>
             <a:endParaRPr lang="en-CA"/>
           </a:p>
@@ -4885,7 +4885,7 @@
           <a:p>
             <a:fld id="{6A8C1F66-F627-47B8-820F-0CD0469635B7}" type="datetimeFigureOut">
               <a:rPr lang="en-CA" smtClean="0"/>
-              <a:t>2018-01-24</a:t>
+              <a:t>2018-01-25</a:t>
             </a:fld>
             <a:endParaRPr lang="en-CA"/>
           </a:p>
@@ -5148,7 +5148,7 @@
           <a:p>
             <a:fld id="{6A8C1F66-F627-47B8-820F-0CD0469635B7}" type="datetimeFigureOut">
               <a:rPr lang="en-CA" smtClean="0"/>
-              <a:t>2018-01-24</a:t>
+              <a:t>2018-01-25</a:t>
             </a:fld>
             <a:endParaRPr lang="en-CA"/>
           </a:p>
@@ -5582,7 +5582,7 @@
           <a:p>
             <a:fld id="{6A8C1F66-F627-47B8-820F-0CD0469635B7}" type="datetimeFigureOut">
               <a:rPr lang="en-CA" smtClean="0"/>
-              <a:t>2018-01-24</a:t>
+              <a:t>2018-01-25</a:t>
             </a:fld>
             <a:endParaRPr lang="en-CA"/>
           </a:p>
@@ -6128,7 +6128,7 @@
           <a:p>
             <a:fld id="{6A8C1F66-F627-47B8-820F-0CD0469635B7}" type="datetimeFigureOut">
               <a:rPr lang="en-CA" smtClean="0"/>
-              <a:t>2018-01-24</a:t>
+              <a:t>2018-01-25</a:t>
             </a:fld>
             <a:endParaRPr lang="en-CA"/>
           </a:p>
@@ -6848,7 +6848,7 @@
           <a:p>
             <a:fld id="{6A8C1F66-F627-47B8-820F-0CD0469635B7}" type="datetimeFigureOut">
               <a:rPr lang="en-CA" smtClean="0"/>
-              <a:t>2018-01-24</a:t>
+              <a:t>2018-01-25</a:t>
             </a:fld>
             <a:endParaRPr lang="en-CA"/>
           </a:p>
@@ -7018,7 +7018,7 @@
           <a:p>
             <a:fld id="{6A8C1F66-F627-47B8-820F-0CD0469635B7}" type="datetimeFigureOut">
               <a:rPr lang="en-CA" smtClean="0"/>
-              <a:t>2018-01-24</a:t>
+              <a:t>2018-01-25</a:t>
             </a:fld>
             <a:endParaRPr lang="en-CA"/>
           </a:p>
@@ -7198,7 +7198,7 @@
           <a:p>
             <a:fld id="{6A8C1F66-F627-47B8-820F-0CD0469635B7}" type="datetimeFigureOut">
               <a:rPr lang="en-CA" smtClean="0"/>
-              <a:t>2018-01-24</a:t>
+              <a:t>2018-01-25</a:t>
             </a:fld>
             <a:endParaRPr lang="en-CA"/>
           </a:p>
@@ -7368,7 +7368,7 @@
           <a:p>
             <a:fld id="{6A8C1F66-F627-47B8-820F-0CD0469635B7}" type="datetimeFigureOut">
               <a:rPr lang="en-CA" smtClean="0"/>
-              <a:t>2018-01-24</a:t>
+              <a:t>2018-01-25</a:t>
             </a:fld>
             <a:endParaRPr lang="en-CA"/>
           </a:p>
@@ -7618,7 +7618,7 @@
           <a:p>
             <a:fld id="{6A8C1F66-F627-47B8-820F-0CD0469635B7}" type="datetimeFigureOut">
               <a:rPr lang="en-CA" smtClean="0"/>
-              <a:t>2018-01-24</a:t>
+              <a:t>2018-01-25</a:t>
             </a:fld>
             <a:endParaRPr lang="en-CA"/>
           </a:p>
@@ -7850,7 +7850,7 @@
           <a:p>
             <a:fld id="{6A8C1F66-F627-47B8-820F-0CD0469635B7}" type="datetimeFigureOut">
               <a:rPr lang="en-CA" smtClean="0"/>
-              <a:t>2018-01-24</a:t>
+              <a:t>2018-01-25</a:t>
             </a:fld>
             <a:endParaRPr lang="en-CA"/>
           </a:p>
@@ -8231,7 +8231,7 @@
           <a:p>
             <a:fld id="{6A8C1F66-F627-47B8-820F-0CD0469635B7}" type="datetimeFigureOut">
               <a:rPr lang="en-CA" smtClean="0"/>
-              <a:t>2018-01-24</a:t>
+              <a:t>2018-01-25</a:t>
             </a:fld>
             <a:endParaRPr lang="en-CA"/>
           </a:p>
@@ -8349,7 +8349,7 @@
           <a:p>
             <a:fld id="{6A8C1F66-F627-47B8-820F-0CD0469635B7}" type="datetimeFigureOut">
               <a:rPr lang="en-CA" smtClean="0"/>
-              <a:t>2018-01-24</a:t>
+              <a:t>2018-01-25</a:t>
             </a:fld>
             <a:endParaRPr lang="en-CA"/>
           </a:p>
@@ -8444,7 +8444,7 @@
           <a:p>
             <a:fld id="{6A8C1F66-F627-47B8-820F-0CD0469635B7}" type="datetimeFigureOut">
               <a:rPr lang="en-CA" smtClean="0"/>
-              <a:t>2018-01-24</a:t>
+              <a:t>2018-01-25</a:t>
             </a:fld>
             <a:endParaRPr lang="en-CA"/>
           </a:p>
@@ -8693,7 +8693,7 @@
           <a:p>
             <a:fld id="{6A8C1F66-F627-47B8-820F-0CD0469635B7}" type="datetimeFigureOut">
               <a:rPr lang="en-CA" smtClean="0"/>
-              <a:t>2018-01-24</a:t>
+              <a:t>2018-01-25</a:t>
             </a:fld>
             <a:endParaRPr lang="en-CA"/>
           </a:p>
@@ -8973,7 +8973,7 @@
           <a:p>
             <a:fld id="{6A8C1F66-F627-47B8-820F-0CD0469635B7}" type="datetimeFigureOut">
               <a:rPr lang="en-CA" smtClean="0"/>
-              <a:t>2018-01-24</a:t>
+              <a:t>2018-01-25</a:t>
             </a:fld>
             <a:endParaRPr lang="en-CA"/>
           </a:p>
@@ -9089,7 +9089,7 @@
           <a:noFill/>
           <a:extLst>
             <a:ext uri="{909E8E84-426E-40dd-AFC4-6F175D3DCCD1}">
-              <a14:hiddenFill xmlns:a14="http://schemas.microsoft.com/office/drawing/2010/main" xmlns="">
+              <a14:hiddenFill xmlns="" xmlns:a14="http://schemas.microsoft.com/office/drawing/2010/main">
                 <a:solidFill>
                   <a:srgbClr val="FFFFFF"/>
                 </a:solidFill>
@@ -9163,7 +9163,7 @@
               </a:ln>
               <a:extLst>
                 <a:ext uri="{91240B29-F687-4f45-9708-019B960494DF}">
-                  <a14:hiddenLine xmlns:a14="http://schemas.microsoft.com/office/drawing/2010/main" xmlns="" w="9525">
+                  <a14:hiddenLine xmlns="" xmlns:a14="http://schemas.microsoft.com/office/drawing/2010/main" w="9525">
                     <a:solidFill>
                       <a:srgbClr val="000000"/>
                     </a:solidFill>
@@ -9253,7 +9253,7 @@
               </a:ln>
               <a:extLst>
                 <a:ext uri="{91240B29-F687-4f45-9708-019B960494DF}">
-                  <a14:hiddenLine xmlns:a14="http://schemas.microsoft.com/office/drawing/2010/main" xmlns="" w="9525">
+                  <a14:hiddenLine xmlns="" xmlns:a14="http://schemas.microsoft.com/office/drawing/2010/main" w="9525">
                     <a:solidFill>
                       <a:srgbClr val="000000"/>
                     </a:solidFill>
@@ -9343,7 +9343,7 @@
               </a:ln>
               <a:extLst>
                 <a:ext uri="{91240B29-F687-4f45-9708-019B960494DF}">
-                  <a14:hiddenLine xmlns:a14="http://schemas.microsoft.com/office/drawing/2010/main" xmlns="" w="9525">
+                  <a14:hiddenLine xmlns="" xmlns:a14="http://schemas.microsoft.com/office/drawing/2010/main" w="9525">
                     <a:solidFill>
                       <a:srgbClr val="000000"/>
                     </a:solidFill>
@@ -9405,7 +9405,7 @@
               </a:ln>
               <a:extLst>
                 <a:ext uri="{91240B29-F687-4f45-9708-019B960494DF}">
-                  <a14:hiddenLine xmlns:a14="http://schemas.microsoft.com/office/drawing/2010/main" xmlns="" w="9525">
+                  <a14:hiddenLine xmlns="" xmlns:a14="http://schemas.microsoft.com/office/drawing/2010/main" w="9525">
                     <a:solidFill>
                       <a:srgbClr val="000000"/>
                     </a:solidFill>
@@ -9495,7 +9495,7 @@
               </a:ln>
               <a:extLst>
                 <a:ext uri="{91240B29-F687-4f45-9708-019B960494DF}">
-                  <a14:hiddenLine xmlns:a14="http://schemas.microsoft.com/office/drawing/2010/main" xmlns="" w="9525">
+                  <a14:hiddenLine xmlns="" xmlns:a14="http://schemas.microsoft.com/office/drawing/2010/main" w="9525">
                     <a:solidFill>
                       <a:srgbClr val="000000"/>
                     </a:solidFill>
@@ -9557,7 +9557,7 @@
               </a:ln>
               <a:extLst>
                 <a:ext uri="{91240B29-F687-4f45-9708-019B960494DF}">
-                  <a14:hiddenLine xmlns:a14="http://schemas.microsoft.com/office/drawing/2010/main" xmlns="" w="9525">
+                  <a14:hiddenLine xmlns="" xmlns:a14="http://schemas.microsoft.com/office/drawing/2010/main" w="9525">
                     <a:solidFill>
                       <a:srgbClr val="000000"/>
                     </a:solidFill>
@@ -9619,7 +9619,7 @@
               </a:ln>
               <a:extLst>
                 <a:ext uri="{91240B29-F687-4f45-9708-019B960494DF}">
-                  <a14:hiddenLine xmlns:a14="http://schemas.microsoft.com/office/drawing/2010/main" xmlns="" w="9525">
+                  <a14:hiddenLine xmlns="" xmlns:a14="http://schemas.microsoft.com/office/drawing/2010/main" w="9525">
                     <a:solidFill>
                       <a:srgbClr val="000000"/>
                     </a:solidFill>
@@ -9709,7 +9709,7 @@
               </a:ln>
               <a:extLst>
                 <a:ext uri="{91240B29-F687-4f45-9708-019B960494DF}">
-                  <a14:hiddenLine xmlns:a14="http://schemas.microsoft.com/office/drawing/2010/main" xmlns="" w="9525">
+                  <a14:hiddenLine xmlns="" xmlns:a14="http://schemas.microsoft.com/office/drawing/2010/main" w="9525">
                     <a:solidFill>
                       <a:srgbClr val="000000"/>
                     </a:solidFill>
@@ -9799,7 +9799,7 @@
               </a:ln>
               <a:extLst>
                 <a:ext uri="{91240B29-F687-4f45-9708-019B960494DF}">
-                  <a14:hiddenLine xmlns:a14="http://schemas.microsoft.com/office/drawing/2010/main" xmlns="" w="9525">
+                  <a14:hiddenLine xmlns="" xmlns:a14="http://schemas.microsoft.com/office/drawing/2010/main" w="9525">
                     <a:solidFill>
                       <a:srgbClr val="000000"/>
                     </a:solidFill>
@@ -9861,7 +9861,7 @@
               </a:ln>
               <a:extLst>
                 <a:ext uri="{91240B29-F687-4f45-9708-019B960494DF}">
-                  <a14:hiddenLine xmlns:a14="http://schemas.microsoft.com/office/drawing/2010/main" xmlns="" w="9525">
+                  <a14:hiddenLine xmlns="" xmlns:a14="http://schemas.microsoft.com/office/drawing/2010/main" w="9525">
                     <a:solidFill>
                       <a:srgbClr val="000000"/>
                     </a:solidFill>
@@ -9971,7 +9971,7 @@
               </a:ln>
               <a:extLst>
                 <a:ext uri="{91240B29-F687-4f45-9708-019B960494DF}">
-                  <a14:hiddenLine xmlns:a14="http://schemas.microsoft.com/office/drawing/2010/main" xmlns="" w="9525">
+                  <a14:hiddenLine xmlns="" xmlns:a14="http://schemas.microsoft.com/office/drawing/2010/main" w="9525">
                     <a:solidFill>
                       <a:srgbClr val="000000"/>
                     </a:solidFill>
@@ -10055,7 +10055,7 @@
               </a:ln>
               <a:extLst>
                 <a:ext uri="{91240B29-F687-4f45-9708-019B960494DF}">
-                  <a14:hiddenLine xmlns:a14="http://schemas.microsoft.com/office/drawing/2010/main" xmlns="" w="9525">
+                  <a14:hiddenLine xmlns="" xmlns:a14="http://schemas.microsoft.com/office/drawing/2010/main" w="9525">
                     <a:solidFill>
                       <a:srgbClr val="000000"/>
                     </a:solidFill>
@@ -10117,7 +10117,7 @@
               </a:ln>
               <a:extLst>
                 <a:ext uri="{91240B29-F687-4f45-9708-019B960494DF}">
-                  <a14:hiddenLine xmlns:a14="http://schemas.microsoft.com/office/drawing/2010/main" xmlns="" w="9525">
+                  <a14:hiddenLine xmlns="" xmlns:a14="http://schemas.microsoft.com/office/drawing/2010/main" w="9525">
                     <a:solidFill>
                       <a:srgbClr val="000000"/>
                     </a:solidFill>
@@ -10179,7 +10179,7 @@
               </a:ln>
               <a:extLst>
                 <a:ext uri="{91240B29-F687-4f45-9708-019B960494DF}">
-                  <a14:hiddenLine xmlns:a14="http://schemas.microsoft.com/office/drawing/2010/main" xmlns="" w="9525">
+                  <a14:hiddenLine xmlns="" xmlns:a14="http://schemas.microsoft.com/office/drawing/2010/main" w="9525">
                     <a:solidFill>
                       <a:srgbClr val="000000"/>
                     </a:solidFill>
@@ -10269,7 +10269,7 @@
               </a:ln>
               <a:extLst>
                 <a:ext uri="{91240B29-F687-4f45-9708-019B960494DF}">
-                  <a14:hiddenLine xmlns:a14="http://schemas.microsoft.com/office/drawing/2010/main" xmlns="" w="9525">
+                  <a14:hiddenLine xmlns="" xmlns:a14="http://schemas.microsoft.com/office/drawing/2010/main" w="9525">
                     <a:solidFill>
                       <a:srgbClr val="000000"/>
                     </a:solidFill>
@@ -10303,7 +10303,7 @@
               </a:ln>
               <a:extLst>
                 <a:ext uri="{91240B29-F687-4f45-9708-019B960494DF}">
-                  <a14:hiddenLine xmlns:a14="http://schemas.microsoft.com/office/drawing/2010/main" xmlns="" w="9525">
+                  <a14:hiddenLine xmlns="" xmlns:a14="http://schemas.microsoft.com/office/drawing/2010/main" w="9525">
                     <a:solidFill>
                       <a:srgbClr val="000000"/>
                     </a:solidFill>
@@ -10368,7 +10368,7 @@
               </a:ln>
               <a:extLst>
                 <a:ext uri="{91240B29-F687-4f45-9708-019B960494DF}">
-                  <a14:hiddenLine xmlns:a14="http://schemas.microsoft.com/office/drawing/2010/main" xmlns="" w="9525">
+                  <a14:hiddenLine xmlns="" xmlns:a14="http://schemas.microsoft.com/office/drawing/2010/main" w="9525">
                     <a:solidFill>
                       <a:srgbClr val="000000"/>
                     </a:solidFill>
@@ -10458,7 +10458,7 @@
               </a:ln>
               <a:extLst>
                 <a:ext uri="{91240B29-F687-4f45-9708-019B960494DF}">
-                  <a14:hiddenLine xmlns:a14="http://schemas.microsoft.com/office/drawing/2010/main" xmlns="" w="9525">
+                  <a14:hiddenLine xmlns="" xmlns:a14="http://schemas.microsoft.com/office/drawing/2010/main" w="9525">
                     <a:solidFill>
                       <a:srgbClr val="000000"/>
                     </a:solidFill>
@@ -10520,7 +10520,7 @@
               </a:ln>
               <a:extLst>
                 <a:ext uri="{91240B29-F687-4f45-9708-019B960494DF}">
-                  <a14:hiddenLine xmlns:a14="http://schemas.microsoft.com/office/drawing/2010/main" xmlns="" w="9525">
+                  <a14:hiddenLine xmlns="" xmlns:a14="http://schemas.microsoft.com/office/drawing/2010/main" w="9525">
                     <a:solidFill>
                       <a:srgbClr val="000000"/>
                     </a:solidFill>
@@ -10610,7 +10610,7 @@
               </a:ln>
               <a:extLst>
                 <a:ext uri="{91240B29-F687-4f45-9708-019B960494DF}">
-                  <a14:hiddenLine xmlns:a14="http://schemas.microsoft.com/office/drawing/2010/main" xmlns="" w="9525">
+                  <a14:hiddenLine xmlns="" xmlns:a14="http://schemas.microsoft.com/office/drawing/2010/main" w="9525">
                     <a:solidFill>
                       <a:srgbClr val="000000"/>
                     </a:solidFill>
@@ -10675,7 +10675,7 @@
               </a:ln>
               <a:extLst>
                 <a:ext uri="{91240B29-F687-4f45-9708-019B960494DF}">
-                  <a14:hiddenLine xmlns:a14="http://schemas.microsoft.com/office/drawing/2010/main" xmlns="" w="9525">
+                  <a14:hiddenLine xmlns="" xmlns:a14="http://schemas.microsoft.com/office/drawing/2010/main" w="9525">
                     <a:solidFill>
                       <a:srgbClr val="000000"/>
                     </a:solidFill>
@@ -10737,7 +10737,7 @@
               </a:ln>
               <a:extLst>
                 <a:ext uri="{91240B29-F687-4f45-9708-019B960494DF}">
-                  <a14:hiddenLine xmlns:a14="http://schemas.microsoft.com/office/drawing/2010/main" xmlns="" w="9525">
+                  <a14:hiddenLine xmlns="" xmlns:a14="http://schemas.microsoft.com/office/drawing/2010/main" w="9525">
                     <a:solidFill>
                       <a:srgbClr val="000000"/>
                     </a:solidFill>
@@ -10827,7 +10827,7 @@
               </a:ln>
               <a:extLst>
                 <a:ext uri="{91240B29-F687-4f45-9708-019B960494DF}">
-                  <a14:hiddenLine xmlns:a14="http://schemas.microsoft.com/office/drawing/2010/main" xmlns="" w="9525">
+                  <a14:hiddenLine xmlns="" xmlns:a14="http://schemas.microsoft.com/office/drawing/2010/main" w="9525">
                     <a:solidFill>
                       <a:srgbClr val="000000"/>
                     </a:solidFill>
@@ -10917,7 +10917,7 @@
               </a:ln>
               <a:extLst>
                 <a:ext uri="{91240B29-F687-4f45-9708-019B960494DF}">
-                  <a14:hiddenLine xmlns:a14="http://schemas.microsoft.com/office/drawing/2010/main" xmlns="" w="9525">
+                  <a14:hiddenLine xmlns="" xmlns:a14="http://schemas.microsoft.com/office/drawing/2010/main" w="9525">
                     <a:solidFill>
                       <a:srgbClr val="000000"/>
                     </a:solidFill>
@@ -10982,7 +10982,7 @@
               </a:ln>
               <a:extLst>
                 <a:ext uri="{91240B29-F687-4f45-9708-019B960494DF}">
-                  <a14:hiddenLine xmlns:a14="http://schemas.microsoft.com/office/drawing/2010/main" xmlns="" w="9525">
+                  <a14:hiddenLine xmlns="" xmlns:a14="http://schemas.microsoft.com/office/drawing/2010/main" w="9525">
                     <a:solidFill>
                       <a:srgbClr val="000000"/>
                     </a:solidFill>
@@ -11102,7 +11102,7 @@
               </a:ln>
               <a:extLst>
                 <a:ext uri="{91240B29-F687-4f45-9708-019B960494DF}">
-                  <a14:hiddenLine xmlns:a14="http://schemas.microsoft.com/office/drawing/2010/main" xmlns="" w="9525">
+                  <a14:hiddenLine xmlns="" xmlns:a14="http://schemas.microsoft.com/office/drawing/2010/main" w="9525">
                     <a:solidFill>
                       <a:srgbClr val="000000"/>
                     </a:solidFill>
@@ -11200,7 +11200,7 @@
               </a:ln>
               <a:extLst>
                 <a:ext uri="{91240B29-F687-4f45-9708-019B960494DF}">
-                  <a14:hiddenLine xmlns:a14="http://schemas.microsoft.com/office/drawing/2010/main" xmlns="" w="9525">
+                  <a14:hiddenLine xmlns="" xmlns:a14="http://schemas.microsoft.com/office/drawing/2010/main" w="9525">
                     <a:solidFill>
                       <a:srgbClr val="000000"/>
                     </a:solidFill>
@@ -11315,7 +11315,7 @@
               </a:ln>
               <a:extLst>
                 <a:ext uri="{91240B29-F687-4f45-9708-019B960494DF}">
-                  <a14:hiddenLine xmlns:a14="http://schemas.microsoft.com/office/drawing/2010/main" xmlns="" w="9525">
+                  <a14:hiddenLine xmlns="" xmlns:a14="http://schemas.microsoft.com/office/drawing/2010/main" w="9525">
                     <a:solidFill>
                       <a:srgbClr val="000000"/>
                     </a:solidFill>
@@ -11405,7 +11405,7 @@
               </a:ln>
               <a:extLst>
                 <a:ext uri="{91240B29-F687-4f45-9708-019B960494DF}">
-                  <a14:hiddenLine xmlns:a14="http://schemas.microsoft.com/office/drawing/2010/main" xmlns="" w="9525">
+                  <a14:hiddenLine xmlns="" xmlns:a14="http://schemas.microsoft.com/office/drawing/2010/main" w="9525">
                     <a:solidFill>
                       <a:srgbClr val="000000"/>
                     </a:solidFill>
@@ -11470,7 +11470,7 @@
               </a:ln>
               <a:extLst>
                 <a:ext uri="{91240B29-F687-4f45-9708-019B960494DF}">
-                  <a14:hiddenLine xmlns:a14="http://schemas.microsoft.com/office/drawing/2010/main" xmlns="" w="9525">
+                  <a14:hiddenLine xmlns="" xmlns:a14="http://schemas.microsoft.com/office/drawing/2010/main" w="9525">
                     <a:solidFill>
                       <a:srgbClr val="000000"/>
                     </a:solidFill>
@@ -11560,7 +11560,7 @@
               </a:ln>
               <a:extLst>
                 <a:ext uri="{91240B29-F687-4f45-9708-019B960494DF}">
-                  <a14:hiddenLine xmlns:a14="http://schemas.microsoft.com/office/drawing/2010/main" xmlns="" w="9525">
+                  <a14:hiddenLine xmlns="" xmlns:a14="http://schemas.microsoft.com/office/drawing/2010/main" w="9525">
                     <a:solidFill>
                       <a:srgbClr val="000000"/>
                     </a:solidFill>
@@ -11628,7 +11628,7 @@
               </a:ln>
               <a:extLst>
                 <a:ext uri="{91240B29-F687-4f45-9708-019B960494DF}">
-                  <a14:hiddenLine xmlns:a14="http://schemas.microsoft.com/office/drawing/2010/main" xmlns="" w="9525">
+                  <a14:hiddenLine xmlns="" xmlns:a14="http://schemas.microsoft.com/office/drawing/2010/main" w="9525">
                     <a:solidFill>
                       <a:srgbClr val="000000"/>
                     </a:solidFill>
@@ -11718,7 +11718,7 @@
               </a:ln>
               <a:extLst>
                 <a:ext uri="{91240B29-F687-4f45-9708-019B960494DF}">
-                  <a14:hiddenLine xmlns:a14="http://schemas.microsoft.com/office/drawing/2010/main" xmlns="" w="9525">
+                  <a14:hiddenLine xmlns="" xmlns:a14="http://schemas.microsoft.com/office/drawing/2010/main" w="9525">
                     <a:solidFill>
                       <a:srgbClr val="000000"/>
                     </a:solidFill>
@@ -11786,7 +11786,7 @@
               </a:ln>
               <a:extLst>
                 <a:ext uri="{91240B29-F687-4f45-9708-019B960494DF}">
-                  <a14:hiddenLine xmlns:a14="http://schemas.microsoft.com/office/drawing/2010/main" xmlns="" w="9525">
+                  <a14:hiddenLine xmlns="" xmlns:a14="http://schemas.microsoft.com/office/drawing/2010/main" w="9525">
                     <a:solidFill>
                       <a:srgbClr val="000000"/>
                     </a:solidFill>
@@ -11876,7 +11876,7 @@
               </a:ln>
               <a:extLst>
                 <a:ext uri="{91240B29-F687-4f45-9708-019B960494DF}">
-                  <a14:hiddenLine xmlns:a14="http://schemas.microsoft.com/office/drawing/2010/main" xmlns="" w="9525">
+                  <a14:hiddenLine xmlns="" xmlns:a14="http://schemas.microsoft.com/office/drawing/2010/main" w="9525">
                     <a:solidFill>
                       <a:srgbClr val="000000"/>
                     </a:solidFill>
@@ -11910,7 +11910,7 @@
               </a:ln>
               <a:extLst>
                 <a:ext uri="{91240B29-F687-4f45-9708-019B960494DF}">
-                  <a14:hiddenLine xmlns:a14="http://schemas.microsoft.com/office/drawing/2010/main" xmlns="" w="9525">
+                  <a14:hiddenLine xmlns="" xmlns:a14="http://schemas.microsoft.com/office/drawing/2010/main" w="9525">
                     <a:solidFill>
                       <a:srgbClr val="000000"/>
                     </a:solidFill>
@@ -12050,7 +12050,7 @@
           <a:p>
             <a:fld id="{6A8C1F66-F627-47B8-820F-0CD0469635B7}" type="datetimeFigureOut">
               <a:rPr lang="en-CA" smtClean="0"/>
-              <a:t>2018-01-24</a:t>
+              <a:t>2018-01-25</a:t>
             </a:fld>
             <a:endParaRPr lang="en-CA"/>
           </a:p>
@@ -12475,7 +12475,7 @@
           <p:cNvPr id="3" name="Subtitle 2">
             <a:extLst>
               <a:ext uri="{FF2B5EF4-FFF2-40B4-BE49-F238E27FC236}">
-                <a16:creationId xmlns="" xmlns:a16="http://schemas.microsoft.com/office/drawing/2014/main" id="{0B64D96F-A1EA-4A3F-A362-50387D704DD6}"/>
+                <a16:creationId xmlns:a16="http://schemas.microsoft.com/office/drawing/2014/main" id="{0B64D96F-A1EA-4A3F-A362-50387D704DD6}"/>
               </a:ext>
             </a:extLst>
           </p:cNvPr>
@@ -12527,7 +12527,7 @@
           <p:cNvPr id="4" name="Title 1">
             <a:extLst>
               <a:ext uri="{FF2B5EF4-FFF2-40B4-BE49-F238E27FC236}">
-                <a16:creationId xmlns="" xmlns:a16="http://schemas.microsoft.com/office/drawing/2014/main" id="{6908F941-37CE-46C5-9607-BAA126AEA790}"/>
+                <a16:creationId xmlns:a16="http://schemas.microsoft.com/office/drawing/2014/main" id="{6908F941-37CE-46C5-9607-BAA126AEA790}"/>
               </a:ext>
             </a:extLst>
           </p:cNvPr>
@@ -12586,13 +12586,6 @@
   <p:clrMapOvr>
     <a:masterClrMapping/>
   </p:clrMapOvr>
-  <p:timing>
-    <p:tnLst>
-      <p:par>
-        <p:cTn id="1" dur="indefinite" restart="never" nodeType="tmRoot"/>
-      </p:par>
-    </p:tnLst>
-  </p:timing>
 </p:sld>
 </file>
 
@@ -12618,7 +12611,7 @@
           <p:cNvPr id="2" name="Title 1">
             <a:extLst>
               <a:ext uri="{FF2B5EF4-FFF2-40B4-BE49-F238E27FC236}">
-                <a16:creationId xmlns="" xmlns:a16="http://schemas.microsoft.com/office/drawing/2014/main" id="{B16A5571-C585-4212-909F-22EFA13187D4}"/>
+                <a16:creationId xmlns:a16="http://schemas.microsoft.com/office/drawing/2014/main" id="{B16A5571-C585-4212-909F-22EFA13187D4}"/>
               </a:ext>
             </a:extLst>
           </p:cNvPr>
@@ -12695,13 +12688,6 @@
   <p:clrMapOvr>
     <a:masterClrMapping/>
   </p:clrMapOvr>
-  <p:timing>
-    <p:tnLst>
-      <p:par>
-        <p:cTn id="1" dur="indefinite" restart="never" nodeType="tmRoot"/>
-      </p:par>
-    </p:tnLst>
-  </p:timing>
 </p:sld>
 </file>
 
@@ -12727,7 +12713,7 @@
           <p:cNvPr id="2" name="Title 1">
             <a:extLst>
               <a:ext uri="{FF2B5EF4-FFF2-40B4-BE49-F238E27FC236}">
-                <a16:creationId xmlns="" xmlns:a16="http://schemas.microsoft.com/office/drawing/2014/main" id="{0FB82A53-AAA3-404D-BA57-D56AB9FCF759}"/>
+                <a16:creationId xmlns:a16="http://schemas.microsoft.com/office/drawing/2014/main" id="{0FB82A53-AAA3-404D-BA57-D56AB9FCF759}"/>
               </a:ext>
             </a:extLst>
           </p:cNvPr>
@@ -12756,7 +12742,7 @@
           <p:cNvPr id="3" name="Content Placeholder 2">
             <a:extLst>
               <a:ext uri="{FF2B5EF4-FFF2-40B4-BE49-F238E27FC236}">
-                <a16:creationId xmlns="" xmlns:a16="http://schemas.microsoft.com/office/drawing/2014/main" id="{9EF5AC7C-CAB4-4B13-B9B0-17EF00FDBDA8}"/>
+                <a16:creationId xmlns:a16="http://schemas.microsoft.com/office/drawing/2014/main" id="{9EF5AC7C-CAB4-4B13-B9B0-17EF00FDBDA8}"/>
               </a:ext>
             </a:extLst>
           </p:cNvPr>
@@ -12778,18 +12764,14 @@
           <a:lstStyle/>
           <a:p>
             <a:r>
-              <a:rPr lang="en-CA" dirty="0" smtClean="0"/>
+              <a:rPr lang="en-CA" dirty="0"/>
               <a:t>Influenced by Wii design</a:t>
             </a:r>
           </a:p>
           <a:p>
             <a:r>
-              <a:rPr lang="en-CA" dirty="0" smtClean="0"/>
-              <a:t>Built on </a:t>
-            </a:r>
-            <a:r>
               <a:rPr lang="en-CA" dirty="0"/>
-              <a:t>pose estimation</a:t>
+              <a:t>Built on pose estimation</a:t>
             </a:r>
           </a:p>
           <a:p>
@@ -12797,23 +12779,17 @@
               <a:rPr lang="en-CA" dirty="0"/>
               <a:t>Train user in Liechtenauer fencing </a:t>
             </a:r>
-            <a:endParaRPr lang="en-CA" dirty="0" smtClean="0"/>
-          </a:p>
-          <a:p>
-            <a:r>
-              <a:rPr lang="en-CA" dirty="0" smtClean="0"/>
+          </a:p>
+          <a:p>
+            <a:r>
+              <a:rPr lang="en-CA" dirty="0"/>
               <a:t>Replaces need for an opponent</a:t>
             </a:r>
-            <a:endParaRPr lang="en-CA" dirty="0"/>
-          </a:p>
-          <a:p>
-            <a:r>
-              <a:rPr lang="en-CA" dirty="0" smtClean="0"/>
-              <a:t>Heavily </a:t>
-            </a:r>
+          </a:p>
+          <a:p>
             <a:r>
               <a:rPr lang="en-CA" dirty="0"/>
-              <a:t>focused on martial form</a:t>
+              <a:t>Heavily focused on martial form</a:t>
             </a:r>
           </a:p>
         </p:txBody>
@@ -12852,13 +12828,6 @@
   <p:clrMapOvr>
     <a:masterClrMapping/>
   </p:clrMapOvr>
-  <p:timing>
-    <p:tnLst>
-      <p:par>
-        <p:cTn id="1" dur="indefinite" restart="never" nodeType="tmRoot"/>
-      </p:par>
-    </p:tnLst>
-  </p:timing>
 </p:sld>
 </file>
 
@@ -12884,7 +12853,7 @@
           <p:cNvPr id="2" name="Title 1">
             <a:extLst>
               <a:ext uri="{FF2B5EF4-FFF2-40B4-BE49-F238E27FC236}">
-                <a16:creationId xmlns="" xmlns:a16="http://schemas.microsoft.com/office/drawing/2014/main" id="{AE97EAE8-F837-4285-A405-02763428144C}"/>
+                <a16:creationId xmlns:a16="http://schemas.microsoft.com/office/drawing/2014/main" id="{AE97EAE8-F837-4285-A405-02763428144C}"/>
               </a:ext>
             </a:extLst>
           </p:cNvPr>
@@ -12913,7 +12882,7 @@
           <p:cNvPr id="3" name="Content Placeholder 2">
             <a:extLst>
               <a:ext uri="{FF2B5EF4-FFF2-40B4-BE49-F238E27FC236}">
-                <a16:creationId xmlns="" xmlns:a16="http://schemas.microsoft.com/office/drawing/2014/main" id="{D9189252-2950-49E6-9939-B6381FCF79CB}"/>
+                <a16:creationId xmlns:a16="http://schemas.microsoft.com/office/drawing/2014/main" id="{D9189252-2950-49E6-9939-B6381FCF79CB}"/>
               </a:ext>
             </a:extLst>
           </p:cNvPr>
@@ -12966,7 +12935,7 @@
           <p:cNvPr id="4" name="Picture 3">
             <a:extLst>
               <a:ext uri="{FF2B5EF4-FFF2-40B4-BE49-F238E27FC236}">
-                <a16:creationId xmlns="" xmlns:a16="http://schemas.microsoft.com/office/drawing/2014/main" id="{8BB07A56-3380-40DB-BF9D-FD4C836C427F}"/>
+                <a16:creationId xmlns:a16="http://schemas.microsoft.com/office/drawing/2014/main" id="{8BB07A56-3380-40DB-BF9D-FD4C836C427F}"/>
               </a:ext>
             </a:extLst>
           </p:cNvPr>
@@ -12999,13 +12968,6 @@
   <p:clrMapOvr>
     <a:masterClrMapping/>
   </p:clrMapOvr>
-  <p:timing>
-    <p:tnLst>
-      <p:par>
-        <p:cTn id="1" dur="indefinite" restart="never" nodeType="tmRoot"/>
-      </p:par>
-    </p:tnLst>
-  </p:timing>
 </p:sld>
 </file>
 
@@ -13031,7 +12993,7 @@
           <p:cNvPr id="2" name="Title 1">
             <a:extLst>
               <a:ext uri="{FF2B5EF4-FFF2-40B4-BE49-F238E27FC236}">
-                <a16:creationId xmlns="" xmlns:a16="http://schemas.microsoft.com/office/drawing/2014/main" id="{A48BF5BC-06D6-49E3-BCD2-B5FEF4D93B21}"/>
+                <a16:creationId xmlns:a16="http://schemas.microsoft.com/office/drawing/2014/main" id="{A48BF5BC-06D6-49E3-BCD2-B5FEF4D93B21}"/>
               </a:ext>
             </a:extLst>
           </p:cNvPr>
@@ -13060,7 +13022,7 @@
           <p:cNvPr id="3" name="Content Placeholder 2">
             <a:extLst>
               <a:ext uri="{FF2B5EF4-FFF2-40B4-BE49-F238E27FC236}">
-                <a16:creationId xmlns="" xmlns:a16="http://schemas.microsoft.com/office/drawing/2014/main" id="{7C640F72-A454-411F-B0AE-3C2648885C1F}"/>
+                <a16:creationId xmlns:a16="http://schemas.microsoft.com/office/drawing/2014/main" id="{7C640F72-A454-411F-B0AE-3C2648885C1F}"/>
               </a:ext>
             </a:extLst>
           </p:cNvPr>
@@ -13096,7 +13058,7 @@
           <p:cNvPr id="8194" name="Picture 2" descr="Image result for responsiveness">
             <a:extLst>
               <a:ext uri="{FF2B5EF4-FFF2-40B4-BE49-F238E27FC236}">
-                <a16:creationId xmlns="" xmlns:a16="http://schemas.microsoft.com/office/drawing/2014/main" id="{262F3839-E0DD-403A-80AD-9CABD11E44D5}"/>
+                <a16:creationId xmlns:a16="http://schemas.microsoft.com/office/drawing/2014/main" id="{262F3839-E0DD-403A-80AD-9CABD11E44D5}"/>
               </a:ext>
             </a:extLst>
           </p:cNvPr>
@@ -13143,7 +13105,7 @@
           <p:cNvPr id="8196" name="Picture 4" descr="Image result for extensibility">
             <a:extLst>
               <a:ext uri="{FF2B5EF4-FFF2-40B4-BE49-F238E27FC236}">
-                <a16:creationId xmlns="" xmlns:a16="http://schemas.microsoft.com/office/drawing/2014/main" id="{60D4789D-2805-4880-8BF1-367C1B6D5D8F}"/>
+                <a16:creationId xmlns:a16="http://schemas.microsoft.com/office/drawing/2014/main" id="{60D4789D-2805-4880-8BF1-367C1B6D5D8F}"/>
               </a:ext>
             </a:extLst>
           </p:cNvPr>
@@ -13190,7 +13152,7 @@
           <p:cNvPr id="8198" name="Picture 6" descr="Image result for transmission data">
             <a:extLst>
               <a:ext uri="{FF2B5EF4-FFF2-40B4-BE49-F238E27FC236}">
-                <a16:creationId xmlns="" xmlns:a16="http://schemas.microsoft.com/office/drawing/2014/main" id="{07815C60-736A-4834-A52F-9A723C716A8F}"/>
+                <a16:creationId xmlns:a16="http://schemas.microsoft.com/office/drawing/2014/main" id="{07815C60-736A-4834-A52F-9A723C716A8F}"/>
               </a:ext>
             </a:extLst>
           </p:cNvPr>
@@ -13240,13 +13202,6 @@
   <p:clrMapOvr>
     <a:masterClrMapping/>
   </p:clrMapOvr>
-  <p:timing>
-    <p:tnLst>
-      <p:par>
-        <p:cTn id="1" dur="indefinite" restart="never" nodeType="tmRoot"/>
-      </p:par>
-    </p:tnLst>
-  </p:timing>
 </p:sld>
 </file>
 
@@ -13272,7 +13227,7 @@
           <p:cNvPr id="2" name="Title 1">
             <a:extLst>
               <a:ext uri="{FF2B5EF4-FFF2-40B4-BE49-F238E27FC236}">
-                <a16:creationId xmlns="" xmlns:a16="http://schemas.microsoft.com/office/drawing/2014/main" id="{73685AEB-4B13-451C-A998-59D5FEFABFE9}"/>
+                <a16:creationId xmlns:a16="http://schemas.microsoft.com/office/drawing/2014/main" id="{73685AEB-4B13-451C-A998-59D5FEFABFE9}"/>
               </a:ext>
             </a:extLst>
           </p:cNvPr>
@@ -13301,7 +13256,7 @@
           <p:cNvPr id="3" name="Content Placeholder 2">
             <a:extLst>
               <a:ext uri="{FF2B5EF4-FFF2-40B4-BE49-F238E27FC236}">
-                <a16:creationId xmlns="" xmlns:a16="http://schemas.microsoft.com/office/drawing/2014/main" id="{E7796D7E-33AF-4EAF-A882-1DF6A6A2CCAE}"/>
+                <a16:creationId xmlns:a16="http://schemas.microsoft.com/office/drawing/2014/main" id="{E7796D7E-33AF-4EAF-A882-1DF6A6A2CCAE}"/>
               </a:ext>
             </a:extLst>
           </p:cNvPr>
@@ -13346,7 +13301,7 @@
           <p:cNvPr id="9218" name="Picture 2" descr="Image result for system decomposition">
             <a:extLst>
               <a:ext uri="{FF2B5EF4-FFF2-40B4-BE49-F238E27FC236}">
-                <a16:creationId xmlns="" xmlns:a16="http://schemas.microsoft.com/office/drawing/2014/main" id="{60A8B4F5-A565-444A-95B4-5F4D1ADAFA63}"/>
+                <a16:creationId xmlns:a16="http://schemas.microsoft.com/office/drawing/2014/main" id="{60A8B4F5-A565-444A-95B4-5F4D1ADAFA63}"/>
               </a:ext>
             </a:extLst>
           </p:cNvPr>
@@ -13398,13 +13353,6 @@
   <p:clrMapOvr>
     <a:masterClrMapping/>
   </p:clrMapOvr>
-  <p:timing>
-    <p:tnLst>
-      <p:par>
-        <p:cTn id="1" dur="indefinite" restart="never" nodeType="tmRoot"/>
-      </p:par>
-    </p:tnLst>
-  </p:timing>
 </p:sld>
 </file>
 
@@ -13430,7 +13378,7 @@
           <p:cNvPr id="2" name="Title 1">
             <a:extLst>
               <a:ext uri="{FF2B5EF4-FFF2-40B4-BE49-F238E27FC236}">
-                <a16:creationId xmlns="" xmlns:a16="http://schemas.microsoft.com/office/drawing/2014/main" id="{E4160060-D251-40B8-BB5A-FA0122692BF2}"/>
+                <a16:creationId xmlns:a16="http://schemas.microsoft.com/office/drawing/2014/main" id="{E4160060-D251-40B8-BB5A-FA0122692BF2}"/>
               </a:ext>
             </a:extLst>
           </p:cNvPr>
@@ -13459,7 +13407,7 @@
           <p:cNvPr id="4" name="Content Placeholder 3">
             <a:extLst>
               <a:ext uri="{FF2B5EF4-FFF2-40B4-BE49-F238E27FC236}">
-                <a16:creationId xmlns="" xmlns:a16="http://schemas.microsoft.com/office/drawing/2014/main" id="{218C8E0D-64F9-4E9C-A778-D3C5C62767D5}"/>
+                <a16:creationId xmlns:a16="http://schemas.microsoft.com/office/drawing/2014/main" id="{218C8E0D-64F9-4E9C-A778-D3C5C62767D5}"/>
               </a:ext>
             </a:extLst>
           </p:cNvPr>
@@ -13502,13 +13450,6 @@
   <p:clrMapOvr>
     <a:masterClrMapping/>
   </p:clrMapOvr>
-  <p:timing>
-    <p:tnLst>
-      <p:par>
-        <p:cTn id="1" dur="indefinite" restart="never" nodeType="tmRoot"/>
-      </p:par>
-    </p:tnLst>
-  </p:timing>
 </p:sld>
 </file>
 
@@ -13534,7 +13475,7 @@
           <p:cNvPr id="2" name="Title 1">
             <a:extLst>
               <a:ext uri="{FF2B5EF4-FFF2-40B4-BE49-F238E27FC236}">
-                <a16:creationId xmlns="" xmlns:a16="http://schemas.microsoft.com/office/drawing/2014/main" id="{763F6662-A0FA-4FF3-A279-1080DC7E6912}"/>
+                <a16:creationId xmlns:a16="http://schemas.microsoft.com/office/drawing/2014/main" id="{763F6662-A0FA-4FF3-A279-1080DC7E6912}"/>
               </a:ext>
             </a:extLst>
           </p:cNvPr>
@@ -13571,7 +13512,7 @@
           <p:cNvPr id="4" name="Content Placeholder 3">
             <a:extLst>
               <a:ext uri="{FF2B5EF4-FFF2-40B4-BE49-F238E27FC236}">
-                <a16:creationId xmlns="" xmlns:a16="http://schemas.microsoft.com/office/drawing/2014/main" id="{96B76056-29A7-4A12-A0F7-2202EE446033}"/>
+                <a16:creationId xmlns:a16="http://schemas.microsoft.com/office/drawing/2014/main" id="{96B76056-29A7-4A12-A0F7-2202EE446033}"/>
               </a:ext>
             </a:extLst>
           </p:cNvPr>
@@ -13614,13 +13555,6 @@
   <p:clrMapOvr>
     <a:masterClrMapping/>
   </p:clrMapOvr>
-  <p:timing>
-    <p:tnLst>
-      <p:par>
-        <p:cTn id="1" dur="indefinite" restart="never" nodeType="tmRoot"/>
-      </p:par>
-    </p:tnLst>
-  </p:timing>
 </p:sld>
 </file>
 
@@ -13646,7 +13580,7 @@
           <p:cNvPr id="2" name="Title 1">
             <a:extLst>
               <a:ext uri="{FF2B5EF4-FFF2-40B4-BE49-F238E27FC236}">
-                <a16:creationId xmlns="" xmlns:a16="http://schemas.microsoft.com/office/drawing/2014/main" id="{75F87973-70DD-45EF-BEDE-9E70DA9BCEE2}"/>
+                <a16:creationId xmlns:a16="http://schemas.microsoft.com/office/drawing/2014/main" id="{75F87973-70DD-45EF-BEDE-9E70DA9BCEE2}"/>
               </a:ext>
             </a:extLst>
           </p:cNvPr>
@@ -13675,7 +13609,7 @@
           <p:cNvPr id="3" name="Content Placeholder 2">
             <a:extLst>
               <a:ext uri="{FF2B5EF4-FFF2-40B4-BE49-F238E27FC236}">
-                <a16:creationId xmlns="" xmlns:a16="http://schemas.microsoft.com/office/drawing/2014/main" id="{8FB90D3D-63C3-4EFC-975C-208A992896AC}"/>
+                <a16:creationId xmlns:a16="http://schemas.microsoft.com/office/drawing/2014/main" id="{8FB90D3D-63C3-4EFC-975C-208A992896AC}"/>
               </a:ext>
             </a:extLst>
           </p:cNvPr>
@@ -13697,22 +13631,21 @@
           <a:lstStyle/>
           <a:p>
             <a:r>
-              <a:rPr lang="en-CA" dirty="0" smtClean="0"/>
+              <a:rPr lang="en-CA" dirty="0"/>
               <a:t>High Level: ???</a:t>
             </a:r>
           </a:p>
           <a:p>
             <a:r>
-              <a:rPr lang="en-CA" dirty="0" smtClean="0"/>
+              <a:rPr lang="en-CA" dirty="0"/>
               <a:t>Application Level: Unity3d</a:t>
             </a:r>
           </a:p>
           <a:p>
             <a:r>
-              <a:rPr lang="en-CA" dirty="0" smtClean="0"/>
+              <a:rPr lang="en-CA" dirty="0"/>
               <a:t>Low Level: Wand Control Inputs</a:t>
             </a:r>
-            <a:endParaRPr lang="en-CA" dirty="0"/>
           </a:p>
         </p:txBody>
       </p:sp>
@@ -13721,7 +13654,7 @@
           <p:cNvPr id="10242" name="Picture 2" descr="Image result for software pyramid">
             <a:extLst>
               <a:ext uri="{FF2B5EF4-FFF2-40B4-BE49-F238E27FC236}">
-                <a16:creationId xmlns="" xmlns:a16="http://schemas.microsoft.com/office/drawing/2014/main" id="{A4761379-A0C5-4E96-BD9B-E1D72E38E757}"/>
+                <a16:creationId xmlns:a16="http://schemas.microsoft.com/office/drawing/2014/main" id="{A4761379-A0C5-4E96-BD9B-E1D72E38E757}"/>
               </a:ext>
             </a:extLst>
           </p:cNvPr>
@@ -13771,13 +13704,6 @@
   <p:clrMapOvr>
     <a:masterClrMapping/>
   </p:clrMapOvr>
-  <p:timing>
-    <p:tnLst>
-      <p:par>
-        <p:cTn id="1" dur="indefinite" restart="never" nodeType="tmRoot"/>
-      </p:par>
-    </p:tnLst>
-  </p:timing>
 </p:sld>
 </file>
 
@@ -13803,7 +13729,7 @@
           <p:cNvPr id="2" name="Title 1">
             <a:extLst>
               <a:ext uri="{FF2B5EF4-FFF2-40B4-BE49-F238E27FC236}">
-                <a16:creationId xmlns="" xmlns:a16="http://schemas.microsoft.com/office/drawing/2014/main" id="{75F87973-70DD-45EF-BEDE-9E70DA9BCEE2}"/>
+                <a16:creationId xmlns:a16="http://schemas.microsoft.com/office/drawing/2014/main" id="{75F87973-70DD-45EF-BEDE-9E70DA9BCEE2}"/>
               </a:ext>
             </a:extLst>
           </p:cNvPr>
@@ -13821,10 +13747,9 @@
           <a:p>
             <a:pPr algn="ctr"/>
             <a:r>
-              <a:rPr lang="en-CA" dirty="0" smtClean="0"/>
+              <a:rPr lang="en-CA" dirty="0"/>
               <a:t>Software Architecture Design Patterns</a:t>
             </a:r>
-            <a:endParaRPr lang="en-CA" dirty="0"/>
           </a:p>
         </p:txBody>
       </p:sp>
@@ -13833,7 +13758,7 @@
           <p:cNvPr id="5" name="Content Placeholder 2">
             <a:extLst>
               <a:ext uri="{FF2B5EF4-FFF2-40B4-BE49-F238E27FC236}">
-                <a16:creationId xmlns="" xmlns:a16="http://schemas.microsoft.com/office/drawing/2014/main" id="{7C640F72-A454-411F-B0AE-3C2648885C1F}"/>
+                <a16:creationId xmlns:a16="http://schemas.microsoft.com/office/drawing/2014/main" id="{7C640F72-A454-411F-B0AE-3C2648885C1F}"/>
               </a:ext>
             </a:extLst>
           </p:cNvPr>
@@ -14034,10 +13959,9 @@
               <a:buNone/>
             </a:pPr>
             <a:r>
-              <a:rPr lang="en-CA" sz="2000" dirty="0" smtClean="0"/>
+              <a:rPr lang="en-CA" sz="2000" dirty="0"/>
               <a:t>A generalized software solution applicable to multiple contexts</a:t>
             </a:r>
-            <a:endParaRPr lang="en-CA" sz="2000" dirty="0"/>
           </a:p>
         </p:txBody>
       </p:sp>
@@ -14138,13 +14062,6 @@
   <p:clrMapOvr>
     <a:masterClrMapping/>
   </p:clrMapOvr>
-  <p:timing>
-    <p:tnLst>
-      <p:par>
-        <p:cTn id="1" dur="indefinite" restart="never" nodeType="tmRoot"/>
-      </p:par>
-    </p:tnLst>
-  </p:timing>
 </p:sld>
 </file>
 
@@ -14182,10 +14099,9 @@
           <a:p>
             <a:pPr algn="ctr"/>
             <a:r>
-              <a:rPr lang="en-CA" dirty="0" smtClean="0"/>
+              <a:rPr lang="en-CA" dirty="0"/>
               <a:t>Model View Controller</a:t>
             </a:r>
-            <a:endParaRPr lang="en-CA" dirty="0"/>
           </a:p>
         </p:txBody>
       </p:sp>
@@ -14210,24 +14126,24 @@
           <a:lstStyle/>
           <a:p>
             <a:r>
-              <a:rPr lang="en-CA" dirty="0" smtClean="0"/>
+              <a:rPr lang="en-CA" dirty="0"/>
               <a:t>Easily modifiable and extensible</a:t>
             </a:r>
           </a:p>
           <a:p>
             <a:r>
-              <a:rPr lang="en-CA" dirty="0" smtClean="0"/>
+              <a:rPr lang="en-CA" dirty="0"/>
               <a:t>Common practice in industry</a:t>
             </a:r>
           </a:p>
           <a:p>
             <a:r>
-              <a:rPr lang="en-CA" dirty="0" smtClean="0"/>
+              <a:rPr lang="en-CA" dirty="0"/>
               <a:t>Built around reactions to user input</a:t>
             </a:r>
           </a:p>
           <a:p>
-            <a:endParaRPr lang="en-CA" dirty="0" smtClean="0"/>
+            <a:endParaRPr lang="en-CA" dirty="0"/>
           </a:p>
           <a:p>
             <a:endParaRPr lang="en-CA" dirty="0"/>
@@ -14278,13 +14194,6 @@
   <p:clrMapOvr>
     <a:masterClrMapping/>
   </p:clrMapOvr>
-  <p:timing>
-    <p:tnLst>
-      <p:par>
-        <p:cTn id="1" dur="indefinite" restart="never" nodeType="tmRoot"/>
-      </p:par>
-    </p:tnLst>
-  </p:timing>
 </p:sld>
 </file>
 
@@ -14310,7 +14219,7 @@
           <p:cNvPr id="2" name="Title 1">
             <a:extLst>
               <a:ext uri="{FF2B5EF4-FFF2-40B4-BE49-F238E27FC236}">
-                <a16:creationId xmlns="" xmlns:a16="http://schemas.microsoft.com/office/drawing/2014/main" id="{36A5512F-DA0A-4155-B467-7CE21F143616}"/>
+                <a16:creationId xmlns:a16="http://schemas.microsoft.com/office/drawing/2014/main" id="{36A5512F-DA0A-4155-B467-7CE21F143616}"/>
               </a:ext>
             </a:extLst>
           </p:cNvPr>
@@ -14328,10 +14237,9 @@
           <a:p>
             <a:pPr algn="ctr"/>
             <a:r>
-              <a:rPr lang="en-CA" dirty="0" smtClean="0"/>
+              <a:rPr lang="en-CA" dirty="0"/>
               <a:t>Presentation Outline</a:t>
             </a:r>
-            <a:endParaRPr lang="en-CA" dirty="0"/>
           </a:p>
         </p:txBody>
       </p:sp>
@@ -14340,7 +14248,7 @@
           <p:cNvPr id="3" name="Content Placeholder 2">
             <a:extLst>
               <a:ext uri="{FF2B5EF4-FFF2-40B4-BE49-F238E27FC236}">
-                <a16:creationId xmlns="" xmlns:a16="http://schemas.microsoft.com/office/drawing/2014/main" id="{E64228CB-BBE3-4152-B8E5-8D60ABA4DD80}"/>
+                <a16:creationId xmlns:a16="http://schemas.microsoft.com/office/drawing/2014/main" id="{E64228CB-BBE3-4152-B8E5-8D60ABA4DD80}"/>
               </a:ext>
             </a:extLst>
           </p:cNvPr>
@@ -14362,31 +14270,31 @@
           <a:lstStyle/>
           <a:p>
             <a:r>
-              <a:rPr lang="en-CA" dirty="0" smtClean="0"/>
+              <a:rPr lang="en-CA" dirty="0"/>
               <a:t>Project Overview</a:t>
             </a:r>
           </a:p>
           <a:p>
             <a:r>
-              <a:rPr lang="en-CA" dirty="0" smtClean="0"/>
+              <a:rPr lang="en-CA" dirty="0"/>
               <a:t>Background Concepts</a:t>
             </a:r>
           </a:p>
           <a:p>
             <a:r>
-              <a:rPr lang="en-CA" dirty="0" smtClean="0"/>
+              <a:rPr lang="en-CA" dirty="0"/>
               <a:t>Software System Design Process</a:t>
             </a:r>
           </a:p>
           <a:p>
             <a:r>
-              <a:rPr lang="en-CA" dirty="0" smtClean="0"/>
+              <a:rPr lang="en-CA" dirty="0"/>
               <a:t>Hardware Input Design Process</a:t>
             </a:r>
           </a:p>
           <a:p>
             <a:r>
-              <a:rPr lang="en-CA" dirty="0" smtClean="0"/>
+              <a:rPr lang="en-CA" dirty="0"/>
               <a:t>Conclusion</a:t>
             </a:r>
           </a:p>
@@ -14439,13 +14347,6 @@
   <p:clrMapOvr>
     <a:masterClrMapping/>
   </p:clrMapOvr>
-  <p:timing>
-    <p:tnLst>
-      <p:par>
-        <p:cTn id="1" dur="indefinite" restart="never" nodeType="tmRoot"/>
-      </p:par>
-    </p:tnLst>
-  </p:timing>
 </p:sld>
 </file>
 
@@ -14471,7 +14372,7 @@
           <p:cNvPr id="2" name="Title 1">
             <a:extLst>
               <a:ext uri="{FF2B5EF4-FFF2-40B4-BE49-F238E27FC236}">
-                <a16:creationId xmlns="" xmlns:a16="http://schemas.microsoft.com/office/drawing/2014/main" id="{F25659FA-40BB-416A-97AE-15B6618B6967}"/>
+                <a16:creationId xmlns:a16="http://schemas.microsoft.com/office/drawing/2014/main" id="{F25659FA-40BB-416A-97AE-15B6618B6967}"/>
               </a:ext>
             </a:extLst>
           </p:cNvPr>
@@ -14489,10 +14390,9 @@
           <a:p>
             <a:pPr algn="ctr"/>
             <a:r>
-              <a:rPr lang="en-CA" dirty="0" smtClean="0"/>
+              <a:rPr lang="en-CA" dirty="0"/>
               <a:t>Domain Model</a:t>
             </a:r>
-            <a:endParaRPr lang="en-CA" dirty="0"/>
           </a:p>
         </p:txBody>
       </p:sp>
@@ -14501,7 +14401,7 @@
           <p:cNvPr id="5" name="Content Placeholder 4">
             <a:extLst>
               <a:ext uri="{FF2B5EF4-FFF2-40B4-BE49-F238E27FC236}">
-                <a16:creationId xmlns="" xmlns:a16="http://schemas.microsoft.com/office/drawing/2014/main" id="{B32A5AC4-23C1-4C77-8506-5F26EA9CE498}"/>
+                <a16:creationId xmlns:a16="http://schemas.microsoft.com/office/drawing/2014/main" id="{B32A5AC4-23C1-4C77-8506-5F26EA9CE498}"/>
               </a:ext>
             </a:extLst>
           </p:cNvPr>
@@ -14541,13 +14441,6 @@
   <p:clrMapOvr>
     <a:masterClrMapping/>
   </p:clrMapOvr>
-  <p:timing>
-    <p:tnLst>
-      <p:par>
-        <p:cTn id="1" dur="indefinite" restart="never" nodeType="tmRoot"/>
-      </p:par>
-    </p:tnLst>
-  </p:timing>
 </p:sld>
 </file>
 
@@ -14573,7 +14466,7 @@
           <p:cNvPr id="2" name="Title 1">
             <a:extLst>
               <a:ext uri="{FF2B5EF4-FFF2-40B4-BE49-F238E27FC236}">
-                <a16:creationId xmlns="" xmlns:a16="http://schemas.microsoft.com/office/drawing/2014/main" id="{D2B70648-F767-4919-A6C2-683C73BC25A1}"/>
+                <a16:creationId xmlns:a16="http://schemas.microsoft.com/office/drawing/2014/main" id="{D2B70648-F767-4919-A6C2-683C73BC25A1}"/>
               </a:ext>
             </a:extLst>
           </p:cNvPr>
@@ -14602,7 +14495,7 @@
           <p:cNvPr id="3" name="Content Placeholder 2">
             <a:extLst>
               <a:ext uri="{FF2B5EF4-FFF2-40B4-BE49-F238E27FC236}">
-                <a16:creationId xmlns="" xmlns:a16="http://schemas.microsoft.com/office/drawing/2014/main" id="{6ACADFAF-F2F4-452B-9B91-161ABA28ABC0}"/>
+                <a16:creationId xmlns:a16="http://schemas.microsoft.com/office/drawing/2014/main" id="{6ACADFAF-F2F4-452B-9B91-161ABA28ABC0}"/>
               </a:ext>
             </a:extLst>
           </p:cNvPr>
@@ -14668,13 +14561,6 @@
   <p:clrMapOvr>
     <a:masterClrMapping/>
   </p:clrMapOvr>
-  <p:timing>
-    <p:tnLst>
-      <p:par>
-        <p:cTn id="1" dur="indefinite" restart="never" nodeType="tmRoot"/>
-      </p:par>
-    </p:tnLst>
-  </p:timing>
 </p:sld>
 </file>
 
@@ -14780,7 +14666,7 @@
           <p:cNvPr id="5" name="Picture 4" descr="A circuit board&#10;&#10;Description generated with very high confidence">
             <a:extLst>
               <a:ext uri="{FF2B5EF4-FFF2-40B4-BE49-F238E27FC236}">
-                <a16:creationId xmlns="" xmlns:a16="http://schemas.microsoft.com/office/drawing/2014/main" id="{DBAE08E4-3D00-4CC8-A76B-D1694D8CF289}"/>
+                <a16:creationId xmlns:a16="http://schemas.microsoft.com/office/drawing/2014/main" id="{DBAE08E4-3D00-4CC8-A76B-D1694D8CF289}"/>
               </a:ext>
             </a:extLst>
           </p:cNvPr>
@@ -14821,13 +14707,6 @@
   <p:clrMapOvr>
     <a:masterClrMapping/>
   </p:clrMapOvr>
-  <p:timing>
-    <p:tnLst>
-      <p:par>
-        <p:cTn id="1" dur="indefinite" restart="never" nodeType="tmRoot"/>
-      </p:par>
-    </p:tnLst>
-  </p:timing>
 </p:sld>
 </file>
 
@@ -14926,7 +14805,7 @@
           <p:cNvPr id="5" name="Picture 4" descr="A picture containing object&#10;&#10;Description generated with very high confidence">
             <a:extLst>
               <a:ext uri="{FF2B5EF4-FFF2-40B4-BE49-F238E27FC236}">
-                <a16:creationId xmlns="" xmlns:a16="http://schemas.microsoft.com/office/drawing/2014/main" id="{A0A3EDC0-EB69-40FA-9588-ABDB2891EE5E}"/>
+                <a16:creationId xmlns:a16="http://schemas.microsoft.com/office/drawing/2014/main" id="{A0A3EDC0-EB69-40FA-9588-ABDB2891EE5E}"/>
               </a:ext>
             </a:extLst>
           </p:cNvPr>
@@ -14967,13 +14846,6 @@
   <p:clrMapOvr>
     <a:masterClrMapping/>
   </p:clrMapOvr>
-  <p:timing>
-    <p:tnLst>
-      <p:par>
-        <p:cTn id="1" dur="indefinite" restart="never" nodeType="tmRoot"/>
-      </p:par>
-    </p:tnLst>
-  </p:timing>
 </p:sld>
 </file>
 
@@ -14999,7 +14871,7 @@
           <p:cNvPr id="2" name="Title 1">
             <a:extLst>
               <a:ext uri="{FF2B5EF4-FFF2-40B4-BE49-F238E27FC236}">
-                <a16:creationId xmlns="" xmlns:a16="http://schemas.microsoft.com/office/drawing/2014/main" id="{4ACF1BA8-E11A-4BF1-99CB-CEBBCEE25196}"/>
+                <a16:creationId xmlns:a16="http://schemas.microsoft.com/office/drawing/2014/main" id="{4ACF1BA8-E11A-4BF1-99CB-CEBBCEE25196}"/>
               </a:ext>
             </a:extLst>
           </p:cNvPr>
@@ -15029,7 +14901,7 @@
           <p:cNvPr id="3" name="Content Placeholder 2">
             <a:extLst>
               <a:ext uri="{FF2B5EF4-FFF2-40B4-BE49-F238E27FC236}">
-                <a16:creationId xmlns="" xmlns:a16="http://schemas.microsoft.com/office/drawing/2014/main" id="{2101CA67-66B5-4054-984C-F46D93EDE818}"/>
+                <a16:creationId xmlns:a16="http://schemas.microsoft.com/office/drawing/2014/main" id="{2101CA67-66B5-4054-984C-F46D93EDE818}"/>
               </a:ext>
             </a:extLst>
           </p:cNvPr>
@@ -15085,13 +14957,6 @@
   <p:clrMapOvr>
     <a:masterClrMapping/>
   </p:clrMapOvr>
-  <p:timing>
-    <p:tnLst>
-      <p:par>
-        <p:cTn id="1" dur="indefinite" restart="never" nodeType="tmRoot"/>
-      </p:par>
-    </p:tnLst>
-  </p:timing>
 </p:sld>
 </file>
 
@@ -15117,7 +14982,7 @@
           <p:cNvPr id="2" name="Title 1">
             <a:extLst>
               <a:ext uri="{FF2B5EF4-FFF2-40B4-BE49-F238E27FC236}">
-                <a16:creationId xmlns="" xmlns:a16="http://schemas.microsoft.com/office/drawing/2014/main" id="{E672BB30-DE1C-407B-AA2A-C9DC748CEEC0}"/>
+                <a16:creationId xmlns:a16="http://schemas.microsoft.com/office/drawing/2014/main" id="{E672BB30-DE1C-407B-AA2A-C9DC748CEEC0}"/>
               </a:ext>
             </a:extLst>
           </p:cNvPr>
@@ -15147,7 +15012,7 @@
           <p:cNvPr id="3" name="Content Placeholder 2">
             <a:extLst>
               <a:ext uri="{FF2B5EF4-FFF2-40B4-BE49-F238E27FC236}">
-                <a16:creationId xmlns="" xmlns:a16="http://schemas.microsoft.com/office/drawing/2014/main" id="{72DED6C5-F150-4901-988D-F9D0231EF761}"/>
+                <a16:creationId xmlns:a16="http://schemas.microsoft.com/office/drawing/2014/main" id="{72DED6C5-F150-4901-988D-F9D0231EF761}"/>
               </a:ext>
             </a:extLst>
           </p:cNvPr>
@@ -15183,13 +15048,6 @@
   <p:clrMapOvr>
     <a:masterClrMapping/>
   </p:clrMapOvr>
-  <p:timing>
-    <p:tnLst>
-      <p:par>
-        <p:cTn id="1" dur="indefinite" restart="never" nodeType="tmRoot"/>
-      </p:par>
-    </p:tnLst>
-  </p:timing>
 </p:sld>
 </file>
 
@@ -15280,7 +15138,7 @@
           <p:cNvPr id="5" name="Picture 4">
             <a:extLst>
               <a:ext uri="{FF2B5EF4-FFF2-40B4-BE49-F238E27FC236}">
-                <a16:creationId xmlns="" xmlns:a16="http://schemas.microsoft.com/office/drawing/2014/main" id="{5169DC0A-87E2-4FF0-9DA4-0715A203EF3F}"/>
+                <a16:creationId xmlns:a16="http://schemas.microsoft.com/office/drawing/2014/main" id="{5169DC0A-87E2-4FF0-9DA4-0715A203EF3F}"/>
               </a:ext>
             </a:extLst>
           </p:cNvPr>
@@ -15321,13 +15179,6 @@
   <p:clrMapOvr>
     <a:masterClrMapping/>
   </p:clrMapOvr>
-  <p:timing>
-    <p:tnLst>
-      <p:par>
-        <p:cTn id="1" dur="indefinite" restart="never" nodeType="tmRoot"/>
-      </p:par>
-    </p:tnLst>
-  </p:timing>
 </p:sld>
 </file>
 
@@ -15365,10 +15216,9 @@
           <a:p>
             <a:pPr algn="ctr"/>
             <a:r>
-              <a:rPr lang="en-CA" dirty="0" smtClean="0"/>
+              <a:rPr lang="en-CA" dirty="0"/>
               <a:t>Progress So Far</a:t>
             </a:r>
-            <a:endParaRPr lang="en-CA" dirty="0"/>
           </a:p>
         </p:txBody>
       </p:sp>
@@ -15412,7 +15262,7 @@
           <p:cNvPr id="7" name="Content Placeholder 2">
             <a:extLst>
               <a:ext uri="{FF2B5EF4-FFF2-40B4-BE49-F238E27FC236}">
-                <a16:creationId xmlns="" xmlns:a16="http://schemas.microsoft.com/office/drawing/2014/main" id="{7C640F72-A454-411F-B0AE-3C2648885C1F}"/>
+                <a16:creationId xmlns:a16="http://schemas.microsoft.com/office/drawing/2014/main" id="{7C640F72-A454-411F-B0AE-3C2648885C1F}"/>
               </a:ext>
             </a:extLst>
           </p:cNvPr>
@@ -15442,34 +15292,38 @@
             </a:pPr>
             <a:r>
               <a:rPr lang="en-CA" dirty="0"/>
-              <a:t>	</a:t>
-            </a:r>
-            <a:r>
-              <a:rPr lang="en-CA" dirty="0" smtClean="0"/>
-              <a:t>September 2017	January 2018</a:t>
-            </a:r>
-            <a:endParaRPr lang="en-CA" dirty="0"/>
+              <a:t>	  September 2017	 January 2018</a:t>
+            </a:r>
           </a:p>
         </p:txBody>
       </p:sp>
       <p:pic>
         <p:nvPicPr>
-          <p:cNvPr id="9" name="Picture 8"/>
-          <p:cNvPicPr/>
+          <p:cNvPr id="4" name="Picture 3" descr="A screenshot of a cell phone&#10;&#10;Description generated with high confidence">
+            <a:extLst>
+              <a:ext uri="{FF2B5EF4-FFF2-40B4-BE49-F238E27FC236}">
+                <a16:creationId xmlns:a16="http://schemas.microsoft.com/office/drawing/2014/main" id="{509D05F7-E304-4FA7-9028-316850A94711}"/>
+              </a:ext>
+            </a:extLst>
+          </p:cNvPr>
+          <p:cNvPicPr>
+            <a:picLocks noChangeAspect="1"/>
+          </p:cNvPicPr>
           <p:nvPr/>
         </p:nvPicPr>
-        <p:blipFill rotWithShape="1">
-          <a:blip r:embed="rId2">
+        <p:blipFill>
+          <a:blip r:embed="rId3">
             <a:extLst>
               <a:ext uri="{28A0092B-C50C-407E-A947-70E740481C1C}">
                 <a14:useLocalDpi xmlns:a14="http://schemas.microsoft.com/office/drawing/2010/main" val="0"/>
               </a:ext>
             </a:extLst>
           </a:blip>
-          <a:srcRect r="28686"/>
-          <a:stretch/>
+          <a:stretch>
+            <a:fillRect/>
+          </a:stretch>
         </p:blipFill>
-        <p:spPr bwMode="auto">
+        <p:spPr>
           <a:xfrm>
             <a:off x="6551595" y="2700836"/>
             <a:ext cx="4495816" cy="2853239"/>
@@ -15477,14 +15331,6 @@
           <a:prstGeom prst="rect">
             <a:avLst/>
           </a:prstGeom>
-          <a:ln>
-            <a:noFill/>
-          </a:ln>
-          <a:extLst>
-            <a:ext uri="{53640926-AAD7-44D8-BBD7-CCE9431645EC}">
-              <a14:shadowObscured xmlns:a14="http://schemas.microsoft.com/office/drawing/2010/main"/>
-            </a:ext>
-          </a:extLst>
         </p:spPr>
       </p:pic>
     </p:spTree>
@@ -15497,13 +15343,6 @@
   <p:clrMapOvr>
     <a:masterClrMapping/>
   </p:clrMapOvr>
-  <p:timing>
-    <p:tnLst>
-      <p:par>
-        <p:cTn id="1" dur="indefinite" restart="never" nodeType="tmRoot"/>
-      </p:par>
-    </p:tnLst>
-  </p:timing>
 </p:sld>
 </file>
 
@@ -15541,10 +15380,9 @@
           <a:p>
             <a:pPr algn="ctr"/>
             <a:r>
-              <a:rPr lang="en-CA" dirty="0" smtClean="0"/>
+              <a:rPr lang="en-CA" dirty="0"/>
               <a:t>Project Roadblocks</a:t>
             </a:r>
-            <a:endParaRPr lang="en-CA" dirty="0"/>
           </a:p>
         </p:txBody>
       </p:sp>
@@ -15563,7 +15401,48 @@
           <a:bodyPr/>
           <a:lstStyle/>
           <a:p>
-            <a:endParaRPr lang="en-CA"/>
+            <a:r>
+              <a:rPr lang="en-CA" dirty="0" err="1"/>
+              <a:t>Wiimote</a:t>
+            </a:r>
+            <a:r>
+              <a:rPr lang="en-CA" dirty="0"/>
+              <a:t> Plus – the original input system</a:t>
+            </a:r>
+          </a:p>
+          <a:p>
+            <a:pPr lvl="1"/>
+            <a:r>
+              <a:rPr lang="en-CA" dirty="0"/>
+              <a:t>It was insufficient when trying to estimate orientation and position</a:t>
+            </a:r>
+          </a:p>
+          <a:p>
+            <a:pPr lvl="1"/>
+            <a:r>
+              <a:rPr lang="en-CA" dirty="0"/>
+              <a:t>Replaced with the Federuino system</a:t>
+            </a:r>
+          </a:p>
+          <a:p>
+            <a:r>
+              <a:rPr lang="en-CA" dirty="0"/>
+              <a:t>Original Bluetooth module</a:t>
+            </a:r>
+          </a:p>
+          <a:p>
+            <a:pPr lvl="1"/>
+            <a:r>
+              <a:rPr lang="en-CA" dirty="0"/>
+              <a:t>Scarce documentation for the original module delayed progress and after, the module ceased functioning</a:t>
+            </a:r>
+          </a:p>
+          <a:p>
+            <a:pPr lvl="1"/>
+            <a:r>
+              <a:rPr lang="en-CA" dirty="0"/>
+              <a:t>Replaced with the SEEED Bluetooth Shield</a:t>
+            </a:r>
           </a:p>
         </p:txBody>
       </p:sp>
@@ -15577,13 +15456,6 @@
   <p:clrMapOvr>
     <a:masterClrMapping/>
   </p:clrMapOvr>
-  <p:timing>
-    <p:tnLst>
-      <p:par>
-        <p:cTn id="1" dur="indefinite" restart="never" nodeType="tmRoot"/>
-      </p:par>
-    </p:tnLst>
-  </p:timing>
 </p:sld>
 </file>
 
@@ -15609,7 +15481,7 @@
           <p:cNvPr id="2" name="Title 1">
             <a:extLst>
               <a:ext uri="{FF2B5EF4-FFF2-40B4-BE49-F238E27FC236}">
-                <a16:creationId xmlns="" xmlns:a16="http://schemas.microsoft.com/office/drawing/2014/main" id="{F3803F2D-DAF2-45A6-A9E5-9C8445154E8F}"/>
+                <a16:creationId xmlns:a16="http://schemas.microsoft.com/office/drawing/2014/main" id="{F3803F2D-DAF2-45A6-A9E5-9C8445154E8F}"/>
               </a:ext>
             </a:extLst>
           </p:cNvPr>
@@ -15627,10 +15499,9 @@
           <a:p>
             <a:pPr algn="ctr"/>
             <a:r>
-              <a:rPr lang="en-US" dirty="0" smtClean="0"/>
+              <a:rPr lang="en-US" dirty="0"/>
               <a:t>References</a:t>
             </a:r>
-            <a:endParaRPr lang="en-US" dirty="0"/>
           </a:p>
         </p:txBody>
       </p:sp>
@@ -15639,7 +15510,7 @@
           <p:cNvPr id="3" name="Content Placeholder 2">
             <a:extLst>
               <a:ext uri="{FF2B5EF4-FFF2-40B4-BE49-F238E27FC236}">
-                <a16:creationId xmlns="" xmlns:a16="http://schemas.microsoft.com/office/drawing/2014/main" id="{D9758561-4EBB-4DA0-B49E-A158313B8F68}"/>
+                <a16:creationId xmlns:a16="http://schemas.microsoft.com/office/drawing/2014/main" id="{D9758561-4EBB-4DA0-B49E-A158313B8F68}"/>
               </a:ext>
             </a:extLst>
           </p:cNvPr>
@@ -15679,11 +15550,7 @@
             </a:r>
             <a:r>
               <a:rPr lang="en-US" sz="1400" dirty="0"/>
-              <a:t>Cambridge: University of Cambridge, p. 21-23. Available at: https://www.cl.cam.ac.uk/techreports/UCAM-CL-TR-696.pdf (Accessed 20 Jan,2018</a:t>
-            </a:r>
-            <a:r>
-              <a:rPr lang="en-US" sz="1400" dirty="0" smtClean="0"/>
-              <a:t>)</a:t>
+              <a:t>Cambridge: University of Cambridge, p. 21-23. Available at: https://www.cl.cam.ac.uk/techreports/UCAM-CL-TR-696.pdf (Accessed 20 Jan,2018)</a:t>
             </a:r>
           </a:p>
           <a:p>
@@ -15693,11 +15560,7 @@
             </a:pPr>
             <a:r>
               <a:rPr lang="en-CA" sz="1400" dirty="0"/>
-              <a:t>The Open Group. (2006). Architectural Patterns. Retrieved January 22, 2018, from http://</a:t>
-            </a:r>
-            <a:r>
-              <a:rPr lang="en-CA" sz="1400" dirty="0" smtClean="0"/>
-              <a:t>pubs.opengroup.org/architecture/togaf8-doc/arch/chap28.html</a:t>
+              <a:t>The Open Group. (2006). Architectural Patterns. Retrieved January 22, 2018, from http://pubs.opengroup.org/architecture/togaf8-doc/arch/chap28.html</a:t>
             </a:r>
           </a:p>
           <a:p>
@@ -15711,13 +15574,9 @@
             </a:r>
             <a:r>
               <a:rPr lang="en-CA" sz="1400" dirty="0"/>
-              <a:t>, V. (2017, September 04). 10 Common Software Architectural Patterns. Retrieved January 23, 2018, from https://</a:t>
-            </a:r>
-            <a:r>
-              <a:rPr lang="en-CA" sz="1400" dirty="0" smtClean="0"/>
-              <a:t>towardsdatascience.com/10-common-software-architectural-patterns-in-a-nutshell-a0b47a1e9013</a:t>
-            </a:r>
-            <a:endParaRPr lang="en-US" sz="1400" dirty="0" smtClean="0"/>
+              <a:t>, V. (2017, September 04). 10 Common Software Architectural Patterns. Retrieved January 23, 2018, from https://towardsdatascience.com/10-common-software-architectural-patterns-in-a-nutshell-a0b47a1e9013</a:t>
+            </a:r>
+            <a:endParaRPr lang="en-US" sz="1400" dirty="0"/>
           </a:p>
           <a:p>
             <a:pPr>
@@ -15736,7 +15595,7 @@
               <a:rPr lang="en-CA" sz="1400" dirty="0"/>
               <a:t>). Scenes Documentation. Retrieved January 24, 2018, from https://docs.unity3d.com/Manual/CreatingScenes.html</a:t>
             </a:r>
-            <a:endParaRPr lang="en-US" sz="1400" dirty="0" smtClean="0"/>
+            <a:endParaRPr lang="en-US" sz="1400" dirty="0"/>
           </a:p>
           <a:p>
             <a:pPr>
@@ -15757,13 +15616,6 @@
   <p:clrMapOvr>
     <a:masterClrMapping/>
   </p:clrMapOvr>
-  <p:timing>
-    <p:tnLst>
-      <p:par>
-        <p:cTn id="1" dur="indefinite" restart="never" nodeType="tmRoot"/>
-      </p:par>
-    </p:tnLst>
-  </p:timing>
 </p:sld>
 </file>
 
@@ -15789,7 +15641,7 @@
           <p:cNvPr id="2" name="Title 1">
             <a:extLst>
               <a:ext uri="{FF2B5EF4-FFF2-40B4-BE49-F238E27FC236}">
-                <a16:creationId xmlns="" xmlns:a16="http://schemas.microsoft.com/office/drawing/2014/main" id="{36A5512F-DA0A-4155-B467-7CE21F143616}"/>
+                <a16:creationId xmlns:a16="http://schemas.microsoft.com/office/drawing/2014/main" id="{36A5512F-DA0A-4155-B467-7CE21F143616}"/>
               </a:ext>
             </a:extLst>
           </p:cNvPr>
@@ -15807,10 +15659,9 @@
           <a:p>
             <a:pPr algn="ctr"/>
             <a:r>
-              <a:rPr lang="en-CA" dirty="0" smtClean="0"/>
+              <a:rPr lang="en-CA" dirty="0"/>
               <a:t>Project Objective</a:t>
             </a:r>
-            <a:endParaRPr lang="en-CA" dirty="0"/>
           </a:p>
         </p:txBody>
       </p:sp>
@@ -15819,7 +15670,7 @@
           <p:cNvPr id="3" name="Content Placeholder 2">
             <a:extLst>
               <a:ext uri="{FF2B5EF4-FFF2-40B4-BE49-F238E27FC236}">
-                <a16:creationId xmlns="" xmlns:a16="http://schemas.microsoft.com/office/drawing/2014/main" id="{E64228CB-BBE3-4152-B8E5-8D60ABA4DD80}"/>
+                <a16:creationId xmlns:a16="http://schemas.microsoft.com/office/drawing/2014/main" id="{E64228CB-BBE3-4152-B8E5-8D60ABA4DD80}"/>
               </a:ext>
             </a:extLst>
           </p:cNvPr>
@@ -15844,10 +15695,9 @@
               <a:buNone/>
             </a:pPr>
             <a:r>
-              <a:rPr lang="en-CA" dirty="0" smtClean="0"/>
+              <a:rPr lang="en-CA" dirty="0"/>
               <a:t>Provide reliable HEMA training to novices without the need for a trainer </a:t>
             </a:r>
-            <a:endParaRPr lang="en-CA" dirty="0"/>
           </a:p>
         </p:txBody>
       </p:sp>
@@ -15900,13 +15750,6 @@
   <p:clrMapOvr>
     <a:masterClrMapping/>
   </p:clrMapOvr>
-  <p:timing>
-    <p:tnLst>
-      <p:par>
-        <p:cTn id="1" dur="indefinite" restart="never" nodeType="tmRoot"/>
-      </p:par>
-    </p:tnLst>
-  </p:timing>
 </p:sld>
 </file>
 
@@ -15932,7 +15775,7 @@
           <p:cNvPr id="2" name="Title 1">
             <a:extLst>
               <a:ext uri="{FF2B5EF4-FFF2-40B4-BE49-F238E27FC236}">
-                <a16:creationId xmlns="" xmlns:a16="http://schemas.microsoft.com/office/drawing/2014/main" id="{1F284F98-4938-4E13-ADBC-87557807C8E9}"/>
+                <a16:creationId xmlns:a16="http://schemas.microsoft.com/office/drawing/2014/main" id="{1F284F98-4938-4E13-ADBC-87557807C8E9}"/>
               </a:ext>
             </a:extLst>
           </p:cNvPr>
@@ -15950,10 +15793,9 @@
           <a:p>
             <a:pPr algn="ctr"/>
             <a:r>
-              <a:rPr lang="en-US" dirty="0" smtClean="0"/>
+              <a:rPr lang="en-US" dirty="0"/>
               <a:t>In Conclusion</a:t>
             </a:r>
-            <a:endParaRPr lang="en-US" dirty="0"/>
           </a:p>
         </p:txBody>
       </p:sp>
@@ -15978,20 +15820,19 @@
           <a:lstStyle/>
           <a:p>
             <a:r>
-              <a:rPr lang="en-CA" dirty="0" smtClean="0"/>
+              <a:rPr lang="en-CA" dirty="0"/>
               <a:t>HEMA training simulator progresses, if slowly</a:t>
             </a:r>
-            <a:endParaRPr lang="en-CA" dirty="0"/>
-          </a:p>
-          <a:p>
-            <a:r>
-              <a:rPr lang="en-CA" dirty="0" smtClean="0"/>
+          </a:p>
+          <a:p>
+            <a:r>
+              <a:rPr lang="en-CA" dirty="0"/>
               <a:t>Next steps are input recording and standardizing</a:t>
             </a:r>
           </a:p>
           <a:p>
             <a:r>
-              <a:rPr lang="en-CA" dirty="0" smtClean="0"/>
+              <a:rPr lang="en-CA" dirty="0"/>
               <a:t>On track for March 2018 completion</a:t>
             </a:r>
           </a:p>
@@ -16046,13 +15887,6 @@
   <p:clrMapOvr>
     <a:masterClrMapping/>
   </p:clrMapOvr>
-  <p:timing>
-    <p:tnLst>
-      <p:par>
-        <p:cTn id="1" dur="indefinite" restart="never" nodeType="tmRoot"/>
-      </p:par>
-    </p:tnLst>
-  </p:timing>
 </p:sld>
 </file>
 
@@ -16078,7 +15912,7 @@
           <p:cNvPr id="2" name="Title 1">
             <a:extLst>
               <a:ext uri="{FF2B5EF4-FFF2-40B4-BE49-F238E27FC236}">
-                <a16:creationId xmlns="" xmlns:a16="http://schemas.microsoft.com/office/drawing/2014/main" id="{1F284F98-4938-4E13-ADBC-87557807C8E9}"/>
+                <a16:creationId xmlns:a16="http://schemas.microsoft.com/office/drawing/2014/main" id="{1F284F98-4938-4E13-ADBC-87557807C8E9}"/>
               </a:ext>
             </a:extLst>
           </p:cNvPr>
@@ -16089,17 +15923,52 @@
             <p:ph type="title"/>
           </p:nvPr>
         </p:nvSpPr>
-        <p:spPr/>
+        <p:spPr>
+          <a:xfrm>
+            <a:off x="1141413" y="618518"/>
+            <a:ext cx="9905998" cy="5859400"/>
+          </a:xfrm>
+        </p:spPr>
         <p:txBody>
           <a:bodyPr/>
           <a:lstStyle/>
           <a:p>
             <a:pPr algn="ctr"/>
             <a:r>
-              <a:rPr lang="en-US" dirty="0" smtClean="0"/>
+              <a:rPr lang="en-US" dirty="0"/>
               <a:t>Thanks for Listening!</a:t>
             </a:r>
-            <a:endParaRPr lang="en-US" dirty="0"/>
+            <a:br>
+              <a:rPr lang="en-US" dirty="0"/>
+            </a:br>
+            <a:br>
+              <a:rPr lang="en-US" dirty="0"/>
+            </a:br>
+            <a:br>
+              <a:rPr lang="en-US" dirty="0"/>
+            </a:br>
+            <a:br>
+              <a:rPr lang="en-US" dirty="0"/>
+            </a:br>
+            <a:br>
+              <a:rPr lang="en-US" dirty="0"/>
+            </a:br>
+            <a:br>
+              <a:rPr lang="en-US" dirty="0"/>
+            </a:br>
+            <a:br>
+              <a:rPr lang="en-US" dirty="0"/>
+            </a:br>
+            <a:br>
+              <a:rPr lang="en-US" dirty="0"/>
+            </a:br>
+            <a:br>
+              <a:rPr lang="en-US" dirty="0"/>
+            </a:br>
+            <a:r>
+              <a:rPr lang="en-US" dirty="0"/>
+              <a:t>Questions?</a:t>
+            </a:r>
           </a:p>
         </p:txBody>
       </p:sp>
@@ -16128,8 +15997,8 @@
         </p:blipFill>
         <p:spPr bwMode="auto">
           <a:xfrm>
-            <a:off x="3953835" y="2160835"/>
-            <a:ext cx="4281154" cy="4281154"/>
+            <a:off x="4518389" y="2097088"/>
+            <a:ext cx="3152045" cy="3152045"/>
           </a:xfrm>
           <a:prstGeom prst="rect">
             <a:avLst/>
@@ -16156,13 +16025,6 @@
   <p:clrMapOvr>
     <a:masterClrMapping/>
   </p:clrMapOvr>
-  <p:timing>
-    <p:tnLst>
-      <p:par>
-        <p:cTn id="1" dur="indefinite" restart="never" nodeType="tmRoot"/>
-      </p:par>
-    </p:tnLst>
-  </p:timing>
 </p:sld>
 </file>
 
@@ -16188,7 +16050,7 @@
           <p:cNvPr id="2" name="Title 1">
             <a:extLst>
               <a:ext uri="{FF2B5EF4-FFF2-40B4-BE49-F238E27FC236}">
-                <a16:creationId xmlns="" xmlns:a16="http://schemas.microsoft.com/office/drawing/2014/main" id="{36A5512F-DA0A-4155-B467-7CE21F143616}"/>
+                <a16:creationId xmlns:a16="http://schemas.microsoft.com/office/drawing/2014/main" id="{36A5512F-DA0A-4155-B467-7CE21F143616}"/>
               </a:ext>
             </a:extLst>
           </p:cNvPr>
@@ -16217,7 +16079,7 @@
           <p:cNvPr id="3" name="Content Placeholder 2">
             <a:extLst>
               <a:ext uri="{FF2B5EF4-FFF2-40B4-BE49-F238E27FC236}">
-                <a16:creationId xmlns="" xmlns:a16="http://schemas.microsoft.com/office/drawing/2014/main" id="{E64228CB-BBE3-4152-B8E5-8D60ABA4DD80}"/>
+                <a16:creationId xmlns:a16="http://schemas.microsoft.com/office/drawing/2014/main" id="{E64228CB-BBE3-4152-B8E5-8D60ABA4DD80}"/>
               </a:ext>
             </a:extLst>
           </p:cNvPr>
@@ -16262,7 +16124,7 @@
           <p:cNvPr id="3074" name="Picture 2" descr="Image result for confused">
             <a:extLst>
               <a:ext uri="{FF2B5EF4-FFF2-40B4-BE49-F238E27FC236}">
-                <a16:creationId xmlns="" xmlns:a16="http://schemas.microsoft.com/office/drawing/2014/main" id="{E1005C07-9659-4122-93F1-890F6F4988EA}"/>
+                <a16:creationId xmlns:a16="http://schemas.microsoft.com/office/drawing/2014/main" id="{E1005C07-9659-4122-93F1-890F6F4988EA}"/>
               </a:ext>
             </a:extLst>
           </p:cNvPr>
@@ -16314,13 +16176,6 @@
   <p:clrMapOvr>
     <a:masterClrMapping/>
   </p:clrMapOvr>
-  <p:timing>
-    <p:tnLst>
-      <p:par>
-        <p:cTn id="1" dur="indefinite" restart="never" nodeType="tmRoot"/>
-      </p:par>
-    </p:tnLst>
-  </p:timing>
 </p:sld>
 </file>
 
@@ -16346,7 +16201,7 @@
           <p:cNvPr id="2" name="Title 1">
             <a:extLst>
               <a:ext uri="{FF2B5EF4-FFF2-40B4-BE49-F238E27FC236}">
-                <a16:creationId xmlns="" xmlns:a16="http://schemas.microsoft.com/office/drawing/2014/main" id="{A226FFC3-0B76-4B58-B7F4-EA7CA37664C0}"/>
+                <a16:creationId xmlns:a16="http://schemas.microsoft.com/office/drawing/2014/main" id="{A226FFC3-0B76-4B58-B7F4-EA7CA37664C0}"/>
               </a:ext>
             </a:extLst>
           </p:cNvPr>
@@ -16375,7 +16230,7 @@
           <p:cNvPr id="1026" name="Picture 2" descr="Image result for martial arts stock photo">
             <a:extLst>
               <a:ext uri="{FF2B5EF4-FFF2-40B4-BE49-F238E27FC236}">
-                <a16:creationId xmlns="" xmlns:a16="http://schemas.microsoft.com/office/drawing/2014/main" id="{35DFDF86-5D75-4EF2-ABCC-75ADBA41345B}"/>
+                <a16:creationId xmlns:a16="http://schemas.microsoft.com/office/drawing/2014/main" id="{35DFDF86-5D75-4EF2-ABCC-75ADBA41345B}"/>
               </a:ext>
             </a:extLst>
           </p:cNvPr>
@@ -16422,7 +16277,7 @@
           <p:cNvPr id="1028" name="Picture 4" descr="Image result for fencing sword stock photo">
             <a:extLst>
               <a:ext uri="{FF2B5EF4-FFF2-40B4-BE49-F238E27FC236}">
-                <a16:creationId xmlns="" xmlns:a16="http://schemas.microsoft.com/office/drawing/2014/main" id="{9C0671BE-82B5-4A7B-B979-A9BB819D7EA0}"/>
+                <a16:creationId xmlns:a16="http://schemas.microsoft.com/office/drawing/2014/main" id="{9C0671BE-82B5-4A7B-B979-A9BB819D7EA0}"/>
               </a:ext>
             </a:extLst>
           </p:cNvPr>
@@ -16469,7 +16324,7 @@
           <p:cNvPr id="5" name="TextBox 4">
             <a:extLst>
               <a:ext uri="{FF2B5EF4-FFF2-40B4-BE49-F238E27FC236}">
-                <a16:creationId xmlns="" xmlns:a16="http://schemas.microsoft.com/office/drawing/2014/main" id="{9167E0EE-7DE5-46F2-9436-8515EA8BFCCE}"/>
+                <a16:creationId xmlns:a16="http://schemas.microsoft.com/office/drawing/2014/main" id="{9167E0EE-7DE5-46F2-9436-8515EA8BFCCE}"/>
               </a:ext>
             </a:extLst>
           </p:cNvPr>
@@ -16504,7 +16359,7 @@
           <p:cNvPr id="1030" name="Picture 6" descr="Image result for bo staff pose">
             <a:extLst>
               <a:ext uri="{FF2B5EF4-FFF2-40B4-BE49-F238E27FC236}">
-                <a16:creationId xmlns="" xmlns:a16="http://schemas.microsoft.com/office/drawing/2014/main" id="{3E44751B-CF30-4DE1-9F87-01F2D4CD1345}"/>
+                <a16:creationId xmlns:a16="http://schemas.microsoft.com/office/drawing/2014/main" id="{3E44751B-CF30-4DE1-9F87-01F2D4CD1345}"/>
               </a:ext>
             </a:extLst>
           </p:cNvPr>
@@ -16556,13 +16411,6 @@
   <p:clrMapOvr>
     <a:masterClrMapping/>
   </p:clrMapOvr>
-  <p:timing>
-    <p:tnLst>
-      <p:par>
-        <p:cTn id="1" dur="indefinite" restart="never" nodeType="tmRoot"/>
-      </p:par>
-    </p:tnLst>
-  </p:timing>
 </p:sld>
 </file>
 
@@ -16588,7 +16436,7 @@
           <p:cNvPr id="2" name="Title 1">
             <a:extLst>
               <a:ext uri="{FF2B5EF4-FFF2-40B4-BE49-F238E27FC236}">
-                <a16:creationId xmlns="" xmlns:a16="http://schemas.microsoft.com/office/drawing/2014/main" id="{64D337EA-02F4-4FB4-8A67-402AE4DD9340}"/>
+                <a16:creationId xmlns:a16="http://schemas.microsoft.com/office/drawing/2014/main" id="{64D337EA-02F4-4FB4-8A67-402AE4DD9340}"/>
               </a:ext>
             </a:extLst>
           </p:cNvPr>
@@ -16617,7 +16465,7 @@
           <p:cNvPr id="2050" name="Picture 2" descr="Image result for historical european martial arts">
             <a:extLst>
               <a:ext uri="{FF2B5EF4-FFF2-40B4-BE49-F238E27FC236}">
-                <a16:creationId xmlns="" xmlns:a16="http://schemas.microsoft.com/office/drawing/2014/main" id="{3717EEE2-7DC0-40CE-8512-44B65253AFC2}"/>
+                <a16:creationId xmlns:a16="http://schemas.microsoft.com/office/drawing/2014/main" id="{3717EEE2-7DC0-40CE-8512-44B65253AFC2}"/>
               </a:ext>
             </a:extLst>
           </p:cNvPr>
@@ -16664,7 +16512,7 @@
           <p:cNvPr id="2052" name="Picture 4" descr="http://www.hemac.org/img/pic/i33.jpg">
             <a:extLst>
               <a:ext uri="{FF2B5EF4-FFF2-40B4-BE49-F238E27FC236}">
-                <a16:creationId xmlns="" xmlns:a16="http://schemas.microsoft.com/office/drawing/2014/main" id="{A283EDD7-8455-4A55-97ED-DA763A0C8B58}"/>
+                <a16:creationId xmlns:a16="http://schemas.microsoft.com/office/drawing/2014/main" id="{A283EDD7-8455-4A55-97ED-DA763A0C8B58}"/>
               </a:ext>
             </a:extLst>
           </p:cNvPr>
@@ -16711,7 +16559,7 @@
           <p:cNvPr id="4" name="TextBox 3">
             <a:extLst>
               <a:ext uri="{FF2B5EF4-FFF2-40B4-BE49-F238E27FC236}">
-                <a16:creationId xmlns="" xmlns:a16="http://schemas.microsoft.com/office/drawing/2014/main" id="{A6C94766-E3A3-4C42-9BD7-3FA8965FBF80}"/>
+                <a16:creationId xmlns:a16="http://schemas.microsoft.com/office/drawing/2014/main" id="{A6C94766-E3A3-4C42-9BD7-3FA8965FBF80}"/>
               </a:ext>
             </a:extLst>
           </p:cNvPr>
@@ -16751,13 +16599,6 @@
   <p:clrMapOvr>
     <a:masterClrMapping/>
   </p:clrMapOvr>
-  <p:timing>
-    <p:tnLst>
-      <p:par>
-        <p:cTn id="1" dur="indefinite" restart="never" nodeType="tmRoot"/>
-      </p:par>
-    </p:tnLst>
-  </p:timing>
 </p:sld>
 </file>
 
@@ -16783,7 +16624,7 @@
           <p:cNvPr id="2" name="Title 1">
             <a:extLst>
               <a:ext uri="{FF2B5EF4-FFF2-40B4-BE49-F238E27FC236}">
-                <a16:creationId xmlns="" xmlns:a16="http://schemas.microsoft.com/office/drawing/2014/main" id="{87750F07-33DE-427A-9D3B-1AC46D29D5C5}"/>
+                <a16:creationId xmlns:a16="http://schemas.microsoft.com/office/drawing/2014/main" id="{87750F07-33DE-427A-9D3B-1AC46D29D5C5}"/>
               </a:ext>
             </a:extLst>
           </p:cNvPr>
@@ -16816,7 +16657,7 @@
           <p:cNvPr id="3" name="Content Placeholder 2">
             <a:extLst>
               <a:ext uri="{FF2B5EF4-FFF2-40B4-BE49-F238E27FC236}">
-                <a16:creationId xmlns="" xmlns:a16="http://schemas.microsoft.com/office/drawing/2014/main" id="{27957891-E8CF-4945-9E5A-1261E6F6E577}"/>
+                <a16:creationId xmlns:a16="http://schemas.microsoft.com/office/drawing/2014/main" id="{27957891-E8CF-4945-9E5A-1261E6F6E577}"/>
               </a:ext>
             </a:extLst>
           </p:cNvPr>
@@ -16877,7 +16718,7 @@
           <p:cNvPr id="4106" name="Picture 10" descr="Image result for federschwert">
             <a:extLst>
               <a:ext uri="{FF2B5EF4-FFF2-40B4-BE49-F238E27FC236}">
-                <a16:creationId xmlns="" xmlns:a16="http://schemas.microsoft.com/office/drawing/2014/main" id="{B84A99CF-5F5B-43D8-9783-F4A621B21032}"/>
+                <a16:creationId xmlns:a16="http://schemas.microsoft.com/office/drawing/2014/main" id="{B84A99CF-5F5B-43D8-9783-F4A621B21032}"/>
               </a:ext>
             </a:extLst>
           </p:cNvPr>
@@ -16927,13 +16768,6 @@
   <p:clrMapOvr>
     <a:masterClrMapping/>
   </p:clrMapOvr>
-  <p:timing>
-    <p:tnLst>
-      <p:par>
-        <p:cTn id="1" dur="indefinite" restart="never" nodeType="tmRoot"/>
-      </p:par>
-    </p:tnLst>
-  </p:timing>
 </p:sld>
 </file>
 
@@ -16959,7 +16793,7 @@
           <p:cNvPr id="2" name="Title 1">
             <a:extLst>
               <a:ext uri="{FF2B5EF4-FFF2-40B4-BE49-F238E27FC236}">
-                <a16:creationId xmlns="" xmlns:a16="http://schemas.microsoft.com/office/drawing/2014/main" id="{62A73FB6-C61F-42A7-AA59-33990FCC769C}"/>
+                <a16:creationId xmlns:a16="http://schemas.microsoft.com/office/drawing/2014/main" id="{62A73FB6-C61F-42A7-AA59-33990FCC769C}"/>
               </a:ext>
             </a:extLst>
           </p:cNvPr>
@@ -16988,7 +16822,7 @@
           <p:cNvPr id="4" name="TextBox 3">
             <a:extLst>
               <a:ext uri="{FF2B5EF4-FFF2-40B4-BE49-F238E27FC236}">
-                <a16:creationId xmlns="" xmlns:a16="http://schemas.microsoft.com/office/drawing/2014/main" id="{C0179942-D8BA-4453-85AC-C0980C3806BA}"/>
+                <a16:creationId xmlns:a16="http://schemas.microsoft.com/office/drawing/2014/main" id="{C0179942-D8BA-4453-85AC-C0980C3806BA}"/>
               </a:ext>
             </a:extLst>
           </p:cNvPr>
@@ -17023,7 +16857,7 @@
           <p:cNvPr id="5122" name="Picture 2" descr="Image result for simulator">
             <a:extLst>
               <a:ext uri="{FF2B5EF4-FFF2-40B4-BE49-F238E27FC236}">
-                <a16:creationId xmlns="" xmlns:a16="http://schemas.microsoft.com/office/drawing/2014/main" id="{5EA3C10D-78E1-40D1-B006-678934D7CCEE}"/>
+                <a16:creationId xmlns:a16="http://schemas.microsoft.com/office/drawing/2014/main" id="{5EA3C10D-78E1-40D1-B006-678934D7CCEE}"/>
               </a:ext>
             </a:extLst>
           </p:cNvPr>
@@ -17070,7 +16904,7 @@
           <p:cNvPr id="5124" name="Picture 4" descr="https://www.gamegrin.com/assets/games/car-mechanic-simulator-2015/screenshots/car-mechanic-simulator-2015-screenshot-7.jpg">
             <a:extLst>
               <a:ext uri="{FF2B5EF4-FFF2-40B4-BE49-F238E27FC236}">
-                <a16:creationId xmlns="" xmlns:a16="http://schemas.microsoft.com/office/drawing/2014/main" id="{472D511B-17AF-4921-BE65-BC0124138252}"/>
+                <a16:creationId xmlns:a16="http://schemas.microsoft.com/office/drawing/2014/main" id="{472D511B-17AF-4921-BE65-BC0124138252}"/>
               </a:ext>
             </a:extLst>
           </p:cNvPr>
@@ -17122,13 +16956,6 @@
   <p:clrMapOvr>
     <a:masterClrMapping/>
   </p:clrMapOvr>
-  <p:timing>
-    <p:tnLst>
-      <p:par>
-        <p:cTn id="1" dur="indefinite" restart="never" nodeType="tmRoot"/>
-      </p:par>
-    </p:tnLst>
-  </p:timing>
 </p:sld>
 </file>
 
@@ -17154,7 +16981,7 @@
           <p:cNvPr id="2" name="Title 1">
             <a:extLst>
               <a:ext uri="{FF2B5EF4-FFF2-40B4-BE49-F238E27FC236}">
-                <a16:creationId xmlns="" xmlns:a16="http://schemas.microsoft.com/office/drawing/2014/main" id="{B67B30F8-209F-42BD-98AA-EA47CD1674E7}"/>
+                <a16:creationId xmlns:a16="http://schemas.microsoft.com/office/drawing/2014/main" id="{B67B30F8-209F-42BD-98AA-EA47CD1674E7}"/>
               </a:ext>
             </a:extLst>
           </p:cNvPr>
@@ -17183,7 +17010,7 @@
           <p:cNvPr id="3" name="Content Placeholder 2">
             <a:extLst>
               <a:ext uri="{FF2B5EF4-FFF2-40B4-BE49-F238E27FC236}">
-                <a16:creationId xmlns="" xmlns:a16="http://schemas.microsoft.com/office/drawing/2014/main" id="{E8FCC0D7-6C81-4DAD-A7AA-3D1B55688E2B}"/>
+                <a16:creationId xmlns:a16="http://schemas.microsoft.com/office/drawing/2014/main" id="{E8FCC0D7-6C81-4DAD-A7AA-3D1B55688E2B}"/>
               </a:ext>
             </a:extLst>
           </p:cNvPr>
@@ -17240,7 +17067,7 @@
           <p:cNvPr id="6146" name="Picture 2" descr="Image result for cloud computing">
             <a:extLst>
               <a:ext uri="{FF2B5EF4-FFF2-40B4-BE49-F238E27FC236}">
-                <a16:creationId xmlns="" xmlns:a16="http://schemas.microsoft.com/office/drawing/2014/main" id="{332127A4-AFB9-4DEA-B3C2-CADF02AD2E7E}"/>
+                <a16:creationId xmlns:a16="http://schemas.microsoft.com/office/drawing/2014/main" id="{332127A4-AFB9-4DEA-B3C2-CADF02AD2E7E}"/>
               </a:ext>
             </a:extLst>
           </p:cNvPr>
@@ -17292,13 +17119,6 @@
   <p:clrMapOvr>
     <a:masterClrMapping/>
   </p:clrMapOvr>
-  <p:timing>
-    <p:tnLst>
-      <p:par>
-        <p:cTn id="1" dur="indefinite" restart="never" nodeType="tmRoot"/>
-      </p:par>
-    </p:tnLst>
-  </p:timing>
 </p:sld>
 </file>
 
